--- a/actividades/Apresentação.pptx
+++ b/actividades/Apresentação.pptx
@@ -8,6 +8,17 @@
     <p:sldId id="256" r:id="rId2"/>
     <p:sldId id="257" r:id="rId3"/>
     <p:sldId id="258" r:id="rId4"/>
+    <p:sldId id="259" r:id="rId5"/>
+    <p:sldId id="260" r:id="rId6"/>
+    <p:sldId id="261" r:id="rId7"/>
+    <p:sldId id="262" r:id="rId8"/>
+    <p:sldId id="263" r:id="rId9"/>
+    <p:sldId id="264" r:id="rId10"/>
+    <p:sldId id="265" r:id="rId11"/>
+    <p:sldId id="266" r:id="rId12"/>
+    <p:sldId id="267" r:id="rId13"/>
+    <p:sldId id="268" r:id="rId14"/>
+    <p:sldId id="269" r:id="rId15"/>
   </p:sldIdLst>
   <p:sldSz cx="9144000" cy="6858000" type="screen4x3"/>
   <p:notesSz cx="6858000" cy="9144000"/>
@@ -415,7 +426,7 @@
           <a:p>
             <a:fld id="{C6A25ADF-9D96-43A4-9C2F-88BA43455C97}" type="datetimeFigureOut">
               <a:rPr lang="pt-PT" smtClean="0"/>
-              <a:t>15-06-2015</a:t>
+              <a:t>17-06-2015</a:t>
             </a:fld>
             <a:endParaRPr lang="pt-PT"/>
           </a:p>
@@ -600,7 +611,7 @@
           <a:p>
             <a:fld id="{C6A25ADF-9D96-43A4-9C2F-88BA43455C97}" type="datetimeFigureOut">
               <a:rPr lang="pt-PT" smtClean="0"/>
-              <a:t>15-06-2015</a:t>
+              <a:t>17-06-2015</a:t>
             </a:fld>
             <a:endParaRPr lang="pt-PT"/>
           </a:p>
@@ -785,7 +796,7 @@
           <a:p>
             <a:fld id="{C6A25ADF-9D96-43A4-9C2F-88BA43455C97}" type="datetimeFigureOut">
               <a:rPr lang="pt-PT" smtClean="0"/>
-              <a:t>15-06-2015</a:t>
+              <a:t>17-06-2015</a:t>
             </a:fld>
             <a:endParaRPr lang="pt-PT"/>
           </a:p>
@@ -970,7 +981,7 @@
           <a:p>
             <a:fld id="{C6A25ADF-9D96-43A4-9C2F-88BA43455C97}" type="datetimeFigureOut">
               <a:rPr lang="pt-PT" smtClean="0"/>
-              <a:t>15-06-2015</a:t>
+              <a:t>17-06-2015</a:t>
             </a:fld>
             <a:endParaRPr lang="pt-PT"/>
           </a:p>
@@ -1351,7 +1362,7 @@
           <a:p>
             <a:fld id="{C6A25ADF-9D96-43A4-9C2F-88BA43455C97}" type="datetimeFigureOut">
               <a:rPr lang="pt-PT" smtClean="0"/>
-              <a:t>15-06-2015</a:t>
+              <a:t>17-06-2015</a:t>
             </a:fld>
             <a:endParaRPr lang="pt-PT"/>
           </a:p>
@@ -1620,7 +1631,7 @@
           <a:p>
             <a:fld id="{C6A25ADF-9D96-43A4-9C2F-88BA43455C97}" type="datetimeFigureOut">
               <a:rPr lang="pt-PT" smtClean="0"/>
-              <a:t>15-06-2015</a:t>
+              <a:t>17-06-2015</a:t>
             </a:fld>
             <a:endParaRPr lang="pt-PT"/>
           </a:p>
@@ -2005,7 +2016,7 @@
           <a:p>
             <a:fld id="{C6A25ADF-9D96-43A4-9C2F-88BA43455C97}" type="datetimeFigureOut">
               <a:rPr lang="pt-PT" smtClean="0"/>
-              <a:t>15-06-2015</a:t>
+              <a:t>17-06-2015</a:t>
             </a:fld>
             <a:endParaRPr lang="pt-PT"/>
           </a:p>
@@ -2126,7 +2137,7 @@
           <a:p>
             <a:fld id="{C6A25ADF-9D96-43A4-9C2F-88BA43455C97}" type="datetimeFigureOut">
               <a:rPr lang="pt-PT" smtClean="0"/>
-              <a:t>15-06-2015</a:t>
+              <a:t>17-06-2015</a:t>
             </a:fld>
             <a:endParaRPr lang="pt-PT"/>
           </a:p>
@@ -2306,7 +2317,7 @@
           <a:p>
             <a:fld id="{C6A25ADF-9D96-43A4-9C2F-88BA43455C97}" type="datetimeFigureOut">
               <a:rPr lang="pt-PT" smtClean="0"/>
-              <a:t>15-06-2015</a:t>
+              <a:t>17-06-2015</a:t>
             </a:fld>
             <a:endParaRPr lang="pt-PT"/>
           </a:p>
@@ -2640,7 +2651,7 @@
           <a:p>
             <a:fld id="{C6A25ADF-9D96-43A4-9C2F-88BA43455C97}" type="datetimeFigureOut">
               <a:rPr lang="pt-PT" smtClean="0"/>
-              <a:t>15-06-2015</a:t>
+              <a:t>17-06-2015</a:t>
             </a:fld>
             <a:endParaRPr lang="pt-PT"/>
           </a:p>
@@ -3009,7 +3020,7 @@
           <a:p>
             <a:fld id="{C6A25ADF-9D96-43A4-9C2F-88BA43455C97}" type="datetimeFigureOut">
               <a:rPr lang="pt-PT" smtClean="0"/>
-              <a:t>15-06-2015</a:t>
+              <a:t>17-06-2015</a:t>
             </a:fld>
             <a:endParaRPr lang="pt-PT"/>
           </a:p>
@@ -3427,7 +3438,7 @@
           <a:p>
             <a:fld id="{C6A25ADF-9D96-43A4-9C2F-88BA43455C97}" type="datetimeFigureOut">
               <a:rPr lang="pt-PT" smtClean="0"/>
-              <a:t>15-06-2015</a:t>
+              <a:t>17-06-2015</a:t>
             </a:fld>
             <a:endParaRPr lang="pt-PT"/>
           </a:p>
@@ -3932,6 +3943,507 @@
 </p:sld>
 </file>
 
+<file path=ppt/slides/slide10.xml><?xml version="1.0" encoding="utf-8"?>
+<p:sld xmlns:a="http://schemas.openxmlformats.org/drawingml/2006/main" xmlns:r="http://schemas.openxmlformats.org/officeDocument/2006/relationships" xmlns:p="http://schemas.openxmlformats.org/presentationml/2006/main">
+  <p:cSld>
+    <p:spTree>
+      <p:nvGrpSpPr>
+        <p:cNvPr id="1" name=""/>
+        <p:cNvGrpSpPr/>
+        <p:nvPr/>
+      </p:nvGrpSpPr>
+      <p:grpSpPr>
+        <a:xfrm>
+          <a:off x="0" y="0"/>
+          <a:ext cx="0" cy="0"/>
+          <a:chOff x="0" y="0"/>
+          <a:chExt cx="0" cy="0"/>
+        </a:xfrm>
+      </p:grpSpPr>
+      <p:sp>
+        <p:nvSpPr>
+          <p:cNvPr id="2" name="Title 1"/>
+          <p:cNvSpPr>
+            <a:spLocks noGrp="1"/>
+          </p:cNvSpPr>
+          <p:nvPr>
+            <p:ph type="title"/>
+          </p:nvPr>
+        </p:nvSpPr>
+        <p:spPr/>
+        <p:txBody>
+          <a:bodyPr/>
+          <a:lstStyle/>
+          <a:p>
+            <a:r>
+              <a:rPr lang="pt-PT" dirty="0" smtClean="0"/>
+              <a:t>Estado de arte</a:t>
+            </a:r>
+            <a:endParaRPr lang="pt-PT" dirty="0"/>
+          </a:p>
+        </p:txBody>
+      </p:sp>
+      <p:sp>
+        <p:nvSpPr>
+          <p:cNvPr id="3" name="Content Placeholder 2"/>
+          <p:cNvSpPr>
+            <a:spLocks noGrp="1"/>
+          </p:cNvSpPr>
+          <p:nvPr>
+            <p:ph idx="1"/>
+          </p:nvPr>
+        </p:nvSpPr>
+        <p:spPr/>
+        <p:txBody>
+          <a:bodyPr/>
+          <a:lstStyle/>
+          <a:p>
+            <a:r>
+              <a:rPr lang="pt-PT" dirty="0" smtClean="0"/>
+              <a:t>As aplicações não se adequam ao projeto</a:t>
+            </a:r>
+          </a:p>
+          <a:p>
+            <a:pPr marL="0" indent="0">
+              <a:buNone/>
+            </a:pPr>
+            <a:endParaRPr lang="pt-PT" dirty="0" smtClean="0"/>
+          </a:p>
+          <a:p>
+            <a:r>
+              <a:rPr lang="pt-PT" dirty="0" smtClean="0"/>
+              <a:t>O projeto será construído de raiz</a:t>
+            </a:r>
+            <a:endParaRPr lang="pt-PT" dirty="0"/>
+          </a:p>
+        </p:txBody>
+      </p:sp>
+    </p:spTree>
+    <p:extLst>
+      <p:ext uri="{BB962C8B-B14F-4D97-AF65-F5344CB8AC3E}">
+        <p14:creationId xmlns:p14="http://schemas.microsoft.com/office/powerpoint/2010/main" val="1413506724"/>
+      </p:ext>
+    </p:extLst>
+  </p:cSld>
+  <p:clrMapOvr>
+    <a:masterClrMapping/>
+  </p:clrMapOvr>
+</p:sld>
+</file>
+
+<file path=ppt/slides/slide11.xml><?xml version="1.0" encoding="utf-8"?>
+<p:sld xmlns:a="http://schemas.openxmlformats.org/drawingml/2006/main" xmlns:r="http://schemas.openxmlformats.org/officeDocument/2006/relationships" xmlns:p="http://schemas.openxmlformats.org/presentationml/2006/main">
+  <p:cSld>
+    <p:spTree>
+      <p:nvGrpSpPr>
+        <p:cNvPr id="1" name=""/>
+        <p:cNvGrpSpPr/>
+        <p:nvPr/>
+      </p:nvGrpSpPr>
+      <p:grpSpPr>
+        <a:xfrm>
+          <a:off x="0" y="0"/>
+          <a:ext cx="0" cy="0"/>
+          <a:chOff x="0" y="0"/>
+          <a:chExt cx="0" cy="0"/>
+        </a:xfrm>
+      </p:grpSpPr>
+      <p:sp>
+        <p:nvSpPr>
+          <p:cNvPr id="2" name="Title 1"/>
+          <p:cNvSpPr>
+            <a:spLocks noGrp="1"/>
+          </p:cNvSpPr>
+          <p:nvPr>
+            <p:ph type="title"/>
+          </p:nvPr>
+        </p:nvSpPr>
+        <p:spPr/>
+        <p:txBody>
+          <a:bodyPr/>
+          <a:lstStyle/>
+          <a:p>
+            <a:r>
+              <a:rPr lang="pt-PT" dirty="0" smtClean="0"/>
+              <a:t>Ferramentas</a:t>
+            </a:r>
+            <a:endParaRPr lang="pt-PT" dirty="0"/>
+          </a:p>
+        </p:txBody>
+      </p:sp>
+      <p:sp>
+        <p:nvSpPr>
+          <p:cNvPr id="3" name="Content Placeholder 2"/>
+          <p:cNvSpPr>
+            <a:spLocks noGrp="1"/>
+          </p:cNvSpPr>
+          <p:nvPr>
+            <p:ph idx="1"/>
+          </p:nvPr>
+        </p:nvSpPr>
+        <p:spPr/>
+        <p:txBody>
+          <a:bodyPr/>
+          <a:lstStyle/>
+          <a:p>
+            <a:r>
+              <a:rPr lang="pt-PT" dirty="0" smtClean="0"/>
+              <a:t>Linguagens PHP, Javascript e HTML através de NetBeans.</a:t>
+            </a:r>
+          </a:p>
+          <a:p>
+            <a:endParaRPr lang="pt-PT" dirty="0" smtClean="0"/>
+          </a:p>
+          <a:p>
+            <a:r>
+              <a:rPr lang="pt-PT" dirty="0" smtClean="0"/>
+              <a:t>Template de CSS Bootstrap</a:t>
+            </a:r>
+          </a:p>
+          <a:p>
+            <a:endParaRPr lang="pt-PT" dirty="0" smtClean="0"/>
+          </a:p>
+          <a:p>
+            <a:r>
+              <a:rPr lang="pt-PT" dirty="0" smtClean="0"/>
+              <a:t>Base de Dados em MySQL</a:t>
+            </a:r>
+          </a:p>
+          <a:p>
+            <a:endParaRPr lang="pt-PT" dirty="0" smtClean="0"/>
+          </a:p>
+          <a:p>
+            <a:r>
+              <a:rPr lang="pt-PT" dirty="0" smtClean="0"/>
+              <a:t>Gestor de versões GitHub</a:t>
+            </a:r>
+            <a:endParaRPr lang="pt-PT" dirty="0"/>
+          </a:p>
+        </p:txBody>
+      </p:sp>
+    </p:spTree>
+    <p:extLst>
+      <p:ext uri="{BB962C8B-B14F-4D97-AF65-F5344CB8AC3E}">
+        <p14:creationId xmlns:p14="http://schemas.microsoft.com/office/powerpoint/2010/main" val="3309459100"/>
+      </p:ext>
+    </p:extLst>
+  </p:cSld>
+  <p:clrMapOvr>
+    <a:masterClrMapping/>
+  </p:clrMapOvr>
+</p:sld>
+</file>
+
+<file path=ppt/slides/slide12.xml><?xml version="1.0" encoding="utf-8"?>
+<p:sld xmlns:a="http://schemas.openxmlformats.org/drawingml/2006/main" xmlns:r="http://schemas.openxmlformats.org/officeDocument/2006/relationships" xmlns:p="http://schemas.openxmlformats.org/presentationml/2006/main">
+  <p:cSld>
+    <p:spTree>
+      <p:nvGrpSpPr>
+        <p:cNvPr id="1" name=""/>
+        <p:cNvGrpSpPr/>
+        <p:nvPr/>
+      </p:nvGrpSpPr>
+      <p:grpSpPr>
+        <a:xfrm>
+          <a:off x="0" y="0"/>
+          <a:ext cx="0" cy="0"/>
+          <a:chOff x="0" y="0"/>
+          <a:chExt cx="0" cy="0"/>
+        </a:xfrm>
+      </p:grpSpPr>
+      <p:sp>
+        <p:nvSpPr>
+          <p:cNvPr id="2" name="Title 1"/>
+          <p:cNvSpPr>
+            <a:spLocks noGrp="1"/>
+          </p:cNvSpPr>
+          <p:nvPr>
+            <p:ph type="title"/>
+          </p:nvPr>
+        </p:nvSpPr>
+        <p:spPr/>
+        <p:txBody>
+          <a:bodyPr/>
+          <a:lstStyle/>
+          <a:p>
+            <a:r>
+              <a:rPr lang="pt-PT" dirty="0" smtClean="0"/>
+              <a:t>Metodologia</a:t>
+            </a:r>
+            <a:endParaRPr lang="pt-PT" dirty="0"/>
+          </a:p>
+        </p:txBody>
+      </p:sp>
+      <p:sp>
+        <p:nvSpPr>
+          <p:cNvPr id="3" name="Content Placeholder 2"/>
+          <p:cNvSpPr>
+            <a:spLocks noGrp="1"/>
+          </p:cNvSpPr>
+          <p:nvPr>
+            <p:ph idx="1"/>
+          </p:nvPr>
+        </p:nvSpPr>
+        <p:spPr/>
+        <p:txBody>
+          <a:bodyPr/>
+          <a:lstStyle/>
+          <a:p>
+            <a:r>
+              <a:rPr lang="pt-PT" dirty="0" smtClean="0"/>
+              <a:t>Programação extrema</a:t>
+            </a:r>
+          </a:p>
+          <a:p>
+            <a:endParaRPr lang="pt-PT" dirty="0" smtClean="0"/>
+          </a:p>
+          <a:p>
+            <a:r>
+              <a:rPr lang="pt-PT" dirty="0" smtClean="0"/>
+              <a:t>Etapas de desenvolvimento curto</a:t>
+            </a:r>
+          </a:p>
+          <a:p>
+            <a:endParaRPr lang="pt-PT" dirty="0" smtClean="0"/>
+          </a:p>
+          <a:p>
+            <a:r>
+              <a:rPr lang="pt-PT" dirty="0" smtClean="0"/>
+              <a:t>Maior interação com o orientador</a:t>
+            </a:r>
+          </a:p>
+          <a:p>
+            <a:endParaRPr lang="pt-PT" dirty="0" smtClean="0"/>
+          </a:p>
+          <a:p>
+            <a:r>
+              <a:rPr lang="pt-PT" dirty="0" smtClean="0"/>
+              <a:t>Ritmo de programação simples mas eficiente</a:t>
+            </a:r>
+          </a:p>
+          <a:p>
+            <a:pPr marL="0" indent="0">
+              <a:buNone/>
+            </a:pPr>
+            <a:endParaRPr lang="pt-PT" dirty="0"/>
+          </a:p>
+        </p:txBody>
+      </p:sp>
+    </p:spTree>
+    <p:extLst>
+      <p:ext uri="{BB962C8B-B14F-4D97-AF65-F5344CB8AC3E}">
+        <p14:creationId xmlns:p14="http://schemas.microsoft.com/office/powerpoint/2010/main" val="1854670784"/>
+      </p:ext>
+    </p:extLst>
+  </p:cSld>
+  <p:clrMapOvr>
+    <a:masterClrMapping/>
+  </p:clrMapOvr>
+</p:sld>
+</file>
+
+<file path=ppt/slides/slide13.xml><?xml version="1.0" encoding="utf-8"?>
+<p:sld xmlns:a="http://schemas.openxmlformats.org/drawingml/2006/main" xmlns:r="http://schemas.openxmlformats.org/officeDocument/2006/relationships" xmlns:p="http://schemas.openxmlformats.org/presentationml/2006/main">
+  <p:cSld>
+    <p:spTree>
+      <p:nvGrpSpPr>
+        <p:cNvPr id="1" name=""/>
+        <p:cNvGrpSpPr/>
+        <p:nvPr/>
+      </p:nvGrpSpPr>
+      <p:grpSpPr>
+        <a:xfrm>
+          <a:off x="0" y="0"/>
+          <a:ext cx="0" cy="0"/>
+          <a:chOff x="0" y="0"/>
+          <a:chExt cx="0" cy="0"/>
+        </a:xfrm>
+      </p:grpSpPr>
+      <p:sp>
+        <p:nvSpPr>
+          <p:cNvPr id="2" name="Title 1"/>
+          <p:cNvSpPr>
+            <a:spLocks noGrp="1"/>
+          </p:cNvSpPr>
+          <p:nvPr>
+            <p:ph type="title"/>
+          </p:nvPr>
+        </p:nvSpPr>
+        <p:spPr/>
+        <p:txBody>
+          <a:bodyPr>
+            <a:normAutofit fontScale="90000"/>
+          </a:bodyPr>
+          <a:lstStyle/>
+          <a:p>
+            <a:r>
+              <a:rPr lang="pt-PT" dirty="0"/>
+              <a:t>Estruturação e organização do projecto</a:t>
+            </a:r>
+          </a:p>
+        </p:txBody>
+      </p:sp>
+      <p:sp>
+        <p:nvSpPr>
+          <p:cNvPr id="3" name="Content Placeholder 2"/>
+          <p:cNvSpPr>
+            <a:spLocks noGrp="1"/>
+          </p:cNvSpPr>
+          <p:nvPr>
+            <p:ph idx="1"/>
+          </p:nvPr>
+        </p:nvSpPr>
+        <p:spPr/>
+        <p:txBody>
+          <a:bodyPr>
+            <a:normAutofit lnSpcReduction="10000"/>
+          </a:bodyPr>
+          <a:lstStyle/>
+          <a:p>
+            <a:r>
+              <a:rPr lang="pt-PT" dirty="0" smtClean="0"/>
+              <a:t>Documentação do contexto do projeto e objetivos</a:t>
+            </a:r>
+          </a:p>
+          <a:p>
+            <a:endParaRPr lang="pt-PT" dirty="0" smtClean="0"/>
+          </a:p>
+          <a:p>
+            <a:r>
+              <a:rPr lang="pt-PT" dirty="0" smtClean="0"/>
+              <a:t>Pesquisa de aplicações e ferramentas</a:t>
+            </a:r>
+          </a:p>
+          <a:p>
+            <a:endParaRPr lang="pt-PT" dirty="0" smtClean="0"/>
+          </a:p>
+          <a:p>
+            <a:r>
+              <a:rPr lang="pt-PT" dirty="0" smtClean="0"/>
+              <a:t>Definidas ferramentas e metodologia a utilizar </a:t>
+            </a:r>
+          </a:p>
+          <a:p>
+            <a:endParaRPr lang="pt-PT" dirty="0" smtClean="0"/>
+          </a:p>
+          <a:p>
+            <a:r>
+              <a:rPr lang="pt-PT" dirty="0" smtClean="0"/>
+              <a:t>Criação do modelo ER</a:t>
+            </a:r>
+          </a:p>
+        </p:txBody>
+      </p:sp>
+    </p:spTree>
+    <p:extLst>
+      <p:ext uri="{BB962C8B-B14F-4D97-AF65-F5344CB8AC3E}">
+        <p14:creationId xmlns:p14="http://schemas.microsoft.com/office/powerpoint/2010/main" val="2452565054"/>
+      </p:ext>
+    </p:extLst>
+  </p:cSld>
+  <p:clrMapOvr>
+    <a:masterClrMapping/>
+  </p:clrMapOvr>
+  <p:timing>
+    <p:tnLst>
+      <p:par>
+        <p:cTn id="1" dur="indefinite" restart="never" nodeType="tmRoot"/>
+      </p:par>
+    </p:tnLst>
+  </p:timing>
+</p:sld>
+</file>
+
+<file path=ppt/slides/slide14.xml><?xml version="1.0" encoding="utf-8"?>
+<p:sld xmlns:a="http://schemas.openxmlformats.org/drawingml/2006/main" xmlns:r="http://schemas.openxmlformats.org/officeDocument/2006/relationships" xmlns:p="http://schemas.openxmlformats.org/presentationml/2006/main">
+  <p:cSld>
+    <p:spTree>
+      <p:nvGrpSpPr>
+        <p:cNvPr id="1" name=""/>
+        <p:cNvGrpSpPr/>
+        <p:nvPr/>
+      </p:nvGrpSpPr>
+      <p:grpSpPr>
+        <a:xfrm>
+          <a:off x="0" y="0"/>
+          <a:ext cx="0" cy="0"/>
+          <a:chOff x="0" y="0"/>
+          <a:chExt cx="0" cy="0"/>
+        </a:xfrm>
+      </p:grpSpPr>
+      <p:sp>
+        <p:nvSpPr>
+          <p:cNvPr id="2" name="Title 1"/>
+          <p:cNvSpPr>
+            <a:spLocks noGrp="1"/>
+          </p:cNvSpPr>
+          <p:nvPr>
+            <p:ph type="title"/>
+          </p:nvPr>
+        </p:nvSpPr>
+        <p:spPr/>
+        <p:txBody>
+          <a:bodyPr>
+            <a:normAutofit fontScale="90000"/>
+          </a:bodyPr>
+          <a:lstStyle/>
+          <a:p>
+            <a:r>
+              <a:rPr lang="pt-PT" dirty="0"/>
+              <a:t>Estruturação e organização do projecto</a:t>
+            </a:r>
+          </a:p>
+        </p:txBody>
+      </p:sp>
+      <p:pic>
+        <p:nvPicPr>
+          <p:cNvPr id="4" name="Content Placeholder 3"/>
+          <p:cNvPicPr>
+            <a:picLocks noGrp="1" noChangeAspect="1"/>
+          </p:cNvPicPr>
+          <p:nvPr>
+            <p:ph idx="1"/>
+          </p:nvPr>
+        </p:nvPicPr>
+        <p:blipFill>
+          <a:blip r:embed="rId2">
+            <a:extLst>
+              <a:ext uri="{28A0092B-C50C-407E-A947-70E740481C1C}">
+                <a14:useLocalDpi xmlns:a14="http://schemas.microsoft.com/office/drawing/2010/main" val="0"/>
+              </a:ext>
+            </a:extLst>
+          </a:blip>
+          <a:stretch>
+            <a:fillRect/>
+          </a:stretch>
+        </p:blipFill>
+        <p:spPr>
+          <a:xfrm>
+            <a:off x="899592" y="548680"/>
+            <a:ext cx="7272808" cy="4473154"/>
+          </a:xfrm>
+        </p:spPr>
+      </p:pic>
+    </p:spTree>
+    <p:extLst>
+      <p:ext uri="{BB962C8B-B14F-4D97-AF65-F5344CB8AC3E}">
+        <p14:creationId xmlns:p14="http://schemas.microsoft.com/office/powerpoint/2010/main" val="3479904697"/>
+      </p:ext>
+    </p:extLst>
+  </p:cSld>
+  <p:clrMapOvr>
+    <a:masterClrMapping/>
+  </p:clrMapOvr>
+  <p:timing>
+    <p:tnLst>
+      <p:par>
+        <p:cTn id="1" dur="indefinite" restart="never" nodeType="tmRoot"/>
+      </p:par>
+    </p:tnLst>
+  </p:timing>
+</p:sld>
+</file>
+
 <file path=ppt/slides/slide2.xml><?xml version="1.0" encoding="utf-8"?>
 <p:sld xmlns:a="http://schemas.openxmlformats.org/drawingml/2006/main" xmlns:r="http://schemas.openxmlformats.org/officeDocument/2006/relationships" xmlns:p="http://schemas.openxmlformats.org/presentationml/2006/main">
   <p:cSld>
@@ -4040,7 +4552,15 @@
             <a:pPr lvl="1"/>
             <a:r>
               <a:rPr lang="pt-PT" dirty="0" smtClean="0"/>
-              <a:t>Aplicações existentes não permitem a partilha de mapas de boleia entre grupo de utilizadores.</a:t>
+              <a:t>Aplicações existentes não permitem a partilha de mapas de boleia entre </a:t>
+            </a:r>
+            <a:r>
+              <a:rPr lang="pt-PT" dirty="0" smtClean="0"/>
+              <a:t>grupos </a:t>
+            </a:r>
+            <a:r>
+              <a:rPr lang="pt-PT" dirty="0" smtClean="0"/>
+              <a:t>de utilizadores.</a:t>
             </a:r>
           </a:p>
           <a:p>
@@ -4094,7 +4614,11 @@
           <a:bodyPr/>
           <a:lstStyle/>
           <a:p>
-            <a:endParaRPr lang="pt-PT"/>
+            <a:r>
+              <a:rPr lang="pt-PT" dirty="0" smtClean="0"/>
+              <a:t>Objetivos da aplicação</a:t>
+            </a:r>
+            <a:endParaRPr lang="pt-PT" dirty="0"/>
           </a:p>
         </p:txBody>
       </p:sp>
@@ -4110,10 +4634,56 @@
         </p:nvSpPr>
         <p:spPr/>
         <p:txBody>
-          <a:bodyPr/>
+          <a:bodyPr>
+            <a:normAutofit fontScale="92500" lnSpcReduction="20000"/>
+          </a:bodyPr>
           <a:lstStyle/>
           <a:p>
-            <a:endParaRPr lang="pt-PT"/>
+            <a:r>
+              <a:rPr lang="pt-PT" dirty="0" smtClean="0"/>
+              <a:t>Organização de pedidos e ofertas.</a:t>
+            </a:r>
+          </a:p>
+          <a:p>
+            <a:endParaRPr lang="pt-PT" dirty="0" smtClean="0"/>
+          </a:p>
+          <a:p>
+            <a:r>
+              <a:rPr lang="pt-PT" dirty="0" smtClean="0"/>
+              <a:t>Criação de um único mapa de boleias.</a:t>
+            </a:r>
+          </a:p>
+          <a:p>
+            <a:endParaRPr lang="pt-PT" dirty="0" smtClean="0"/>
+          </a:p>
+          <a:p>
+            <a:r>
+              <a:rPr lang="pt-PT" dirty="0" smtClean="0"/>
+              <a:t>Algoritmo para preenchimento automático do mapa.</a:t>
+            </a:r>
+          </a:p>
+          <a:p>
+            <a:endParaRPr lang="pt-PT" dirty="0" smtClean="0"/>
+          </a:p>
+          <a:p>
+            <a:r>
+              <a:rPr lang="pt-PT" dirty="0" smtClean="0"/>
+              <a:t>Notificações de possíveis alterações do mapa aos membros do grupo.</a:t>
+            </a:r>
+          </a:p>
+          <a:p>
+            <a:endParaRPr lang="pt-PT" dirty="0" smtClean="0"/>
+          </a:p>
+          <a:p>
+            <a:r>
+              <a:rPr lang="pt-PT" dirty="0"/>
+              <a:t>E</a:t>
+            </a:r>
+            <a:r>
+              <a:rPr lang="pt-PT" dirty="0" smtClean="0"/>
+              <a:t>statísticas para cada membro do grupo.</a:t>
+            </a:r>
+            <a:endParaRPr lang="pt-PT" dirty="0"/>
           </a:p>
         </p:txBody>
       </p:sp>
@@ -4121,6 +4691,4132 @@
     <p:extLst>
       <p:ext uri="{BB962C8B-B14F-4D97-AF65-F5344CB8AC3E}">
         <p14:creationId xmlns:p14="http://schemas.microsoft.com/office/powerpoint/2010/main" val="3680739206"/>
+      </p:ext>
+    </p:extLst>
+  </p:cSld>
+  <p:clrMapOvr>
+    <a:masterClrMapping/>
+  </p:clrMapOvr>
+  <p:timing>
+    <p:tnLst>
+      <p:par>
+        <p:cTn id="1" dur="indefinite" restart="never" nodeType="tmRoot"/>
+      </p:par>
+    </p:tnLst>
+  </p:timing>
+</p:sld>
+</file>
+
+<file path=ppt/slides/slide4.xml><?xml version="1.0" encoding="utf-8"?>
+<p:sld xmlns:a="http://schemas.openxmlformats.org/drawingml/2006/main" xmlns:r="http://schemas.openxmlformats.org/officeDocument/2006/relationships" xmlns:p="http://schemas.openxmlformats.org/presentationml/2006/main">
+  <p:cSld>
+    <p:spTree>
+      <p:nvGrpSpPr>
+        <p:cNvPr id="1" name=""/>
+        <p:cNvGrpSpPr/>
+        <p:nvPr/>
+      </p:nvGrpSpPr>
+      <p:grpSpPr>
+        <a:xfrm>
+          <a:off x="0" y="0"/>
+          <a:ext cx="0" cy="0"/>
+          <a:chOff x="0" y="0"/>
+          <a:chExt cx="0" cy="0"/>
+        </a:xfrm>
+      </p:grpSpPr>
+      <p:sp>
+        <p:nvSpPr>
+          <p:cNvPr id="2" name="Title 1"/>
+          <p:cNvSpPr>
+            <a:spLocks noGrp="1"/>
+          </p:cNvSpPr>
+          <p:nvPr>
+            <p:ph type="title"/>
+          </p:nvPr>
+        </p:nvSpPr>
+        <p:spPr/>
+        <p:txBody>
+          <a:bodyPr/>
+          <a:lstStyle/>
+          <a:p>
+            <a:r>
+              <a:rPr lang="pt-PT" dirty="0" smtClean="0"/>
+              <a:t>Estado de arte (BlablaCar)</a:t>
+            </a:r>
+            <a:endParaRPr lang="pt-PT" dirty="0"/>
+          </a:p>
+        </p:txBody>
+      </p:sp>
+      <p:pic>
+        <p:nvPicPr>
+          <p:cNvPr id="4" name="Content Placeholder 3"/>
+          <p:cNvPicPr>
+            <a:picLocks noGrp="1" noChangeAspect="1"/>
+          </p:cNvPicPr>
+          <p:nvPr>
+            <p:ph idx="1"/>
+          </p:nvPr>
+        </p:nvPicPr>
+        <p:blipFill>
+          <a:blip r:embed="rId2">
+            <a:extLst>
+              <a:ext uri="{28A0092B-C50C-407E-A947-70E740481C1C}">
+                <a14:useLocalDpi xmlns:a14="http://schemas.microsoft.com/office/drawing/2010/main" val="0"/>
+              </a:ext>
+            </a:extLst>
+          </a:blip>
+          <a:stretch>
+            <a:fillRect/>
+          </a:stretch>
+        </p:blipFill>
+        <p:spPr>
+          <a:xfrm>
+            <a:off x="1922170" y="530225"/>
+            <a:ext cx="5345698" cy="4187825"/>
+          </a:xfrm>
+        </p:spPr>
+      </p:pic>
+    </p:spTree>
+    <p:extLst>
+      <p:ext uri="{BB962C8B-B14F-4D97-AF65-F5344CB8AC3E}">
+        <p14:creationId xmlns:p14="http://schemas.microsoft.com/office/powerpoint/2010/main" val="3936199624"/>
+      </p:ext>
+    </p:extLst>
+  </p:cSld>
+  <p:clrMapOvr>
+    <a:masterClrMapping/>
+  </p:clrMapOvr>
+  <p:timing>
+    <p:tnLst>
+      <p:par>
+        <p:cTn id="1" dur="indefinite" restart="never" nodeType="tmRoot"/>
+      </p:par>
+    </p:tnLst>
+  </p:timing>
+</p:sld>
+</file>
+
+<file path=ppt/slides/slide5.xml><?xml version="1.0" encoding="utf-8"?>
+<p:sld xmlns:a="http://schemas.openxmlformats.org/drawingml/2006/main" xmlns:r="http://schemas.openxmlformats.org/officeDocument/2006/relationships" xmlns:p="http://schemas.openxmlformats.org/presentationml/2006/main">
+  <p:cSld>
+    <p:spTree>
+      <p:nvGrpSpPr>
+        <p:cNvPr id="1" name=""/>
+        <p:cNvGrpSpPr/>
+        <p:nvPr/>
+      </p:nvGrpSpPr>
+      <p:grpSpPr>
+        <a:xfrm>
+          <a:off x="0" y="0"/>
+          <a:ext cx="0" cy="0"/>
+          <a:chOff x="0" y="0"/>
+          <a:chExt cx="0" cy="0"/>
+        </a:xfrm>
+      </p:grpSpPr>
+      <p:sp>
+        <p:nvSpPr>
+          <p:cNvPr id="2" name="Title 1"/>
+          <p:cNvSpPr>
+            <a:spLocks noGrp="1"/>
+          </p:cNvSpPr>
+          <p:nvPr>
+            <p:ph type="title"/>
+          </p:nvPr>
+        </p:nvSpPr>
+        <p:spPr/>
+        <p:txBody>
+          <a:bodyPr/>
+          <a:lstStyle/>
+          <a:p>
+            <a:r>
+              <a:rPr lang="pt-PT" dirty="0" smtClean="0"/>
+              <a:t>Estado de arte(BlablaCar)</a:t>
+            </a:r>
+            <a:endParaRPr lang="pt-PT" dirty="0"/>
+          </a:p>
+        </p:txBody>
+      </p:sp>
+      <p:graphicFrame>
+        <p:nvGraphicFramePr>
+          <p:cNvPr id="4" name="Content Placeholder 3"/>
+          <p:cNvGraphicFramePr>
+            <a:graphicFrameLocks noGrp="1"/>
+          </p:cNvGraphicFramePr>
+          <p:nvPr>
+            <p:ph idx="1"/>
+            <p:extLst>
+              <p:ext uri="{D42A27DB-BD31-4B8C-83A1-F6EECF244321}">
+                <p14:modId xmlns:p14="http://schemas.microsoft.com/office/powerpoint/2010/main" val="2041428845"/>
+              </p:ext>
+            </p:extLst>
+          </p:nvPr>
+        </p:nvGraphicFramePr>
+        <p:xfrm>
+          <a:off x="503238" y="530223"/>
+          <a:ext cx="8183562" cy="4698976"/>
+        </p:xfrm>
+        <a:graphic>
+          <a:graphicData uri="http://schemas.openxmlformats.org/drawingml/2006/table">
+            <a:tbl>
+              <a:tblPr firstRow="1" bandRow="1">
+                <a:tableStyleId>{5C22544A-7EE6-4342-B048-85BDC9FD1C3A}</a:tableStyleId>
+              </a:tblPr>
+              <a:tblGrid>
+                <a:gridCol w="2727854"/>
+                <a:gridCol w="2727854"/>
+                <a:gridCol w="2727854"/>
+              </a:tblGrid>
+              <a:tr h="391559">
+                <a:tc>
+                  <a:txBody>
+                    <a:bodyPr/>
+                    <a:lstStyle/>
+                    <a:p>
+                      <a:pPr algn="ctr">
+                        <a:lnSpc>
+                          <a:spcPct val="106000"/>
+                        </a:lnSpc>
+                        <a:spcAft>
+                          <a:spcPts val="800"/>
+                        </a:spcAft>
+                      </a:pPr>
+                      <a:r>
+                        <a:rPr lang="pt-PT" sz="1200" dirty="0">
+                          <a:effectLst/>
+                          <a:latin typeface="+mj-lt"/>
+                          <a:ea typeface="Calibri"/>
+                          <a:cs typeface="Times New Roman"/>
+                        </a:rPr>
+                        <a:t>Funcionalidade</a:t>
+                      </a:r>
+                      <a:endParaRPr lang="pt-PT" sz="1600" dirty="0">
+                        <a:effectLst/>
+                        <a:latin typeface="+mj-lt"/>
+                        <a:ea typeface="Calibri"/>
+                        <a:cs typeface="Times New Roman"/>
+                      </a:endParaRPr>
+                    </a:p>
+                  </a:txBody>
+                  <a:tcPr marL="68580" marR="68580" marT="0" marB="0"/>
+                </a:tc>
+                <a:tc>
+                  <a:txBody>
+                    <a:bodyPr/>
+                    <a:lstStyle/>
+                    <a:p>
+                      <a:pPr algn="ctr">
+                        <a:lnSpc>
+                          <a:spcPct val="106000"/>
+                        </a:lnSpc>
+                        <a:spcAft>
+                          <a:spcPts val="800"/>
+                        </a:spcAft>
+                      </a:pPr>
+                      <a:r>
+                        <a:rPr lang="pt-PT" sz="1200" dirty="0">
+                          <a:effectLst/>
+                          <a:latin typeface="+mj-lt"/>
+                          <a:ea typeface="Calibri"/>
+                          <a:cs typeface="Times New Roman"/>
+                        </a:rPr>
+                        <a:t>Sim</a:t>
+                      </a:r>
+                      <a:endParaRPr lang="pt-PT" sz="1600" dirty="0">
+                        <a:effectLst/>
+                        <a:latin typeface="+mj-lt"/>
+                        <a:ea typeface="Calibri"/>
+                        <a:cs typeface="Times New Roman"/>
+                      </a:endParaRPr>
+                    </a:p>
+                  </a:txBody>
+                  <a:tcPr marL="68580" marR="68580" marT="0" marB="0"/>
+                </a:tc>
+                <a:tc>
+                  <a:txBody>
+                    <a:bodyPr/>
+                    <a:lstStyle/>
+                    <a:p>
+                      <a:pPr algn="ctr">
+                        <a:lnSpc>
+                          <a:spcPct val="106000"/>
+                        </a:lnSpc>
+                        <a:spcAft>
+                          <a:spcPts val="800"/>
+                        </a:spcAft>
+                      </a:pPr>
+                      <a:r>
+                        <a:rPr lang="pt-PT" sz="1200" dirty="0">
+                          <a:effectLst/>
+                          <a:latin typeface="+mj-lt"/>
+                          <a:ea typeface="Calibri"/>
+                          <a:cs typeface="Times New Roman"/>
+                        </a:rPr>
+                        <a:t>Não</a:t>
+                      </a:r>
+                      <a:endParaRPr lang="pt-PT" sz="1600" dirty="0">
+                        <a:effectLst/>
+                        <a:latin typeface="+mj-lt"/>
+                        <a:ea typeface="Calibri"/>
+                        <a:cs typeface="Times New Roman"/>
+                      </a:endParaRPr>
+                    </a:p>
+                  </a:txBody>
+                  <a:tcPr marL="68580" marR="68580" marT="0" marB="0"/>
+                </a:tc>
+              </a:tr>
+              <a:tr h="391559">
+                <a:tc>
+                  <a:txBody>
+                    <a:bodyPr/>
+                    <a:lstStyle/>
+                    <a:p>
+                      <a:pPr algn="just">
+                        <a:lnSpc>
+                          <a:spcPct val="106000"/>
+                        </a:lnSpc>
+                        <a:spcAft>
+                          <a:spcPts val="800"/>
+                        </a:spcAft>
+                      </a:pPr>
+                      <a:r>
+                        <a:rPr lang="pt-PT" sz="1200" dirty="0">
+                          <a:effectLst/>
+                          <a:latin typeface="+mj-lt"/>
+                          <a:ea typeface="Calibri"/>
+                          <a:cs typeface="Times New Roman"/>
+                        </a:rPr>
+                        <a:t>É responsivo?</a:t>
+                      </a:r>
+                      <a:endParaRPr lang="pt-PT" sz="1600" dirty="0">
+                        <a:effectLst/>
+                        <a:latin typeface="+mj-lt"/>
+                        <a:ea typeface="Calibri"/>
+                        <a:cs typeface="Times New Roman"/>
+                      </a:endParaRPr>
+                    </a:p>
+                  </a:txBody>
+                  <a:tcPr marL="68580" marR="68580" marT="0" marB="0"/>
+                </a:tc>
+                <a:tc>
+                  <a:txBody>
+                    <a:bodyPr/>
+                    <a:lstStyle/>
+                    <a:p>
+                      <a:pPr algn="ctr">
+                        <a:lnSpc>
+                          <a:spcPct val="106000"/>
+                        </a:lnSpc>
+                        <a:spcAft>
+                          <a:spcPts val="800"/>
+                        </a:spcAft>
+                      </a:pPr>
+                      <a:r>
+                        <a:rPr lang="pt-PT" sz="1200">
+                          <a:effectLst/>
+                          <a:latin typeface="+mj-lt"/>
+                          <a:ea typeface="Calibri"/>
+                          <a:cs typeface="Times New Roman"/>
+                        </a:rPr>
+                        <a:t> </a:t>
+                      </a:r>
+                      <a:endParaRPr lang="pt-PT" sz="1600">
+                        <a:effectLst/>
+                        <a:latin typeface="+mj-lt"/>
+                        <a:ea typeface="Calibri"/>
+                        <a:cs typeface="Times New Roman"/>
+                      </a:endParaRPr>
+                    </a:p>
+                  </a:txBody>
+                  <a:tcPr marL="68580" marR="68580" marT="0" marB="0"/>
+                </a:tc>
+                <a:tc>
+                  <a:txBody>
+                    <a:bodyPr/>
+                    <a:lstStyle/>
+                    <a:p>
+                      <a:pPr algn="ctr">
+                        <a:lnSpc>
+                          <a:spcPct val="106000"/>
+                        </a:lnSpc>
+                        <a:spcAft>
+                          <a:spcPts val="800"/>
+                        </a:spcAft>
+                      </a:pPr>
+                      <a:r>
+                        <a:rPr lang="pt-PT" sz="1200">
+                          <a:effectLst/>
+                          <a:latin typeface="+mj-lt"/>
+                          <a:ea typeface="Calibri"/>
+                          <a:cs typeface="Times New Roman"/>
+                        </a:rPr>
+                        <a:t>X</a:t>
+                      </a:r>
+                      <a:endParaRPr lang="pt-PT" sz="1600">
+                        <a:effectLst/>
+                        <a:latin typeface="+mj-lt"/>
+                        <a:ea typeface="Calibri"/>
+                        <a:cs typeface="Times New Roman"/>
+                      </a:endParaRPr>
+                    </a:p>
+                  </a:txBody>
+                  <a:tcPr marL="68580" marR="68580" marT="0" marB="0"/>
+                </a:tc>
+              </a:tr>
+              <a:tr h="391559">
+                <a:tc>
+                  <a:txBody>
+                    <a:bodyPr/>
+                    <a:lstStyle/>
+                    <a:p>
+                      <a:pPr algn="just">
+                        <a:lnSpc>
+                          <a:spcPct val="106000"/>
+                        </a:lnSpc>
+                        <a:spcAft>
+                          <a:spcPts val="800"/>
+                        </a:spcAft>
+                      </a:pPr>
+                      <a:r>
+                        <a:rPr lang="pt-PT" sz="1200" dirty="0">
+                          <a:effectLst/>
+                          <a:latin typeface="+mj-lt"/>
+                          <a:ea typeface="Calibri"/>
+                          <a:cs typeface="Times New Roman"/>
+                        </a:rPr>
+                        <a:t>É paga?</a:t>
+                      </a:r>
+                      <a:endParaRPr lang="pt-PT" sz="1600" dirty="0">
+                        <a:effectLst/>
+                        <a:latin typeface="+mj-lt"/>
+                        <a:ea typeface="Calibri"/>
+                        <a:cs typeface="Times New Roman"/>
+                      </a:endParaRPr>
+                    </a:p>
+                  </a:txBody>
+                  <a:tcPr marL="68580" marR="68580" marT="0" marB="0"/>
+                </a:tc>
+                <a:tc>
+                  <a:txBody>
+                    <a:bodyPr/>
+                    <a:lstStyle/>
+                    <a:p>
+                      <a:pPr algn="ctr">
+                        <a:lnSpc>
+                          <a:spcPct val="106000"/>
+                        </a:lnSpc>
+                        <a:spcAft>
+                          <a:spcPts val="800"/>
+                        </a:spcAft>
+                      </a:pPr>
+                      <a:r>
+                        <a:rPr lang="pt-PT" sz="1200">
+                          <a:effectLst/>
+                          <a:latin typeface="+mj-lt"/>
+                          <a:ea typeface="Calibri"/>
+                          <a:cs typeface="Times New Roman"/>
+                        </a:rPr>
+                        <a:t> </a:t>
+                      </a:r>
+                      <a:endParaRPr lang="pt-PT" sz="1600">
+                        <a:effectLst/>
+                        <a:latin typeface="+mj-lt"/>
+                        <a:ea typeface="Calibri"/>
+                        <a:cs typeface="Times New Roman"/>
+                      </a:endParaRPr>
+                    </a:p>
+                  </a:txBody>
+                  <a:tcPr marL="68580" marR="68580" marT="0" marB="0"/>
+                </a:tc>
+                <a:tc>
+                  <a:txBody>
+                    <a:bodyPr/>
+                    <a:lstStyle/>
+                    <a:p>
+                      <a:pPr algn="ctr">
+                        <a:lnSpc>
+                          <a:spcPct val="106000"/>
+                        </a:lnSpc>
+                        <a:spcAft>
+                          <a:spcPts val="800"/>
+                        </a:spcAft>
+                      </a:pPr>
+                      <a:r>
+                        <a:rPr lang="pt-PT" sz="1200">
+                          <a:effectLst/>
+                          <a:latin typeface="+mj-lt"/>
+                          <a:ea typeface="Calibri"/>
+                          <a:cs typeface="Times New Roman"/>
+                        </a:rPr>
+                        <a:t>X</a:t>
+                      </a:r>
+                      <a:endParaRPr lang="pt-PT" sz="1600">
+                        <a:effectLst/>
+                        <a:latin typeface="+mj-lt"/>
+                        <a:ea typeface="Calibri"/>
+                        <a:cs typeface="Times New Roman"/>
+                      </a:endParaRPr>
+                    </a:p>
+                  </a:txBody>
+                  <a:tcPr marL="68580" marR="68580" marT="0" marB="0"/>
+                </a:tc>
+              </a:tr>
+              <a:tr h="391559">
+                <a:tc>
+                  <a:txBody>
+                    <a:bodyPr/>
+                    <a:lstStyle/>
+                    <a:p>
+                      <a:pPr algn="just">
+                        <a:lnSpc>
+                          <a:spcPct val="106000"/>
+                        </a:lnSpc>
+                        <a:spcAft>
+                          <a:spcPts val="800"/>
+                        </a:spcAft>
+                      </a:pPr>
+                      <a:r>
+                        <a:rPr lang="pt-PT" sz="1200">
+                          <a:effectLst/>
+                          <a:latin typeface="+mj-lt"/>
+                          <a:ea typeface="Calibri"/>
+                          <a:cs typeface="Times New Roman"/>
+                        </a:rPr>
+                        <a:t>Tem registo gratuito?</a:t>
+                      </a:r>
+                      <a:endParaRPr lang="pt-PT" sz="1600">
+                        <a:effectLst/>
+                        <a:latin typeface="+mj-lt"/>
+                        <a:ea typeface="Calibri"/>
+                        <a:cs typeface="Times New Roman"/>
+                      </a:endParaRPr>
+                    </a:p>
+                  </a:txBody>
+                  <a:tcPr marL="68580" marR="68580" marT="0" marB="0"/>
+                </a:tc>
+                <a:tc>
+                  <a:txBody>
+                    <a:bodyPr/>
+                    <a:lstStyle/>
+                    <a:p>
+                      <a:pPr algn="ctr">
+                        <a:lnSpc>
+                          <a:spcPct val="106000"/>
+                        </a:lnSpc>
+                        <a:spcAft>
+                          <a:spcPts val="800"/>
+                        </a:spcAft>
+                      </a:pPr>
+                      <a:r>
+                        <a:rPr lang="pt-PT" sz="1200" dirty="0">
+                          <a:effectLst/>
+                          <a:latin typeface="+mj-lt"/>
+                          <a:ea typeface="Calibri"/>
+                          <a:cs typeface="Times New Roman"/>
+                        </a:rPr>
+                        <a:t>X</a:t>
+                      </a:r>
+                      <a:endParaRPr lang="pt-PT" sz="1600" dirty="0">
+                        <a:effectLst/>
+                        <a:latin typeface="+mj-lt"/>
+                        <a:ea typeface="Calibri"/>
+                        <a:cs typeface="Times New Roman"/>
+                      </a:endParaRPr>
+                    </a:p>
+                  </a:txBody>
+                  <a:tcPr marL="68580" marR="68580" marT="0" marB="0"/>
+                </a:tc>
+                <a:tc>
+                  <a:txBody>
+                    <a:bodyPr/>
+                    <a:lstStyle/>
+                    <a:p>
+                      <a:pPr algn="ctr">
+                        <a:lnSpc>
+                          <a:spcPct val="106000"/>
+                        </a:lnSpc>
+                        <a:spcAft>
+                          <a:spcPts val="800"/>
+                        </a:spcAft>
+                      </a:pPr>
+                      <a:r>
+                        <a:rPr lang="pt-PT" sz="1200">
+                          <a:effectLst/>
+                          <a:latin typeface="+mj-lt"/>
+                          <a:ea typeface="Calibri"/>
+                          <a:cs typeface="Times New Roman"/>
+                        </a:rPr>
+                        <a:t> </a:t>
+                      </a:r>
+                      <a:endParaRPr lang="pt-PT" sz="1600">
+                        <a:effectLst/>
+                        <a:latin typeface="+mj-lt"/>
+                        <a:ea typeface="Calibri"/>
+                        <a:cs typeface="Times New Roman"/>
+                      </a:endParaRPr>
+                    </a:p>
+                  </a:txBody>
+                  <a:tcPr marL="68580" marR="68580" marT="0" marB="0"/>
+                </a:tc>
+              </a:tr>
+              <a:tr h="391559">
+                <a:tc>
+                  <a:txBody>
+                    <a:bodyPr/>
+                    <a:lstStyle/>
+                    <a:p>
+                      <a:pPr algn="just">
+                        <a:lnSpc>
+                          <a:spcPct val="106000"/>
+                        </a:lnSpc>
+                        <a:spcAft>
+                          <a:spcPts val="800"/>
+                        </a:spcAft>
+                      </a:pPr>
+                      <a:r>
+                        <a:rPr lang="pt-PT" sz="1200">
+                          <a:effectLst/>
+                          <a:latin typeface="+mj-lt"/>
+                          <a:ea typeface="Calibri"/>
+                          <a:cs typeface="Times New Roman"/>
+                        </a:rPr>
+                        <a:t>É </a:t>
+                      </a:r>
+                      <a:r>
+                        <a:rPr lang="pt-PT" sz="1200" i="1">
+                          <a:effectLst/>
+                          <a:latin typeface="+mj-lt"/>
+                          <a:ea typeface="Calibri"/>
+                          <a:cs typeface="Times New Roman"/>
+                        </a:rPr>
+                        <a:t>open-source</a:t>
+                      </a:r>
+                      <a:r>
+                        <a:rPr lang="pt-PT" sz="1200">
+                          <a:effectLst/>
+                          <a:latin typeface="+mj-lt"/>
+                          <a:ea typeface="Calibri"/>
+                          <a:cs typeface="Times New Roman"/>
+                        </a:rPr>
+                        <a:t>?</a:t>
+                      </a:r>
+                      <a:endParaRPr lang="pt-PT" sz="1600">
+                        <a:effectLst/>
+                        <a:latin typeface="+mj-lt"/>
+                        <a:ea typeface="Calibri"/>
+                        <a:cs typeface="Times New Roman"/>
+                      </a:endParaRPr>
+                    </a:p>
+                  </a:txBody>
+                  <a:tcPr marL="68580" marR="68580" marT="0" marB="0"/>
+                </a:tc>
+                <a:tc>
+                  <a:txBody>
+                    <a:bodyPr/>
+                    <a:lstStyle/>
+                    <a:p>
+                      <a:pPr algn="ctr">
+                        <a:lnSpc>
+                          <a:spcPct val="106000"/>
+                        </a:lnSpc>
+                        <a:spcAft>
+                          <a:spcPts val="800"/>
+                        </a:spcAft>
+                      </a:pPr>
+                      <a:r>
+                        <a:rPr lang="pt-PT" sz="1200" dirty="0">
+                          <a:effectLst/>
+                          <a:latin typeface="+mj-lt"/>
+                          <a:ea typeface="Calibri"/>
+                          <a:cs typeface="Times New Roman"/>
+                        </a:rPr>
+                        <a:t> </a:t>
+                      </a:r>
+                      <a:endParaRPr lang="pt-PT" sz="1600" dirty="0">
+                        <a:effectLst/>
+                        <a:latin typeface="+mj-lt"/>
+                        <a:ea typeface="Calibri"/>
+                        <a:cs typeface="Times New Roman"/>
+                      </a:endParaRPr>
+                    </a:p>
+                  </a:txBody>
+                  <a:tcPr marL="68580" marR="68580" marT="0" marB="0"/>
+                </a:tc>
+                <a:tc>
+                  <a:txBody>
+                    <a:bodyPr/>
+                    <a:lstStyle/>
+                    <a:p>
+                      <a:pPr algn="ctr">
+                        <a:lnSpc>
+                          <a:spcPct val="106000"/>
+                        </a:lnSpc>
+                        <a:spcAft>
+                          <a:spcPts val="800"/>
+                        </a:spcAft>
+                      </a:pPr>
+                      <a:r>
+                        <a:rPr lang="pt-PT" sz="1200">
+                          <a:effectLst/>
+                          <a:latin typeface="+mj-lt"/>
+                          <a:ea typeface="Calibri"/>
+                          <a:cs typeface="Times New Roman"/>
+                        </a:rPr>
+                        <a:t>X</a:t>
+                      </a:r>
+                      <a:endParaRPr lang="pt-PT" sz="1600">
+                        <a:effectLst/>
+                        <a:latin typeface="+mj-lt"/>
+                        <a:ea typeface="Calibri"/>
+                        <a:cs typeface="Times New Roman"/>
+                      </a:endParaRPr>
+                    </a:p>
+                  </a:txBody>
+                  <a:tcPr marL="68580" marR="68580" marT="0" marB="0"/>
+                </a:tc>
+              </a:tr>
+              <a:tr h="391559">
+                <a:tc>
+                  <a:txBody>
+                    <a:bodyPr/>
+                    <a:lstStyle/>
+                    <a:p>
+                      <a:pPr algn="just">
+                        <a:lnSpc>
+                          <a:spcPct val="106000"/>
+                        </a:lnSpc>
+                        <a:spcAft>
+                          <a:spcPts val="800"/>
+                        </a:spcAft>
+                      </a:pPr>
+                      <a:r>
+                        <a:rPr lang="pt-PT" sz="1200">
+                          <a:effectLst/>
+                          <a:latin typeface="+mj-lt"/>
+                          <a:ea typeface="Calibri"/>
+                          <a:cs typeface="Times New Roman"/>
+                        </a:rPr>
+                        <a:t>Permite pesquisar por pedidos?</a:t>
+                      </a:r>
+                      <a:endParaRPr lang="pt-PT" sz="1600">
+                        <a:effectLst/>
+                        <a:latin typeface="+mj-lt"/>
+                        <a:ea typeface="Calibri"/>
+                        <a:cs typeface="Times New Roman"/>
+                      </a:endParaRPr>
+                    </a:p>
+                  </a:txBody>
+                  <a:tcPr marL="68580" marR="68580" marT="0" marB="0"/>
+                </a:tc>
+                <a:tc>
+                  <a:txBody>
+                    <a:bodyPr/>
+                    <a:lstStyle/>
+                    <a:p>
+                      <a:pPr algn="ctr">
+                        <a:lnSpc>
+                          <a:spcPct val="106000"/>
+                        </a:lnSpc>
+                        <a:spcAft>
+                          <a:spcPts val="800"/>
+                        </a:spcAft>
+                      </a:pPr>
+                      <a:r>
+                        <a:rPr lang="pt-PT" sz="1200" dirty="0">
+                          <a:effectLst/>
+                          <a:latin typeface="+mj-lt"/>
+                          <a:ea typeface="Calibri"/>
+                          <a:cs typeface="Times New Roman"/>
+                        </a:rPr>
+                        <a:t>X</a:t>
+                      </a:r>
+                      <a:endParaRPr lang="pt-PT" sz="1600" dirty="0">
+                        <a:effectLst/>
+                        <a:latin typeface="+mj-lt"/>
+                        <a:ea typeface="Calibri"/>
+                        <a:cs typeface="Times New Roman"/>
+                      </a:endParaRPr>
+                    </a:p>
+                  </a:txBody>
+                  <a:tcPr marL="68580" marR="68580" marT="0" marB="0"/>
+                </a:tc>
+                <a:tc>
+                  <a:txBody>
+                    <a:bodyPr/>
+                    <a:lstStyle/>
+                    <a:p>
+                      <a:pPr algn="ctr">
+                        <a:lnSpc>
+                          <a:spcPct val="106000"/>
+                        </a:lnSpc>
+                        <a:spcAft>
+                          <a:spcPts val="800"/>
+                        </a:spcAft>
+                      </a:pPr>
+                      <a:r>
+                        <a:rPr lang="pt-PT" sz="1200">
+                          <a:effectLst/>
+                          <a:latin typeface="+mj-lt"/>
+                          <a:ea typeface="Calibri"/>
+                          <a:cs typeface="Times New Roman"/>
+                        </a:rPr>
+                        <a:t> </a:t>
+                      </a:r>
+                      <a:endParaRPr lang="pt-PT" sz="1600">
+                        <a:effectLst/>
+                        <a:latin typeface="+mj-lt"/>
+                        <a:ea typeface="Calibri"/>
+                        <a:cs typeface="Times New Roman"/>
+                      </a:endParaRPr>
+                    </a:p>
+                  </a:txBody>
+                  <a:tcPr marL="68580" marR="68580" marT="0" marB="0"/>
+                </a:tc>
+              </a:tr>
+              <a:tr h="391559">
+                <a:tc>
+                  <a:txBody>
+                    <a:bodyPr/>
+                    <a:lstStyle/>
+                    <a:p>
+                      <a:pPr algn="just">
+                        <a:lnSpc>
+                          <a:spcPct val="106000"/>
+                        </a:lnSpc>
+                        <a:spcAft>
+                          <a:spcPts val="800"/>
+                        </a:spcAft>
+                      </a:pPr>
+                      <a:r>
+                        <a:rPr lang="pt-PT" sz="1200">
+                          <a:effectLst/>
+                          <a:latin typeface="+mj-lt"/>
+                          <a:ea typeface="Calibri"/>
+                          <a:cs typeface="Times New Roman"/>
+                        </a:rPr>
+                        <a:t>Permite a duplicação de pedidos?</a:t>
+                      </a:r>
+                      <a:endParaRPr lang="pt-PT" sz="1600">
+                        <a:effectLst/>
+                        <a:latin typeface="+mj-lt"/>
+                        <a:ea typeface="Calibri"/>
+                        <a:cs typeface="Times New Roman"/>
+                      </a:endParaRPr>
+                    </a:p>
+                  </a:txBody>
+                  <a:tcPr marL="68580" marR="68580" marT="0" marB="0"/>
+                </a:tc>
+                <a:tc>
+                  <a:txBody>
+                    <a:bodyPr/>
+                    <a:lstStyle/>
+                    <a:p>
+                      <a:pPr algn="ctr">
+                        <a:lnSpc>
+                          <a:spcPct val="106000"/>
+                        </a:lnSpc>
+                        <a:spcAft>
+                          <a:spcPts val="800"/>
+                        </a:spcAft>
+                      </a:pPr>
+                      <a:r>
+                        <a:rPr lang="pt-PT" sz="1200" dirty="0">
+                          <a:effectLst/>
+                          <a:latin typeface="+mj-lt"/>
+                          <a:ea typeface="Calibri"/>
+                          <a:cs typeface="Times New Roman"/>
+                        </a:rPr>
+                        <a:t>X</a:t>
+                      </a:r>
+                      <a:endParaRPr lang="pt-PT" sz="1600" dirty="0">
+                        <a:effectLst/>
+                        <a:latin typeface="+mj-lt"/>
+                        <a:ea typeface="Calibri"/>
+                        <a:cs typeface="Times New Roman"/>
+                      </a:endParaRPr>
+                    </a:p>
+                  </a:txBody>
+                  <a:tcPr marL="68580" marR="68580" marT="0" marB="0"/>
+                </a:tc>
+                <a:tc>
+                  <a:txBody>
+                    <a:bodyPr/>
+                    <a:lstStyle/>
+                    <a:p>
+                      <a:pPr algn="ctr">
+                        <a:lnSpc>
+                          <a:spcPct val="106000"/>
+                        </a:lnSpc>
+                        <a:spcAft>
+                          <a:spcPts val="800"/>
+                        </a:spcAft>
+                      </a:pPr>
+                      <a:r>
+                        <a:rPr lang="pt-PT" sz="1200">
+                          <a:effectLst/>
+                          <a:latin typeface="+mj-lt"/>
+                          <a:ea typeface="Calibri"/>
+                          <a:cs typeface="Times New Roman"/>
+                        </a:rPr>
+                        <a:t> </a:t>
+                      </a:r>
+                      <a:endParaRPr lang="pt-PT" sz="1600">
+                        <a:effectLst/>
+                        <a:latin typeface="+mj-lt"/>
+                        <a:ea typeface="Calibri"/>
+                        <a:cs typeface="Times New Roman"/>
+                      </a:endParaRPr>
+                    </a:p>
+                  </a:txBody>
+                  <a:tcPr marL="68580" marR="68580" marT="0" marB="0"/>
+                </a:tc>
+              </a:tr>
+              <a:tr h="391626">
+                <a:tc>
+                  <a:txBody>
+                    <a:bodyPr/>
+                    <a:lstStyle/>
+                    <a:p>
+                      <a:pPr algn="just">
+                        <a:lnSpc>
+                          <a:spcPct val="106000"/>
+                        </a:lnSpc>
+                        <a:spcAft>
+                          <a:spcPts val="800"/>
+                        </a:spcAft>
+                      </a:pPr>
+                      <a:r>
+                        <a:rPr lang="pt-PT" sz="1200">
+                          <a:effectLst/>
+                          <a:latin typeface="+mj-lt"/>
+                          <a:ea typeface="Calibri"/>
+                          <a:cs typeface="Times New Roman"/>
+                        </a:rPr>
+                        <a:t>Permite editar ofertas depois de anunciadas?</a:t>
+                      </a:r>
+                      <a:endParaRPr lang="pt-PT" sz="1600">
+                        <a:effectLst/>
+                        <a:latin typeface="+mj-lt"/>
+                        <a:ea typeface="Calibri"/>
+                        <a:cs typeface="Times New Roman"/>
+                      </a:endParaRPr>
+                    </a:p>
+                  </a:txBody>
+                  <a:tcPr marL="68580" marR="68580" marT="0" marB="0"/>
+                </a:tc>
+                <a:tc>
+                  <a:txBody>
+                    <a:bodyPr/>
+                    <a:lstStyle/>
+                    <a:p>
+                      <a:pPr algn="ctr">
+                        <a:lnSpc>
+                          <a:spcPct val="106000"/>
+                        </a:lnSpc>
+                        <a:spcAft>
+                          <a:spcPts val="800"/>
+                        </a:spcAft>
+                      </a:pPr>
+                      <a:r>
+                        <a:rPr lang="pt-PT" sz="1200" dirty="0">
+                          <a:effectLst/>
+                          <a:latin typeface="+mj-lt"/>
+                          <a:ea typeface="Calibri"/>
+                          <a:cs typeface="Times New Roman"/>
+                        </a:rPr>
+                        <a:t> </a:t>
+                      </a:r>
+                      <a:endParaRPr lang="pt-PT" sz="1600" dirty="0">
+                        <a:effectLst/>
+                        <a:latin typeface="+mj-lt"/>
+                        <a:ea typeface="Calibri"/>
+                        <a:cs typeface="Times New Roman"/>
+                      </a:endParaRPr>
+                    </a:p>
+                  </a:txBody>
+                  <a:tcPr marL="68580" marR="68580" marT="0" marB="0"/>
+                </a:tc>
+                <a:tc>
+                  <a:txBody>
+                    <a:bodyPr/>
+                    <a:lstStyle/>
+                    <a:p>
+                      <a:pPr algn="ctr">
+                        <a:lnSpc>
+                          <a:spcPct val="106000"/>
+                        </a:lnSpc>
+                        <a:spcAft>
+                          <a:spcPts val="800"/>
+                        </a:spcAft>
+                      </a:pPr>
+                      <a:r>
+                        <a:rPr lang="pt-PT" sz="1200">
+                          <a:effectLst/>
+                          <a:latin typeface="+mj-lt"/>
+                          <a:ea typeface="Calibri"/>
+                          <a:cs typeface="Times New Roman"/>
+                        </a:rPr>
+                        <a:t>X</a:t>
+                      </a:r>
+                      <a:endParaRPr lang="pt-PT" sz="1600">
+                        <a:effectLst/>
+                        <a:latin typeface="+mj-lt"/>
+                        <a:ea typeface="Calibri"/>
+                        <a:cs typeface="Times New Roman"/>
+                      </a:endParaRPr>
+                    </a:p>
+                  </a:txBody>
+                  <a:tcPr marL="68580" marR="68580" marT="0" marB="0"/>
+                </a:tc>
+              </a:tr>
+              <a:tr h="391626">
+                <a:tc>
+                  <a:txBody>
+                    <a:bodyPr/>
+                    <a:lstStyle/>
+                    <a:p>
+                      <a:pPr algn="just">
+                        <a:lnSpc>
+                          <a:spcPct val="106000"/>
+                        </a:lnSpc>
+                        <a:spcAft>
+                          <a:spcPts val="800"/>
+                        </a:spcAft>
+                      </a:pPr>
+                      <a:r>
+                        <a:rPr lang="pt-PT" sz="1200">
+                          <a:effectLst/>
+                          <a:latin typeface="+mj-lt"/>
+                          <a:ea typeface="Calibri"/>
+                          <a:cs typeface="Times New Roman"/>
+                        </a:rPr>
+                        <a:t>Permite a criação de grupos de utilizadores?</a:t>
+                      </a:r>
+                      <a:endParaRPr lang="pt-PT" sz="1600">
+                        <a:effectLst/>
+                        <a:latin typeface="+mj-lt"/>
+                        <a:ea typeface="Calibri"/>
+                        <a:cs typeface="Times New Roman"/>
+                      </a:endParaRPr>
+                    </a:p>
+                  </a:txBody>
+                  <a:tcPr marL="68580" marR="68580" marT="0" marB="0"/>
+                </a:tc>
+                <a:tc>
+                  <a:txBody>
+                    <a:bodyPr/>
+                    <a:lstStyle/>
+                    <a:p>
+                      <a:pPr algn="ctr">
+                        <a:lnSpc>
+                          <a:spcPct val="106000"/>
+                        </a:lnSpc>
+                        <a:spcAft>
+                          <a:spcPts val="800"/>
+                        </a:spcAft>
+                      </a:pPr>
+                      <a:r>
+                        <a:rPr lang="pt-PT" sz="1200">
+                          <a:effectLst/>
+                          <a:latin typeface="+mj-lt"/>
+                          <a:ea typeface="Calibri"/>
+                          <a:cs typeface="Times New Roman"/>
+                        </a:rPr>
+                        <a:t> </a:t>
+                      </a:r>
+                      <a:endParaRPr lang="pt-PT" sz="1600">
+                        <a:effectLst/>
+                        <a:latin typeface="+mj-lt"/>
+                        <a:ea typeface="Calibri"/>
+                        <a:cs typeface="Times New Roman"/>
+                      </a:endParaRPr>
+                    </a:p>
+                  </a:txBody>
+                  <a:tcPr marL="68580" marR="68580" marT="0" marB="0"/>
+                </a:tc>
+                <a:tc>
+                  <a:txBody>
+                    <a:bodyPr/>
+                    <a:lstStyle/>
+                    <a:p>
+                      <a:pPr algn="ctr">
+                        <a:lnSpc>
+                          <a:spcPct val="106000"/>
+                        </a:lnSpc>
+                        <a:spcAft>
+                          <a:spcPts val="800"/>
+                        </a:spcAft>
+                      </a:pPr>
+                      <a:r>
+                        <a:rPr lang="pt-PT" sz="1200" dirty="0">
+                          <a:effectLst/>
+                          <a:latin typeface="+mj-lt"/>
+                          <a:ea typeface="Calibri"/>
+                          <a:cs typeface="Times New Roman"/>
+                        </a:rPr>
+                        <a:t>X</a:t>
+                      </a:r>
+                      <a:endParaRPr lang="pt-PT" sz="1600" dirty="0">
+                        <a:effectLst/>
+                        <a:latin typeface="+mj-lt"/>
+                        <a:ea typeface="Calibri"/>
+                        <a:cs typeface="Times New Roman"/>
+                      </a:endParaRPr>
+                    </a:p>
+                  </a:txBody>
+                  <a:tcPr marL="68580" marR="68580" marT="0" marB="0"/>
+                </a:tc>
+              </a:tr>
+              <a:tr h="391626">
+                <a:tc>
+                  <a:txBody>
+                    <a:bodyPr/>
+                    <a:lstStyle/>
+                    <a:p>
+                      <a:pPr algn="just">
+                        <a:lnSpc>
+                          <a:spcPct val="106000"/>
+                        </a:lnSpc>
+                        <a:spcAft>
+                          <a:spcPts val="800"/>
+                        </a:spcAft>
+                      </a:pPr>
+                      <a:r>
+                        <a:rPr lang="pt-PT" sz="1200">
+                          <a:effectLst/>
+                          <a:latin typeface="+mj-lt"/>
+                          <a:ea typeface="Calibri"/>
+                          <a:cs typeface="Times New Roman"/>
+                        </a:rPr>
+                        <a:t>Consigo enviar ofertas diretamente aos meus amigos?</a:t>
+                      </a:r>
+                      <a:endParaRPr lang="pt-PT" sz="1600">
+                        <a:effectLst/>
+                        <a:latin typeface="+mj-lt"/>
+                        <a:ea typeface="Calibri"/>
+                        <a:cs typeface="Times New Roman"/>
+                      </a:endParaRPr>
+                    </a:p>
+                  </a:txBody>
+                  <a:tcPr marL="68580" marR="68580" marT="0" marB="0"/>
+                </a:tc>
+                <a:tc>
+                  <a:txBody>
+                    <a:bodyPr/>
+                    <a:lstStyle/>
+                    <a:p>
+                      <a:pPr algn="ctr">
+                        <a:lnSpc>
+                          <a:spcPct val="106000"/>
+                        </a:lnSpc>
+                        <a:spcAft>
+                          <a:spcPts val="800"/>
+                        </a:spcAft>
+                      </a:pPr>
+                      <a:r>
+                        <a:rPr lang="pt-PT" sz="1200" dirty="0">
+                          <a:effectLst/>
+                          <a:latin typeface="+mj-lt"/>
+                          <a:ea typeface="Calibri"/>
+                          <a:cs typeface="Times New Roman"/>
+                        </a:rPr>
+                        <a:t> </a:t>
+                      </a:r>
+                      <a:endParaRPr lang="pt-PT" sz="1600" dirty="0">
+                        <a:effectLst/>
+                        <a:latin typeface="+mj-lt"/>
+                        <a:ea typeface="Calibri"/>
+                        <a:cs typeface="Times New Roman"/>
+                      </a:endParaRPr>
+                    </a:p>
+                  </a:txBody>
+                  <a:tcPr marL="68580" marR="68580" marT="0" marB="0"/>
+                </a:tc>
+                <a:tc>
+                  <a:txBody>
+                    <a:bodyPr/>
+                    <a:lstStyle/>
+                    <a:p>
+                      <a:pPr algn="ctr">
+                        <a:lnSpc>
+                          <a:spcPct val="106000"/>
+                        </a:lnSpc>
+                        <a:spcAft>
+                          <a:spcPts val="800"/>
+                        </a:spcAft>
+                      </a:pPr>
+                      <a:r>
+                        <a:rPr lang="pt-PT" sz="1200" dirty="0">
+                          <a:effectLst/>
+                          <a:latin typeface="+mj-lt"/>
+                          <a:ea typeface="Calibri"/>
+                          <a:cs typeface="Times New Roman"/>
+                        </a:rPr>
+                        <a:t>X</a:t>
+                      </a:r>
+                      <a:endParaRPr lang="pt-PT" sz="1600" dirty="0">
+                        <a:effectLst/>
+                        <a:latin typeface="+mj-lt"/>
+                        <a:ea typeface="Calibri"/>
+                        <a:cs typeface="Times New Roman"/>
+                      </a:endParaRPr>
+                    </a:p>
+                  </a:txBody>
+                  <a:tcPr marL="68580" marR="68580" marT="0" marB="0"/>
+                </a:tc>
+              </a:tr>
+              <a:tr h="391626">
+                <a:tc>
+                  <a:txBody>
+                    <a:bodyPr/>
+                    <a:lstStyle/>
+                    <a:p>
+                      <a:pPr algn="just">
+                        <a:lnSpc>
+                          <a:spcPct val="106000"/>
+                        </a:lnSpc>
+                        <a:spcAft>
+                          <a:spcPts val="800"/>
+                        </a:spcAft>
+                      </a:pPr>
+                      <a:r>
+                        <a:rPr lang="pt-PT" sz="1200">
+                          <a:effectLst/>
+                          <a:latin typeface="+mj-lt"/>
+                          <a:ea typeface="Calibri"/>
+                          <a:cs typeface="Times New Roman"/>
+                        </a:rPr>
+                        <a:t>Consigo reservar várias viagens a longo prazo?</a:t>
+                      </a:r>
+                      <a:endParaRPr lang="pt-PT" sz="1600">
+                        <a:effectLst/>
+                        <a:latin typeface="+mj-lt"/>
+                        <a:ea typeface="Calibri"/>
+                        <a:cs typeface="Times New Roman"/>
+                      </a:endParaRPr>
+                    </a:p>
+                  </a:txBody>
+                  <a:tcPr marL="68580" marR="68580" marT="0" marB="0"/>
+                </a:tc>
+                <a:tc>
+                  <a:txBody>
+                    <a:bodyPr/>
+                    <a:lstStyle/>
+                    <a:p>
+                      <a:pPr algn="ctr">
+                        <a:lnSpc>
+                          <a:spcPct val="106000"/>
+                        </a:lnSpc>
+                        <a:spcAft>
+                          <a:spcPts val="800"/>
+                        </a:spcAft>
+                      </a:pPr>
+                      <a:r>
+                        <a:rPr lang="pt-PT" sz="1200" dirty="0">
+                          <a:effectLst/>
+                          <a:latin typeface="+mj-lt"/>
+                          <a:ea typeface="Calibri"/>
+                          <a:cs typeface="Times New Roman"/>
+                        </a:rPr>
+                        <a:t> </a:t>
+                      </a:r>
+                      <a:endParaRPr lang="pt-PT" sz="1600" dirty="0">
+                        <a:effectLst/>
+                        <a:latin typeface="+mj-lt"/>
+                        <a:ea typeface="Calibri"/>
+                        <a:cs typeface="Times New Roman"/>
+                      </a:endParaRPr>
+                    </a:p>
+                  </a:txBody>
+                  <a:tcPr marL="68580" marR="68580" marT="0" marB="0"/>
+                </a:tc>
+                <a:tc>
+                  <a:txBody>
+                    <a:bodyPr/>
+                    <a:lstStyle/>
+                    <a:p>
+                      <a:pPr algn="ctr">
+                        <a:lnSpc>
+                          <a:spcPct val="106000"/>
+                        </a:lnSpc>
+                        <a:spcAft>
+                          <a:spcPts val="800"/>
+                        </a:spcAft>
+                      </a:pPr>
+                      <a:r>
+                        <a:rPr lang="pt-PT" sz="1200" dirty="0">
+                          <a:effectLst/>
+                          <a:latin typeface="+mj-lt"/>
+                          <a:ea typeface="Calibri"/>
+                          <a:cs typeface="Times New Roman"/>
+                        </a:rPr>
+                        <a:t>X</a:t>
+                      </a:r>
+                      <a:endParaRPr lang="pt-PT" sz="1600" dirty="0">
+                        <a:effectLst/>
+                        <a:latin typeface="+mj-lt"/>
+                        <a:ea typeface="Calibri"/>
+                        <a:cs typeface="Times New Roman"/>
+                      </a:endParaRPr>
+                    </a:p>
+                  </a:txBody>
+                  <a:tcPr marL="68580" marR="68580" marT="0" marB="0"/>
+                </a:tc>
+              </a:tr>
+              <a:tr h="391559">
+                <a:tc>
+                  <a:txBody>
+                    <a:bodyPr/>
+                    <a:lstStyle/>
+                    <a:p>
+                      <a:pPr algn="just">
+                        <a:lnSpc>
+                          <a:spcPct val="106000"/>
+                        </a:lnSpc>
+                        <a:spcAft>
+                          <a:spcPts val="800"/>
+                        </a:spcAft>
+                      </a:pPr>
+                      <a:r>
+                        <a:rPr lang="pt-PT" sz="1200" dirty="0">
+                          <a:effectLst/>
+                          <a:latin typeface="+mj-lt"/>
+                          <a:ea typeface="Calibri"/>
+                          <a:cs typeface="Times New Roman"/>
+                        </a:rPr>
+                        <a:t>Tem aplicação móvel?</a:t>
+                      </a:r>
+                      <a:endParaRPr lang="pt-PT" sz="1600" dirty="0">
+                        <a:effectLst/>
+                        <a:latin typeface="+mj-lt"/>
+                        <a:ea typeface="Calibri"/>
+                        <a:cs typeface="Times New Roman"/>
+                      </a:endParaRPr>
+                    </a:p>
+                  </a:txBody>
+                  <a:tcPr marL="68580" marR="68580" marT="0" marB="0"/>
+                </a:tc>
+                <a:tc>
+                  <a:txBody>
+                    <a:bodyPr/>
+                    <a:lstStyle/>
+                    <a:p>
+                      <a:pPr algn="ctr">
+                        <a:lnSpc>
+                          <a:spcPct val="106000"/>
+                        </a:lnSpc>
+                        <a:spcAft>
+                          <a:spcPts val="800"/>
+                        </a:spcAft>
+                      </a:pPr>
+                      <a:r>
+                        <a:rPr lang="pt-PT" sz="1200">
+                          <a:effectLst/>
+                          <a:latin typeface="+mj-lt"/>
+                          <a:ea typeface="Calibri"/>
+                          <a:cs typeface="Times New Roman"/>
+                        </a:rPr>
+                        <a:t>X</a:t>
+                      </a:r>
+                      <a:endParaRPr lang="pt-PT" sz="1600">
+                        <a:effectLst/>
+                        <a:latin typeface="+mj-lt"/>
+                        <a:ea typeface="Calibri"/>
+                        <a:cs typeface="Times New Roman"/>
+                      </a:endParaRPr>
+                    </a:p>
+                  </a:txBody>
+                  <a:tcPr marL="68580" marR="68580" marT="0" marB="0"/>
+                </a:tc>
+                <a:tc>
+                  <a:txBody>
+                    <a:bodyPr/>
+                    <a:lstStyle/>
+                    <a:p>
+                      <a:pPr algn="ctr">
+                        <a:lnSpc>
+                          <a:spcPct val="106000"/>
+                        </a:lnSpc>
+                        <a:spcAft>
+                          <a:spcPts val="800"/>
+                        </a:spcAft>
+                      </a:pPr>
+                      <a:r>
+                        <a:rPr lang="pt-PT" sz="1200" dirty="0">
+                          <a:effectLst/>
+                          <a:latin typeface="+mj-lt"/>
+                          <a:ea typeface="Calibri"/>
+                          <a:cs typeface="Times New Roman"/>
+                        </a:rPr>
+                        <a:t> </a:t>
+                      </a:r>
+                      <a:endParaRPr lang="pt-PT" sz="1600" dirty="0">
+                        <a:effectLst/>
+                        <a:latin typeface="+mj-lt"/>
+                        <a:ea typeface="Calibri"/>
+                        <a:cs typeface="Times New Roman"/>
+                      </a:endParaRPr>
+                    </a:p>
+                  </a:txBody>
+                  <a:tcPr marL="68580" marR="68580" marT="0" marB="0"/>
+                </a:tc>
+              </a:tr>
+            </a:tbl>
+          </a:graphicData>
+        </a:graphic>
+      </p:graphicFrame>
+    </p:spTree>
+    <p:extLst>
+      <p:ext uri="{BB962C8B-B14F-4D97-AF65-F5344CB8AC3E}">
+        <p14:creationId xmlns:p14="http://schemas.microsoft.com/office/powerpoint/2010/main" val="3319599904"/>
+      </p:ext>
+    </p:extLst>
+  </p:cSld>
+  <p:clrMapOvr>
+    <a:masterClrMapping/>
+  </p:clrMapOvr>
+</p:sld>
+</file>
+
+<file path=ppt/slides/slide6.xml><?xml version="1.0" encoding="utf-8"?>
+<p:sld xmlns:a="http://schemas.openxmlformats.org/drawingml/2006/main" xmlns:r="http://schemas.openxmlformats.org/officeDocument/2006/relationships" xmlns:p="http://schemas.openxmlformats.org/presentationml/2006/main">
+  <p:cSld>
+    <p:spTree>
+      <p:nvGrpSpPr>
+        <p:cNvPr id="1" name=""/>
+        <p:cNvGrpSpPr/>
+        <p:nvPr/>
+      </p:nvGrpSpPr>
+      <p:grpSpPr>
+        <a:xfrm>
+          <a:off x="0" y="0"/>
+          <a:ext cx="0" cy="0"/>
+          <a:chOff x="0" y="0"/>
+          <a:chExt cx="0" cy="0"/>
+        </a:xfrm>
+      </p:grpSpPr>
+      <p:sp>
+        <p:nvSpPr>
+          <p:cNvPr id="2" name="Title 1"/>
+          <p:cNvSpPr>
+            <a:spLocks noGrp="1"/>
+          </p:cNvSpPr>
+          <p:nvPr>
+            <p:ph type="title"/>
+          </p:nvPr>
+        </p:nvSpPr>
+        <p:spPr/>
+        <p:txBody>
+          <a:bodyPr/>
+          <a:lstStyle/>
+          <a:p>
+            <a:r>
+              <a:rPr lang="pt-PT" dirty="0"/>
+              <a:t>Estado de </a:t>
+            </a:r>
+            <a:r>
+              <a:rPr lang="pt-PT" dirty="0" smtClean="0"/>
+              <a:t>arte(Boleia.net)</a:t>
+            </a:r>
+            <a:endParaRPr lang="pt-PT" dirty="0"/>
+          </a:p>
+        </p:txBody>
+      </p:sp>
+      <p:pic>
+        <p:nvPicPr>
+          <p:cNvPr id="4" name="Content Placeholder 3"/>
+          <p:cNvPicPr>
+            <a:picLocks noGrp="1" noChangeAspect="1"/>
+          </p:cNvPicPr>
+          <p:nvPr>
+            <p:ph idx="1"/>
+          </p:nvPr>
+        </p:nvPicPr>
+        <p:blipFill>
+          <a:blip r:embed="rId2">
+            <a:extLst>
+              <a:ext uri="{28A0092B-C50C-407E-A947-70E740481C1C}">
+                <a14:useLocalDpi xmlns:a14="http://schemas.microsoft.com/office/drawing/2010/main" val="0"/>
+              </a:ext>
+            </a:extLst>
+          </a:blip>
+          <a:stretch>
+            <a:fillRect/>
+          </a:stretch>
+        </p:blipFill>
+        <p:spPr>
+          <a:xfrm>
+            <a:off x="503238" y="580837"/>
+            <a:ext cx="8183562" cy="4086601"/>
+          </a:xfrm>
+        </p:spPr>
+      </p:pic>
+    </p:spTree>
+    <p:extLst>
+      <p:ext uri="{BB962C8B-B14F-4D97-AF65-F5344CB8AC3E}">
+        <p14:creationId xmlns:p14="http://schemas.microsoft.com/office/powerpoint/2010/main" val="2187120709"/>
+      </p:ext>
+    </p:extLst>
+  </p:cSld>
+  <p:clrMapOvr>
+    <a:masterClrMapping/>
+  </p:clrMapOvr>
+</p:sld>
+</file>
+
+<file path=ppt/slides/slide7.xml><?xml version="1.0" encoding="utf-8"?>
+<p:sld xmlns:a="http://schemas.openxmlformats.org/drawingml/2006/main" xmlns:r="http://schemas.openxmlformats.org/officeDocument/2006/relationships" xmlns:p="http://schemas.openxmlformats.org/presentationml/2006/main">
+  <p:cSld>
+    <p:spTree>
+      <p:nvGrpSpPr>
+        <p:cNvPr id="1" name=""/>
+        <p:cNvGrpSpPr/>
+        <p:nvPr/>
+      </p:nvGrpSpPr>
+      <p:grpSpPr>
+        <a:xfrm>
+          <a:off x="0" y="0"/>
+          <a:ext cx="0" cy="0"/>
+          <a:chOff x="0" y="0"/>
+          <a:chExt cx="0" cy="0"/>
+        </a:xfrm>
+      </p:grpSpPr>
+      <p:sp>
+        <p:nvSpPr>
+          <p:cNvPr id="2" name="Title 1"/>
+          <p:cNvSpPr>
+            <a:spLocks noGrp="1"/>
+          </p:cNvSpPr>
+          <p:nvPr>
+            <p:ph type="title"/>
+          </p:nvPr>
+        </p:nvSpPr>
+        <p:spPr/>
+        <p:txBody>
+          <a:bodyPr/>
+          <a:lstStyle/>
+          <a:p>
+            <a:r>
+              <a:rPr lang="pt-PT" dirty="0"/>
+              <a:t>Estado de arte(Boleia.net)</a:t>
+            </a:r>
+          </a:p>
+        </p:txBody>
+      </p:sp>
+      <p:graphicFrame>
+        <p:nvGraphicFramePr>
+          <p:cNvPr id="4" name="Content Placeholder 3"/>
+          <p:cNvGraphicFramePr>
+            <a:graphicFrameLocks noGrp="1"/>
+          </p:cNvGraphicFramePr>
+          <p:nvPr>
+            <p:ph idx="1"/>
+            <p:extLst>
+              <p:ext uri="{D42A27DB-BD31-4B8C-83A1-F6EECF244321}">
+                <p14:modId xmlns:p14="http://schemas.microsoft.com/office/powerpoint/2010/main" val="4163791178"/>
+              </p:ext>
+            </p:extLst>
+          </p:nvPr>
+        </p:nvGraphicFramePr>
+        <p:xfrm>
+          <a:off x="503238" y="530225"/>
+          <a:ext cx="8183562" cy="4450336"/>
+        </p:xfrm>
+        <a:graphic>
+          <a:graphicData uri="http://schemas.openxmlformats.org/drawingml/2006/table">
+            <a:tbl>
+              <a:tblPr firstRow="1" bandRow="1">
+                <a:tableStyleId>{5C22544A-7EE6-4342-B048-85BDC9FD1C3A}</a:tableStyleId>
+              </a:tblPr>
+              <a:tblGrid>
+                <a:gridCol w="2727854"/>
+                <a:gridCol w="2727854"/>
+                <a:gridCol w="2727854"/>
+              </a:tblGrid>
+              <a:tr h="370840">
+                <a:tc>
+                  <a:txBody>
+                    <a:bodyPr/>
+                    <a:lstStyle/>
+                    <a:p>
+                      <a:pPr algn="ctr">
+                        <a:lnSpc>
+                          <a:spcPct val="106000"/>
+                        </a:lnSpc>
+                        <a:spcAft>
+                          <a:spcPts val="800"/>
+                        </a:spcAft>
+                      </a:pPr>
+                      <a:r>
+                        <a:rPr lang="pt-PT" sz="1200" dirty="0">
+                          <a:effectLst/>
+                          <a:latin typeface="+mj-lt"/>
+                          <a:ea typeface="Calibri"/>
+                          <a:cs typeface="Times New Roman"/>
+                        </a:rPr>
+                        <a:t>Funcionalidade</a:t>
+                      </a:r>
+                      <a:endParaRPr lang="pt-PT" sz="1600" dirty="0">
+                        <a:effectLst/>
+                        <a:latin typeface="+mj-lt"/>
+                        <a:ea typeface="Calibri"/>
+                        <a:cs typeface="Times New Roman"/>
+                      </a:endParaRPr>
+                    </a:p>
+                  </a:txBody>
+                  <a:tcPr marL="68580" marR="68580" marT="0" marB="0"/>
+                </a:tc>
+                <a:tc>
+                  <a:txBody>
+                    <a:bodyPr/>
+                    <a:lstStyle/>
+                    <a:p>
+                      <a:pPr algn="ctr">
+                        <a:lnSpc>
+                          <a:spcPct val="106000"/>
+                        </a:lnSpc>
+                        <a:spcAft>
+                          <a:spcPts val="800"/>
+                        </a:spcAft>
+                      </a:pPr>
+                      <a:r>
+                        <a:rPr lang="pt-PT" sz="1200" dirty="0">
+                          <a:effectLst/>
+                          <a:latin typeface="+mj-lt"/>
+                          <a:ea typeface="Calibri"/>
+                          <a:cs typeface="Times New Roman"/>
+                        </a:rPr>
+                        <a:t>Sim</a:t>
+                      </a:r>
+                      <a:endParaRPr lang="pt-PT" sz="1600" dirty="0">
+                        <a:effectLst/>
+                        <a:latin typeface="+mj-lt"/>
+                        <a:ea typeface="Calibri"/>
+                        <a:cs typeface="Times New Roman"/>
+                      </a:endParaRPr>
+                    </a:p>
+                  </a:txBody>
+                  <a:tcPr marL="68580" marR="68580" marT="0" marB="0"/>
+                </a:tc>
+                <a:tc>
+                  <a:txBody>
+                    <a:bodyPr/>
+                    <a:lstStyle/>
+                    <a:p>
+                      <a:pPr algn="ctr">
+                        <a:lnSpc>
+                          <a:spcPct val="106000"/>
+                        </a:lnSpc>
+                        <a:spcAft>
+                          <a:spcPts val="800"/>
+                        </a:spcAft>
+                      </a:pPr>
+                      <a:r>
+                        <a:rPr lang="pt-PT" sz="1200" dirty="0">
+                          <a:effectLst/>
+                          <a:latin typeface="+mj-lt"/>
+                          <a:ea typeface="Calibri"/>
+                          <a:cs typeface="Times New Roman"/>
+                        </a:rPr>
+                        <a:t>Não</a:t>
+                      </a:r>
+                      <a:endParaRPr lang="pt-PT" sz="1600" dirty="0">
+                        <a:effectLst/>
+                        <a:latin typeface="+mj-lt"/>
+                        <a:ea typeface="Calibri"/>
+                        <a:cs typeface="Times New Roman"/>
+                      </a:endParaRPr>
+                    </a:p>
+                  </a:txBody>
+                  <a:tcPr marL="68580" marR="68580" marT="0" marB="0"/>
+                </a:tc>
+              </a:tr>
+              <a:tr h="370840">
+                <a:tc>
+                  <a:txBody>
+                    <a:bodyPr/>
+                    <a:lstStyle/>
+                    <a:p>
+                      <a:pPr algn="just">
+                        <a:lnSpc>
+                          <a:spcPct val="106000"/>
+                        </a:lnSpc>
+                        <a:spcAft>
+                          <a:spcPts val="800"/>
+                        </a:spcAft>
+                      </a:pPr>
+                      <a:r>
+                        <a:rPr lang="pt-PT" sz="1200">
+                          <a:effectLst/>
+                          <a:latin typeface="+mj-lt"/>
+                          <a:ea typeface="Calibri"/>
+                          <a:cs typeface="Times New Roman"/>
+                        </a:rPr>
+                        <a:t>É responsivo?</a:t>
+                      </a:r>
+                      <a:endParaRPr lang="pt-PT" sz="1600">
+                        <a:effectLst/>
+                        <a:latin typeface="+mj-lt"/>
+                        <a:ea typeface="Calibri"/>
+                        <a:cs typeface="Times New Roman"/>
+                      </a:endParaRPr>
+                    </a:p>
+                  </a:txBody>
+                  <a:tcPr marL="68580" marR="68580" marT="0" marB="0"/>
+                </a:tc>
+                <a:tc>
+                  <a:txBody>
+                    <a:bodyPr/>
+                    <a:lstStyle/>
+                    <a:p>
+                      <a:pPr algn="ctr">
+                        <a:lnSpc>
+                          <a:spcPct val="106000"/>
+                        </a:lnSpc>
+                        <a:spcAft>
+                          <a:spcPts val="800"/>
+                        </a:spcAft>
+                      </a:pPr>
+                      <a:r>
+                        <a:rPr lang="pt-PT" sz="1200" dirty="0">
+                          <a:effectLst/>
+                          <a:latin typeface="+mj-lt"/>
+                          <a:ea typeface="Calibri"/>
+                          <a:cs typeface="Times New Roman"/>
+                        </a:rPr>
+                        <a:t>X</a:t>
+                      </a:r>
+                      <a:endParaRPr lang="pt-PT" sz="1600" dirty="0">
+                        <a:effectLst/>
+                        <a:latin typeface="+mj-lt"/>
+                        <a:ea typeface="Calibri"/>
+                        <a:cs typeface="Times New Roman"/>
+                      </a:endParaRPr>
+                    </a:p>
+                  </a:txBody>
+                  <a:tcPr marL="68580" marR="68580" marT="0" marB="0"/>
+                </a:tc>
+                <a:tc>
+                  <a:txBody>
+                    <a:bodyPr/>
+                    <a:lstStyle/>
+                    <a:p>
+                      <a:pPr algn="ctr">
+                        <a:lnSpc>
+                          <a:spcPct val="106000"/>
+                        </a:lnSpc>
+                        <a:spcAft>
+                          <a:spcPts val="800"/>
+                        </a:spcAft>
+                      </a:pPr>
+                      <a:r>
+                        <a:rPr lang="pt-PT" sz="1200" dirty="0">
+                          <a:effectLst/>
+                          <a:latin typeface="+mj-lt"/>
+                          <a:ea typeface="Calibri"/>
+                          <a:cs typeface="Times New Roman"/>
+                        </a:rPr>
+                        <a:t> </a:t>
+                      </a:r>
+                      <a:endParaRPr lang="pt-PT" sz="1600" dirty="0">
+                        <a:effectLst/>
+                        <a:latin typeface="+mj-lt"/>
+                        <a:ea typeface="Calibri"/>
+                        <a:cs typeface="Times New Roman"/>
+                      </a:endParaRPr>
+                    </a:p>
+                  </a:txBody>
+                  <a:tcPr marL="68580" marR="68580" marT="0" marB="0"/>
+                </a:tc>
+              </a:tr>
+              <a:tr h="370840">
+                <a:tc>
+                  <a:txBody>
+                    <a:bodyPr/>
+                    <a:lstStyle/>
+                    <a:p>
+                      <a:pPr algn="just">
+                        <a:lnSpc>
+                          <a:spcPct val="106000"/>
+                        </a:lnSpc>
+                        <a:spcAft>
+                          <a:spcPts val="800"/>
+                        </a:spcAft>
+                      </a:pPr>
+                      <a:r>
+                        <a:rPr lang="pt-PT" sz="1200">
+                          <a:effectLst/>
+                          <a:latin typeface="+mj-lt"/>
+                          <a:ea typeface="Calibri"/>
+                          <a:cs typeface="Times New Roman"/>
+                        </a:rPr>
+                        <a:t>É paga?</a:t>
+                      </a:r>
+                      <a:endParaRPr lang="pt-PT" sz="1600">
+                        <a:effectLst/>
+                        <a:latin typeface="+mj-lt"/>
+                        <a:ea typeface="Calibri"/>
+                        <a:cs typeface="Times New Roman"/>
+                      </a:endParaRPr>
+                    </a:p>
+                  </a:txBody>
+                  <a:tcPr marL="68580" marR="68580" marT="0" marB="0"/>
+                </a:tc>
+                <a:tc>
+                  <a:txBody>
+                    <a:bodyPr/>
+                    <a:lstStyle/>
+                    <a:p>
+                      <a:pPr algn="ctr">
+                        <a:lnSpc>
+                          <a:spcPct val="106000"/>
+                        </a:lnSpc>
+                        <a:spcAft>
+                          <a:spcPts val="800"/>
+                        </a:spcAft>
+                      </a:pPr>
+                      <a:r>
+                        <a:rPr lang="pt-PT" sz="1200">
+                          <a:effectLst/>
+                          <a:latin typeface="+mj-lt"/>
+                          <a:ea typeface="Calibri"/>
+                          <a:cs typeface="Times New Roman"/>
+                        </a:rPr>
+                        <a:t> </a:t>
+                      </a:r>
+                      <a:endParaRPr lang="pt-PT" sz="1600">
+                        <a:effectLst/>
+                        <a:latin typeface="+mj-lt"/>
+                        <a:ea typeface="Calibri"/>
+                        <a:cs typeface="Times New Roman"/>
+                      </a:endParaRPr>
+                    </a:p>
+                  </a:txBody>
+                  <a:tcPr marL="68580" marR="68580" marT="0" marB="0"/>
+                </a:tc>
+                <a:tc>
+                  <a:txBody>
+                    <a:bodyPr/>
+                    <a:lstStyle/>
+                    <a:p>
+                      <a:pPr algn="ctr">
+                        <a:lnSpc>
+                          <a:spcPct val="106000"/>
+                        </a:lnSpc>
+                        <a:spcAft>
+                          <a:spcPts val="800"/>
+                        </a:spcAft>
+                      </a:pPr>
+                      <a:r>
+                        <a:rPr lang="pt-PT" sz="1200">
+                          <a:effectLst/>
+                          <a:latin typeface="+mj-lt"/>
+                          <a:ea typeface="Calibri"/>
+                          <a:cs typeface="Times New Roman"/>
+                        </a:rPr>
+                        <a:t>X</a:t>
+                      </a:r>
+                      <a:endParaRPr lang="pt-PT" sz="1600">
+                        <a:effectLst/>
+                        <a:latin typeface="+mj-lt"/>
+                        <a:ea typeface="Calibri"/>
+                        <a:cs typeface="Times New Roman"/>
+                      </a:endParaRPr>
+                    </a:p>
+                  </a:txBody>
+                  <a:tcPr marL="68580" marR="68580" marT="0" marB="0"/>
+                </a:tc>
+              </a:tr>
+              <a:tr h="370840">
+                <a:tc>
+                  <a:txBody>
+                    <a:bodyPr/>
+                    <a:lstStyle/>
+                    <a:p>
+                      <a:pPr algn="just">
+                        <a:lnSpc>
+                          <a:spcPct val="106000"/>
+                        </a:lnSpc>
+                        <a:spcAft>
+                          <a:spcPts val="800"/>
+                        </a:spcAft>
+                      </a:pPr>
+                      <a:r>
+                        <a:rPr lang="pt-PT" sz="1200">
+                          <a:effectLst/>
+                          <a:latin typeface="+mj-lt"/>
+                          <a:ea typeface="Calibri"/>
+                          <a:cs typeface="Times New Roman"/>
+                        </a:rPr>
+                        <a:t>Tem registo gratuito?</a:t>
+                      </a:r>
+                      <a:endParaRPr lang="pt-PT" sz="1600">
+                        <a:effectLst/>
+                        <a:latin typeface="+mj-lt"/>
+                        <a:ea typeface="Calibri"/>
+                        <a:cs typeface="Times New Roman"/>
+                      </a:endParaRPr>
+                    </a:p>
+                  </a:txBody>
+                  <a:tcPr marL="68580" marR="68580" marT="0" marB="0"/>
+                </a:tc>
+                <a:tc>
+                  <a:txBody>
+                    <a:bodyPr/>
+                    <a:lstStyle/>
+                    <a:p>
+                      <a:pPr algn="ctr">
+                        <a:lnSpc>
+                          <a:spcPct val="106000"/>
+                        </a:lnSpc>
+                        <a:spcAft>
+                          <a:spcPts val="800"/>
+                        </a:spcAft>
+                      </a:pPr>
+                      <a:r>
+                        <a:rPr lang="pt-PT" sz="1200">
+                          <a:effectLst/>
+                          <a:latin typeface="+mj-lt"/>
+                          <a:ea typeface="Calibri"/>
+                          <a:cs typeface="Times New Roman"/>
+                        </a:rPr>
+                        <a:t>X</a:t>
+                      </a:r>
+                      <a:endParaRPr lang="pt-PT" sz="1600">
+                        <a:effectLst/>
+                        <a:latin typeface="+mj-lt"/>
+                        <a:ea typeface="Calibri"/>
+                        <a:cs typeface="Times New Roman"/>
+                      </a:endParaRPr>
+                    </a:p>
+                  </a:txBody>
+                  <a:tcPr marL="68580" marR="68580" marT="0" marB="0"/>
+                </a:tc>
+                <a:tc>
+                  <a:txBody>
+                    <a:bodyPr/>
+                    <a:lstStyle/>
+                    <a:p>
+                      <a:pPr algn="ctr">
+                        <a:lnSpc>
+                          <a:spcPct val="106000"/>
+                        </a:lnSpc>
+                        <a:spcAft>
+                          <a:spcPts val="800"/>
+                        </a:spcAft>
+                      </a:pPr>
+                      <a:r>
+                        <a:rPr lang="pt-PT" sz="1200">
+                          <a:effectLst/>
+                          <a:latin typeface="+mj-lt"/>
+                          <a:ea typeface="Calibri"/>
+                          <a:cs typeface="Times New Roman"/>
+                        </a:rPr>
+                        <a:t> </a:t>
+                      </a:r>
+                      <a:endParaRPr lang="pt-PT" sz="1600">
+                        <a:effectLst/>
+                        <a:latin typeface="+mj-lt"/>
+                        <a:ea typeface="Calibri"/>
+                        <a:cs typeface="Times New Roman"/>
+                      </a:endParaRPr>
+                    </a:p>
+                  </a:txBody>
+                  <a:tcPr marL="68580" marR="68580" marT="0" marB="0"/>
+                </a:tc>
+              </a:tr>
+              <a:tr h="370840">
+                <a:tc>
+                  <a:txBody>
+                    <a:bodyPr/>
+                    <a:lstStyle/>
+                    <a:p>
+                      <a:pPr algn="just">
+                        <a:lnSpc>
+                          <a:spcPct val="106000"/>
+                        </a:lnSpc>
+                        <a:spcAft>
+                          <a:spcPts val="800"/>
+                        </a:spcAft>
+                      </a:pPr>
+                      <a:r>
+                        <a:rPr lang="pt-PT" sz="1200">
+                          <a:effectLst/>
+                          <a:latin typeface="+mj-lt"/>
+                          <a:ea typeface="Calibri"/>
+                          <a:cs typeface="Times New Roman"/>
+                        </a:rPr>
+                        <a:t>É </a:t>
+                      </a:r>
+                      <a:r>
+                        <a:rPr lang="pt-PT" sz="1200" i="1">
+                          <a:effectLst/>
+                          <a:latin typeface="+mj-lt"/>
+                          <a:ea typeface="Calibri"/>
+                          <a:cs typeface="Times New Roman"/>
+                        </a:rPr>
+                        <a:t>open-source</a:t>
+                      </a:r>
+                      <a:r>
+                        <a:rPr lang="pt-PT" sz="1200">
+                          <a:effectLst/>
+                          <a:latin typeface="+mj-lt"/>
+                          <a:ea typeface="Calibri"/>
+                          <a:cs typeface="Times New Roman"/>
+                        </a:rPr>
+                        <a:t>?</a:t>
+                      </a:r>
+                      <a:endParaRPr lang="pt-PT" sz="1600">
+                        <a:effectLst/>
+                        <a:latin typeface="+mj-lt"/>
+                        <a:ea typeface="Calibri"/>
+                        <a:cs typeface="Times New Roman"/>
+                      </a:endParaRPr>
+                    </a:p>
+                  </a:txBody>
+                  <a:tcPr marL="68580" marR="68580" marT="0" marB="0"/>
+                </a:tc>
+                <a:tc>
+                  <a:txBody>
+                    <a:bodyPr/>
+                    <a:lstStyle/>
+                    <a:p>
+                      <a:pPr algn="ctr">
+                        <a:lnSpc>
+                          <a:spcPct val="106000"/>
+                        </a:lnSpc>
+                        <a:spcAft>
+                          <a:spcPts val="800"/>
+                        </a:spcAft>
+                      </a:pPr>
+                      <a:r>
+                        <a:rPr lang="pt-PT" sz="1200">
+                          <a:effectLst/>
+                          <a:latin typeface="+mj-lt"/>
+                          <a:ea typeface="Calibri"/>
+                          <a:cs typeface="Times New Roman"/>
+                        </a:rPr>
+                        <a:t> </a:t>
+                      </a:r>
+                      <a:endParaRPr lang="pt-PT" sz="1600">
+                        <a:effectLst/>
+                        <a:latin typeface="+mj-lt"/>
+                        <a:ea typeface="Calibri"/>
+                        <a:cs typeface="Times New Roman"/>
+                      </a:endParaRPr>
+                    </a:p>
+                  </a:txBody>
+                  <a:tcPr marL="68580" marR="68580" marT="0" marB="0"/>
+                </a:tc>
+                <a:tc>
+                  <a:txBody>
+                    <a:bodyPr/>
+                    <a:lstStyle/>
+                    <a:p>
+                      <a:pPr algn="ctr">
+                        <a:lnSpc>
+                          <a:spcPct val="106000"/>
+                        </a:lnSpc>
+                        <a:spcAft>
+                          <a:spcPts val="800"/>
+                        </a:spcAft>
+                      </a:pPr>
+                      <a:r>
+                        <a:rPr lang="pt-PT" sz="1200">
+                          <a:effectLst/>
+                          <a:latin typeface="+mj-lt"/>
+                          <a:ea typeface="Calibri"/>
+                          <a:cs typeface="Times New Roman"/>
+                        </a:rPr>
+                        <a:t>X</a:t>
+                      </a:r>
+                      <a:endParaRPr lang="pt-PT" sz="1600">
+                        <a:effectLst/>
+                        <a:latin typeface="+mj-lt"/>
+                        <a:ea typeface="Calibri"/>
+                        <a:cs typeface="Times New Roman"/>
+                      </a:endParaRPr>
+                    </a:p>
+                  </a:txBody>
+                  <a:tcPr marL="68580" marR="68580" marT="0" marB="0"/>
+                </a:tc>
+              </a:tr>
+              <a:tr h="370840">
+                <a:tc>
+                  <a:txBody>
+                    <a:bodyPr/>
+                    <a:lstStyle/>
+                    <a:p>
+                      <a:pPr algn="just">
+                        <a:lnSpc>
+                          <a:spcPct val="106000"/>
+                        </a:lnSpc>
+                        <a:spcAft>
+                          <a:spcPts val="800"/>
+                        </a:spcAft>
+                      </a:pPr>
+                      <a:r>
+                        <a:rPr lang="pt-PT" sz="1200">
+                          <a:effectLst/>
+                          <a:latin typeface="+mj-lt"/>
+                          <a:ea typeface="Calibri"/>
+                          <a:cs typeface="Times New Roman"/>
+                        </a:rPr>
+                        <a:t>Permite pesquisar por pedidos?</a:t>
+                      </a:r>
+                      <a:endParaRPr lang="pt-PT" sz="1600">
+                        <a:effectLst/>
+                        <a:latin typeface="+mj-lt"/>
+                        <a:ea typeface="Calibri"/>
+                        <a:cs typeface="Times New Roman"/>
+                      </a:endParaRPr>
+                    </a:p>
+                  </a:txBody>
+                  <a:tcPr marL="68580" marR="68580" marT="0" marB="0"/>
+                </a:tc>
+                <a:tc>
+                  <a:txBody>
+                    <a:bodyPr/>
+                    <a:lstStyle/>
+                    <a:p>
+                      <a:pPr algn="ctr">
+                        <a:lnSpc>
+                          <a:spcPct val="106000"/>
+                        </a:lnSpc>
+                        <a:spcAft>
+                          <a:spcPts val="800"/>
+                        </a:spcAft>
+                      </a:pPr>
+                      <a:r>
+                        <a:rPr lang="pt-PT" sz="1200">
+                          <a:effectLst/>
+                          <a:latin typeface="+mj-lt"/>
+                          <a:ea typeface="Calibri"/>
+                          <a:cs typeface="Times New Roman"/>
+                        </a:rPr>
+                        <a:t>X</a:t>
+                      </a:r>
+                      <a:endParaRPr lang="pt-PT" sz="1600">
+                        <a:effectLst/>
+                        <a:latin typeface="+mj-lt"/>
+                        <a:ea typeface="Calibri"/>
+                        <a:cs typeface="Times New Roman"/>
+                      </a:endParaRPr>
+                    </a:p>
+                  </a:txBody>
+                  <a:tcPr marL="68580" marR="68580" marT="0" marB="0"/>
+                </a:tc>
+                <a:tc>
+                  <a:txBody>
+                    <a:bodyPr/>
+                    <a:lstStyle/>
+                    <a:p>
+                      <a:pPr algn="ctr">
+                        <a:lnSpc>
+                          <a:spcPct val="106000"/>
+                        </a:lnSpc>
+                        <a:spcAft>
+                          <a:spcPts val="800"/>
+                        </a:spcAft>
+                      </a:pPr>
+                      <a:r>
+                        <a:rPr lang="pt-PT" sz="1200">
+                          <a:effectLst/>
+                          <a:latin typeface="+mj-lt"/>
+                          <a:ea typeface="Calibri"/>
+                          <a:cs typeface="Times New Roman"/>
+                        </a:rPr>
+                        <a:t> </a:t>
+                      </a:r>
+                      <a:endParaRPr lang="pt-PT" sz="1600">
+                        <a:effectLst/>
+                        <a:latin typeface="+mj-lt"/>
+                        <a:ea typeface="Calibri"/>
+                        <a:cs typeface="Times New Roman"/>
+                      </a:endParaRPr>
+                    </a:p>
+                  </a:txBody>
+                  <a:tcPr marL="68580" marR="68580" marT="0" marB="0"/>
+                </a:tc>
+              </a:tr>
+              <a:tr h="370840">
+                <a:tc>
+                  <a:txBody>
+                    <a:bodyPr/>
+                    <a:lstStyle/>
+                    <a:p>
+                      <a:pPr algn="just">
+                        <a:lnSpc>
+                          <a:spcPct val="106000"/>
+                        </a:lnSpc>
+                        <a:spcAft>
+                          <a:spcPts val="800"/>
+                        </a:spcAft>
+                      </a:pPr>
+                      <a:r>
+                        <a:rPr lang="pt-PT" sz="1200">
+                          <a:effectLst/>
+                          <a:latin typeface="+mj-lt"/>
+                          <a:ea typeface="Calibri"/>
+                          <a:cs typeface="Times New Roman"/>
+                        </a:rPr>
+                        <a:t>Permite a duplicação de pedidos?</a:t>
+                      </a:r>
+                      <a:endParaRPr lang="pt-PT" sz="1600">
+                        <a:effectLst/>
+                        <a:latin typeface="+mj-lt"/>
+                        <a:ea typeface="Calibri"/>
+                        <a:cs typeface="Times New Roman"/>
+                      </a:endParaRPr>
+                    </a:p>
+                  </a:txBody>
+                  <a:tcPr marL="68580" marR="68580" marT="0" marB="0"/>
+                </a:tc>
+                <a:tc>
+                  <a:txBody>
+                    <a:bodyPr/>
+                    <a:lstStyle/>
+                    <a:p>
+                      <a:pPr algn="ctr">
+                        <a:lnSpc>
+                          <a:spcPct val="106000"/>
+                        </a:lnSpc>
+                        <a:spcAft>
+                          <a:spcPts val="800"/>
+                        </a:spcAft>
+                      </a:pPr>
+                      <a:r>
+                        <a:rPr lang="pt-PT" sz="1200">
+                          <a:effectLst/>
+                          <a:latin typeface="+mj-lt"/>
+                          <a:ea typeface="Calibri"/>
+                          <a:cs typeface="Times New Roman"/>
+                        </a:rPr>
+                        <a:t> </a:t>
+                      </a:r>
+                      <a:endParaRPr lang="pt-PT" sz="1600">
+                        <a:effectLst/>
+                        <a:latin typeface="+mj-lt"/>
+                        <a:ea typeface="Calibri"/>
+                        <a:cs typeface="Times New Roman"/>
+                      </a:endParaRPr>
+                    </a:p>
+                  </a:txBody>
+                  <a:tcPr marL="68580" marR="68580" marT="0" marB="0"/>
+                </a:tc>
+                <a:tc>
+                  <a:txBody>
+                    <a:bodyPr/>
+                    <a:lstStyle/>
+                    <a:p>
+                      <a:pPr algn="ctr">
+                        <a:lnSpc>
+                          <a:spcPct val="106000"/>
+                        </a:lnSpc>
+                        <a:spcAft>
+                          <a:spcPts val="800"/>
+                        </a:spcAft>
+                      </a:pPr>
+                      <a:r>
+                        <a:rPr lang="pt-PT" sz="1200">
+                          <a:effectLst/>
+                          <a:latin typeface="+mj-lt"/>
+                          <a:ea typeface="Calibri"/>
+                          <a:cs typeface="Times New Roman"/>
+                        </a:rPr>
+                        <a:t>X</a:t>
+                      </a:r>
+                      <a:endParaRPr lang="pt-PT" sz="1600">
+                        <a:effectLst/>
+                        <a:latin typeface="+mj-lt"/>
+                        <a:ea typeface="Calibri"/>
+                        <a:cs typeface="Times New Roman"/>
+                      </a:endParaRPr>
+                    </a:p>
+                  </a:txBody>
+                  <a:tcPr marL="68580" marR="68580" marT="0" marB="0"/>
+                </a:tc>
+              </a:tr>
+              <a:tr h="370840">
+                <a:tc>
+                  <a:txBody>
+                    <a:bodyPr/>
+                    <a:lstStyle/>
+                    <a:p>
+                      <a:pPr algn="just">
+                        <a:lnSpc>
+                          <a:spcPct val="106000"/>
+                        </a:lnSpc>
+                        <a:spcAft>
+                          <a:spcPts val="800"/>
+                        </a:spcAft>
+                      </a:pPr>
+                      <a:r>
+                        <a:rPr lang="pt-PT" sz="1200">
+                          <a:effectLst/>
+                          <a:latin typeface="+mj-lt"/>
+                          <a:ea typeface="Calibri"/>
+                          <a:cs typeface="Times New Roman"/>
+                        </a:rPr>
+                        <a:t>Permite editar ofertas depois de anunciadas?</a:t>
+                      </a:r>
+                      <a:endParaRPr lang="pt-PT" sz="1600">
+                        <a:effectLst/>
+                        <a:latin typeface="+mj-lt"/>
+                        <a:ea typeface="Calibri"/>
+                        <a:cs typeface="Times New Roman"/>
+                      </a:endParaRPr>
+                    </a:p>
+                  </a:txBody>
+                  <a:tcPr marL="68580" marR="68580" marT="0" marB="0"/>
+                </a:tc>
+                <a:tc>
+                  <a:txBody>
+                    <a:bodyPr/>
+                    <a:lstStyle/>
+                    <a:p>
+                      <a:pPr algn="ctr">
+                        <a:lnSpc>
+                          <a:spcPct val="106000"/>
+                        </a:lnSpc>
+                        <a:spcAft>
+                          <a:spcPts val="800"/>
+                        </a:spcAft>
+                      </a:pPr>
+                      <a:r>
+                        <a:rPr lang="pt-PT" sz="1200">
+                          <a:effectLst/>
+                          <a:latin typeface="+mj-lt"/>
+                          <a:ea typeface="Calibri"/>
+                          <a:cs typeface="Times New Roman"/>
+                        </a:rPr>
+                        <a:t> </a:t>
+                      </a:r>
+                      <a:endParaRPr lang="pt-PT" sz="1600">
+                        <a:effectLst/>
+                        <a:latin typeface="+mj-lt"/>
+                        <a:ea typeface="Calibri"/>
+                        <a:cs typeface="Times New Roman"/>
+                      </a:endParaRPr>
+                    </a:p>
+                  </a:txBody>
+                  <a:tcPr marL="68580" marR="68580" marT="0" marB="0"/>
+                </a:tc>
+                <a:tc>
+                  <a:txBody>
+                    <a:bodyPr/>
+                    <a:lstStyle/>
+                    <a:p>
+                      <a:pPr algn="ctr">
+                        <a:lnSpc>
+                          <a:spcPct val="106000"/>
+                        </a:lnSpc>
+                        <a:spcAft>
+                          <a:spcPts val="800"/>
+                        </a:spcAft>
+                      </a:pPr>
+                      <a:r>
+                        <a:rPr lang="pt-PT" sz="1200">
+                          <a:effectLst/>
+                          <a:latin typeface="+mj-lt"/>
+                          <a:ea typeface="Calibri"/>
+                          <a:cs typeface="Times New Roman"/>
+                        </a:rPr>
+                        <a:t>X</a:t>
+                      </a:r>
+                      <a:endParaRPr lang="pt-PT" sz="1600">
+                        <a:effectLst/>
+                        <a:latin typeface="+mj-lt"/>
+                        <a:ea typeface="Calibri"/>
+                        <a:cs typeface="Times New Roman"/>
+                      </a:endParaRPr>
+                    </a:p>
+                  </a:txBody>
+                  <a:tcPr marL="68580" marR="68580" marT="0" marB="0"/>
+                </a:tc>
+              </a:tr>
+              <a:tr h="370840">
+                <a:tc>
+                  <a:txBody>
+                    <a:bodyPr/>
+                    <a:lstStyle/>
+                    <a:p>
+                      <a:pPr algn="just">
+                        <a:lnSpc>
+                          <a:spcPct val="106000"/>
+                        </a:lnSpc>
+                        <a:spcAft>
+                          <a:spcPts val="800"/>
+                        </a:spcAft>
+                      </a:pPr>
+                      <a:r>
+                        <a:rPr lang="pt-PT" sz="1200">
+                          <a:effectLst/>
+                          <a:latin typeface="+mj-lt"/>
+                          <a:ea typeface="Calibri"/>
+                          <a:cs typeface="Times New Roman"/>
+                        </a:rPr>
+                        <a:t>Permite a criação de grupos de utilizadores?</a:t>
+                      </a:r>
+                      <a:endParaRPr lang="pt-PT" sz="1600">
+                        <a:effectLst/>
+                        <a:latin typeface="+mj-lt"/>
+                        <a:ea typeface="Calibri"/>
+                        <a:cs typeface="Times New Roman"/>
+                      </a:endParaRPr>
+                    </a:p>
+                  </a:txBody>
+                  <a:tcPr marL="68580" marR="68580" marT="0" marB="0"/>
+                </a:tc>
+                <a:tc>
+                  <a:txBody>
+                    <a:bodyPr/>
+                    <a:lstStyle/>
+                    <a:p>
+                      <a:pPr algn="ctr">
+                        <a:lnSpc>
+                          <a:spcPct val="106000"/>
+                        </a:lnSpc>
+                        <a:spcAft>
+                          <a:spcPts val="800"/>
+                        </a:spcAft>
+                      </a:pPr>
+                      <a:r>
+                        <a:rPr lang="pt-PT" sz="1200">
+                          <a:effectLst/>
+                          <a:latin typeface="+mj-lt"/>
+                          <a:ea typeface="Calibri"/>
+                          <a:cs typeface="Times New Roman"/>
+                        </a:rPr>
+                        <a:t> </a:t>
+                      </a:r>
+                      <a:endParaRPr lang="pt-PT" sz="1600">
+                        <a:effectLst/>
+                        <a:latin typeface="+mj-lt"/>
+                        <a:ea typeface="Calibri"/>
+                        <a:cs typeface="Times New Roman"/>
+                      </a:endParaRPr>
+                    </a:p>
+                  </a:txBody>
+                  <a:tcPr marL="68580" marR="68580" marT="0" marB="0"/>
+                </a:tc>
+                <a:tc>
+                  <a:txBody>
+                    <a:bodyPr/>
+                    <a:lstStyle/>
+                    <a:p>
+                      <a:pPr algn="ctr">
+                        <a:lnSpc>
+                          <a:spcPct val="106000"/>
+                        </a:lnSpc>
+                        <a:spcAft>
+                          <a:spcPts val="800"/>
+                        </a:spcAft>
+                      </a:pPr>
+                      <a:r>
+                        <a:rPr lang="pt-PT" sz="1200">
+                          <a:effectLst/>
+                          <a:latin typeface="+mj-lt"/>
+                          <a:ea typeface="Calibri"/>
+                          <a:cs typeface="Times New Roman"/>
+                        </a:rPr>
+                        <a:t>X</a:t>
+                      </a:r>
+                      <a:endParaRPr lang="pt-PT" sz="1600">
+                        <a:effectLst/>
+                        <a:latin typeface="+mj-lt"/>
+                        <a:ea typeface="Calibri"/>
+                        <a:cs typeface="Times New Roman"/>
+                      </a:endParaRPr>
+                    </a:p>
+                  </a:txBody>
+                  <a:tcPr marL="68580" marR="68580" marT="0" marB="0"/>
+                </a:tc>
+              </a:tr>
+              <a:tr h="370840">
+                <a:tc>
+                  <a:txBody>
+                    <a:bodyPr/>
+                    <a:lstStyle/>
+                    <a:p>
+                      <a:pPr algn="just">
+                        <a:lnSpc>
+                          <a:spcPct val="106000"/>
+                        </a:lnSpc>
+                        <a:spcAft>
+                          <a:spcPts val="800"/>
+                        </a:spcAft>
+                      </a:pPr>
+                      <a:r>
+                        <a:rPr lang="pt-PT" sz="1200">
+                          <a:effectLst/>
+                          <a:latin typeface="+mj-lt"/>
+                          <a:ea typeface="Calibri"/>
+                          <a:cs typeface="Times New Roman"/>
+                        </a:rPr>
+                        <a:t>Consigo enviar ofertas diretamente aos meus amigos?</a:t>
+                      </a:r>
+                      <a:endParaRPr lang="pt-PT" sz="1600">
+                        <a:effectLst/>
+                        <a:latin typeface="+mj-lt"/>
+                        <a:ea typeface="Calibri"/>
+                        <a:cs typeface="Times New Roman"/>
+                      </a:endParaRPr>
+                    </a:p>
+                  </a:txBody>
+                  <a:tcPr marL="68580" marR="68580" marT="0" marB="0"/>
+                </a:tc>
+                <a:tc>
+                  <a:txBody>
+                    <a:bodyPr/>
+                    <a:lstStyle/>
+                    <a:p>
+                      <a:pPr algn="ctr">
+                        <a:lnSpc>
+                          <a:spcPct val="106000"/>
+                        </a:lnSpc>
+                        <a:spcAft>
+                          <a:spcPts val="800"/>
+                        </a:spcAft>
+                      </a:pPr>
+                      <a:r>
+                        <a:rPr lang="pt-PT" sz="1200">
+                          <a:effectLst/>
+                          <a:latin typeface="+mj-lt"/>
+                          <a:ea typeface="Calibri"/>
+                          <a:cs typeface="Times New Roman"/>
+                        </a:rPr>
+                        <a:t> </a:t>
+                      </a:r>
+                      <a:endParaRPr lang="pt-PT" sz="1600">
+                        <a:effectLst/>
+                        <a:latin typeface="+mj-lt"/>
+                        <a:ea typeface="Calibri"/>
+                        <a:cs typeface="Times New Roman"/>
+                      </a:endParaRPr>
+                    </a:p>
+                  </a:txBody>
+                  <a:tcPr marL="68580" marR="68580" marT="0" marB="0"/>
+                </a:tc>
+                <a:tc>
+                  <a:txBody>
+                    <a:bodyPr/>
+                    <a:lstStyle/>
+                    <a:p>
+                      <a:pPr algn="ctr">
+                        <a:lnSpc>
+                          <a:spcPct val="106000"/>
+                        </a:lnSpc>
+                        <a:spcAft>
+                          <a:spcPts val="800"/>
+                        </a:spcAft>
+                      </a:pPr>
+                      <a:r>
+                        <a:rPr lang="pt-PT" sz="1200">
+                          <a:effectLst/>
+                          <a:latin typeface="+mj-lt"/>
+                          <a:ea typeface="Calibri"/>
+                          <a:cs typeface="Times New Roman"/>
+                        </a:rPr>
+                        <a:t>X</a:t>
+                      </a:r>
+                      <a:endParaRPr lang="pt-PT" sz="1600">
+                        <a:effectLst/>
+                        <a:latin typeface="+mj-lt"/>
+                        <a:ea typeface="Calibri"/>
+                        <a:cs typeface="Times New Roman"/>
+                      </a:endParaRPr>
+                    </a:p>
+                  </a:txBody>
+                  <a:tcPr marL="68580" marR="68580" marT="0" marB="0"/>
+                </a:tc>
+              </a:tr>
+              <a:tr h="370840">
+                <a:tc>
+                  <a:txBody>
+                    <a:bodyPr/>
+                    <a:lstStyle/>
+                    <a:p>
+                      <a:pPr algn="just">
+                        <a:lnSpc>
+                          <a:spcPct val="106000"/>
+                        </a:lnSpc>
+                        <a:spcAft>
+                          <a:spcPts val="800"/>
+                        </a:spcAft>
+                      </a:pPr>
+                      <a:r>
+                        <a:rPr lang="pt-PT" sz="1200">
+                          <a:effectLst/>
+                          <a:latin typeface="+mj-lt"/>
+                          <a:ea typeface="Calibri"/>
+                          <a:cs typeface="Times New Roman"/>
+                        </a:rPr>
+                        <a:t>Consigo reservar várias viagens a longo prazo?</a:t>
+                      </a:r>
+                      <a:endParaRPr lang="pt-PT" sz="1600">
+                        <a:effectLst/>
+                        <a:latin typeface="+mj-lt"/>
+                        <a:ea typeface="Calibri"/>
+                        <a:cs typeface="Times New Roman"/>
+                      </a:endParaRPr>
+                    </a:p>
+                  </a:txBody>
+                  <a:tcPr marL="68580" marR="68580" marT="0" marB="0"/>
+                </a:tc>
+                <a:tc>
+                  <a:txBody>
+                    <a:bodyPr/>
+                    <a:lstStyle/>
+                    <a:p>
+                      <a:pPr algn="ctr">
+                        <a:lnSpc>
+                          <a:spcPct val="106000"/>
+                        </a:lnSpc>
+                        <a:spcAft>
+                          <a:spcPts val="800"/>
+                        </a:spcAft>
+                      </a:pPr>
+                      <a:r>
+                        <a:rPr lang="pt-PT" sz="1200" dirty="0">
+                          <a:effectLst/>
+                          <a:latin typeface="+mj-lt"/>
+                          <a:ea typeface="Calibri"/>
+                          <a:cs typeface="Times New Roman"/>
+                        </a:rPr>
+                        <a:t> </a:t>
+                      </a:r>
+                      <a:endParaRPr lang="pt-PT" sz="1600" dirty="0">
+                        <a:effectLst/>
+                        <a:latin typeface="+mj-lt"/>
+                        <a:ea typeface="Calibri"/>
+                        <a:cs typeface="Times New Roman"/>
+                      </a:endParaRPr>
+                    </a:p>
+                  </a:txBody>
+                  <a:tcPr marL="68580" marR="68580" marT="0" marB="0"/>
+                </a:tc>
+                <a:tc>
+                  <a:txBody>
+                    <a:bodyPr/>
+                    <a:lstStyle/>
+                    <a:p>
+                      <a:pPr algn="ctr">
+                        <a:lnSpc>
+                          <a:spcPct val="106000"/>
+                        </a:lnSpc>
+                        <a:spcAft>
+                          <a:spcPts val="800"/>
+                        </a:spcAft>
+                      </a:pPr>
+                      <a:r>
+                        <a:rPr lang="pt-PT" sz="1200" dirty="0">
+                          <a:effectLst/>
+                          <a:latin typeface="+mj-lt"/>
+                          <a:ea typeface="Calibri"/>
+                          <a:cs typeface="Times New Roman"/>
+                        </a:rPr>
+                        <a:t>X</a:t>
+                      </a:r>
+                      <a:endParaRPr lang="pt-PT" sz="1600" dirty="0">
+                        <a:effectLst/>
+                        <a:latin typeface="+mj-lt"/>
+                        <a:ea typeface="Calibri"/>
+                        <a:cs typeface="Times New Roman"/>
+                      </a:endParaRPr>
+                    </a:p>
+                  </a:txBody>
+                  <a:tcPr marL="68580" marR="68580" marT="0" marB="0"/>
+                </a:tc>
+              </a:tr>
+              <a:tr h="370840">
+                <a:tc>
+                  <a:txBody>
+                    <a:bodyPr/>
+                    <a:lstStyle/>
+                    <a:p>
+                      <a:pPr algn="just">
+                        <a:lnSpc>
+                          <a:spcPct val="106000"/>
+                        </a:lnSpc>
+                        <a:spcAft>
+                          <a:spcPts val="800"/>
+                        </a:spcAft>
+                      </a:pPr>
+                      <a:r>
+                        <a:rPr lang="pt-PT" sz="1200" dirty="0">
+                          <a:effectLst/>
+                          <a:latin typeface="+mj-lt"/>
+                          <a:ea typeface="Calibri"/>
+                          <a:cs typeface="Times New Roman"/>
+                        </a:rPr>
+                        <a:t>Tem aplicação móvel?</a:t>
+                      </a:r>
+                      <a:endParaRPr lang="pt-PT" sz="1600" dirty="0">
+                        <a:effectLst/>
+                        <a:latin typeface="+mj-lt"/>
+                        <a:ea typeface="Calibri"/>
+                        <a:cs typeface="Times New Roman"/>
+                      </a:endParaRPr>
+                    </a:p>
+                  </a:txBody>
+                  <a:tcPr marL="68580" marR="68580" marT="0" marB="0"/>
+                </a:tc>
+                <a:tc>
+                  <a:txBody>
+                    <a:bodyPr/>
+                    <a:lstStyle/>
+                    <a:p>
+                      <a:pPr algn="ctr">
+                        <a:lnSpc>
+                          <a:spcPct val="106000"/>
+                        </a:lnSpc>
+                        <a:spcAft>
+                          <a:spcPts val="800"/>
+                        </a:spcAft>
+                      </a:pPr>
+                      <a:r>
+                        <a:rPr lang="pt-PT" sz="1200" dirty="0">
+                          <a:effectLst/>
+                          <a:latin typeface="+mj-lt"/>
+                          <a:ea typeface="Calibri"/>
+                          <a:cs typeface="Times New Roman"/>
+                        </a:rPr>
+                        <a:t> </a:t>
+                      </a:r>
+                      <a:endParaRPr lang="pt-PT" sz="1600" dirty="0">
+                        <a:effectLst/>
+                        <a:latin typeface="+mj-lt"/>
+                        <a:ea typeface="Calibri"/>
+                        <a:cs typeface="Times New Roman"/>
+                      </a:endParaRPr>
+                    </a:p>
+                  </a:txBody>
+                  <a:tcPr marL="68580" marR="68580" marT="0" marB="0"/>
+                </a:tc>
+                <a:tc>
+                  <a:txBody>
+                    <a:bodyPr/>
+                    <a:lstStyle/>
+                    <a:p>
+                      <a:pPr algn="ctr">
+                        <a:lnSpc>
+                          <a:spcPct val="106000"/>
+                        </a:lnSpc>
+                        <a:spcAft>
+                          <a:spcPts val="800"/>
+                        </a:spcAft>
+                      </a:pPr>
+                      <a:r>
+                        <a:rPr lang="pt-PT" sz="1200" dirty="0">
+                          <a:effectLst/>
+                          <a:latin typeface="+mj-lt"/>
+                          <a:ea typeface="Calibri"/>
+                          <a:cs typeface="Times New Roman"/>
+                        </a:rPr>
+                        <a:t>X</a:t>
+                      </a:r>
+                      <a:endParaRPr lang="pt-PT" sz="1600" dirty="0">
+                        <a:effectLst/>
+                        <a:latin typeface="+mj-lt"/>
+                        <a:ea typeface="Calibri"/>
+                        <a:cs typeface="Times New Roman"/>
+                      </a:endParaRPr>
+                    </a:p>
+                  </a:txBody>
+                  <a:tcPr marL="68580" marR="68580" marT="0" marB="0"/>
+                </a:tc>
+              </a:tr>
+            </a:tbl>
+          </a:graphicData>
+        </a:graphic>
+      </p:graphicFrame>
+    </p:spTree>
+    <p:extLst>
+      <p:ext uri="{BB962C8B-B14F-4D97-AF65-F5344CB8AC3E}">
+        <p14:creationId xmlns:p14="http://schemas.microsoft.com/office/powerpoint/2010/main" val="431074199"/>
+      </p:ext>
+    </p:extLst>
+  </p:cSld>
+  <p:clrMapOvr>
+    <a:masterClrMapping/>
+  </p:clrMapOvr>
+  <p:timing>
+    <p:tnLst>
+      <p:par>
+        <p:cTn id="1" dur="indefinite" restart="never" nodeType="tmRoot"/>
+      </p:par>
+    </p:tnLst>
+  </p:timing>
+</p:sld>
+</file>
+
+<file path=ppt/slides/slide8.xml><?xml version="1.0" encoding="utf-8"?>
+<p:sld xmlns:a="http://schemas.openxmlformats.org/drawingml/2006/main" xmlns:r="http://schemas.openxmlformats.org/officeDocument/2006/relationships" xmlns:p="http://schemas.openxmlformats.org/presentationml/2006/main">
+  <p:cSld>
+    <p:spTree>
+      <p:nvGrpSpPr>
+        <p:cNvPr id="1" name=""/>
+        <p:cNvGrpSpPr/>
+        <p:nvPr/>
+      </p:nvGrpSpPr>
+      <p:grpSpPr>
+        <a:xfrm>
+          <a:off x="0" y="0"/>
+          <a:ext cx="0" cy="0"/>
+          <a:chOff x="0" y="0"/>
+          <a:chExt cx="0" cy="0"/>
+        </a:xfrm>
+      </p:grpSpPr>
+      <p:sp>
+        <p:nvSpPr>
+          <p:cNvPr id="2" name="Title 1"/>
+          <p:cNvSpPr>
+            <a:spLocks noGrp="1"/>
+          </p:cNvSpPr>
+          <p:nvPr>
+            <p:ph type="title"/>
+          </p:nvPr>
+        </p:nvSpPr>
+        <p:spPr/>
+        <p:txBody>
+          <a:bodyPr/>
+          <a:lstStyle/>
+          <a:p>
+            <a:r>
+              <a:rPr lang="pt-PT" dirty="0"/>
+              <a:t>Estado de </a:t>
+            </a:r>
+            <a:r>
+              <a:rPr lang="pt-PT" dirty="0" smtClean="0"/>
+              <a:t>arte(Pendura.net</a:t>
+            </a:r>
+            <a:r>
+              <a:rPr lang="pt-PT" dirty="0"/>
+              <a:t>)</a:t>
+            </a:r>
+          </a:p>
+        </p:txBody>
+      </p:sp>
+      <p:pic>
+        <p:nvPicPr>
+          <p:cNvPr id="4" name="Content Placeholder 3"/>
+          <p:cNvPicPr>
+            <a:picLocks noGrp="1" noChangeAspect="1"/>
+          </p:cNvPicPr>
+          <p:nvPr>
+            <p:ph idx="1"/>
+          </p:nvPr>
+        </p:nvPicPr>
+        <p:blipFill>
+          <a:blip r:embed="rId2">
+            <a:extLst>
+              <a:ext uri="{28A0092B-C50C-407E-A947-70E740481C1C}">
+                <a14:useLocalDpi xmlns:a14="http://schemas.microsoft.com/office/drawing/2010/main" val="0"/>
+              </a:ext>
+            </a:extLst>
+          </a:blip>
+          <a:stretch>
+            <a:fillRect/>
+          </a:stretch>
+        </p:blipFill>
+        <p:spPr>
+          <a:xfrm>
+            <a:off x="1403648" y="476672"/>
+            <a:ext cx="6469205" cy="4968552"/>
+          </a:xfrm>
+        </p:spPr>
+      </p:pic>
+    </p:spTree>
+    <p:extLst>
+      <p:ext uri="{BB962C8B-B14F-4D97-AF65-F5344CB8AC3E}">
+        <p14:creationId xmlns:p14="http://schemas.microsoft.com/office/powerpoint/2010/main" val="3485157749"/>
+      </p:ext>
+    </p:extLst>
+  </p:cSld>
+  <p:clrMapOvr>
+    <a:masterClrMapping/>
+  </p:clrMapOvr>
+  <p:timing>
+    <p:tnLst>
+      <p:par>
+        <p:cTn id="1" dur="indefinite" restart="never" nodeType="tmRoot"/>
+      </p:par>
+    </p:tnLst>
+  </p:timing>
+</p:sld>
+</file>
+
+<file path=ppt/slides/slide9.xml><?xml version="1.0" encoding="utf-8"?>
+<p:sld xmlns:a="http://schemas.openxmlformats.org/drawingml/2006/main" xmlns:r="http://schemas.openxmlformats.org/officeDocument/2006/relationships" xmlns:p="http://schemas.openxmlformats.org/presentationml/2006/main">
+  <p:cSld>
+    <p:spTree>
+      <p:nvGrpSpPr>
+        <p:cNvPr id="1" name=""/>
+        <p:cNvGrpSpPr/>
+        <p:nvPr/>
+      </p:nvGrpSpPr>
+      <p:grpSpPr>
+        <a:xfrm>
+          <a:off x="0" y="0"/>
+          <a:ext cx="0" cy="0"/>
+          <a:chOff x="0" y="0"/>
+          <a:chExt cx="0" cy="0"/>
+        </a:xfrm>
+      </p:grpSpPr>
+      <p:sp>
+        <p:nvSpPr>
+          <p:cNvPr id="2" name="Title 1"/>
+          <p:cNvSpPr>
+            <a:spLocks noGrp="1"/>
+          </p:cNvSpPr>
+          <p:nvPr>
+            <p:ph type="title"/>
+          </p:nvPr>
+        </p:nvSpPr>
+        <p:spPr/>
+        <p:txBody>
+          <a:bodyPr/>
+          <a:lstStyle/>
+          <a:p>
+            <a:r>
+              <a:rPr lang="pt-PT" dirty="0"/>
+              <a:t>Estado de arte(Pendura.net)</a:t>
+            </a:r>
+          </a:p>
+        </p:txBody>
+      </p:sp>
+      <p:graphicFrame>
+        <p:nvGraphicFramePr>
+          <p:cNvPr id="4" name="Content Placeholder 3"/>
+          <p:cNvGraphicFramePr>
+            <a:graphicFrameLocks noGrp="1"/>
+          </p:cNvGraphicFramePr>
+          <p:nvPr>
+            <p:ph idx="1"/>
+            <p:extLst>
+              <p:ext uri="{D42A27DB-BD31-4B8C-83A1-F6EECF244321}">
+                <p14:modId xmlns:p14="http://schemas.microsoft.com/office/powerpoint/2010/main" val="671391308"/>
+              </p:ext>
+            </p:extLst>
+          </p:nvPr>
+        </p:nvGraphicFramePr>
+        <p:xfrm>
+          <a:off x="503238" y="530225"/>
+          <a:ext cx="8183562" cy="4450336"/>
+        </p:xfrm>
+        <a:graphic>
+          <a:graphicData uri="http://schemas.openxmlformats.org/drawingml/2006/table">
+            <a:tbl>
+              <a:tblPr firstRow="1" bandRow="1">
+                <a:tableStyleId>{5C22544A-7EE6-4342-B048-85BDC9FD1C3A}</a:tableStyleId>
+              </a:tblPr>
+              <a:tblGrid>
+                <a:gridCol w="2727854"/>
+                <a:gridCol w="2727854"/>
+                <a:gridCol w="2727854"/>
+              </a:tblGrid>
+              <a:tr h="370840">
+                <a:tc>
+                  <a:txBody>
+                    <a:bodyPr/>
+                    <a:lstStyle/>
+                    <a:p>
+                      <a:pPr algn="ctr">
+                        <a:lnSpc>
+                          <a:spcPct val="106000"/>
+                        </a:lnSpc>
+                        <a:spcAft>
+                          <a:spcPts val="800"/>
+                        </a:spcAft>
+                      </a:pPr>
+                      <a:r>
+                        <a:rPr lang="pt-PT" sz="1200">
+                          <a:effectLst/>
+                          <a:latin typeface="+mj-lt"/>
+                          <a:ea typeface="Calibri"/>
+                          <a:cs typeface="Times New Roman"/>
+                        </a:rPr>
+                        <a:t>Funcionalidade</a:t>
+                      </a:r>
+                      <a:endParaRPr lang="pt-PT" sz="1600">
+                        <a:effectLst/>
+                        <a:latin typeface="+mj-lt"/>
+                        <a:ea typeface="Calibri"/>
+                        <a:cs typeface="Times New Roman"/>
+                      </a:endParaRPr>
+                    </a:p>
+                  </a:txBody>
+                  <a:tcPr marL="68580" marR="68580" marT="0" marB="0"/>
+                </a:tc>
+                <a:tc>
+                  <a:txBody>
+                    <a:bodyPr/>
+                    <a:lstStyle/>
+                    <a:p>
+                      <a:pPr algn="ctr">
+                        <a:lnSpc>
+                          <a:spcPct val="106000"/>
+                        </a:lnSpc>
+                        <a:spcAft>
+                          <a:spcPts val="800"/>
+                        </a:spcAft>
+                      </a:pPr>
+                      <a:r>
+                        <a:rPr lang="pt-PT" sz="1200">
+                          <a:effectLst/>
+                          <a:latin typeface="+mj-lt"/>
+                          <a:ea typeface="Calibri"/>
+                          <a:cs typeface="Times New Roman"/>
+                        </a:rPr>
+                        <a:t>Sim</a:t>
+                      </a:r>
+                      <a:endParaRPr lang="pt-PT" sz="1600">
+                        <a:effectLst/>
+                        <a:latin typeface="+mj-lt"/>
+                        <a:ea typeface="Calibri"/>
+                        <a:cs typeface="Times New Roman"/>
+                      </a:endParaRPr>
+                    </a:p>
+                  </a:txBody>
+                  <a:tcPr marL="68580" marR="68580" marT="0" marB="0"/>
+                </a:tc>
+                <a:tc>
+                  <a:txBody>
+                    <a:bodyPr/>
+                    <a:lstStyle/>
+                    <a:p>
+                      <a:pPr algn="ctr">
+                        <a:lnSpc>
+                          <a:spcPct val="106000"/>
+                        </a:lnSpc>
+                        <a:spcAft>
+                          <a:spcPts val="800"/>
+                        </a:spcAft>
+                      </a:pPr>
+                      <a:r>
+                        <a:rPr lang="pt-PT" sz="1200">
+                          <a:effectLst/>
+                          <a:latin typeface="+mj-lt"/>
+                          <a:ea typeface="Calibri"/>
+                          <a:cs typeface="Times New Roman"/>
+                        </a:rPr>
+                        <a:t>Não</a:t>
+                      </a:r>
+                      <a:endParaRPr lang="pt-PT" sz="1600">
+                        <a:effectLst/>
+                        <a:latin typeface="+mj-lt"/>
+                        <a:ea typeface="Calibri"/>
+                        <a:cs typeface="Times New Roman"/>
+                      </a:endParaRPr>
+                    </a:p>
+                  </a:txBody>
+                  <a:tcPr marL="68580" marR="68580" marT="0" marB="0"/>
+                </a:tc>
+              </a:tr>
+              <a:tr h="370840">
+                <a:tc>
+                  <a:txBody>
+                    <a:bodyPr/>
+                    <a:lstStyle/>
+                    <a:p>
+                      <a:pPr algn="l">
+                        <a:lnSpc>
+                          <a:spcPct val="106000"/>
+                        </a:lnSpc>
+                        <a:spcAft>
+                          <a:spcPts val="800"/>
+                        </a:spcAft>
+                      </a:pPr>
+                      <a:r>
+                        <a:rPr lang="pt-PT" sz="1200">
+                          <a:effectLst/>
+                          <a:latin typeface="+mj-lt"/>
+                          <a:ea typeface="Calibri"/>
+                          <a:cs typeface="Times New Roman"/>
+                        </a:rPr>
+                        <a:t>É responsivo?</a:t>
+                      </a:r>
+                      <a:endParaRPr lang="pt-PT" sz="1600">
+                        <a:effectLst/>
+                        <a:latin typeface="+mj-lt"/>
+                        <a:ea typeface="Calibri"/>
+                        <a:cs typeface="Times New Roman"/>
+                      </a:endParaRPr>
+                    </a:p>
+                  </a:txBody>
+                  <a:tcPr marL="68580" marR="68580" marT="0" marB="0"/>
+                </a:tc>
+                <a:tc>
+                  <a:txBody>
+                    <a:bodyPr/>
+                    <a:lstStyle/>
+                    <a:p>
+                      <a:pPr algn="ctr">
+                        <a:lnSpc>
+                          <a:spcPct val="106000"/>
+                        </a:lnSpc>
+                        <a:spcAft>
+                          <a:spcPts val="800"/>
+                        </a:spcAft>
+                      </a:pPr>
+                      <a:r>
+                        <a:rPr lang="pt-PT" sz="1200">
+                          <a:effectLst/>
+                          <a:latin typeface="+mj-lt"/>
+                          <a:ea typeface="Calibri"/>
+                          <a:cs typeface="Times New Roman"/>
+                        </a:rPr>
+                        <a:t> </a:t>
+                      </a:r>
+                      <a:endParaRPr lang="pt-PT" sz="1600">
+                        <a:effectLst/>
+                        <a:latin typeface="+mj-lt"/>
+                        <a:ea typeface="Calibri"/>
+                        <a:cs typeface="Times New Roman"/>
+                      </a:endParaRPr>
+                    </a:p>
+                  </a:txBody>
+                  <a:tcPr marL="68580" marR="68580" marT="0" marB="0"/>
+                </a:tc>
+                <a:tc>
+                  <a:txBody>
+                    <a:bodyPr/>
+                    <a:lstStyle/>
+                    <a:p>
+                      <a:pPr algn="ctr">
+                        <a:lnSpc>
+                          <a:spcPct val="106000"/>
+                        </a:lnSpc>
+                        <a:spcAft>
+                          <a:spcPts val="800"/>
+                        </a:spcAft>
+                      </a:pPr>
+                      <a:r>
+                        <a:rPr lang="pt-PT" sz="1200">
+                          <a:effectLst/>
+                          <a:latin typeface="+mj-lt"/>
+                          <a:ea typeface="Calibri"/>
+                          <a:cs typeface="Times New Roman"/>
+                        </a:rPr>
+                        <a:t>X</a:t>
+                      </a:r>
+                      <a:endParaRPr lang="pt-PT" sz="1600">
+                        <a:effectLst/>
+                        <a:latin typeface="+mj-lt"/>
+                        <a:ea typeface="Calibri"/>
+                        <a:cs typeface="Times New Roman"/>
+                      </a:endParaRPr>
+                    </a:p>
+                  </a:txBody>
+                  <a:tcPr marL="68580" marR="68580" marT="0" marB="0"/>
+                </a:tc>
+              </a:tr>
+              <a:tr h="370840">
+                <a:tc>
+                  <a:txBody>
+                    <a:bodyPr/>
+                    <a:lstStyle/>
+                    <a:p>
+                      <a:pPr algn="l">
+                        <a:lnSpc>
+                          <a:spcPct val="106000"/>
+                        </a:lnSpc>
+                        <a:spcAft>
+                          <a:spcPts val="800"/>
+                        </a:spcAft>
+                      </a:pPr>
+                      <a:r>
+                        <a:rPr lang="pt-PT" sz="1200">
+                          <a:effectLst/>
+                          <a:latin typeface="+mj-lt"/>
+                          <a:ea typeface="Calibri"/>
+                          <a:cs typeface="Times New Roman"/>
+                        </a:rPr>
+                        <a:t>É paga?</a:t>
+                      </a:r>
+                      <a:endParaRPr lang="pt-PT" sz="1600">
+                        <a:effectLst/>
+                        <a:latin typeface="+mj-lt"/>
+                        <a:ea typeface="Calibri"/>
+                        <a:cs typeface="Times New Roman"/>
+                      </a:endParaRPr>
+                    </a:p>
+                  </a:txBody>
+                  <a:tcPr marL="68580" marR="68580" marT="0" marB="0"/>
+                </a:tc>
+                <a:tc>
+                  <a:txBody>
+                    <a:bodyPr/>
+                    <a:lstStyle/>
+                    <a:p>
+                      <a:pPr algn="ctr">
+                        <a:lnSpc>
+                          <a:spcPct val="106000"/>
+                        </a:lnSpc>
+                        <a:spcAft>
+                          <a:spcPts val="800"/>
+                        </a:spcAft>
+                      </a:pPr>
+                      <a:r>
+                        <a:rPr lang="pt-PT" sz="1200">
+                          <a:effectLst/>
+                          <a:latin typeface="+mj-lt"/>
+                          <a:ea typeface="Calibri"/>
+                          <a:cs typeface="Times New Roman"/>
+                        </a:rPr>
+                        <a:t> </a:t>
+                      </a:r>
+                      <a:endParaRPr lang="pt-PT" sz="1600">
+                        <a:effectLst/>
+                        <a:latin typeface="+mj-lt"/>
+                        <a:ea typeface="Calibri"/>
+                        <a:cs typeface="Times New Roman"/>
+                      </a:endParaRPr>
+                    </a:p>
+                  </a:txBody>
+                  <a:tcPr marL="68580" marR="68580" marT="0" marB="0"/>
+                </a:tc>
+                <a:tc>
+                  <a:txBody>
+                    <a:bodyPr/>
+                    <a:lstStyle/>
+                    <a:p>
+                      <a:pPr algn="ctr">
+                        <a:lnSpc>
+                          <a:spcPct val="106000"/>
+                        </a:lnSpc>
+                        <a:spcAft>
+                          <a:spcPts val="800"/>
+                        </a:spcAft>
+                      </a:pPr>
+                      <a:r>
+                        <a:rPr lang="pt-PT" sz="1200">
+                          <a:effectLst/>
+                          <a:latin typeface="+mj-lt"/>
+                          <a:ea typeface="Calibri"/>
+                          <a:cs typeface="Times New Roman"/>
+                        </a:rPr>
+                        <a:t>X</a:t>
+                      </a:r>
+                      <a:endParaRPr lang="pt-PT" sz="1600">
+                        <a:effectLst/>
+                        <a:latin typeface="+mj-lt"/>
+                        <a:ea typeface="Calibri"/>
+                        <a:cs typeface="Times New Roman"/>
+                      </a:endParaRPr>
+                    </a:p>
+                  </a:txBody>
+                  <a:tcPr marL="68580" marR="68580" marT="0" marB="0"/>
+                </a:tc>
+              </a:tr>
+              <a:tr h="370840">
+                <a:tc>
+                  <a:txBody>
+                    <a:bodyPr/>
+                    <a:lstStyle/>
+                    <a:p>
+                      <a:pPr algn="l">
+                        <a:lnSpc>
+                          <a:spcPct val="106000"/>
+                        </a:lnSpc>
+                        <a:spcAft>
+                          <a:spcPts val="800"/>
+                        </a:spcAft>
+                      </a:pPr>
+                      <a:r>
+                        <a:rPr lang="pt-PT" sz="1200">
+                          <a:effectLst/>
+                          <a:latin typeface="+mj-lt"/>
+                          <a:ea typeface="Calibri"/>
+                          <a:cs typeface="Times New Roman"/>
+                        </a:rPr>
+                        <a:t>Tem registo gratuito?</a:t>
+                      </a:r>
+                      <a:endParaRPr lang="pt-PT" sz="1600">
+                        <a:effectLst/>
+                        <a:latin typeface="+mj-lt"/>
+                        <a:ea typeface="Calibri"/>
+                        <a:cs typeface="Times New Roman"/>
+                      </a:endParaRPr>
+                    </a:p>
+                  </a:txBody>
+                  <a:tcPr marL="68580" marR="68580" marT="0" marB="0"/>
+                </a:tc>
+                <a:tc>
+                  <a:txBody>
+                    <a:bodyPr/>
+                    <a:lstStyle/>
+                    <a:p>
+                      <a:pPr algn="ctr">
+                        <a:lnSpc>
+                          <a:spcPct val="106000"/>
+                        </a:lnSpc>
+                        <a:spcAft>
+                          <a:spcPts val="800"/>
+                        </a:spcAft>
+                      </a:pPr>
+                      <a:r>
+                        <a:rPr lang="pt-PT" sz="1200">
+                          <a:effectLst/>
+                          <a:latin typeface="+mj-lt"/>
+                          <a:ea typeface="Calibri"/>
+                          <a:cs typeface="Times New Roman"/>
+                        </a:rPr>
+                        <a:t>X</a:t>
+                      </a:r>
+                      <a:endParaRPr lang="pt-PT" sz="1600">
+                        <a:effectLst/>
+                        <a:latin typeface="+mj-lt"/>
+                        <a:ea typeface="Calibri"/>
+                        <a:cs typeface="Times New Roman"/>
+                      </a:endParaRPr>
+                    </a:p>
+                  </a:txBody>
+                  <a:tcPr marL="68580" marR="68580" marT="0" marB="0"/>
+                </a:tc>
+                <a:tc>
+                  <a:txBody>
+                    <a:bodyPr/>
+                    <a:lstStyle/>
+                    <a:p>
+                      <a:pPr algn="ctr">
+                        <a:lnSpc>
+                          <a:spcPct val="106000"/>
+                        </a:lnSpc>
+                        <a:spcAft>
+                          <a:spcPts val="800"/>
+                        </a:spcAft>
+                      </a:pPr>
+                      <a:r>
+                        <a:rPr lang="pt-PT" sz="1200">
+                          <a:effectLst/>
+                          <a:latin typeface="+mj-lt"/>
+                          <a:ea typeface="Calibri"/>
+                          <a:cs typeface="Times New Roman"/>
+                        </a:rPr>
+                        <a:t> </a:t>
+                      </a:r>
+                      <a:endParaRPr lang="pt-PT" sz="1600">
+                        <a:effectLst/>
+                        <a:latin typeface="+mj-lt"/>
+                        <a:ea typeface="Calibri"/>
+                        <a:cs typeface="Times New Roman"/>
+                      </a:endParaRPr>
+                    </a:p>
+                  </a:txBody>
+                  <a:tcPr marL="68580" marR="68580" marT="0" marB="0"/>
+                </a:tc>
+              </a:tr>
+              <a:tr h="370840">
+                <a:tc>
+                  <a:txBody>
+                    <a:bodyPr/>
+                    <a:lstStyle/>
+                    <a:p>
+                      <a:pPr algn="l">
+                        <a:lnSpc>
+                          <a:spcPct val="106000"/>
+                        </a:lnSpc>
+                        <a:spcAft>
+                          <a:spcPts val="800"/>
+                        </a:spcAft>
+                      </a:pPr>
+                      <a:r>
+                        <a:rPr lang="pt-PT" sz="1200">
+                          <a:effectLst/>
+                          <a:latin typeface="+mj-lt"/>
+                          <a:ea typeface="Calibri"/>
+                          <a:cs typeface="Times New Roman"/>
+                        </a:rPr>
+                        <a:t>É </a:t>
+                      </a:r>
+                      <a:r>
+                        <a:rPr lang="pt-PT" sz="1200" i="1">
+                          <a:effectLst/>
+                          <a:latin typeface="+mj-lt"/>
+                          <a:ea typeface="Calibri"/>
+                          <a:cs typeface="Times New Roman"/>
+                        </a:rPr>
+                        <a:t>open-source</a:t>
+                      </a:r>
+                      <a:r>
+                        <a:rPr lang="pt-PT" sz="1200">
+                          <a:effectLst/>
+                          <a:latin typeface="+mj-lt"/>
+                          <a:ea typeface="Calibri"/>
+                          <a:cs typeface="Times New Roman"/>
+                        </a:rPr>
+                        <a:t>?</a:t>
+                      </a:r>
+                      <a:endParaRPr lang="pt-PT" sz="1600">
+                        <a:effectLst/>
+                        <a:latin typeface="+mj-lt"/>
+                        <a:ea typeface="Calibri"/>
+                        <a:cs typeface="Times New Roman"/>
+                      </a:endParaRPr>
+                    </a:p>
+                  </a:txBody>
+                  <a:tcPr marL="68580" marR="68580" marT="0" marB="0"/>
+                </a:tc>
+                <a:tc>
+                  <a:txBody>
+                    <a:bodyPr/>
+                    <a:lstStyle/>
+                    <a:p>
+                      <a:pPr algn="ctr">
+                        <a:lnSpc>
+                          <a:spcPct val="106000"/>
+                        </a:lnSpc>
+                        <a:spcAft>
+                          <a:spcPts val="800"/>
+                        </a:spcAft>
+                      </a:pPr>
+                      <a:r>
+                        <a:rPr lang="pt-PT" sz="1200">
+                          <a:effectLst/>
+                          <a:latin typeface="+mj-lt"/>
+                          <a:ea typeface="Calibri"/>
+                          <a:cs typeface="Times New Roman"/>
+                        </a:rPr>
+                        <a:t> </a:t>
+                      </a:r>
+                      <a:endParaRPr lang="pt-PT" sz="1600">
+                        <a:effectLst/>
+                        <a:latin typeface="+mj-lt"/>
+                        <a:ea typeface="Calibri"/>
+                        <a:cs typeface="Times New Roman"/>
+                      </a:endParaRPr>
+                    </a:p>
+                  </a:txBody>
+                  <a:tcPr marL="68580" marR="68580" marT="0" marB="0"/>
+                </a:tc>
+                <a:tc>
+                  <a:txBody>
+                    <a:bodyPr/>
+                    <a:lstStyle/>
+                    <a:p>
+                      <a:pPr algn="ctr">
+                        <a:lnSpc>
+                          <a:spcPct val="106000"/>
+                        </a:lnSpc>
+                        <a:spcAft>
+                          <a:spcPts val="800"/>
+                        </a:spcAft>
+                      </a:pPr>
+                      <a:r>
+                        <a:rPr lang="pt-PT" sz="1200">
+                          <a:effectLst/>
+                          <a:latin typeface="+mj-lt"/>
+                          <a:ea typeface="Calibri"/>
+                          <a:cs typeface="Times New Roman"/>
+                        </a:rPr>
+                        <a:t>X</a:t>
+                      </a:r>
+                      <a:endParaRPr lang="pt-PT" sz="1600">
+                        <a:effectLst/>
+                        <a:latin typeface="+mj-lt"/>
+                        <a:ea typeface="Calibri"/>
+                        <a:cs typeface="Times New Roman"/>
+                      </a:endParaRPr>
+                    </a:p>
+                  </a:txBody>
+                  <a:tcPr marL="68580" marR="68580" marT="0" marB="0"/>
+                </a:tc>
+              </a:tr>
+              <a:tr h="370840">
+                <a:tc>
+                  <a:txBody>
+                    <a:bodyPr/>
+                    <a:lstStyle/>
+                    <a:p>
+                      <a:pPr algn="l">
+                        <a:lnSpc>
+                          <a:spcPct val="106000"/>
+                        </a:lnSpc>
+                        <a:spcAft>
+                          <a:spcPts val="800"/>
+                        </a:spcAft>
+                      </a:pPr>
+                      <a:r>
+                        <a:rPr lang="pt-PT" sz="1200">
+                          <a:effectLst/>
+                          <a:latin typeface="+mj-lt"/>
+                          <a:ea typeface="Calibri"/>
+                          <a:cs typeface="Times New Roman"/>
+                        </a:rPr>
+                        <a:t>Permite pesquisar por pedidos?</a:t>
+                      </a:r>
+                      <a:endParaRPr lang="pt-PT" sz="1600">
+                        <a:effectLst/>
+                        <a:latin typeface="+mj-lt"/>
+                        <a:ea typeface="Calibri"/>
+                        <a:cs typeface="Times New Roman"/>
+                      </a:endParaRPr>
+                    </a:p>
+                  </a:txBody>
+                  <a:tcPr marL="68580" marR="68580" marT="0" marB="0"/>
+                </a:tc>
+                <a:tc>
+                  <a:txBody>
+                    <a:bodyPr/>
+                    <a:lstStyle/>
+                    <a:p>
+                      <a:pPr algn="ctr">
+                        <a:lnSpc>
+                          <a:spcPct val="106000"/>
+                        </a:lnSpc>
+                        <a:spcAft>
+                          <a:spcPts val="800"/>
+                        </a:spcAft>
+                      </a:pPr>
+                      <a:r>
+                        <a:rPr lang="pt-PT" sz="1200">
+                          <a:effectLst/>
+                          <a:latin typeface="+mj-lt"/>
+                          <a:ea typeface="Calibri"/>
+                          <a:cs typeface="Times New Roman"/>
+                        </a:rPr>
+                        <a:t>X</a:t>
+                      </a:r>
+                      <a:endParaRPr lang="pt-PT" sz="1600">
+                        <a:effectLst/>
+                        <a:latin typeface="+mj-lt"/>
+                        <a:ea typeface="Calibri"/>
+                        <a:cs typeface="Times New Roman"/>
+                      </a:endParaRPr>
+                    </a:p>
+                  </a:txBody>
+                  <a:tcPr marL="68580" marR="68580" marT="0" marB="0"/>
+                </a:tc>
+                <a:tc>
+                  <a:txBody>
+                    <a:bodyPr/>
+                    <a:lstStyle/>
+                    <a:p>
+                      <a:pPr algn="ctr">
+                        <a:lnSpc>
+                          <a:spcPct val="106000"/>
+                        </a:lnSpc>
+                        <a:spcAft>
+                          <a:spcPts val="800"/>
+                        </a:spcAft>
+                      </a:pPr>
+                      <a:r>
+                        <a:rPr lang="pt-PT" sz="1200">
+                          <a:effectLst/>
+                          <a:latin typeface="+mj-lt"/>
+                          <a:ea typeface="Calibri"/>
+                          <a:cs typeface="Times New Roman"/>
+                        </a:rPr>
+                        <a:t> </a:t>
+                      </a:r>
+                      <a:endParaRPr lang="pt-PT" sz="1600">
+                        <a:effectLst/>
+                        <a:latin typeface="+mj-lt"/>
+                        <a:ea typeface="Calibri"/>
+                        <a:cs typeface="Times New Roman"/>
+                      </a:endParaRPr>
+                    </a:p>
+                  </a:txBody>
+                  <a:tcPr marL="68580" marR="68580" marT="0" marB="0"/>
+                </a:tc>
+              </a:tr>
+              <a:tr h="370840">
+                <a:tc>
+                  <a:txBody>
+                    <a:bodyPr/>
+                    <a:lstStyle/>
+                    <a:p>
+                      <a:pPr algn="l">
+                        <a:lnSpc>
+                          <a:spcPct val="106000"/>
+                        </a:lnSpc>
+                        <a:spcAft>
+                          <a:spcPts val="800"/>
+                        </a:spcAft>
+                      </a:pPr>
+                      <a:r>
+                        <a:rPr lang="pt-PT" sz="1200">
+                          <a:effectLst/>
+                          <a:latin typeface="+mj-lt"/>
+                          <a:ea typeface="Calibri"/>
+                          <a:cs typeface="Times New Roman"/>
+                        </a:rPr>
+                        <a:t>Permite a duplicação de pedidos?</a:t>
+                      </a:r>
+                      <a:endParaRPr lang="pt-PT" sz="1600">
+                        <a:effectLst/>
+                        <a:latin typeface="+mj-lt"/>
+                        <a:ea typeface="Calibri"/>
+                        <a:cs typeface="Times New Roman"/>
+                      </a:endParaRPr>
+                    </a:p>
+                  </a:txBody>
+                  <a:tcPr marL="68580" marR="68580" marT="0" marB="0"/>
+                </a:tc>
+                <a:tc>
+                  <a:txBody>
+                    <a:bodyPr/>
+                    <a:lstStyle/>
+                    <a:p>
+                      <a:pPr algn="ctr">
+                        <a:lnSpc>
+                          <a:spcPct val="106000"/>
+                        </a:lnSpc>
+                        <a:spcAft>
+                          <a:spcPts val="800"/>
+                        </a:spcAft>
+                      </a:pPr>
+                      <a:r>
+                        <a:rPr lang="pt-PT" sz="1200" dirty="0">
+                          <a:effectLst/>
+                          <a:latin typeface="+mj-lt"/>
+                          <a:ea typeface="Calibri"/>
+                          <a:cs typeface="Times New Roman"/>
+                        </a:rPr>
+                        <a:t> </a:t>
+                      </a:r>
+                      <a:endParaRPr lang="pt-PT" sz="1600" dirty="0">
+                        <a:effectLst/>
+                        <a:latin typeface="+mj-lt"/>
+                        <a:ea typeface="Calibri"/>
+                        <a:cs typeface="Times New Roman"/>
+                      </a:endParaRPr>
+                    </a:p>
+                  </a:txBody>
+                  <a:tcPr marL="68580" marR="68580" marT="0" marB="0"/>
+                </a:tc>
+                <a:tc>
+                  <a:txBody>
+                    <a:bodyPr/>
+                    <a:lstStyle/>
+                    <a:p>
+                      <a:pPr algn="ctr">
+                        <a:lnSpc>
+                          <a:spcPct val="106000"/>
+                        </a:lnSpc>
+                        <a:spcAft>
+                          <a:spcPts val="800"/>
+                        </a:spcAft>
+                      </a:pPr>
+                      <a:r>
+                        <a:rPr lang="pt-PT" sz="1200">
+                          <a:effectLst/>
+                          <a:latin typeface="+mj-lt"/>
+                          <a:ea typeface="Calibri"/>
+                          <a:cs typeface="Times New Roman"/>
+                        </a:rPr>
+                        <a:t>X</a:t>
+                      </a:r>
+                      <a:endParaRPr lang="pt-PT" sz="1600">
+                        <a:effectLst/>
+                        <a:latin typeface="+mj-lt"/>
+                        <a:ea typeface="Calibri"/>
+                        <a:cs typeface="Times New Roman"/>
+                      </a:endParaRPr>
+                    </a:p>
+                  </a:txBody>
+                  <a:tcPr marL="68580" marR="68580" marT="0" marB="0"/>
+                </a:tc>
+              </a:tr>
+              <a:tr h="370840">
+                <a:tc>
+                  <a:txBody>
+                    <a:bodyPr/>
+                    <a:lstStyle/>
+                    <a:p>
+                      <a:pPr algn="l">
+                        <a:lnSpc>
+                          <a:spcPct val="106000"/>
+                        </a:lnSpc>
+                        <a:spcAft>
+                          <a:spcPts val="800"/>
+                        </a:spcAft>
+                      </a:pPr>
+                      <a:r>
+                        <a:rPr lang="pt-PT" sz="1200">
+                          <a:effectLst/>
+                          <a:latin typeface="+mj-lt"/>
+                          <a:ea typeface="Calibri"/>
+                          <a:cs typeface="Times New Roman"/>
+                        </a:rPr>
+                        <a:t>Permite editar ofertas depois de anunciadas?</a:t>
+                      </a:r>
+                      <a:endParaRPr lang="pt-PT" sz="1600">
+                        <a:effectLst/>
+                        <a:latin typeface="+mj-lt"/>
+                        <a:ea typeface="Calibri"/>
+                        <a:cs typeface="Times New Roman"/>
+                      </a:endParaRPr>
+                    </a:p>
+                  </a:txBody>
+                  <a:tcPr marL="68580" marR="68580" marT="0" marB="0"/>
+                </a:tc>
+                <a:tc>
+                  <a:txBody>
+                    <a:bodyPr/>
+                    <a:lstStyle/>
+                    <a:p>
+                      <a:pPr algn="ctr">
+                        <a:lnSpc>
+                          <a:spcPct val="106000"/>
+                        </a:lnSpc>
+                        <a:spcAft>
+                          <a:spcPts val="800"/>
+                        </a:spcAft>
+                      </a:pPr>
+                      <a:r>
+                        <a:rPr lang="pt-PT" sz="1200">
+                          <a:effectLst/>
+                          <a:latin typeface="+mj-lt"/>
+                          <a:ea typeface="Calibri"/>
+                          <a:cs typeface="Times New Roman"/>
+                        </a:rPr>
+                        <a:t> </a:t>
+                      </a:r>
+                      <a:endParaRPr lang="pt-PT" sz="1600">
+                        <a:effectLst/>
+                        <a:latin typeface="+mj-lt"/>
+                        <a:ea typeface="Calibri"/>
+                        <a:cs typeface="Times New Roman"/>
+                      </a:endParaRPr>
+                    </a:p>
+                  </a:txBody>
+                  <a:tcPr marL="68580" marR="68580" marT="0" marB="0"/>
+                </a:tc>
+                <a:tc>
+                  <a:txBody>
+                    <a:bodyPr/>
+                    <a:lstStyle/>
+                    <a:p>
+                      <a:pPr algn="ctr">
+                        <a:lnSpc>
+                          <a:spcPct val="106000"/>
+                        </a:lnSpc>
+                        <a:spcAft>
+                          <a:spcPts val="800"/>
+                        </a:spcAft>
+                      </a:pPr>
+                      <a:r>
+                        <a:rPr lang="pt-PT" sz="1200">
+                          <a:effectLst/>
+                          <a:latin typeface="+mj-lt"/>
+                          <a:ea typeface="Calibri"/>
+                          <a:cs typeface="Times New Roman"/>
+                        </a:rPr>
+                        <a:t>X</a:t>
+                      </a:r>
+                      <a:endParaRPr lang="pt-PT" sz="1600">
+                        <a:effectLst/>
+                        <a:latin typeface="+mj-lt"/>
+                        <a:ea typeface="Calibri"/>
+                        <a:cs typeface="Times New Roman"/>
+                      </a:endParaRPr>
+                    </a:p>
+                  </a:txBody>
+                  <a:tcPr marL="68580" marR="68580" marT="0" marB="0"/>
+                </a:tc>
+              </a:tr>
+              <a:tr h="370840">
+                <a:tc>
+                  <a:txBody>
+                    <a:bodyPr/>
+                    <a:lstStyle/>
+                    <a:p>
+                      <a:pPr algn="l">
+                        <a:lnSpc>
+                          <a:spcPct val="106000"/>
+                        </a:lnSpc>
+                        <a:spcAft>
+                          <a:spcPts val="800"/>
+                        </a:spcAft>
+                      </a:pPr>
+                      <a:r>
+                        <a:rPr lang="pt-PT" sz="1200">
+                          <a:effectLst/>
+                          <a:latin typeface="+mj-lt"/>
+                          <a:ea typeface="Calibri"/>
+                          <a:cs typeface="Times New Roman"/>
+                        </a:rPr>
+                        <a:t>Permite a criação de grupos de utilizadores?</a:t>
+                      </a:r>
+                      <a:endParaRPr lang="pt-PT" sz="1600">
+                        <a:effectLst/>
+                        <a:latin typeface="+mj-lt"/>
+                        <a:ea typeface="Calibri"/>
+                        <a:cs typeface="Times New Roman"/>
+                      </a:endParaRPr>
+                    </a:p>
+                  </a:txBody>
+                  <a:tcPr marL="68580" marR="68580" marT="0" marB="0"/>
+                </a:tc>
+                <a:tc>
+                  <a:txBody>
+                    <a:bodyPr/>
+                    <a:lstStyle/>
+                    <a:p>
+                      <a:pPr algn="ctr">
+                        <a:lnSpc>
+                          <a:spcPct val="106000"/>
+                        </a:lnSpc>
+                        <a:spcAft>
+                          <a:spcPts val="800"/>
+                        </a:spcAft>
+                      </a:pPr>
+                      <a:r>
+                        <a:rPr lang="pt-PT" sz="1200">
+                          <a:effectLst/>
+                          <a:latin typeface="+mj-lt"/>
+                          <a:ea typeface="Calibri"/>
+                          <a:cs typeface="Times New Roman"/>
+                        </a:rPr>
+                        <a:t> </a:t>
+                      </a:r>
+                      <a:endParaRPr lang="pt-PT" sz="1600">
+                        <a:effectLst/>
+                        <a:latin typeface="+mj-lt"/>
+                        <a:ea typeface="Calibri"/>
+                        <a:cs typeface="Times New Roman"/>
+                      </a:endParaRPr>
+                    </a:p>
+                  </a:txBody>
+                  <a:tcPr marL="68580" marR="68580" marT="0" marB="0"/>
+                </a:tc>
+                <a:tc>
+                  <a:txBody>
+                    <a:bodyPr/>
+                    <a:lstStyle/>
+                    <a:p>
+                      <a:pPr algn="ctr">
+                        <a:lnSpc>
+                          <a:spcPct val="106000"/>
+                        </a:lnSpc>
+                        <a:spcAft>
+                          <a:spcPts val="800"/>
+                        </a:spcAft>
+                      </a:pPr>
+                      <a:r>
+                        <a:rPr lang="pt-PT" sz="1200">
+                          <a:effectLst/>
+                          <a:latin typeface="+mj-lt"/>
+                          <a:ea typeface="Calibri"/>
+                          <a:cs typeface="Times New Roman"/>
+                        </a:rPr>
+                        <a:t>X</a:t>
+                      </a:r>
+                      <a:endParaRPr lang="pt-PT" sz="1600">
+                        <a:effectLst/>
+                        <a:latin typeface="+mj-lt"/>
+                        <a:ea typeface="Calibri"/>
+                        <a:cs typeface="Times New Roman"/>
+                      </a:endParaRPr>
+                    </a:p>
+                  </a:txBody>
+                  <a:tcPr marL="68580" marR="68580" marT="0" marB="0"/>
+                </a:tc>
+              </a:tr>
+              <a:tr h="370840">
+                <a:tc>
+                  <a:txBody>
+                    <a:bodyPr/>
+                    <a:lstStyle/>
+                    <a:p>
+                      <a:pPr algn="l">
+                        <a:lnSpc>
+                          <a:spcPct val="106000"/>
+                        </a:lnSpc>
+                        <a:spcAft>
+                          <a:spcPts val="800"/>
+                        </a:spcAft>
+                      </a:pPr>
+                      <a:r>
+                        <a:rPr lang="pt-PT" sz="1200">
+                          <a:effectLst/>
+                          <a:latin typeface="+mj-lt"/>
+                          <a:ea typeface="Calibri"/>
+                          <a:cs typeface="Times New Roman"/>
+                        </a:rPr>
+                        <a:t>Consigo enviar ofertas diretamente aos meus amigos?</a:t>
+                      </a:r>
+                      <a:endParaRPr lang="pt-PT" sz="1600">
+                        <a:effectLst/>
+                        <a:latin typeface="+mj-lt"/>
+                        <a:ea typeface="Calibri"/>
+                        <a:cs typeface="Times New Roman"/>
+                      </a:endParaRPr>
+                    </a:p>
+                  </a:txBody>
+                  <a:tcPr marL="68580" marR="68580" marT="0" marB="0"/>
+                </a:tc>
+                <a:tc>
+                  <a:txBody>
+                    <a:bodyPr/>
+                    <a:lstStyle/>
+                    <a:p>
+                      <a:pPr algn="ctr">
+                        <a:lnSpc>
+                          <a:spcPct val="106000"/>
+                        </a:lnSpc>
+                        <a:spcAft>
+                          <a:spcPts val="800"/>
+                        </a:spcAft>
+                      </a:pPr>
+                      <a:r>
+                        <a:rPr lang="pt-PT" sz="1200">
+                          <a:effectLst/>
+                          <a:latin typeface="+mj-lt"/>
+                          <a:ea typeface="Calibri"/>
+                          <a:cs typeface="Times New Roman"/>
+                        </a:rPr>
+                        <a:t> </a:t>
+                      </a:r>
+                      <a:endParaRPr lang="pt-PT" sz="1600">
+                        <a:effectLst/>
+                        <a:latin typeface="+mj-lt"/>
+                        <a:ea typeface="Calibri"/>
+                        <a:cs typeface="Times New Roman"/>
+                      </a:endParaRPr>
+                    </a:p>
+                  </a:txBody>
+                  <a:tcPr marL="68580" marR="68580" marT="0" marB="0"/>
+                </a:tc>
+                <a:tc>
+                  <a:txBody>
+                    <a:bodyPr/>
+                    <a:lstStyle/>
+                    <a:p>
+                      <a:pPr algn="ctr">
+                        <a:lnSpc>
+                          <a:spcPct val="106000"/>
+                        </a:lnSpc>
+                        <a:spcAft>
+                          <a:spcPts val="800"/>
+                        </a:spcAft>
+                      </a:pPr>
+                      <a:r>
+                        <a:rPr lang="pt-PT" sz="1200">
+                          <a:effectLst/>
+                          <a:latin typeface="+mj-lt"/>
+                          <a:ea typeface="Calibri"/>
+                          <a:cs typeface="Times New Roman"/>
+                        </a:rPr>
+                        <a:t>X</a:t>
+                      </a:r>
+                      <a:endParaRPr lang="pt-PT" sz="1600">
+                        <a:effectLst/>
+                        <a:latin typeface="+mj-lt"/>
+                        <a:ea typeface="Calibri"/>
+                        <a:cs typeface="Times New Roman"/>
+                      </a:endParaRPr>
+                    </a:p>
+                  </a:txBody>
+                  <a:tcPr marL="68580" marR="68580" marT="0" marB="0"/>
+                </a:tc>
+              </a:tr>
+              <a:tr h="370840">
+                <a:tc>
+                  <a:txBody>
+                    <a:bodyPr/>
+                    <a:lstStyle/>
+                    <a:p>
+                      <a:pPr algn="l">
+                        <a:lnSpc>
+                          <a:spcPct val="106000"/>
+                        </a:lnSpc>
+                        <a:spcAft>
+                          <a:spcPts val="800"/>
+                        </a:spcAft>
+                      </a:pPr>
+                      <a:r>
+                        <a:rPr lang="pt-PT" sz="1200">
+                          <a:effectLst/>
+                          <a:latin typeface="+mj-lt"/>
+                          <a:ea typeface="Calibri"/>
+                          <a:cs typeface="Times New Roman"/>
+                        </a:rPr>
+                        <a:t>Consigo reservar várias viagens a longo prazo?</a:t>
+                      </a:r>
+                      <a:endParaRPr lang="pt-PT" sz="1600">
+                        <a:effectLst/>
+                        <a:latin typeface="+mj-lt"/>
+                        <a:ea typeface="Calibri"/>
+                        <a:cs typeface="Times New Roman"/>
+                      </a:endParaRPr>
+                    </a:p>
+                  </a:txBody>
+                  <a:tcPr marL="68580" marR="68580" marT="0" marB="0"/>
+                </a:tc>
+                <a:tc>
+                  <a:txBody>
+                    <a:bodyPr/>
+                    <a:lstStyle/>
+                    <a:p>
+                      <a:pPr algn="ctr">
+                        <a:lnSpc>
+                          <a:spcPct val="106000"/>
+                        </a:lnSpc>
+                        <a:spcAft>
+                          <a:spcPts val="800"/>
+                        </a:spcAft>
+                      </a:pPr>
+                      <a:r>
+                        <a:rPr lang="pt-PT" sz="1200">
+                          <a:effectLst/>
+                          <a:latin typeface="+mj-lt"/>
+                          <a:ea typeface="Calibri"/>
+                          <a:cs typeface="Times New Roman"/>
+                        </a:rPr>
+                        <a:t> </a:t>
+                      </a:r>
+                      <a:endParaRPr lang="pt-PT" sz="1600">
+                        <a:effectLst/>
+                        <a:latin typeface="+mj-lt"/>
+                        <a:ea typeface="Calibri"/>
+                        <a:cs typeface="Times New Roman"/>
+                      </a:endParaRPr>
+                    </a:p>
+                  </a:txBody>
+                  <a:tcPr marL="68580" marR="68580" marT="0" marB="0"/>
+                </a:tc>
+                <a:tc>
+                  <a:txBody>
+                    <a:bodyPr/>
+                    <a:lstStyle/>
+                    <a:p>
+                      <a:pPr algn="ctr">
+                        <a:lnSpc>
+                          <a:spcPct val="106000"/>
+                        </a:lnSpc>
+                        <a:spcAft>
+                          <a:spcPts val="800"/>
+                        </a:spcAft>
+                      </a:pPr>
+                      <a:r>
+                        <a:rPr lang="pt-PT" sz="1200">
+                          <a:effectLst/>
+                          <a:latin typeface="+mj-lt"/>
+                          <a:ea typeface="Calibri"/>
+                          <a:cs typeface="Times New Roman"/>
+                        </a:rPr>
+                        <a:t>X</a:t>
+                      </a:r>
+                      <a:endParaRPr lang="pt-PT" sz="1600">
+                        <a:effectLst/>
+                        <a:latin typeface="+mj-lt"/>
+                        <a:ea typeface="Calibri"/>
+                        <a:cs typeface="Times New Roman"/>
+                      </a:endParaRPr>
+                    </a:p>
+                  </a:txBody>
+                  <a:tcPr marL="68580" marR="68580" marT="0" marB="0"/>
+                </a:tc>
+              </a:tr>
+              <a:tr h="370840">
+                <a:tc>
+                  <a:txBody>
+                    <a:bodyPr/>
+                    <a:lstStyle/>
+                    <a:p>
+                      <a:pPr algn="l">
+                        <a:lnSpc>
+                          <a:spcPct val="106000"/>
+                        </a:lnSpc>
+                        <a:spcAft>
+                          <a:spcPts val="800"/>
+                        </a:spcAft>
+                      </a:pPr>
+                      <a:r>
+                        <a:rPr lang="pt-PT" sz="1200" dirty="0">
+                          <a:effectLst/>
+                          <a:latin typeface="+mj-lt"/>
+                          <a:ea typeface="Calibri"/>
+                          <a:cs typeface="Times New Roman"/>
+                        </a:rPr>
+                        <a:t>Tem aplicação móvel?</a:t>
+                      </a:r>
+                      <a:endParaRPr lang="pt-PT" sz="1600" dirty="0">
+                        <a:effectLst/>
+                        <a:latin typeface="+mj-lt"/>
+                        <a:ea typeface="Calibri"/>
+                        <a:cs typeface="Times New Roman"/>
+                      </a:endParaRPr>
+                    </a:p>
+                  </a:txBody>
+                  <a:tcPr marL="68580" marR="68580" marT="0" marB="0"/>
+                </a:tc>
+                <a:tc>
+                  <a:txBody>
+                    <a:bodyPr/>
+                    <a:lstStyle/>
+                    <a:p>
+                      <a:pPr algn="ctr">
+                        <a:lnSpc>
+                          <a:spcPct val="106000"/>
+                        </a:lnSpc>
+                        <a:spcAft>
+                          <a:spcPts val="800"/>
+                        </a:spcAft>
+                      </a:pPr>
+                      <a:r>
+                        <a:rPr lang="pt-PT" sz="1200">
+                          <a:effectLst/>
+                          <a:latin typeface="+mj-lt"/>
+                          <a:ea typeface="Calibri"/>
+                          <a:cs typeface="Times New Roman"/>
+                        </a:rPr>
+                        <a:t> </a:t>
+                      </a:r>
+                      <a:endParaRPr lang="pt-PT" sz="1600">
+                        <a:effectLst/>
+                        <a:latin typeface="+mj-lt"/>
+                        <a:ea typeface="Calibri"/>
+                        <a:cs typeface="Times New Roman"/>
+                      </a:endParaRPr>
+                    </a:p>
+                  </a:txBody>
+                  <a:tcPr marL="68580" marR="68580" marT="0" marB="0"/>
+                </a:tc>
+                <a:tc>
+                  <a:txBody>
+                    <a:bodyPr/>
+                    <a:lstStyle/>
+                    <a:p>
+                      <a:pPr algn="ctr">
+                        <a:lnSpc>
+                          <a:spcPct val="106000"/>
+                        </a:lnSpc>
+                        <a:spcAft>
+                          <a:spcPts val="800"/>
+                        </a:spcAft>
+                      </a:pPr>
+                      <a:r>
+                        <a:rPr lang="pt-PT" sz="1200" dirty="0">
+                          <a:effectLst/>
+                          <a:latin typeface="+mj-lt"/>
+                          <a:ea typeface="Calibri"/>
+                          <a:cs typeface="Times New Roman"/>
+                        </a:rPr>
+                        <a:t>X</a:t>
+                      </a:r>
+                      <a:endParaRPr lang="pt-PT" sz="1600" dirty="0">
+                        <a:effectLst/>
+                        <a:latin typeface="+mj-lt"/>
+                        <a:ea typeface="Calibri"/>
+                        <a:cs typeface="Times New Roman"/>
+                      </a:endParaRPr>
+                    </a:p>
+                  </a:txBody>
+                  <a:tcPr marL="68580" marR="68580" marT="0" marB="0"/>
+                </a:tc>
+              </a:tr>
+            </a:tbl>
+          </a:graphicData>
+        </a:graphic>
+      </p:graphicFrame>
+    </p:spTree>
+    <p:extLst>
+      <p:ext uri="{BB962C8B-B14F-4D97-AF65-F5344CB8AC3E}">
+        <p14:creationId xmlns:p14="http://schemas.microsoft.com/office/powerpoint/2010/main" val="67152595"/>
       </p:ext>
     </p:extLst>
   </p:cSld>

--- a/actividades/Apresentação.pptx
+++ b/actividades/Apresentação.pptx
@@ -19,6 +19,8 @@
     <p:sldId id="267" r:id="rId13"/>
     <p:sldId id="268" r:id="rId14"/>
     <p:sldId id="269" r:id="rId15"/>
+    <p:sldId id="270" r:id="rId16"/>
+    <p:sldId id="271" r:id="rId17"/>
   </p:sldIdLst>
   <p:sldSz cx="9144000" cy="6858000" type="screen4x3"/>
   <p:notesSz cx="6858000" cy="9144000"/>
@@ -426,7 +428,7 @@
           <a:p>
             <a:fld id="{C6A25ADF-9D96-43A4-9C2F-88BA43455C97}" type="datetimeFigureOut">
               <a:rPr lang="pt-PT" smtClean="0"/>
-              <a:t>17-06-2015</a:t>
+              <a:t>10-07-2015</a:t>
             </a:fld>
             <a:endParaRPr lang="pt-PT"/>
           </a:p>
@@ -611,7 +613,7 @@
           <a:p>
             <a:fld id="{C6A25ADF-9D96-43A4-9C2F-88BA43455C97}" type="datetimeFigureOut">
               <a:rPr lang="pt-PT" smtClean="0"/>
-              <a:t>17-06-2015</a:t>
+              <a:t>10-07-2015</a:t>
             </a:fld>
             <a:endParaRPr lang="pt-PT"/>
           </a:p>
@@ -796,7 +798,7 @@
           <a:p>
             <a:fld id="{C6A25ADF-9D96-43A4-9C2F-88BA43455C97}" type="datetimeFigureOut">
               <a:rPr lang="pt-PT" smtClean="0"/>
-              <a:t>17-06-2015</a:t>
+              <a:t>10-07-2015</a:t>
             </a:fld>
             <a:endParaRPr lang="pt-PT"/>
           </a:p>
@@ -981,7 +983,7 @@
           <a:p>
             <a:fld id="{C6A25ADF-9D96-43A4-9C2F-88BA43455C97}" type="datetimeFigureOut">
               <a:rPr lang="pt-PT" smtClean="0"/>
-              <a:t>17-06-2015</a:t>
+              <a:t>10-07-2015</a:t>
             </a:fld>
             <a:endParaRPr lang="pt-PT"/>
           </a:p>
@@ -1362,7 +1364,7 @@
           <a:p>
             <a:fld id="{C6A25ADF-9D96-43A4-9C2F-88BA43455C97}" type="datetimeFigureOut">
               <a:rPr lang="pt-PT" smtClean="0"/>
-              <a:t>17-06-2015</a:t>
+              <a:t>10-07-2015</a:t>
             </a:fld>
             <a:endParaRPr lang="pt-PT"/>
           </a:p>
@@ -1631,7 +1633,7 @@
           <a:p>
             <a:fld id="{C6A25ADF-9D96-43A4-9C2F-88BA43455C97}" type="datetimeFigureOut">
               <a:rPr lang="pt-PT" smtClean="0"/>
-              <a:t>17-06-2015</a:t>
+              <a:t>10-07-2015</a:t>
             </a:fld>
             <a:endParaRPr lang="pt-PT"/>
           </a:p>
@@ -2016,7 +2018,7 @@
           <a:p>
             <a:fld id="{C6A25ADF-9D96-43A4-9C2F-88BA43455C97}" type="datetimeFigureOut">
               <a:rPr lang="pt-PT" smtClean="0"/>
-              <a:t>17-06-2015</a:t>
+              <a:t>10-07-2015</a:t>
             </a:fld>
             <a:endParaRPr lang="pt-PT"/>
           </a:p>
@@ -2137,7 +2139,7 @@
           <a:p>
             <a:fld id="{C6A25ADF-9D96-43A4-9C2F-88BA43455C97}" type="datetimeFigureOut">
               <a:rPr lang="pt-PT" smtClean="0"/>
-              <a:t>17-06-2015</a:t>
+              <a:t>10-07-2015</a:t>
             </a:fld>
             <a:endParaRPr lang="pt-PT"/>
           </a:p>
@@ -2317,7 +2319,7 @@
           <a:p>
             <a:fld id="{C6A25ADF-9D96-43A4-9C2F-88BA43455C97}" type="datetimeFigureOut">
               <a:rPr lang="pt-PT" smtClean="0"/>
-              <a:t>17-06-2015</a:t>
+              <a:t>10-07-2015</a:t>
             </a:fld>
             <a:endParaRPr lang="pt-PT"/>
           </a:p>
@@ -2651,7 +2653,7 @@
           <a:p>
             <a:fld id="{C6A25ADF-9D96-43A4-9C2F-88BA43455C97}" type="datetimeFigureOut">
               <a:rPr lang="pt-PT" smtClean="0"/>
-              <a:t>17-06-2015</a:t>
+              <a:t>10-07-2015</a:t>
             </a:fld>
             <a:endParaRPr lang="pt-PT"/>
           </a:p>
@@ -3020,7 +3022,7 @@
           <a:p>
             <a:fld id="{C6A25ADF-9D96-43A4-9C2F-88BA43455C97}" type="datetimeFigureOut">
               <a:rPr lang="pt-PT" smtClean="0"/>
-              <a:t>17-06-2015</a:t>
+              <a:t>10-07-2015</a:t>
             </a:fld>
             <a:endParaRPr lang="pt-PT"/>
           </a:p>
@@ -3438,7 +3440,7 @@
           <a:p>
             <a:fld id="{C6A25ADF-9D96-43A4-9C2F-88BA43455C97}" type="datetimeFigureOut">
               <a:rPr lang="pt-PT" smtClean="0"/>
-              <a:t>17-06-2015</a:t>
+              <a:t>10-07-2015</a:t>
             </a:fld>
             <a:endParaRPr lang="pt-PT"/>
           </a:p>
@@ -4000,7 +4002,21 @@
           <a:p>
             <a:r>
               <a:rPr lang="pt-PT" dirty="0" smtClean="0"/>
-              <a:t>As aplicações não se adequam ao projeto</a:t>
+              <a:t>As aplicações não se adequam ao projeto:</a:t>
+            </a:r>
+          </a:p>
+          <a:p>
+            <a:pPr lvl="1"/>
+            <a:r>
+              <a:rPr lang="pt-PT" dirty="0" smtClean="0"/>
+              <a:t>Não têm funcionalidades para grupos</a:t>
+            </a:r>
+          </a:p>
+          <a:p>
+            <a:pPr lvl="1"/>
+            <a:r>
+              <a:rPr lang="pt-PT" dirty="0" smtClean="0"/>
+              <a:t>Não permitem replicar boleias a longo prazo</a:t>
             </a:r>
           </a:p>
           <a:p>
@@ -4296,7 +4312,7 @@
         <p:spPr/>
         <p:txBody>
           <a:bodyPr>
-            <a:normAutofit lnSpcReduction="10000"/>
+            <a:normAutofit fontScale="85000" lnSpcReduction="20000"/>
           </a:bodyPr>
           <a:lstStyle/>
           <a:p>
@@ -4331,6 +4347,25 @@
               <a:rPr lang="pt-PT" dirty="0" smtClean="0"/>
               <a:t>Criação do modelo ER</a:t>
             </a:r>
+          </a:p>
+          <a:p>
+            <a:endParaRPr lang="pt-PT" dirty="0" smtClean="0"/>
+          </a:p>
+          <a:p>
+            <a:r>
+              <a:rPr lang="pt-PT" dirty="0" smtClean="0"/>
+              <a:t>Estruturação e desenvolvimento do relatório</a:t>
+            </a:r>
+          </a:p>
+          <a:p>
+            <a:endParaRPr lang="pt-PT" dirty="0"/>
+          </a:p>
+          <a:p>
+            <a:r>
+              <a:rPr lang="pt-PT" dirty="0" smtClean="0"/>
+              <a:t>Desenvolvimento da aplicação</a:t>
+            </a:r>
+            <a:endParaRPr lang="pt-PT" dirty="0"/>
           </a:p>
         </p:txBody>
       </p:sp>
@@ -4384,14 +4419,15 @@
         <p:spPr/>
         <p:txBody>
           <a:bodyPr>
-            <a:normAutofit fontScale="90000"/>
+            <a:normAutofit/>
           </a:bodyPr>
           <a:lstStyle/>
           <a:p>
             <a:r>
-              <a:rPr lang="pt-PT" dirty="0"/>
-              <a:t>Estruturação e organização do projecto</a:t>
-            </a:r>
+              <a:rPr lang="pt-PT" dirty="0" smtClean="0"/>
+              <a:t>Modelo ER</a:t>
+            </a:r>
+            <a:endParaRPr lang="pt-PT" dirty="0"/>
           </a:p>
         </p:txBody>
       </p:sp>
@@ -4444,6 +4480,184 @@
 </p:sld>
 </file>
 
+<file path=ppt/slides/slide15.xml><?xml version="1.0" encoding="utf-8"?>
+<p:sld xmlns:a="http://schemas.openxmlformats.org/drawingml/2006/main" xmlns:r="http://schemas.openxmlformats.org/officeDocument/2006/relationships" xmlns:p="http://schemas.openxmlformats.org/presentationml/2006/main">
+  <p:cSld>
+    <p:spTree>
+      <p:nvGrpSpPr>
+        <p:cNvPr id="1" name=""/>
+        <p:cNvGrpSpPr/>
+        <p:nvPr/>
+      </p:nvGrpSpPr>
+      <p:grpSpPr>
+        <a:xfrm>
+          <a:off x="0" y="0"/>
+          <a:ext cx="0" cy="0"/>
+          <a:chOff x="0" y="0"/>
+          <a:chExt cx="0" cy="0"/>
+        </a:xfrm>
+      </p:grpSpPr>
+      <p:sp>
+        <p:nvSpPr>
+          <p:cNvPr id="2" name="Title 1"/>
+          <p:cNvSpPr>
+            <a:spLocks noGrp="1"/>
+          </p:cNvSpPr>
+          <p:nvPr>
+            <p:ph type="title"/>
+          </p:nvPr>
+        </p:nvSpPr>
+        <p:spPr/>
+        <p:txBody>
+          <a:bodyPr/>
+          <a:lstStyle/>
+          <a:p>
+            <a:r>
+              <a:rPr lang="pt-PT" dirty="0" smtClean="0"/>
+              <a:t>Desenvolvimento da aplicação</a:t>
+            </a:r>
+            <a:endParaRPr lang="pt-PT" dirty="0"/>
+          </a:p>
+        </p:txBody>
+      </p:sp>
+      <p:pic>
+        <p:nvPicPr>
+          <p:cNvPr id="4" name="Content Placeholder 3"/>
+          <p:cNvPicPr>
+            <a:picLocks noGrp="1" noChangeAspect="1"/>
+          </p:cNvPicPr>
+          <p:nvPr>
+            <p:ph idx="1"/>
+          </p:nvPr>
+        </p:nvPicPr>
+        <p:blipFill>
+          <a:blip r:embed="rId2">
+            <a:extLst>
+              <a:ext uri="{28A0092B-C50C-407E-A947-70E740481C1C}">
+                <a14:useLocalDpi xmlns:a14="http://schemas.microsoft.com/office/drawing/2010/main" val="0"/>
+              </a:ext>
+            </a:extLst>
+          </a:blip>
+          <a:stretch>
+            <a:fillRect/>
+          </a:stretch>
+        </p:blipFill>
+        <p:spPr>
+          <a:xfrm>
+            <a:off x="503238" y="592392"/>
+            <a:ext cx="8183562" cy="4063491"/>
+          </a:xfrm>
+        </p:spPr>
+      </p:pic>
+    </p:spTree>
+    <p:extLst>
+      <p:ext uri="{BB962C8B-B14F-4D97-AF65-F5344CB8AC3E}">
+        <p14:creationId xmlns:p14="http://schemas.microsoft.com/office/powerpoint/2010/main" val="758235644"/>
+      </p:ext>
+    </p:extLst>
+  </p:cSld>
+  <p:clrMapOvr>
+    <a:masterClrMapping/>
+  </p:clrMapOvr>
+  <p:timing>
+    <p:tnLst>
+      <p:par>
+        <p:cTn id="1" dur="indefinite" restart="never" nodeType="tmRoot"/>
+      </p:par>
+    </p:tnLst>
+  </p:timing>
+</p:sld>
+</file>
+
+<file path=ppt/slides/slide16.xml><?xml version="1.0" encoding="utf-8"?>
+<p:sld xmlns:a="http://schemas.openxmlformats.org/drawingml/2006/main" xmlns:r="http://schemas.openxmlformats.org/officeDocument/2006/relationships" xmlns:p="http://schemas.openxmlformats.org/presentationml/2006/main">
+  <p:cSld>
+    <p:spTree>
+      <p:nvGrpSpPr>
+        <p:cNvPr id="1" name=""/>
+        <p:cNvGrpSpPr/>
+        <p:nvPr/>
+      </p:nvGrpSpPr>
+      <p:grpSpPr>
+        <a:xfrm>
+          <a:off x="0" y="0"/>
+          <a:ext cx="0" cy="0"/>
+          <a:chOff x="0" y="0"/>
+          <a:chExt cx="0" cy="0"/>
+        </a:xfrm>
+      </p:grpSpPr>
+      <p:sp>
+        <p:nvSpPr>
+          <p:cNvPr id="2" name="Title 1"/>
+          <p:cNvSpPr>
+            <a:spLocks noGrp="1"/>
+          </p:cNvSpPr>
+          <p:nvPr>
+            <p:ph type="title"/>
+          </p:nvPr>
+        </p:nvSpPr>
+        <p:spPr/>
+        <p:txBody>
+          <a:bodyPr/>
+          <a:lstStyle/>
+          <a:p>
+            <a:r>
+              <a:rPr lang="pt-PT" dirty="0" smtClean="0"/>
+              <a:t>Desenvolvimento da aplicação</a:t>
+            </a:r>
+            <a:endParaRPr lang="pt-PT" dirty="0"/>
+          </a:p>
+        </p:txBody>
+      </p:sp>
+      <p:pic>
+        <p:nvPicPr>
+          <p:cNvPr id="4" name="Content Placeholder 3"/>
+          <p:cNvPicPr>
+            <a:picLocks noGrp="1" noChangeAspect="1"/>
+          </p:cNvPicPr>
+          <p:nvPr>
+            <p:ph idx="1"/>
+          </p:nvPr>
+        </p:nvPicPr>
+        <p:blipFill>
+          <a:blip r:embed="rId2">
+            <a:extLst>
+              <a:ext uri="{28A0092B-C50C-407E-A947-70E740481C1C}">
+                <a14:useLocalDpi xmlns:a14="http://schemas.microsoft.com/office/drawing/2010/main" val="0"/>
+              </a:ext>
+            </a:extLst>
+          </a:blip>
+          <a:stretch>
+            <a:fillRect/>
+          </a:stretch>
+        </p:blipFill>
+        <p:spPr>
+          <a:xfrm>
+            <a:off x="467544" y="1196752"/>
+            <a:ext cx="8183562" cy="3461637"/>
+          </a:xfrm>
+        </p:spPr>
+      </p:pic>
+    </p:spTree>
+    <p:extLst>
+      <p:ext uri="{BB962C8B-B14F-4D97-AF65-F5344CB8AC3E}">
+        <p14:creationId xmlns:p14="http://schemas.microsoft.com/office/powerpoint/2010/main" val="2919749876"/>
+      </p:ext>
+    </p:extLst>
+  </p:cSld>
+  <p:clrMapOvr>
+    <a:masterClrMapping/>
+  </p:clrMapOvr>
+  <p:timing>
+    <p:tnLst>
+      <p:par>
+        <p:cTn id="1" dur="indefinite" restart="never" nodeType="tmRoot"/>
+      </p:par>
+    </p:tnLst>
+  </p:timing>
+</p:sld>
+</file>
+
 <file path=ppt/slides/slide2.xml><?xml version="1.0" encoding="utf-8"?>
 <p:sld xmlns:a="http://schemas.openxmlformats.org/drawingml/2006/main" xmlns:r="http://schemas.openxmlformats.org/officeDocument/2006/relationships" xmlns:p="http://schemas.openxmlformats.org/presentationml/2006/main">
   <p:cSld>
@@ -4552,15 +4766,7 @@
             <a:pPr lvl="1"/>
             <a:r>
               <a:rPr lang="pt-PT" dirty="0" smtClean="0"/>
-              <a:t>Aplicações existentes não permitem a partilha de mapas de boleia entre </a:t>
-            </a:r>
-            <a:r>
-              <a:rPr lang="pt-PT" dirty="0" smtClean="0"/>
-              <a:t>grupos </a:t>
-            </a:r>
-            <a:r>
-              <a:rPr lang="pt-PT" dirty="0" smtClean="0"/>
-              <a:t>de utilizadores.</a:t>
+              <a:t>Aplicações existentes não permitem a partilha de mapas de boleia entre grupos de utilizadores.</a:t>
             </a:r>
           </a:p>
           <a:p>
@@ -4749,7 +4955,7 @@
       </p:sp>
       <p:pic>
         <p:nvPicPr>
-          <p:cNvPr id="4" name="Content Placeholder 3"/>
+          <p:cNvPr id="5" name="Content Placeholder 4"/>
           <p:cNvPicPr>
             <a:picLocks noGrp="1" noChangeAspect="1"/>
           </p:cNvPicPr>
@@ -4771,8 +4977,8 @@
         </p:blipFill>
         <p:spPr>
           <a:xfrm>
-            <a:off x="1922170" y="530225"/>
-            <a:ext cx="5345698" cy="4187825"/>
+            <a:off x="935293" y="530225"/>
+            <a:ext cx="7319452" cy="4187825"/>
           </a:xfrm>
         </p:spPr>
       </p:pic>
@@ -4846,14 +5052,14 @@
             <p:ph idx="1"/>
             <p:extLst>
               <p:ext uri="{D42A27DB-BD31-4B8C-83A1-F6EECF244321}">
-                <p14:modId xmlns:p14="http://schemas.microsoft.com/office/powerpoint/2010/main" val="2041428845"/>
+                <p14:modId xmlns:p14="http://schemas.microsoft.com/office/powerpoint/2010/main" val="398594093"/>
               </p:ext>
             </p:extLst>
           </p:nvPr>
         </p:nvGraphicFramePr>
         <p:xfrm>
-          <a:off x="503238" y="530223"/>
-          <a:ext cx="8183562" cy="4698976"/>
+          <a:off x="503238" y="469300"/>
+          <a:ext cx="8183562" cy="4657133"/>
         </p:xfrm>
         <a:graphic>
           <a:graphicData uri="http://schemas.openxmlformats.org/drawingml/2006/table">
@@ -4866,7 +5072,7 @@
                 <a:gridCol w="2727854"/>
                 <a:gridCol w="2727854"/>
               </a:tblGrid>
-              <a:tr h="391559">
+              <a:tr h="358902">
                 <a:tc>
                   <a:txBody>
                     <a:bodyPr/>
@@ -4874,10 +5080,10 @@
                     <a:p>
                       <a:pPr algn="ctr">
                         <a:lnSpc>
-                          <a:spcPct val="106000"/>
-                        </a:lnSpc>
-                        <a:spcAft>
-                          <a:spcPts val="800"/>
+                          <a:spcPct val="115000"/>
+                        </a:lnSpc>
+                        <a:spcAft>
+                          <a:spcPts val="0"/>
                         </a:spcAft>
                       </a:pPr>
                       <a:r>
@@ -4889,12 +5095,6 @@
                         </a:rPr>
                         <a:t>Funcionalidade</a:t>
                       </a:r>
-                      <a:endParaRPr lang="pt-PT" sz="1600" dirty="0">
-                        <a:effectLst/>
-                        <a:latin typeface="+mj-lt"/>
-                        <a:ea typeface="Calibri"/>
-                        <a:cs typeface="Times New Roman"/>
-                      </a:endParaRPr>
                     </a:p>
                   </a:txBody>
                   <a:tcPr marL="68580" marR="68580" marT="0" marB="0"/>
@@ -4906,10 +5106,10 @@
                     <a:p>
                       <a:pPr algn="ctr">
                         <a:lnSpc>
-                          <a:spcPct val="106000"/>
-                        </a:lnSpc>
-                        <a:spcAft>
-                          <a:spcPts val="800"/>
+                          <a:spcPct val="115000"/>
+                        </a:lnSpc>
+                        <a:spcAft>
+                          <a:spcPts val="0"/>
                         </a:spcAft>
                       </a:pPr>
                       <a:r>
@@ -4921,12 +5121,6 @@
                         </a:rPr>
                         <a:t>Sim</a:t>
                       </a:r>
-                      <a:endParaRPr lang="pt-PT" sz="1600" dirty="0">
-                        <a:effectLst/>
-                        <a:latin typeface="+mj-lt"/>
-                        <a:ea typeface="Calibri"/>
-                        <a:cs typeface="Times New Roman"/>
-                      </a:endParaRPr>
                     </a:p>
                   </a:txBody>
                   <a:tcPr marL="68580" marR="68580" marT="0" marB="0"/>
@@ -4938,10 +5132,10 @@
                     <a:p>
                       <a:pPr algn="ctr">
                         <a:lnSpc>
-                          <a:spcPct val="106000"/>
-                        </a:lnSpc>
-                        <a:spcAft>
-                          <a:spcPts val="800"/>
+                          <a:spcPct val="115000"/>
+                        </a:lnSpc>
+                        <a:spcAft>
+                          <a:spcPts val="0"/>
                         </a:spcAft>
                       </a:pPr>
                       <a:r>
@@ -4953,29 +5147,23 @@
                         </a:rPr>
                         <a:t>Não</a:t>
                       </a:r>
-                      <a:endParaRPr lang="pt-PT" sz="1600" dirty="0">
-                        <a:effectLst/>
-                        <a:latin typeface="+mj-lt"/>
-                        <a:ea typeface="Calibri"/>
-                        <a:cs typeface="Times New Roman"/>
-                      </a:endParaRPr>
                     </a:p>
                   </a:txBody>
                   <a:tcPr marL="68580" marR="68580" marT="0" marB="0"/>
                 </a:tc>
               </a:tr>
-              <a:tr h="391559">
-                <a:tc>
-                  <a:txBody>
-                    <a:bodyPr/>
-                    <a:lstStyle/>
-                    <a:p>
-                      <a:pPr algn="just">
-                        <a:lnSpc>
-                          <a:spcPct val="106000"/>
-                        </a:lnSpc>
-                        <a:spcAft>
-                          <a:spcPts val="800"/>
+              <a:tr h="358902">
+                <a:tc>
+                  <a:txBody>
+                    <a:bodyPr/>
+                    <a:lstStyle/>
+                    <a:p>
+                      <a:pPr algn="l">
+                        <a:lnSpc>
+                          <a:spcPct val="115000"/>
+                        </a:lnSpc>
+                        <a:spcAft>
+                          <a:spcPts val="0"/>
                         </a:spcAft>
                       </a:pPr>
                       <a:r>
@@ -4987,12 +5175,6 @@
                         </a:rPr>
                         <a:t>É responsivo?</a:t>
                       </a:r>
-                      <a:endParaRPr lang="pt-PT" sz="1600" dirty="0">
-                        <a:effectLst/>
-                        <a:latin typeface="+mj-lt"/>
-                        <a:ea typeface="Calibri"/>
-                        <a:cs typeface="Times New Roman"/>
-                      </a:endParaRPr>
                     </a:p>
                   </a:txBody>
                   <a:tcPr marL="68580" marR="68580" marT="0" marB="0"/>
@@ -5004,10 +5186,64 @@
                     <a:p>
                       <a:pPr algn="ctr">
                         <a:lnSpc>
-                          <a:spcPct val="106000"/>
-                        </a:lnSpc>
-                        <a:spcAft>
-                          <a:spcPts val="800"/>
+                          <a:spcPct val="115000"/>
+                        </a:lnSpc>
+                        <a:spcAft>
+                          <a:spcPts val="0"/>
+                        </a:spcAft>
+                      </a:pPr>
+                      <a:r>
+                        <a:rPr lang="pt-PT" sz="1600" dirty="0">
+                          <a:effectLst/>
+                          <a:latin typeface="+mj-lt"/>
+                          <a:ea typeface="Calibri"/>
+                          <a:cs typeface="Times New Roman"/>
+                        </a:rPr>
+                        <a:t> </a:t>
+                      </a:r>
+                    </a:p>
+                  </a:txBody>
+                  <a:tcPr marL="68580" marR="68580" marT="0" marB="0"/>
+                </a:tc>
+                <a:tc>
+                  <a:txBody>
+                    <a:bodyPr/>
+                    <a:lstStyle/>
+                    <a:p>
+                      <a:pPr algn="ctr">
+                        <a:lnSpc>
+                          <a:spcPct val="115000"/>
+                        </a:lnSpc>
+                        <a:spcAft>
+                          <a:spcPts val="0"/>
+                        </a:spcAft>
+                      </a:pPr>
+                      <a:r>
+                        <a:rPr lang="pt-PT" sz="1600">
+                          <a:effectLst/>
+                          <a:latin typeface="+mj-lt"/>
+                          <a:ea typeface="Calibri"/>
+                          <a:cs typeface="Times New Roman"/>
+                        </a:rPr>
+                        <a:t>X</a:t>
+                      </a:r>
+                    </a:p>
+                  </a:txBody>
+                  <a:tcPr marL="68580" marR="68580" marT="0" marB="0"/>
+                </a:tc>
+              </a:tr>
+              <a:tr h="358902">
+                <a:tc>
+                  <a:txBody>
+                    <a:bodyPr/>
+                    <a:lstStyle/>
+                    <a:p>
+                      <a:pPr algn="l">
+                        <a:lnSpc>
+                          <a:spcPct val="115000"/>
+                        </a:lnSpc>
+                        <a:spcAft>
+                          <a:spcPts val="0"/>
                         </a:spcAft>
                       </a:pPr>
                       <a:r>
@@ -5017,14 +5253,34 @@
                           <a:ea typeface="Calibri"/>
                           <a:cs typeface="Times New Roman"/>
                         </a:rPr>
+                        <a:t>É paga?</a:t>
+                      </a:r>
+                    </a:p>
+                  </a:txBody>
+                  <a:tcPr marL="68580" marR="68580" marT="0" marB="0"/>
+                </a:tc>
+                <a:tc>
+                  <a:txBody>
+                    <a:bodyPr/>
+                    <a:lstStyle/>
+                    <a:p>
+                      <a:pPr algn="ctr">
+                        <a:lnSpc>
+                          <a:spcPct val="115000"/>
+                        </a:lnSpc>
+                        <a:spcAft>
+                          <a:spcPts val="0"/>
+                        </a:spcAft>
+                      </a:pPr>
+                      <a:r>
+                        <a:rPr lang="pt-PT" sz="1600" dirty="0">
+                          <a:effectLst/>
+                          <a:latin typeface="+mj-lt"/>
+                          <a:ea typeface="Calibri"/>
+                          <a:cs typeface="Times New Roman"/>
+                        </a:rPr>
                         <a:t> </a:t>
                       </a:r>
-                      <a:endParaRPr lang="pt-PT" sz="1600">
-                        <a:effectLst/>
-                        <a:latin typeface="+mj-lt"/>
-                        <a:ea typeface="Calibri"/>
-                        <a:cs typeface="Times New Roman"/>
-                      </a:endParaRPr>
                     </a:p>
                   </a:txBody>
                   <a:tcPr marL="68580" marR="68580" marT="0" marB="0"/>
@@ -5036,10 +5292,38 @@
                     <a:p>
                       <a:pPr algn="ctr">
                         <a:lnSpc>
-                          <a:spcPct val="106000"/>
-                        </a:lnSpc>
-                        <a:spcAft>
-                          <a:spcPts val="800"/>
+                          <a:spcPct val="115000"/>
+                        </a:lnSpc>
+                        <a:spcAft>
+                          <a:spcPts val="0"/>
+                        </a:spcAft>
+                      </a:pPr>
+                      <a:r>
+                        <a:rPr lang="pt-PT" sz="1600">
+                          <a:effectLst/>
+                          <a:latin typeface="+mj-lt"/>
+                          <a:ea typeface="Calibri"/>
+                          <a:cs typeface="Times New Roman"/>
+                        </a:rPr>
+                        <a:t>X</a:t>
+                      </a:r>
+                    </a:p>
+                  </a:txBody>
+                  <a:tcPr marL="68580" marR="68580" marT="0" marB="0"/>
+                </a:tc>
+              </a:tr>
+              <a:tr h="358902">
+                <a:tc>
+                  <a:txBody>
+                    <a:bodyPr/>
+                    <a:lstStyle/>
+                    <a:p>
+                      <a:pPr algn="l">
+                        <a:lnSpc>
+                          <a:spcPct val="115000"/>
+                        </a:lnSpc>
+                        <a:spcAft>
+                          <a:spcPts val="0"/>
                         </a:spcAft>
                       </a:pPr>
                       <a:r>
@@ -5049,31 +5333,637 @@
                           <a:ea typeface="Calibri"/>
                           <a:cs typeface="Times New Roman"/>
                         </a:rPr>
+                        <a:t>Tem registo de utilizadores?</a:t>
+                      </a:r>
+                    </a:p>
+                  </a:txBody>
+                  <a:tcPr marL="68580" marR="68580" marT="0" marB="0"/>
+                </a:tc>
+                <a:tc>
+                  <a:txBody>
+                    <a:bodyPr/>
+                    <a:lstStyle/>
+                    <a:p>
+                      <a:pPr algn="ctr">
+                        <a:lnSpc>
+                          <a:spcPct val="115000"/>
+                        </a:lnSpc>
+                        <a:spcAft>
+                          <a:spcPts val="0"/>
+                        </a:spcAft>
+                      </a:pPr>
+                      <a:r>
+                        <a:rPr lang="pt-PT" sz="1600" dirty="0">
+                          <a:effectLst/>
+                          <a:latin typeface="+mj-lt"/>
+                          <a:ea typeface="Calibri"/>
+                          <a:cs typeface="Times New Roman"/>
+                        </a:rPr>
                         <a:t>X</a:t>
                       </a:r>
-                      <a:endParaRPr lang="pt-PT" sz="1600">
-                        <a:effectLst/>
-                        <a:latin typeface="+mj-lt"/>
-                        <a:ea typeface="Calibri"/>
-                        <a:cs typeface="Times New Roman"/>
-                      </a:endParaRPr>
+                    </a:p>
+                  </a:txBody>
+                  <a:tcPr marL="68580" marR="68580" marT="0" marB="0"/>
+                </a:tc>
+                <a:tc>
+                  <a:txBody>
+                    <a:bodyPr/>
+                    <a:lstStyle/>
+                    <a:p>
+                      <a:pPr algn="ctr">
+                        <a:lnSpc>
+                          <a:spcPct val="115000"/>
+                        </a:lnSpc>
+                        <a:spcAft>
+                          <a:spcPts val="0"/>
+                        </a:spcAft>
+                      </a:pPr>
+                      <a:r>
+                        <a:rPr lang="pt-PT" sz="1600">
+                          <a:effectLst/>
+                          <a:latin typeface="+mj-lt"/>
+                          <a:ea typeface="Calibri"/>
+                          <a:cs typeface="Times New Roman"/>
+                        </a:rPr>
+                        <a:t> </a:t>
+                      </a:r>
                     </a:p>
                   </a:txBody>
                   <a:tcPr marL="68580" marR="68580" marT="0" marB="0"/>
                 </a:tc>
               </a:tr>
-              <a:tr h="391559">
-                <a:tc>
-                  <a:txBody>
-                    <a:bodyPr/>
-                    <a:lstStyle/>
-                    <a:p>
-                      <a:pPr algn="just">
-                        <a:lnSpc>
-                          <a:spcPct val="106000"/>
-                        </a:lnSpc>
-                        <a:spcAft>
-                          <a:spcPts val="800"/>
+              <a:tr h="358902">
+                <a:tc>
+                  <a:txBody>
+                    <a:bodyPr/>
+                    <a:lstStyle/>
+                    <a:p>
+                      <a:pPr algn="l">
+                        <a:lnSpc>
+                          <a:spcPct val="115000"/>
+                        </a:lnSpc>
+                        <a:spcAft>
+                          <a:spcPts val="0"/>
+                        </a:spcAft>
+                      </a:pPr>
+                      <a:r>
+                        <a:rPr lang="pt-PT" sz="1200">
+                          <a:effectLst/>
+                          <a:latin typeface="+mj-lt"/>
+                          <a:ea typeface="Calibri"/>
+                          <a:cs typeface="Times New Roman"/>
+                        </a:rPr>
+                        <a:t>É open-source?</a:t>
+                      </a:r>
+                    </a:p>
+                  </a:txBody>
+                  <a:tcPr marL="68580" marR="68580" marT="0" marB="0"/>
+                </a:tc>
+                <a:tc>
+                  <a:txBody>
+                    <a:bodyPr/>
+                    <a:lstStyle/>
+                    <a:p>
+                      <a:pPr algn="ctr">
+                        <a:lnSpc>
+                          <a:spcPct val="115000"/>
+                        </a:lnSpc>
+                        <a:spcAft>
+                          <a:spcPts val="0"/>
+                        </a:spcAft>
+                      </a:pPr>
+                      <a:r>
+                        <a:rPr lang="pt-PT" sz="1600">
+                          <a:effectLst/>
+                          <a:latin typeface="+mj-lt"/>
+                          <a:ea typeface="Calibri"/>
+                          <a:cs typeface="Times New Roman"/>
+                        </a:rPr>
+                        <a:t> </a:t>
+                      </a:r>
+                    </a:p>
+                  </a:txBody>
+                  <a:tcPr marL="68580" marR="68580" marT="0" marB="0"/>
+                </a:tc>
+                <a:tc>
+                  <a:txBody>
+                    <a:bodyPr/>
+                    <a:lstStyle/>
+                    <a:p>
+                      <a:pPr algn="ctr">
+                        <a:lnSpc>
+                          <a:spcPct val="115000"/>
+                        </a:lnSpc>
+                        <a:spcAft>
+                          <a:spcPts val="0"/>
+                        </a:spcAft>
+                      </a:pPr>
+                      <a:r>
+                        <a:rPr lang="pt-PT" sz="1600" dirty="0">
+                          <a:effectLst/>
+                          <a:latin typeface="+mj-lt"/>
+                          <a:ea typeface="Calibri"/>
+                          <a:cs typeface="Times New Roman"/>
+                        </a:rPr>
+                        <a:t>X</a:t>
+                      </a:r>
+                    </a:p>
+                  </a:txBody>
+                  <a:tcPr marL="68580" marR="68580" marT="0" marB="0"/>
+                </a:tc>
+              </a:tr>
+              <a:tr h="358902">
+                <a:tc>
+                  <a:txBody>
+                    <a:bodyPr/>
+                    <a:lstStyle/>
+                    <a:p>
+                      <a:pPr algn="l">
+                        <a:lnSpc>
+                          <a:spcPct val="115000"/>
+                        </a:lnSpc>
+                        <a:spcAft>
+                          <a:spcPts val="0"/>
+                        </a:spcAft>
+                      </a:pPr>
+                      <a:r>
+                        <a:rPr lang="pt-PT" sz="1200">
+                          <a:effectLst/>
+                          <a:latin typeface="+mj-lt"/>
+                          <a:ea typeface="Calibri"/>
+                          <a:cs typeface="Times New Roman"/>
+                        </a:rPr>
+                        <a:t>Permite a duplicação de pedidos?</a:t>
+                      </a:r>
+                    </a:p>
+                  </a:txBody>
+                  <a:tcPr marL="68580" marR="68580" marT="0" marB="0"/>
+                </a:tc>
+                <a:tc>
+                  <a:txBody>
+                    <a:bodyPr/>
+                    <a:lstStyle/>
+                    <a:p>
+                      <a:pPr algn="ctr">
+                        <a:lnSpc>
+                          <a:spcPct val="115000"/>
+                        </a:lnSpc>
+                        <a:spcAft>
+                          <a:spcPts val="0"/>
+                        </a:spcAft>
+                      </a:pPr>
+                      <a:r>
+                        <a:rPr lang="pt-PT" sz="1600">
+                          <a:effectLst/>
+                          <a:latin typeface="+mj-lt"/>
+                          <a:ea typeface="Calibri"/>
+                          <a:cs typeface="Times New Roman"/>
+                        </a:rPr>
+                        <a:t> </a:t>
+                      </a:r>
+                    </a:p>
+                  </a:txBody>
+                  <a:tcPr marL="68580" marR="68580" marT="0" marB="0"/>
+                </a:tc>
+                <a:tc>
+                  <a:txBody>
+                    <a:bodyPr/>
+                    <a:lstStyle/>
+                    <a:p>
+                      <a:pPr algn="ctr">
+                        <a:lnSpc>
+                          <a:spcPct val="115000"/>
+                        </a:lnSpc>
+                        <a:spcAft>
+                          <a:spcPts val="0"/>
+                        </a:spcAft>
+                      </a:pPr>
+                      <a:r>
+                        <a:rPr lang="pt-PT" sz="1600" dirty="0">
+                          <a:effectLst/>
+                          <a:latin typeface="+mj-lt"/>
+                          <a:ea typeface="Calibri"/>
+                          <a:cs typeface="Times New Roman"/>
+                        </a:rPr>
+                        <a:t>X</a:t>
+                      </a:r>
+                    </a:p>
+                  </a:txBody>
+                  <a:tcPr marL="68580" marR="68580" marT="0" marB="0"/>
+                </a:tc>
+              </a:tr>
+              <a:tr h="436588">
+                <a:tc>
+                  <a:txBody>
+                    <a:bodyPr/>
+                    <a:lstStyle/>
+                    <a:p>
+                      <a:pPr algn="l">
+                        <a:lnSpc>
+                          <a:spcPct val="115000"/>
+                        </a:lnSpc>
+                        <a:spcAft>
+                          <a:spcPts val="0"/>
+                        </a:spcAft>
+                      </a:pPr>
+                      <a:r>
+                        <a:rPr lang="pt-PT" sz="1200">
+                          <a:effectLst/>
+                          <a:latin typeface="+mj-lt"/>
+                          <a:ea typeface="Calibri"/>
+                          <a:cs typeface="Times New Roman"/>
+                        </a:rPr>
+                        <a:t>Permite editar ofertas depois de anunciadas?</a:t>
+                      </a:r>
+                    </a:p>
+                  </a:txBody>
+                  <a:tcPr marL="68580" marR="68580" marT="0" marB="0"/>
+                </a:tc>
+                <a:tc>
+                  <a:txBody>
+                    <a:bodyPr/>
+                    <a:lstStyle/>
+                    <a:p>
+                      <a:pPr algn="ctr">
+                        <a:lnSpc>
+                          <a:spcPct val="115000"/>
+                        </a:lnSpc>
+                        <a:spcAft>
+                          <a:spcPts val="0"/>
+                        </a:spcAft>
+                      </a:pPr>
+                      <a:r>
+                        <a:rPr lang="pt-PT" sz="1600">
+                          <a:effectLst/>
+                          <a:latin typeface="+mj-lt"/>
+                          <a:ea typeface="Calibri"/>
+                          <a:cs typeface="Times New Roman"/>
+                        </a:rPr>
+                        <a:t> </a:t>
+                      </a:r>
+                    </a:p>
+                  </a:txBody>
+                  <a:tcPr marL="68580" marR="68580" marT="0" marB="0"/>
+                </a:tc>
+                <a:tc>
+                  <a:txBody>
+                    <a:bodyPr/>
+                    <a:lstStyle/>
+                    <a:p>
+                      <a:pPr algn="ctr">
+                        <a:lnSpc>
+                          <a:spcPct val="115000"/>
+                        </a:lnSpc>
+                        <a:spcAft>
+                          <a:spcPts val="0"/>
+                        </a:spcAft>
+                      </a:pPr>
+                      <a:r>
+                        <a:rPr lang="pt-PT" sz="1600" dirty="0">
+                          <a:effectLst/>
+                          <a:latin typeface="+mj-lt"/>
+                          <a:ea typeface="Calibri"/>
+                          <a:cs typeface="Times New Roman"/>
+                        </a:rPr>
+                        <a:t>X</a:t>
+                      </a:r>
+                    </a:p>
+                  </a:txBody>
+                  <a:tcPr marL="68580" marR="68580" marT="0" marB="0"/>
+                </a:tc>
+              </a:tr>
+              <a:tr h="436588">
+                <a:tc>
+                  <a:txBody>
+                    <a:bodyPr/>
+                    <a:lstStyle/>
+                    <a:p>
+                      <a:pPr algn="l">
+                        <a:lnSpc>
+                          <a:spcPct val="115000"/>
+                        </a:lnSpc>
+                        <a:spcAft>
+                          <a:spcPts val="0"/>
+                        </a:spcAft>
+                      </a:pPr>
+                      <a:r>
+                        <a:rPr lang="pt-PT" sz="1200">
+                          <a:effectLst/>
+                          <a:latin typeface="+mj-lt"/>
+                          <a:ea typeface="Calibri"/>
+                          <a:cs typeface="Times New Roman"/>
+                        </a:rPr>
+                        <a:t>Permite a criação de grupos de utilizadores?</a:t>
+                      </a:r>
+                    </a:p>
+                  </a:txBody>
+                  <a:tcPr marL="68580" marR="68580" marT="0" marB="0"/>
+                </a:tc>
+                <a:tc>
+                  <a:txBody>
+                    <a:bodyPr/>
+                    <a:lstStyle/>
+                    <a:p>
+                      <a:pPr algn="ctr">
+                        <a:lnSpc>
+                          <a:spcPct val="115000"/>
+                        </a:lnSpc>
+                        <a:spcAft>
+                          <a:spcPts val="0"/>
+                        </a:spcAft>
+                      </a:pPr>
+                      <a:r>
+                        <a:rPr lang="pt-PT" sz="1600" dirty="0">
+                          <a:effectLst/>
+                          <a:latin typeface="+mj-lt"/>
+                          <a:ea typeface="Calibri"/>
+                          <a:cs typeface="Times New Roman"/>
+                        </a:rPr>
+                        <a:t> </a:t>
+                      </a:r>
+                    </a:p>
+                  </a:txBody>
+                  <a:tcPr marL="68580" marR="68580" marT="0" marB="0"/>
+                </a:tc>
+                <a:tc>
+                  <a:txBody>
+                    <a:bodyPr/>
+                    <a:lstStyle/>
+                    <a:p>
+                      <a:pPr algn="ctr">
+                        <a:lnSpc>
+                          <a:spcPct val="115000"/>
+                        </a:lnSpc>
+                        <a:spcAft>
+                          <a:spcPts val="0"/>
+                        </a:spcAft>
+                      </a:pPr>
+                      <a:r>
+                        <a:rPr lang="pt-PT" sz="1600" dirty="0">
+                          <a:effectLst/>
+                          <a:latin typeface="+mj-lt"/>
+                          <a:ea typeface="Calibri"/>
+                          <a:cs typeface="Times New Roman"/>
+                        </a:rPr>
+                        <a:t>X</a:t>
+                      </a:r>
+                    </a:p>
+                  </a:txBody>
+                  <a:tcPr marL="68580" marR="68580" marT="0" marB="0"/>
+                </a:tc>
+              </a:tr>
+              <a:tr h="436588">
+                <a:tc>
+                  <a:txBody>
+                    <a:bodyPr/>
+                    <a:lstStyle/>
+                    <a:p>
+                      <a:pPr algn="l">
+                        <a:lnSpc>
+                          <a:spcPct val="115000"/>
+                        </a:lnSpc>
+                        <a:spcAft>
+                          <a:spcPts val="0"/>
+                        </a:spcAft>
+                      </a:pPr>
+                      <a:r>
+                        <a:rPr lang="pt-PT" sz="1200">
+                          <a:effectLst/>
+                          <a:latin typeface="+mj-lt"/>
+                          <a:ea typeface="Calibri"/>
+                          <a:cs typeface="Times New Roman"/>
+                        </a:rPr>
+                        <a:t>Permite a criação de mapas de boleias?</a:t>
+                      </a:r>
+                    </a:p>
+                  </a:txBody>
+                  <a:tcPr marL="68580" marR="68580" marT="0" marB="0"/>
+                </a:tc>
+                <a:tc>
+                  <a:txBody>
+                    <a:bodyPr/>
+                    <a:lstStyle/>
+                    <a:p>
+                      <a:pPr algn="ctr">
+                        <a:lnSpc>
+                          <a:spcPct val="115000"/>
+                        </a:lnSpc>
+                        <a:spcAft>
+                          <a:spcPts val="0"/>
+                        </a:spcAft>
+                      </a:pPr>
+                      <a:r>
+                        <a:rPr lang="pt-PT" sz="1600">
+                          <a:effectLst/>
+                          <a:latin typeface="+mj-lt"/>
+                          <a:ea typeface="Calibri"/>
+                          <a:cs typeface="Times New Roman"/>
+                        </a:rPr>
+                        <a:t> </a:t>
+                      </a:r>
+                    </a:p>
+                  </a:txBody>
+                  <a:tcPr marL="68580" marR="68580" marT="0" marB="0"/>
+                </a:tc>
+                <a:tc>
+                  <a:txBody>
+                    <a:bodyPr/>
+                    <a:lstStyle/>
+                    <a:p>
+                      <a:pPr algn="ctr">
+                        <a:lnSpc>
+                          <a:spcPct val="115000"/>
+                        </a:lnSpc>
+                        <a:spcAft>
+                          <a:spcPts val="0"/>
+                        </a:spcAft>
+                      </a:pPr>
+                      <a:r>
+                        <a:rPr lang="pt-PT" sz="1600" dirty="0">
+                          <a:effectLst/>
+                          <a:latin typeface="+mj-lt"/>
+                          <a:ea typeface="Calibri"/>
+                          <a:cs typeface="Times New Roman"/>
+                        </a:rPr>
+                        <a:t>X</a:t>
+                      </a:r>
+                    </a:p>
+                  </a:txBody>
+                  <a:tcPr marL="68580" marR="68580" marT="0" marB="0"/>
+                </a:tc>
+              </a:tr>
+              <a:tr h="436588">
+                <a:tc>
+                  <a:txBody>
+                    <a:bodyPr/>
+                    <a:lstStyle/>
+                    <a:p>
+                      <a:pPr algn="l">
+                        <a:lnSpc>
+                          <a:spcPct val="115000"/>
+                        </a:lnSpc>
+                        <a:spcAft>
+                          <a:spcPts val="0"/>
+                        </a:spcAft>
+                      </a:pPr>
+                      <a:r>
+                        <a:rPr lang="pt-PT" sz="1200">
+                          <a:effectLst/>
+                          <a:latin typeface="+mj-lt"/>
+                          <a:ea typeface="Calibri"/>
+                          <a:cs typeface="Times New Roman"/>
+                        </a:rPr>
+                        <a:t>Consigo duplicar ofertas a longo prazo?</a:t>
+                      </a:r>
+                    </a:p>
+                  </a:txBody>
+                  <a:tcPr marL="68580" marR="68580" marT="0" marB="0"/>
+                </a:tc>
+                <a:tc>
+                  <a:txBody>
+                    <a:bodyPr/>
+                    <a:lstStyle/>
+                    <a:p>
+                      <a:pPr algn="ctr">
+                        <a:lnSpc>
+                          <a:spcPct val="115000"/>
+                        </a:lnSpc>
+                        <a:spcAft>
+                          <a:spcPts val="0"/>
+                        </a:spcAft>
+                      </a:pPr>
+                      <a:r>
+                        <a:rPr lang="pt-PT" sz="1600" dirty="0">
+                          <a:effectLst/>
+                          <a:latin typeface="+mj-lt"/>
+                          <a:ea typeface="Calibri"/>
+                          <a:cs typeface="Times New Roman"/>
+                        </a:rPr>
+                        <a:t> </a:t>
+                      </a:r>
+                    </a:p>
+                  </a:txBody>
+                  <a:tcPr marL="68580" marR="68580" marT="0" marB="0"/>
+                </a:tc>
+                <a:tc>
+                  <a:txBody>
+                    <a:bodyPr/>
+                    <a:lstStyle/>
+                    <a:p>
+                      <a:pPr algn="ctr">
+                        <a:lnSpc>
+                          <a:spcPct val="115000"/>
+                        </a:lnSpc>
+                        <a:spcAft>
+                          <a:spcPts val="0"/>
+                        </a:spcAft>
+                      </a:pPr>
+                      <a:r>
+                        <a:rPr lang="pt-PT" sz="1600" dirty="0">
+                          <a:effectLst/>
+                          <a:latin typeface="+mj-lt"/>
+                          <a:ea typeface="Calibri"/>
+                          <a:cs typeface="Times New Roman"/>
+                        </a:rPr>
+                        <a:t>X</a:t>
+                      </a:r>
+                    </a:p>
+                  </a:txBody>
+                  <a:tcPr marL="68580" marR="68580" marT="0" marB="0"/>
+                </a:tc>
+              </a:tr>
+              <a:tr h="485208">
+                <a:tc>
+                  <a:txBody>
+                    <a:bodyPr/>
+                    <a:lstStyle/>
+                    <a:p>
+                      <a:pPr algn="l">
+                        <a:lnSpc>
+                          <a:spcPct val="115000"/>
+                        </a:lnSpc>
+                        <a:spcAft>
+                          <a:spcPts val="0"/>
+                        </a:spcAft>
+                      </a:pPr>
+                      <a:r>
+                        <a:rPr lang="pt-PT" sz="1200">
+                          <a:effectLst/>
+                          <a:latin typeface="+mj-lt"/>
+                          <a:ea typeface="Calibri"/>
+                          <a:cs typeface="Times New Roman"/>
+                        </a:rPr>
+                        <a:t>Consigo reservar várias viagens a longo prazo?</a:t>
+                      </a:r>
+                    </a:p>
+                  </a:txBody>
+                  <a:tcPr marL="68580" marR="68580" marT="0" marB="0"/>
+                </a:tc>
+                <a:tc>
+                  <a:txBody>
+                    <a:bodyPr/>
+                    <a:lstStyle/>
+                    <a:p>
+                      <a:pPr algn="ctr">
+                        <a:lnSpc>
+                          <a:spcPct val="115000"/>
+                        </a:lnSpc>
+                        <a:spcAft>
+                          <a:spcPts val="0"/>
+                        </a:spcAft>
+                      </a:pPr>
+                      <a:r>
+                        <a:rPr lang="pt-PT" sz="1600">
+                          <a:effectLst/>
+                          <a:latin typeface="+mj-lt"/>
+                          <a:ea typeface="Calibri"/>
+                          <a:cs typeface="Times New Roman"/>
+                        </a:rPr>
+                        <a:t> </a:t>
+                      </a:r>
+                    </a:p>
+                  </a:txBody>
+                  <a:tcPr marL="68580" marR="68580" marT="0" marB="0"/>
+                </a:tc>
+                <a:tc>
+                  <a:txBody>
+                    <a:bodyPr/>
+                    <a:lstStyle/>
+                    <a:p>
+                      <a:pPr algn="ctr">
+                        <a:lnSpc>
+                          <a:spcPct val="115000"/>
+                        </a:lnSpc>
+                        <a:spcAft>
+                          <a:spcPts val="0"/>
+                        </a:spcAft>
+                      </a:pPr>
+                      <a:r>
+                        <a:rPr lang="pt-PT" sz="1600" dirty="0">
+                          <a:effectLst/>
+                          <a:latin typeface="+mj-lt"/>
+                          <a:ea typeface="Calibri"/>
+                          <a:cs typeface="Times New Roman"/>
+                        </a:rPr>
+                        <a:t>X</a:t>
+                      </a:r>
+                    </a:p>
+                  </a:txBody>
+                  <a:tcPr marL="68580" marR="68580" marT="0" marB="0"/>
+                </a:tc>
+              </a:tr>
+              <a:tr h="272161">
+                <a:tc>
+                  <a:txBody>
+                    <a:bodyPr/>
+                    <a:lstStyle/>
+                    <a:p>
+                      <a:pPr algn="l">
+                        <a:lnSpc>
+                          <a:spcPct val="115000"/>
+                        </a:lnSpc>
+                        <a:spcAft>
+                          <a:spcPts val="0"/>
                         </a:spcAft>
                       </a:pPr>
                       <a:r>
@@ -5083,14 +5973,8 @@
                           <a:ea typeface="Calibri"/>
                           <a:cs typeface="Times New Roman"/>
                         </a:rPr>
-                        <a:t>É paga?</a:t>
-                      </a:r>
-                      <a:endParaRPr lang="pt-PT" sz="1600" dirty="0">
-                        <a:effectLst/>
-                        <a:latin typeface="+mj-lt"/>
-                        <a:ea typeface="Calibri"/>
-                        <a:cs typeface="Times New Roman"/>
-                      </a:endParaRPr>
+                        <a:t>Tem aplicação móvel?</a:t>
+                      </a:r>
                     </a:p>
                   </a:txBody>
                   <a:tcPr marL="68580" marR="68580" marT="0" marB="0"/>
@@ -5102,14 +5986,40 @@
                     <a:p>
                       <a:pPr algn="ctr">
                         <a:lnSpc>
-                          <a:spcPct val="106000"/>
-                        </a:lnSpc>
-                        <a:spcAft>
-                          <a:spcPts val="800"/>
-                        </a:spcAft>
-                      </a:pPr>
-                      <a:r>
-                        <a:rPr lang="pt-PT" sz="1200">
+                          <a:spcPct val="115000"/>
+                        </a:lnSpc>
+                        <a:spcAft>
+                          <a:spcPts val="0"/>
+                        </a:spcAft>
+                      </a:pPr>
+                      <a:r>
+                        <a:rPr lang="pt-PT" sz="1600" dirty="0">
+                          <a:effectLst/>
+                          <a:latin typeface="+mj-lt"/>
+                          <a:ea typeface="Calibri"/>
+                          <a:cs typeface="Times New Roman"/>
+                        </a:rPr>
+                        <a:t>X</a:t>
+                      </a:r>
+                    </a:p>
+                  </a:txBody>
+                  <a:tcPr marL="68580" marR="68580" marT="0" marB="0"/>
+                </a:tc>
+                <a:tc>
+                  <a:txBody>
+                    <a:bodyPr/>
+                    <a:lstStyle/>
+                    <a:p>
+                      <a:pPr algn="ctr">
+                        <a:lnSpc>
+                          <a:spcPct val="115000"/>
+                        </a:lnSpc>
+                        <a:spcAft>
+                          <a:spcPts val="0"/>
+                        </a:spcAft>
+                      </a:pPr>
+                      <a:r>
+                        <a:rPr lang="pt-PT" sz="1600" dirty="0">
                           <a:effectLst/>
                           <a:latin typeface="+mj-lt"/>
                           <a:ea typeface="Calibri"/>
@@ -5117,944 +6027,6 @@
                         </a:rPr>
                         <a:t> </a:t>
                       </a:r>
-                      <a:endParaRPr lang="pt-PT" sz="1600">
-                        <a:effectLst/>
-                        <a:latin typeface="+mj-lt"/>
-                        <a:ea typeface="Calibri"/>
-                        <a:cs typeface="Times New Roman"/>
-                      </a:endParaRPr>
-                    </a:p>
-                  </a:txBody>
-                  <a:tcPr marL="68580" marR="68580" marT="0" marB="0"/>
-                </a:tc>
-                <a:tc>
-                  <a:txBody>
-                    <a:bodyPr/>
-                    <a:lstStyle/>
-                    <a:p>
-                      <a:pPr algn="ctr">
-                        <a:lnSpc>
-                          <a:spcPct val="106000"/>
-                        </a:lnSpc>
-                        <a:spcAft>
-                          <a:spcPts val="800"/>
-                        </a:spcAft>
-                      </a:pPr>
-                      <a:r>
-                        <a:rPr lang="pt-PT" sz="1200">
-                          <a:effectLst/>
-                          <a:latin typeface="+mj-lt"/>
-                          <a:ea typeface="Calibri"/>
-                          <a:cs typeface="Times New Roman"/>
-                        </a:rPr>
-                        <a:t>X</a:t>
-                      </a:r>
-                      <a:endParaRPr lang="pt-PT" sz="1600">
-                        <a:effectLst/>
-                        <a:latin typeface="+mj-lt"/>
-                        <a:ea typeface="Calibri"/>
-                        <a:cs typeface="Times New Roman"/>
-                      </a:endParaRPr>
-                    </a:p>
-                  </a:txBody>
-                  <a:tcPr marL="68580" marR="68580" marT="0" marB="0"/>
-                </a:tc>
-              </a:tr>
-              <a:tr h="391559">
-                <a:tc>
-                  <a:txBody>
-                    <a:bodyPr/>
-                    <a:lstStyle/>
-                    <a:p>
-                      <a:pPr algn="just">
-                        <a:lnSpc>
-                          <a:spcPct val="106000"/>
-                        </a:lnSpc>
-                        <a:spcAft>
-                          <a:spcPts val="800"/>
-                        </a:spcAft>
-                      </a:pPr>
-                      <a:r>
-                        <a:rPr lang="pt-PT" sz="1200">
-                          <a:effectLst/>
-                          <a:latin typeface="+mj-lt"/>
-                          <a:ea typeface="Calibri"/>
-                          <a:cs typeface="Times New Roman"/>
-                        </a:rPr>
-                        <a:t>Tem registo gratuito?</a:t>
-                      </a:r>
-                      <a:endParaRPr lang="pt-PT" sz="1600">
-                        <a:effectLst/>
-                        <a:latin typeface="+mj-lt"/>
-                        <a:ea typeface="Calibri"/>
-                        <a:cs typeface="Times New Roman"/>
-                      </a:endParaRPr>
-                    </a:p>
-                  </a:txBody>
-                  <a:tcPr marL="68580" marR="68580" marT="0" marB="0"/>
-                </a:tc>
-                <a:tc>
-                  <a:txBody>
-                    <a:bodyPr/>
-                    <a:lstStyle/>
-                    <a:p>
-                      <a:pPr algn="ctr">
-                        <a:lnSpc>
-                          <a:spcPct val="106000"/>
-                        </a:lnSpc>
-                        <a:spcAft>
-                          <a:spcPts val="800"/>
-                        </a:spcAft>
-                      </a:pPr>
-                      <a:r>
-                        <a:rPr lang="pt-PT" sz="1200" dirty="0">
-                          <a:effectLst/>
-                          <a:latin typeface="+mj-lt"/>
-                          <a:ea typeface="Calibri"/>
-                          <a:cs typeface="Times New Roman"/>
-                        </a:rPr>
-                        <a:t>X</a:t>
-                      </a:r>
-                      <a:endParaRPr lang="pt-PT" sz="1600" dirty="0">
-                        <a:effectLst/>
-                        <a:latin typeface="+mj-lt"/>
-                        <a:ea typeface="Calibri"/>
-                        <a:cs typeface="Times New Roman"/>
-                      </a:endParaRPr>
-                    </a:p>
-                  </a:txBody>
-                  <a:tcPr marL="68580" marR="68580" marT="0" marB="0"/>
-                </a:tc>
-                <a:tc>
-                  <a:txBody>
-                    <a:bodyPr/>
-                    <a:lstStyle/>
-                    <a:p>
-                      <a:pPr algn="ctr">
-                        <a:lnSpc>
-                          <a:spcPct val="106000"/>
-                        </a:lnSpc>
-                        <a:spcAft>
-                          <a:spcPts val="800"/>
-                        </a:spcAft>
-                      </a:pPr>
-                      <a:r>
-                        <a:rPr lang="pt-PT" sz="1200">
-                          <a:effectLst/>
-                          <a:latin typeface="+mj-lt"/>
-                          <a:ea typeface="Calibri"/>
-                          <a:cs typeface="Times New Roman"/>
-                        </a:rPr>
-                        <a:t> </a:t>
-                      </a:r>
-                      <a:endParaRPr lang="pt-PT" sz="1600">
-                        <a:effectLst/>
-                        <a:latin typeface="+mj-lt"/>
-                        <a:ea typeface="Calibri"/>
-                        <a:cs typeface="Times New Roman"/>
-                      </a:endParaRPr>
-                    </a:p>
-                  </a:txBody>
-                  <a:tcPr marL="68580" marR="68580" marT="0" marB="0"/>
-                </a:tc>
-              </a:tr>
-              <a:tr h="391559">
-                <a:tc>
-                  <a:txBody>
-                    <a:bodyPr/>
-                    <a:lstStyle/>
-                    <a:p>
-                      <a:pPr algn="just">
-                        <a:lnSpc>
-                          <a:spcPct val="106000"/>
-                        </a:lnSpc>
-                        <a:spcAft>
-                          <a:spcPts val="800"/>
-                        </a:spcAft>
-                      </a:pPr>
-                      <a:r>
-                        <a:rPr lang="pt-PT" sz="1200">
-                          <a:effectLst/>
-                          <a:latin typeface="+mj-lt"/>
-                          <a:ea typeface="Calibri"/>
-                          <a:cs typeface="Times New Roman"/>
-                        </a:rPr>
-                        <a:t>É </a:t>
-                      </a:r>
-                      <a:r>
-                        <a:rPr lang="pt-PT" sz="1200" i="1">
-                          <a:effectLst/>
-                          <a:latin typeface="+mj-lt"/>
-                          <a:ea typeface="Calibri"/>
-                          <a:cs typeface="Times New Roman"/>
-                        </a:rPr>
-                        <a:t>open-source</a:t>
-                      </a:r>
-                      <a:r>
-                        <a:rPr lang="pt-PT" sz="1200">
-                          <a:effectLst/>
-                          <a:latin typeface="+mj-lt"/>
-                          <a:ea typeface="Calibri"/>
-                          <a:cs typeface="Times New Roman"/>
-                        </a:rPr>
-                        <a:t>?</a:t>
-                      </a:r>
-                      <a:endParaRPr lang="pt-PT" sz="1600">
-                        <a:effectLst/>
-                        <a:latin typeface="+mj-lt"/>
-                        <a:ea typeface="Calibri"/>
-                        <a:cs typeface="Times New Roman"/>
-                      </a:endParaRPr>
-                    </a:p>
-                  </a:txBody>
-                  <a:tcPr marL="68580" marR="68580" marT="0" marB="0"/>
-                </a:tc>
-                <a:tc>
-                  <a:txBody>
-                    <a:bodyPr/>
-                    <a:lstStyle/>
-                    <a:p>
-                      <a:pPr algn="ctr">
-                        <a:lnSpc>
-                          <a:spcPct val="106000"/>
-                        </a:lnSpc>
-                        <a:spcAft>
-                          <a:spcPts val="800"/>
-                        </a:spcAft>
-                      </a:pPr>
-                      <a:r>
-                        <a:rPr lang="pt-PT" sz="1200" dirty="0">
-                          <a:effectLst/>
-                          <a:latin typeface="+mj-lt"/>
-                          <a:ea typeface="Calibri"/>
-                          <a:cs typeface="Times New Roman"/>
-                        </a:rPr>
-                        <a:t> </a:t>
-                      </a:r>
-                      <a:endParaRPr lang="pt-PT" sz="1600" dirty="0">
-                        <a:effectLst/>
-                        <a:latin typeface="+mj-lt"/>
-                        <a:ea typeface="Calibri"/>
-                        <a:cs typeface="Times New Roman"/>
-                      </a:endParaRPr>
-                    </a:p>
-                  </a:txBody>
-                  <a:tcPr marL="68580" marR="68580" marT="0" marB="0"/>
-                </a:tc>
-                <a:tc>
-                  <a:txBody>
-                    <a:bodyPr/>
-                    <a:lstStyle/>
-                    <a:p>
-                      <a:pPr algn="ctr">
-                        <a:lnSpc>
-                          <a:spcPct val="106000"/>
-                        </a:lnSpc>
-                        <a:spcAft>
-                          <a:spcPts val="800"/>
-                        </a:spcAft>
-                      </a:pPr>
-                      <a:r>
-                        <a:rPr lang="pt-PT" sz="1200">
-                          <a:effectLst/>
-                          <a:latin typeface="+mj-lt"/>
-                          <a:ea typeface="Calibri"/>
-                          <a:cs typeface="Times New Roman"/>
-                        </a:rPr>
-                        <a:t>X</a:t>
-                      </a:r>
-                      <a:endParaRPr lang="pt-PT" sz="1600">
-                        <a:effectLst/>
-                        <a:latin typeface="+mj-lt"/>
-                        <a:ea typeface="Calibri"/>
-                        <a:cs typeface="Times New Roman"/>
-                      </a:endParaRPr>
-                    </a:p>
-                  </a:txBody>
-                  <a:tcPr marL="68580" marR="68580" marT="0" marB="0"/>
-                </a:tc>
-              </a:tr>
-              <a:tr h="391559">
-                <a:tc>
-                  <a:txBody>
-                    <a:bodyPr/>
-                    <a:lstStyle/>
-                    <a:p>
-                      <a:pPr algn="just">
-                        <a:lnSpc>
-                          <a:spcPct val="106000"/>
-                        </a:lnSpc>
-                        <a:spcAft>
-                          <a:spcPts val="800"/>
-                        </a:spcAft>
-                      </a:pPr>
-                      <a:r>
-                        <a:rPr lang="pt-PT" sz="1200">
-                          <a:effectLst/>
-                          <a:latin typeface="+mj-lt"/>
-                          <a:ea typeface="Calibri"/>
-                          <a:cs typeface="Times New Roman"/>
-                        </a:rPr>
-                        <a:t>Permite pesquisar por pedidos?</a:t>
-                      </a:r>
-                      <a:endParaRPr lang="pt-PT" sz="1600">
-                        <a:effectLst/>
-                        <a:latin typeface="+mj-lt"/>
-                        <a:ea typeface="Calibri"/>
-                        <a:cs typeface="Times New Roman"/>
-                      </a:endParaRPr>
-                    </a:p>
-                  </a:txBody>
-                  <a:tcPr marL="68580" marR="68580" marT="0" marB="0"/>
-                </a:tc>
-                <a:tc>
-                  <a:txBody>
-                    <a:bodyPr/>
-                    <a:lstStyle/>
-                    <a:p>
-                      <a:pPr algn="ctr">
-                        <a:lnSpc>
-                          <a:spcPct val="106000"/>
-                        </a:lnSpc>
-                        <a:spcAft>
-                          <a:spcPts val="800"/>
-                        </a:spcAft>
-                      </a:pPr>
-                      <a:r>
-                        <a:rPr lang="pt-PT" sz="1200" dirty="0">
-                          <a:effectLst/>
-                          <a:latin typeface="+mj-lt"/>
-                          <a:ea typeface="Calibri"/>
-                          <a:cs typeface="Times New Roman"/>
-                        </a:rPr>
-                        <a:t>X</a:t>
-                      </a:r>
-                      <a:endParaRPr lang="pt-PT" sz="1600" dirty="0">
-                        <a:effectLst/>
-                        <a:latin typeface="+mj-lt"/>
-                        <a:ea typeface="Calibri"/>
-                        <a:cs typeface="Times New Roman"/>
-                      </a:endParaRPr>
-                    </a:p>
-                  </a:txBody>
-                  <a:tcPr marL="68580" marR="68580" marT="0" marB="0"/>
-                </a:tc>
-                <a:tc>
-                  <a:txBody>
-                    <a:bodyPr/>
-                    <a:lstStyle/>
-                    <a:p>
-                      <a:pPr algn="ctr">
-                        <a:lnSpc>
-                          <a:spcPct val="106000"/>
-                        </a:lnSpc>
-                        <a:spcAft>
-                          <a:spcPts val="800"/>
-                        </a:spcAft>
-                      </a:pPr>
-                      <a:r>
-                        <a:rPr lang="pt-PT" sz="1200">
-                          <a:effectLst/>
-                          <a:latin typeface="+mj-lt"/>
-                          <a:ea typeface="Calibri"/>
-                          <a:cs typeface="Times New Roman"/>
-                        </a:rPr>
-                        <a:t> </a:t>
-                      </a:r>
-                      <a:endParaRPr lang="pt-PT" sz="1600">
-                        <a:effectLst/>
-                        <a:latin typeface="+mj-lt"/>
-                        <a:ea typeface="Calibri"/>
-                        <a:cs typeface="Times New Roman"/>
-                      </a:endParaRPr>
-                    </a:p>
-                  </a:txBody>
-                  <a:tcPr marL="68580" marR="68580" marT="0" marB="0"/>
-                </a:tc>
-              </a:tr>
-              <a:tr h="391559">
-                <a:tc>
-                  <a:txBody>
-                    <a:bodyPr/>
-                    <a:lstStyle/>
-                    <a:p>
-                      <a:pPr algn="just">
-                        <a:lnSpc>
-                          <a:spcPct val="106000"/>
-                        </a:lnSpc>
-                        <a:spcAft>
-                          <a:spcPts val="800"/>
-                        </a:spcAft>
-                      </a:pPr>
-                      <a:r>
-                        <a:rPr lang="pt-PT" sz="1200">
-                          <a:effectLst/>
-                          <a:latin typeface="+mj-lt"/>
-                          <a:ea typeface="Calibri"/>
-                          <a:cs typeface="Times New Roman"/>
-                        </a:rPr>
-                        <a:t>Permite a duplicação de pedidos?</a:t>
-                      </a:r>
-                      <a:endParaRPr lang="pt-PT" sz="1600">
-                        <a:effectLst/>
-                        <a:latin typeface="+mj-lt"/>
-                        <a:ea typeface="Calibri"/>
-                        <a:cs typeface="Times New Roman"/>
-                      </a:endParaRPr>
-                    </a:p>
-                  </a:txBody>
-                  <a:tcPr marL="68580" marR="68580" marT="0" marB="0"/>
-                </a:tc>
-                <a:tc>
-                  <a:txBody>
-                    <a:bodyPr/>
-                    <a:lstStyle/>
-                    <a:p>
-                      <a:pPr algn="ctr">
-                        <a:lnSpc>
-                          <a:spcPct val="106000"/>
-                        </a:lnSpc>
-                        <a:spcAft>
-                          <a:spcPts val="800"/>
-                        </a:spcAft>
-                      </a:pPr>
-                      <a:r>
-                        <a:rPr lang="pt-PT" sz="1200" dirty="0">
-                          <a:effectLst/>
-                          <a:latin typeface="+mj-lt"/>
-                          <a:ea typeface="Calibri"/>
-                          <a:cs typeface="Times New Roman"/>
-                        </a:rPr>
-                        <a:t>X</a:t>
-                      </a:r>
-                      <a:endParaRPr lang="pt-PT" sz="1600" dirty="0">
-                        <a:effectLst/>
-                        <a:latin typeface="+mj-lt"/>
-                        <a:ea typeface="Calibri"/>
-                        <a:cs typeface="Times New Roman"/>
-                      </a:endParaRPr>
-                    </a:p>
-                  </a:txBody>
-                  <a:tcPr marL="68580" marR="68580" marT="0" marB="0"/>
-                </a:tc>
-                <a:tc>
-                  <a:txBody>
-                    <a:bodyPr/>
-                    <a:lstStyle/>
-                    <a:p>
-                      <a:pPr algn="ctr">
-                        <a:lnSpc>
-                          <a:spcPct val="106000"/>
-                        </a:lnSpc>
-                        <a:spcAft>
-                          <a:spcPts val="800"/>
-                        </a:spcAft>
-                      </a:pPr>
-                      <a:r>
-                        <a:rPr lang="pt-PT" sz="1200">
-                          <a:effectLst/>
-                          <a:latin typeface="+mj-lt"/>
-                          <a:ea typeface="Calibri"/>
-                          <a:cs typeface="Times New Roman"/>
-                        </a:rPr>
-                        <a:t> </a:t>
-                      </a:r>
-                      <a:endParaRPr lang="pt-PT" sz="1600">
-                        <a:effectLst/>
-                        <a:latin typeface="+mj-lt"/>
-                        <a:ea typeface="Calibri"/>
-                        <a:cs typeface="Times New Roman"/>
-                      </a:endParaRPr>
-                    </a:p>
-                  </a:txBody>
-                  <a:tcPr marL="68580" marR="68580" marT="0" marB="0"/>
-                </a:tc>
-              </a:tr>
-              <a:tr h="391626">
-                <a:tc>
-                  <a:txBody>
-                    <a:bodyPr/>
-                    <a:lstStyle/>
-                    <a:p>
-                      <a:pPr algn="just">
-                        <a:lnSpc>
-                          <a:spcPct val="106000"/>
-                        </a:lnSpc>
-                        <a:spcAft>
-                          <a:spcPts val="800"/>
-                        </a:spcAft>
-                      </a:pPr>
-                      <a:r>
-                        <a:rPr lang="pt-PT" sz="1200">
-                          <a:effectLst/>
-                          <a:latin typeface="+mj-lt"/>
-                          <a:ea typeface="Calibri"/>
-                          <a:cs typeface="Times New Roman"/>
-                        </a:rPr>
-                        <a:t>Permite editar ofertas depois de anunciadas?</a:t>
-                      </a:r>
-                      <a:endParaRPr lang="pt-PT" sz="1600">
-                        <a:effectLst/>
-                        <a:latin typeface="+mj-lt"/>
-                        <a:ea typeface="Calibri"/>
-                        <a:cs typeface="Times New Roman"/>
-                      </a:endParaRPr>
-                    </a:p>
-                  </a:txBody>
-                  <a:tcPr marL="68580" marR="68580" marT="0" marB="0"/>
-                </a:tc>
-                <a:tc>
-                  <a:txBody>
-                    <a:bodyPr/>
-                    <a:lstStyle/>
-                    <a:p>
-                      <a:pPr algn="ctr">
-                        <a:lnSpc>
-                          <a:spcPct val="106000"/>
-                        </a:lnSpc>
-                        <a:spcAft>
-                          <a:spcPts val="800"/>
-                        </a:spcAft>
-                      </a:pPr>
-                      <a:r>
-                        <a:rPr lang="pt-PT" sz="1200" dirty="0">
-                          <a:effectLst/>
-                          <a:latin typeface="+mj-lt"/>
-                          <a:ea typeface="Calibri"/>
-                          <a:cs typeface="Times New Roman"/>
-                        </a:rPr>
-                        <a:t> </a:t>
-                      </a:r>
-                      <a:endParaRPr lang="pt-PT" sz="1600" dirty="0">
-                        <a:effectLst/>
-                        <a:latin typeface="+mj-lt"/>
-                        <a:ea typeface="Calibri"/>
-                        <a:cs typeface="Times New Roman"/>
-                      </a:endParaRPr>
-                    </a:p>
-                  </a:txBody>
-                  <a:tcPr marL="68580" marR="68580" marT="0" marB="0"/>
-                </a:tc>
-                <a:tc>
-                  <a:txBody>
-                    <a:bodyPr/>
-                    <a:lstStyle/>
-                    <a:p>
-                      <a:pPr algn="ctr">
-                        <a:lnSpc>
-                          <a:spcPct val="106000"/>
-                        </a:lnSpc>
-                        <a:spcAft>
-                          <a:spcPts val="800"/>
-                        </a:spcAft>
-                      </a:pPr>
-                      <a:r>
-                        <a:rPr lang="pt-PT" sz="1200">
-                          <a:effectLst/>
-                          <a:latin typeface="+mj-lt"/>
-                          <a:ea typeface="Calibri"/>
-                          <a:cs typeface="Times New Roman"/>
-                        </a:rPr>
-                        <a:t>X</a:t>
-                      </a:r>
-                      <a:endParaRPr lang="pt-PT" sz="1600">
-                        <a:effectLst/>
-                        <a:latin typeface="+mj-lt"/>
-                        <a:ea typeface="Calibri"/>
-                        <a:cs typeface="Times New Roman"/>
-                      </a:endParaRPr>
-                    </a:p>
-                  </a:txBody>
-                  <a:tcPr marL="68580" marR="68580" marT="0" marB="0"/>
-                </a:tc>
-              </a:tr>
-              <a:tr h="391626">
-                <a:tc>
-                  <a:txBody>
-                    <a:bodyPr/>
-                    <a:lstStyle/>
-                    <a:p>
-                      <a:pPr algn="just">
-                        <a:lnSpc>
-                          <a:spcPct val="106000"/>
-                        </a:lnSpc>
-                        <a:spcAft>
-                          <a:spcPts val="800"/>
-                        </a:spcAft>
-                      </a:pPr>
-                      <a:r>
-                        <a:rPr lang="pt-PT" sz="1200">
-                          <a:effectLst/>
-                          <a:latin typeface="+mj-lt"/>
-                          <a:ea typeface="Calibri"/>
-                          <a:cs typeface="Times New Roman"/>
-                        </a:rPr>
-                        <a:t>Permite a criação de grupos de utilizadores?</a:t>
-                      </a:r>
-                      <a:endParaRPr lang="pt-PT" sz="1600">
-                        <a:effectLst/>
-                        <a:latin typeface="+mj-lt"/>
-                        <a:ea typeface="Calibri"/>
-                        <a:cs typeface="Times New Roman"/>
-                      </a:endParaRPr>
-                    </a:p>
-                  </a:txBody>
-                  <a:tcPr marL="68580" marR="68580" marT="0" marB="0"/>
-                </a:tc>
-                <a:tc>
-                  <a:txBody>
-                    <a:bodyPr/>
-                    <a:lstStyle/>
-                    <a:p>
-                      <a:pPr algn="ctr">
-                        <a:lnSpc>
-                          <a:spcPct val="106000"/>
-                        </a:lnSpc>
-                        <a:spcAft>
-                          <a:spcPts val="800"/>
-                        </a:spcAft>
-                      </a:pPr>
-                      <a:r>
-                        <a:rPr lang="pt-PT" sz="1200">
-                          <a:effectLst/>
-                          <a:latin typeface="+mj-lt"/>
-                          <a:ea typeface="Calibri"/>
-                          <a:cs typeface="Times New Roman"/>
-                        </a:rPr>
-                        <a:t> </a:t>
-                      </a:r>
-                      <a:endParaRPr lang="pt-PT" sz="1600">
-                        <a:effectLst/>
-                        <a:latin typeface="+mj-lt"/>
-                        <a:ea typeface="Calibri"/>
-                        <a:cs typeface="Times New Roman"/>
-                      </a:endParaRPr>
-                    </a:p>
-                  </a:txBody>
-                  <a:tcPr marL="68580" marR="68580" marT="0" marB="0"/>
-                </a:tc>
-                <a:tc>
-                  <a:txBody>
-                    <a:bodyPr/>
-                    <a:lstStyle/>
-                    <a:p>
-                      <a:pPr algn="ctr">
-                        <a:lnSpc>
-                          <a:spcPct val="106000"/>
-                        </a:lnSpc>
-                        <a:spcAft>
-                          <a:spcPts val="800"/>
-                        </a:spcAft>
-                      </a:pPr>
-                      <a:r>
-                        <a:rPr lang="pt-PT" sz="1200" dirty="0">
-                          <a:effectLst/>
-                          <a:latin typeface="+mj-lt"/>
-                          <a:ea typeface="Calibri"/>
-                          <a:cs typeface="Times New Roman"/>
-                        </a:rPr>
-                        <a:t>X</a:t>
-                      </a:r>
-                      <a:endParaRPr lang="pt-PT" sz="1600" dirty="0">
-                        <a:effectLst/>
-                        <a:latin typeface="+mj-lt"/>
-                        <a:ea typeface="Calibri"/>
-                        <a:cs typeface="Times New Roman"/>
-                      </a:endParaRPr>
-                    </a:p>
-                  </a:txBody>
-                  <a:tcPr marL="68580" marR="68580" marT="0" marB="0"/>
-                </a:tc>
-              </a:tr>
-              <a:tr h="391626">
-                <a:tc>
-                  <a:txBody>
-                    <a:bodyPr/>
-                    <a:lstStyle/>
-                    <a:p>
-                      <a:pPr algn="just">
-                        <a:lnSpc>
-                          <a:spcPct val="106000"/>
-                        </a:lnSpc>
-                        <a:spcAft>
-                          <a:spcPts val="800"/>
-                        </a:spcAft>
-                      </a:pPr>
-                      <a:r>
-                        <a:rPr lang="pt-PT" sz="1200">
-                          <a:effectLst/>
-                          <a:latin typeface="+mj-lt"/>
-                          <a:ea typeface="Calibri"/>
-                          <a:cs typeface="Times New Roman"/>
-                        </a:rPr>
-                        <a:t>Consigo enviar ofertas diretamente aos meus amigos?</a:t>
-                      </a:r>
-                      <a:endParaRPr lang="pt-PT" sz="1600">
-                        <a:effectLst/>
-                        <a:latin typeface="+mj-lt"/>
-                        <a:ea typeface="Calibri"/>
-                        <a:cs typeface="Times New Roman"/>
-                      </a:endParaRPr>
-                    </a:p>
-                  </a:txBody>
-                  <a:tcPr marL="68580" marR="68580" marT="0" marB="0"/>
-                </a:tc>
-                <a:tc>
-                  <a:txBody>
-                    <a:bodyPr/>
-                    <a:lstStyle/>
-                    <a:p>
-                      <a:pPr algn="ctr">
-                        <a:lnSpc>
-                          <a:spcPct val="106000"/>
-                        </a:lnSpc>
-                        <a:spcAft>
-                          <a:spcPts val="800"/>
-                        </a:spcAft>
-                      </a:pPr>
-                      <a:r>
-                        <a:rPr lang="pt-PT" sz="1200" dirty="0">
-                          <a:effectLst/>
-                          <a:latin typeface="+mj-lt"/>
-                          <a:ea typeface="Calibri"/>
-                          <a:cs typeface="Times New Roman"/>
-                        </a:rPr>
-                        <a:t> </a:t>
-                      </a:r>
-                      <a:endParaRPr lang="pt-PT" sz="1600" dirty="0">
-                        <a:effectLst/>
-                        <a:latin typeface="+mj-lt"/>
-                        <a:ea typeface="Calibri"/>
-                        <a:cs typeface="Times New Roman"/>
-                      </a:endParaRPr>
-                    </a:p>
-                  </a:txBody>
-                  <a:tcPr marL="68580" marR="68580" marT="0" marB="0"/>
-                </a:tc>
-                <a:tc>
-                  <a:txBody>
-                    <a:bodyPr/>
-                    <a:lstStyle/>
-                    <a:p>
-                      <a:pPr algn="ctr">
-                        <a:lnSpc>
-                          <a:spcPct val="106000"/>
-                        </a:lnSpc>
-                        <a:spcAft>
-                          <a:spcPts val="800"/>
-                        </a:spcAft>
-                      </a:pPr>
-                      <a:r>
-                        <a:rPr lang="pt-PT" sz="1200" dirty="0">
-                          <a:effectLst/>
-                          <a:latin typeface="+mj-lt"/>
-                          <a:ea typeface="Calibri"/>
-                          <a:cs typeface="Times New Roman"/>
-                        </a:rPr>
-                        <a:t>X</a:t>
-                      </a:r>
-                      <a:endParaRPr lang="pt-PT" sz="1600" dirty="0">
-                        <a:effectLst/>
-                        <a:latin typeface="+mj-lt"/>
-                        <a:ea typeface="Calibri"/>
-                        <a:cs typeface="Times New Roman"/>
-                      </a:endParaRPr>
-                    </a:p>
-                  </a:txBody>
-                  <a:tcPr marL="68580" marR="68580" marT="0" marB="0"/>
-                </a:tc>
-              </a:tr>
-              <a:tr h="391626">
-                <a:tc>
-                  <a:txBody>
-                    <a:bodyPr/>
-                    <a:lstStyle/>
-                    <a:p>
-                      <a:pPr algn="just">
-                        <a:lnSpc>
-                          <a:spcPct val="106000"/>
-                        </a:lnSpc>
-                        <a:spcAft>
-                          <a:spcPts val="800"/>
-                        </a:spcAft>
-                      </a:pPr>
-                      <a:r>
-                        <a:rPr lang="pt-PT" sz="1200">
-                          <a:effectLst/>
-                          <a:latin typeface="+mj-lt"/>
-                          <a:ea typeface="Calibri"/>
-                          <a:cs typeface="Times New Roman"/>
-                        </a:rPr>
-                        <a:t>Consigo reservar várias viagens a longo prazo?</a:t>
-                      </a:r>
-                      <a:endParaRPr lang="pt-PT" sz="1600">
-                        <a:effectLst/>
-                        <a:latin typeface="+mj-lt"/>
-                        <a:ea typeface="Calibri"/>
-                        <a:cs typeface="Times New Roman"/>
-                      </a:endParaRPr>
-                    </a:p>
-                  </a:txBody>
-                  <a:tcPr marL="68580" marR="68580" marT="0" marB="0"/>
-                </a:tc>
-                <a:tc>
-                  <a:txBody>
-                    <a:bodyPr/>
-                    <a:lstStyle/>
-                    <a:p>
-                      <a:pPr algn="ctr">
-                        <a:lnSpc>
-                          <a:spcPct val="106000"/>
-                        </a:lnSpc>
-                        <a:spcAft>
-                          <a:spcPts val="800"/>
-                        </a:spcAft>
-                      </a:pPr>
-                      <a:r>
-                        <a:rPr lang="pt-PT" sz="1200" dirty="0">
-                          <a:effectLst/>
-                          <a:latin typeface="+mj-lt"/>
-                          <a:ea typeface="Calibri"/>
-                          <a:cs typeface="Times New Roman"/>
-                        </a:rPr>
-                        <a:t> </a:t>
-                      </a:r>
-                      <a:endParaRPr lang="pt-PT" sz="1600" dirty="0">
-                        <a:effectLst/>
-                        <a:latin typeface="+mj-lt"/>
-                        <a:ea typeface="Calibri"/>
-                        <a:cs typeface="Times New Roman"/>
-                      </a:endParaRPr>
-                    </a:p>
-                  </a:txBody>
-                  <a:tcPr marL="68580" marR="68580" marT="0" marB="0"/>
-                </a:tc>
-                <a:tc>
-                  <a:txBody>
-                    <a:bodyPr/>
-                    <a:lstStyle/>
-                    <a:p>
-                      <a:pPr algn="ctr">
-                        <a:lnSpc>
-                          <a:spcPct val="106000"/>
-                        </a:lnSpc>
-                        <a:spcAft>
-                          <a:spcPts val="800"/>
-                        </a:spcAft>
-                      </a:pPr>
-                      <a:r>
-                        <a:rPr lang="pt-PT" sz="1200" dirty="0">
-                          <a:effectLst/>
-                          <a:latin typeface="+mj-lt"/>
-                          <a:ea typeface="Calibri"/>
-                          <a:cs typeface="Times New Roman"/>
-                        </a:rPr>
-                        <a:t>X</a:t>
-                      </a:r>
-                      <a:endParaRPr lang="pt-PT" sz="1600" dirty="0">
-                        <a:effectLst/>
-                        <a:latin typeface="+mj-lt"/>
-                        <a:ea typeface="Calibri"/>
-                        <a:cs typeface="Times New Roman"/>
-                      </a:endParaRPr>
-                    </a:p>
-                  </a:txBody>
-                  <a:tcPr marL="68580" marR="68580" marT="0" marB="0"/>
-                </a:tc>
-              </a:tr>
-              <a:tr h="391559">
-                <a:tc>
-                  <a:txBody>
-                    <a:bodyPr/>
-                    <a:lstStyle/>
-                    <a:p>
-                      <a:pPr algn="just">
-                        <a:lnSpc>
-                          <a:spcPct val="106000"/>
-                        </a:lnSpc>
-                        <a:spcAft>
-                          <a:spcPts val="800"/>
-                        </a:spcAft>
-                      </a:pPr>
-                      <a:r>
-                        <a:rPr lang="pt-PT" sz="1200" dirty="0">
-                          <a:effectLst/>
-                          <a:latin typeface="+mj-lt"/>
-                          <a:ea typeface="Calibri"/>
-                          <a:cs typeface="Times New Roman"/>
-                        </a:rPr>
-                        <a:t>Tem aplicação móvel?</a:t>
-                      </a:r>
-                      <a:endParaRPr lang="pt-PT" sz="1600" dirty="0">
-                        <a:effectLst/>
-                        <a:latin typeface="+mj-lt"/>
-                        <a:ea typeface="Calibri"/>
-                        <a:cs typeface="Times New Roman"/>
-                      </a:endParaRPr>
-                    </a:p>
-                  </a:txBody>
-                  <a:tcPr marL="68580" marR="68580" marT="0" marB="0"/>
-                </a:tc>
-                <a:tc>
-                  <a:txBody>
-                    <a:bodyPr/>
-                    <a:lstStyle/>
-                    <a:p>
-                      <a:pPr algn="ctr">
-                        <a:lnSpc>
-                          <a:spcPct val="106000"/>
-                        </a:lnSpc>
-                        <a:spcAft>
-                          <a:spcPts val="800"/>
-                        </a:spcAft>
-                      </a:pPr>
-                      <a:r>
-                        <a:rPr lang="pt-PT" sz="1200">
-                          <a:effectLst/>
-                          <a:latin typeface="+mj-lt"/>
-                          <a:ea typeface="Calibri"/>
-                          <a:cs typeface="Times New Roman"/>
-                        </a:rPr>
-                        <a:t>X</a:t>
-                      </a:r>
-                      <a:endParaRPr lang="pt-PT" sz="1600">
-                        <a:effectLst/>
-                        <a:latin typeface="+mj-lt"/>
-                        <a:ea typeface="Calibri"/>
-                        <a:cs typeface="Times New Roman"/>
-                      </a:endParaRPr>
-                    </a:p>
-                  </a:txBody>
-                  <a:tcPr marL="68580" marR="68580" marT="0" marB="0"/>
-                </a:tc>
-                <a:tc>
-                  <a:txBody>
-                    <a:bodyPr/>
-                    <a:lstStyle/>
-                    <a:p>
-                      <a:pPr algn="ctr">
-                        <a:lnSpc>
-                          <a:spcPct val="106000"/>
-                        </a:lnSpc>
-                        <a:spcAft>
-                          <a:spcPts val="800"/>
-                        </a:spcAft>
-                      </a:pPr>
-                      <a:r>
-                        <a:rPr lang="pt-PT" sz="1200" dirty="0">
-                          <a:effectLst/>
-                          <a:latin typeface="+mj-lt"/>
-                          <a:ea typeface="Calibri"/>
-                          <a:cs typeface="Times New Roman"/>
-                        </a:rPr>
-                        <a:t> </a:t>
-                      </a:r>
-                      <a:endParaRPr lang="pt-PT" sz="1600" dirty="0">
-                        <a:effectLst/>
-                        <a:latin typeface="+mj-lt"/>
-                        <a:ea typeface="Calibri"/>
-                        <a:cs typeface="Times New Roman"/>
-                      </a:endParaRPr>
                     </a:p>
                   </a:txBody>
                   <a:tcPr marL="68580" marR="68580" marT="0" marB="0"/>
@@ -6074,6 +6046,13 @@
   <p:clrMapOvr>
     <a:masterClrMapping/>
   </p:clrMapOvr>
+  <p:timing>
+    <p:tnLst>
+      <p:par>
+        <p:cTn id="1" dur="indefinite" restart="never" nodeType="tmRoot"/>
+      </p:par>
+    </p:tnLst>
+  </p:timing>
 </p:sld>
 </file>
 
@@ -6123,7 +6102,7 @@
       </p:sp>
       <p:pic>
         <p:nvPicPr>
-          <p:cNvPr id="4" name="Content Placeholder 3"/>
+          <p:cNvPr id="6" name="Content Placeholder 5"/>
           <p:cNvPicPr>
             <a:picLocks noGrp="1" noChangeAspect="1"/>
           </p:cNvPicPr>
@@ -6145,8 +6124,8 @@
         </p:blipFill>
         <p:spPr>
           <a:xfrm>
-            <a:off x="503238" y="580837"/>
-            <a:ext cx="8183562" cy="4086601"/>
+            <a:off x="503238" y="571777"/>
+            <a:ext cx="8183562" cy="4104721"/>
           </a:xfrm>
         </p:spPr>
       </p:pic>
@@ -6160,6 +6139,13 @@
   <p:clrMapOvr>
     <a:masterClrMapping/>
   </p:clrMapOvr>
+  <p:timing>
+    <p:tnLst>
+      <p:par>
+        <p:cTn id="1" dur="indefinite" restart="never" nodeType="tmRoot"/>
+      </p:par>
+    </p:tnLst>
+  </p:timing>
 </p:sld>
 </file>
 
@@ -6204,7 +6190,7 @@
       </p:sp>
       <p:graphicFrame>
         <p:nvGraphicFramePr>
-          <p:cNvPr id="4" name="Content Placeholder 3"/>
+          <p:cNvPr id="5" name="Content Placeholder 4"/>
           <p:cNvGraphicFramePr>
             <a:graphicFrameLocks noGrp="1"/>
           </p:cNvGraphicFramePr>
@@ -6212,14 +6198,14 @@
             <p:ph idx="1"/>
             <p:extLst>
               <p:ext uri="{D42A27DB-BD31-4B8C-83A1-F6EECF244321}">
-                <p14:modId xmlns:p14="http://schemas.microsoft.com/office/powerpoint/2010/main" val="4163791178"/>
+                <p14:modId xmlns:p14="http://schemas.microsoft.com/office/powerpoint/2010/main" val="2511891266"/>
               </p:ext>
             </p:extLst>
           </p:nvPr>
         </p:nvGraphicFramePr>
         <p:xfrm>
           <a:off x="503238" y="530225"/>
-          <a:ext cx="8183562" cy="4450336"/>
+          <a:ext cx="8183562" cy="4665388"/>
         </p:xfrm>
         <a:graphic>
           <a:graphicData uri="http://schemas.openxmlformats.org/drawingml/2006/table">
@@ -6232,7 +6218,7 @@
                 <a:gridCol w="2727854"/>
                 <a:gridCol w="2727854"/>
               </a:tblGrid>
-              <a:tr h="370840">
+              <a:tr h="358902">
                 <a:tc>
                   <a:txBody>
                     <a:bodyPr/>
@@ -6240,10 +6226,10 @@
                     <a:p>
                       <a:pPr algn="ctr">
                         <a:lnSpc>
-                          <a:spcPct val="106000"/>
-                        </a:lnSpc>
-                        <a:spcAft>
-                          <a:spcPts val="800"/>
+                          <a:spcPct val="115000"/>
+                        </a:lnSpc>
+                        <a:spcAft>
+                          <a:spcPts val="0"/>
                         </a:spcAft>
                       </a:pPr>
                       <a:r>
@@ -6254,6 +6240,121 @@
                           <a:cs typeface="Times New Roman"/>
                         </a:rPr>
                         <a:t>Funcionalidade</a:t>
+                      </a:r>
+                    </a:p>
+                  </a:txBody>
+                  <a:tcPr marL="68580" marR="68580" marT="0" marB="0"/>
+                </a:tc>
+                <a:tc>
+                  <a:txBody>
+                    <a:bodyPr/>
+                    <a:lstStyle/>
+                    <a:p>
+                      <a:pPr algn="ctr">
+                        <a:lnSpc>
+                          <a:spcPct val="115000"/>
+                        </a:lnSpc>
+                        <a:spcAft>
+                          <a:spcPts val="0"/>
+                        </a:spcAft>
+                      </a:pPr>
+                      <a:r>
+                        <a:rPr lang="pt-PT" sz="1200" dirty="0">
+                          <a:effectLst/>
+                          <a:latin typeface="+mj-lt"/>
+                          <a:ea typeface="Calibri"/>
+                          <a:cs typeface="Times New Roman"/>
+                        </a:rPr>
+                        <a:t>Sim</a:t>
+                      </a:r>
+                    </a:p>
+                  </a:txBody>
+                  <a:tcPr marL="68580" marR="68580" marT="0" marB="0"/>
+                </a:tc>
+                <a:tc>
+                  <a:txBody>
+                    <a:bodyPr/>
+                    <a:lstStyle/>
+                    <a:p>
+                      <a:pPr algn="ctr">
+                        <a:lnSpc>
+                          <a:spcPct val="115000"/>
+                        </a:lnSpc>
+                        <a:spcAft>
+                          <a:spcPts val="0"/>
+                        </a:spcAft>
+                      </a:pPr>
+                      <a:r>
+                        <a:rPr lang="pt-PT" sz="1200" dirty="0">
+                          <a:effectLst/>
+                          <a:latin typeface="+mj-lt"/>
+                          <a:ea typeface="Calibri"/>
+                          <a:cs typeface="Times New Roman"/>
+                        </a:rPr>
+                        <a:t>Não</a:t>
+                      </a:r>
+                    </a:p>
+                  </a:txBody>
+                  <a:tcPr marL="68580" marR="68580" marT="0" marB="0"/>
+                </a:tc>
+              </a:tr>
+              <a:tr h="358902">
+                <a:tc>
+                  <a:txBody>
+                    <a:bodyPr/>
+                    <a:lstStyle/>
+                    <a:p>
+                      <a:pPr algn="l">
+                        <a:lnSpc>
+                          <a:spcPct val="115000"/>
+                        </a:lnSpc>
+                        <a:spcAft>
+                          <a:spcPts val="0"/>
+                        </a:spcAft>
+                      </a:pPr>
+                      <a:r>
+                        <a:rPr lang="pt-PT" sz="1200">
+                          <a:effectLst/>
+                          <a:latin typeface="+mj-lt"/>
+                          <a:ea typeface="Calibri"/>
+                          <a:cs typeface="Times New Roman"/>
+                        </a:rPr>
+                        <a:t>É responsivo?</a:t>
+                      </a:r>
+                    </a:p>
+                  </a:txBody>
+                  <a:tcPr marL="68580" marR="68580" marT="0" marB="0"/>
+                </a:tc>
+                <a:tc>
+                  <a:txBody>
+                    <a:bodyPr/>
+                    <a:lstStyle/>
+                    <a:p>
+                      <a:pPr algn="ctr">
+                        <a:lnSpc>
+                          <a:spcPct val="115000"/>
+                        </a:lnSpc>
+                        <a:spcAft>
+                          <a:spcPts val="0"/>
+                        </a:spcAft>
+                      </a:pPr>
+                      <a:r>
+                        <a:rPr lang="pt-PT" sz="1600" dirty="0">
+                          <a:effectLst/>
+                          <a:latin typeface="+mj-lt"/>
+                          <a:ea typeface="Calibri"/>
+                          <a:cs typeface="Times New Roman"/>
+                        </a:rPr>
+                        <a:t> </a:t>
+                      </a:r>
+                      <a:r>
+                        <a:rPr lang="pt-PT" sz="1600" dirty="0" smtClean="0">
+                          <a:effectLst/>
+                          <a:latin typeface="+mj-lt"/>
+                          <a:ea typeface="Calibri"/>
+                          <a:cs typeface="Times New Roman"/>
+                        </a:rPr>
+                        <a:t>X</a:t>
                       </a:r>
                       <a:endParaRPr lang="pt-PT" sz="1600" dirty="0">
                         <a:effectLst/>
@@ -6272,21 +6373,12 @@
                     <a:p>
                       <a:pPr algn="ctr">
                         <a:lnSpc>
-                          <a:spcPct val="106000"/>
-                        </a:lnSpc>
-                        <a:spcAft>
-                          <a:spcPts val="800"/>
-                        </a:spcAft>
-                      </a:pPr>
-                      <a:r>
-                        <a:rPr lang="pt-PT" sz="1200" dirty="0">
-                          <a:effectLst/>
-                          <a:latin typeface="+mj-lt"/>
-                          <a:ea typeface="Calibri"/>
-                          <a:cs typeface="Times New Roman"/>
-                        </a:rPr>
-                        <a:t>Sim</a:t>
-                      </a:r>
+                          <a:spcPct val="115000"/>
+                        </a:lnSpc>
+                        <a:spcAft>
+                          <a:spcPts val="0"/>
+                        </a:spcAft>
+                      </a:pPr>
                       <a:endParaRPr lang="pt-PT" sz="1600" dirty="0">
                         <a:effectLst/>
                         <a:latin typeface="+mj-lt"/>
@@ -6297,6 +6389,34 @@
                   </a:txBody>
                   <a:tcPr marL="68580" marR="68580" marT="0" marB="0"/>
                 </a:tc>
+              </a:tr>
+              <a:tr h="358902">
+                <a:tc>
+                  <a:txBody>
+                    <a:bodyPr/>
+                    <a:lstStyle/>
+                    <a:p>
+                      <a:pPr algn="l">
+                        <a:lnSpc>
+                          <a:spcPct val="115000"/>
+                        </a:lnSpc>
+                        <a:spcAft>
+                          <a:spcPts val="0"/>
+                        </a:spcAft>
+                      </a:pPr>
+                      <a:r>
+                        <a:rPr lang="pt-PT" sz="1200">
+                          <a:effectLst/>
+                          <a:latin typeface="+mj-lt"/>
+                          <a:ea typeface="Calibri"/>
+                          <a:cs typeface="Times New Roman"/>
+                        </a:rPr>
+                        <a:t>É paga?</a:t>
+                      </a:r>
+                    </a:p>
+                  </a:txBody>
+                  <a:tcPr marL="68580" marR="68580" marT="0" marB="0"/>
+                </a:tc>
                 <a:tc>
                   <a:txBody>
                     <a:bodyPr/>
@@ -6304,10 +6424,704 @@
                     <a:p>
                       <a:pPr algn="ctr">
                         <a:lnSpc>
-                          <a:spcPct val="106000"/>
-                        </a:lnSpc>
-                        <a:spcAft>
-                          <a:spcPts val="800"/>
+                          <a:spcPct val="115000"/>
+                        </a:lnSpc>
+                        <a:spcAft>
+                          <a:spcPts val="0"/>
+                        </a:spcAft>
+                      </a:pPr>
+                      <a:r>
+                        <a:rPr lang="pt-PT" sz="1600" dirty="0">
+                          <a:effectLst/>
+                          <a:latin typeface="+mj-lt"/>
+                          <a:ea typeface="Calibri"/>
+                          <a:cs typeface="Times New Roman"/>
+                        </a:rPr>
+                        <a:t> </a:t>
+                      </a:r>
+                    </a:p>
+                  </a:txBody>
+                  <a:tcPr marL="68580" marR="68580" marT="0" marB="0"/>
+                </a:tc>
+                <a:tc>
+                  <a:txBody>
+                    <a:bodyPr/>
+                    <a:lstStyle/>
+                    <a:p>
+                      <a:pPr algn="ctr">
+                        <a:lnSpc>
+                          <a:spcPct val="115000"/>
+                        </a:lnSpc>
+                        <a:spcAft>
+                          <a:spcPts val="0"/>
+                        </a:spcAft>
+                      </a:pPr>
+                      <a:r>
+                        <a:rPr lang="pt-PT" sz="1600">
+                          <a:effectLst/>
+                          <a:latin typeface="+mj-lt"/>
+                          <a:ea typeface="Calibri"/>
+                          <a:cs typeface="Times New Roman"/>
+                        </a:rPr>
+                        <a:t>X</a:t>
+                      </a:r>
+                    </a:p>
+                  </a:txBody>
+                  <a:tcPr marL="68580" marR="68580" marT="0" marB="0"/>
+                </a:tc>
+              </a:tr>
+              <a:tr h="358902">
+                <a:tc>
+                  <a:txBody>
+                    <a:bodyPr/>
+                    <a:lstStyle/>
+                    <a:p>
+                      <a:pPr algn="l">
+                        <a:lnSpc>
+                          <a:spcPct val="115000"/>
+                        </a:lnSpc>
+                        <a:spcAft>
+                          <a:spcPts val="0"/>
+                        </a:spcAft>
+                      </a:pPr>
+                      <a:r>
+                        <a:rPr lang="pt-PT" sz="1200">
+                          <a:effectLst/>
+                          <a:latin typeface="+mj-lt"/>
+                          <a:ea typeface="Calibri"/>
+                          <a:cs typeface="Times New Roman"/>
+                        </a:rPr>
+                        <a:t>Tem registo de utilizadores?</a:t>
+                      </a:r>
+                    </a:p>
+                  </a:txBody>
+                  <a:tcPr marL="68580" marR="68580" marT="0" marB="0"/>
+                </a:tc>
+                <a:tc>
+                  <a:txBody>
+                    <a:bodyPr/>
+                    <a:lstStyle/>
+                    <a:p>
+                      <a:pPr algn="ctr">
+                        <a:lnSpc>
+                          <a:spcPct val="115000"/>
+                        </a:lnSpc>
+                        <a:spcAft>
+                          <a:spcPts val="0"/>
+                        </a:spcAft>
+                      </a:pPr>
+                      <a:r>
+                        <a:rPr lang="pt-PT" sz="1600">
+                          <a:effectLst/>
+                          <a:latin typeface="+mj-lt"/>
+                          <a:ea typeface="Calibri"/>
+                          <a:cs typeface="Times New Roman"/>
+                        </a:rPr>
+                        <a:t>X</a:t>
+                      </a:r>
+                    </a:p>
+                  </a:txBody>
+                  <a:tcPr marL="68580" marR="68580" marT="0" marB="0"/>
+                </a:tc>
+                <a:tc>
+                  <a:txBody>
+                    <a:bodyPr/>
+                    <a:lstStyle/>
+                    <a:p>
+                      <a:pPr algn="ctr">
+                        <a:lnSpc>
+                          <a:spcPct val="115000"/>
+                        </a:lnSpc>
+                        <a:spcAft>
+                          <a:spcPts val="0"/>
+                        </a:spcAft>
+                      </a:pPr>
+                      <a:r>
+                        <a:rPr lang="pt-PT" sz="1600" dirty="0">
+                          <a:effectLst/>
+                          <a:latin typeface="+mj-lt"/>
+                          <a:ea typeface="Calibri"/>
+                          <a:cs typeface="Times New Roman"/>
+                        </a:rPr>
+                        <a:t> </a:t>
+                      </a:r>
+                    </a:p>
+                  </a:txBody>
+                  <a:tcPr marL="68580" marR="68580" marT="0" marB="0"/>
+                </a:tc>
+              </a:tr>
+              <a:tr h="358902">
+                <a:tc>
+                  <a:txBody>
+                    <a:bodyPr/>
+                    <a:lstStyle/>
+                    <a:p>
+                      <a:pPr algn="l">
+                        <a:lnSpc>
+                          <a:spcPct val="115000"/>
+                        </a:lnSpc>
+                        <a:spcAft>
+                          <a:spcPts val="0"/>
+                        </a:spcAft>
+                      </a:pPr>
+                      <a:r>
+                        <a:rPr lang="pt-PT" sz="1200">
+                          <a:effectLst/>
+                          <a:latin typeface="+mj-lt"/>
+                          <a:ea typeface="Calibri"/>
+                          <a:cs typeface="Times New Roman"/>
+                        </a:rPr>
+                        <a:t>É open-source?</a:t>
+                      </a:r>
+                    </a:p>
+                  </a:txBody>
+                  <a:tcPr marL="68580" marR="68580" marT="0" marB="0"/>
+                </a:tc>
+                <a:tc>
+                  <a:txBody>
+                    <a:bodyPr/>
+                    <a:lstStyle/>
+                    <a:p>
+                      <a:pPr algn="ctr">
+                        <a:lnSpc>
+                          <a:spcPct val="115000"/>
+                        </a:lnSpc>
+                        <a:spcAft>
+                          <a:spcPts val="0"/>
+                        </a:spcAft>
+                      </a:pPr>
+                      <a:r>
+                        <a:rPr lang="pt-PT" sz="1600">
+                          <a:effectLst/>
+                          <a:latin typeface="+mj-lt"/>
+                          <a:ea typeface="Calibri"/>
+                          <a:cs typeface="Times New Roman"/>
+                        </a:rPr>
+                        <a:t> </a:t>
+                      </a:r>
+                    </a:p>
+                  </a:txBody>
+                  <a:tcPr marL="68580" marR="68580" marT="0" marB="0"/>
+                </a:tc>
+                <a:tc>
+                  <a:txBody>
+                    <a:bodyPr/>
+                    <a:lstStyle/>
+                    <a:p>
+                      <a:pPr algn="ctr">
+                        <a:lnSpc>
+                          <a:spcPct val="115000"/>
+                        </a:lnSpc>
+                        <a:spcAft>
+                          <a:spcPts val="0"/>
+                        </a:spcAft>
+                      </a:pPr>
+                      <a:r>
+                        <a:rPr lang="pt-PT" sz="1600" dirty="0">
+                          <a:effectLst/>
+                          <a:latin typeface="+mj-lt"/>
+                          <a:ea typeface="Calibri"/>
+                          <a:cs typeface="Times New Roman"/>
+                        </a:rPr>
+                        <a:t>X</a:t>
+                      </a:r>
+                    </a:p>
+                  </a:txBody>
+                  <a:tcPr marL="68580" marR="68580" marT="0" marB="0"/>
+                </a:tc>
+              </a:tr>
+              <a:tr h="358902">
+                <a:tc>
+                  <a:txBody>
+                    <a:bodyPr/>
+                    <a:lstStyle/>
+                    <a:p>
+                      <a:pPr algn="l">
+                        <a:lnSpc>
+                          <a:spcPct val="115000"/>
+                        </a:lnSpc>
+                        <a:spcAft>
+                          <a:spcPts val="0"/>
+                        </a:spcAft>
+                      </a:pPr>
+                      <a:r>
+                        <a:rPr lang="pt-PT" sz="1200">
+                          <a:effectLst/>
+                          <a:latin typeface="+mj-lt"/>
+                          <a:ea typeface="Calibri"/>
+                          <a:cs typeface="Times New Roman"/>
+                        </a:rPr>
+                        <a:t>Permite a duplicação de pedidos?</a:t>
+                      </a:r>
+                    </a:p>
+                  </a:txBody>
+                  <a:tcPr marL="68580" marR="68580" marT="0" marB="0"/>
+                </a:tc>
+                <a:tc>
+                  <a:txBody>
+                    <a:bodyPr/>
+                    <a:lstStyle/>
+                    <a:p>
+                      <a:pPr algn="ctr">
+                        <a:lnSpc>
+                          <a:spcPct val="115000"/>
+                        </a:lnSpc>
+                        <a:spcAft>
+                          <a:spcPts val="0"/>
+                        </a:spcAft>
+                      </a:pPr>
+                      <a:r>
+                        <a:rPr lang="pt-PT" sz="1600">
+                          <a:effectLst/>
+                          <a:latin typeface="+mj-lt"/>
+                          <a:ea typeface="Calibri"/>
+                          <a:cs typeface="Times New Roman"/>
+                        </a:rPr>
+                        <a:t> </a:t>
+                      </a:r>
+                    </a:p>
+                  </a:txBody>
+                  <a:tcPr marL="68580" marR="68580" marT="0" marB="0"/>
+                </a:tc>
+                <a:tc>
+                  <a:txBody>
+                    <a:bodyPr/>
+                    <a:lstStyle/>
+                    <a:p>
+                      <a:pPr algn="ctr">
+                        <a:lnSpc>
+                          <a:spcPct val="115000"/>
+                        </a:lnSpc>
+                        <a:spcAft>
+                          <a:spcPts val="0"/>
+                        </a:spcAft>
+                      </a:pPr>
+                      <a:r>
+                        <a:rPr lang="pt-PT" sz="1600" dirty="0">
+                          <a:effectLst/>
+                          <a:latin typeface="+mj-lt"/>
+                          <a:ea typeface="Calibri"/>
+                          <a:cs typeface="Times New Roman"/>
+                        </a:rPr>
+                        <a:t>X</a:t>
+                      </a:r>
+                    </a:p>
+                  </a:txBody>
+                  <a:tcPr marL="68580" marR="68580" marT="0" marB="0"/>
+                </a:tc>
+              </a:tr>
+              <a:tr h="436588">
+                <a:tc>
+                  <a:txBody>
+                    <a:bodyPr/>
+                    <a:lstStyle/>
+                    <a:p>
+                      <a:pPr algn="l">
+                        <a:lnSpc>
+                          <a:spcPct val="115000"/>
+                        </a:lnSpc>
+                        <a:spcAft>
+                          <a:spcPts val="0"/>
+                        </a:spcAft>
+                      </a:pPr>
+                      <a:r>
+                        <a:rPr lang="pt-PT" sz="1200">
+                          <a:effectLst/>
+                          <a:latin typeface="+mj-lt"/>
+                          <a:ea typeface="Calibri"/>
+                          <a:cs typeface="Times New Roman"/>
+                        </a:rPr>
+                        <a:t>Permite editar ofertas depois de anunciadas?</a:t>
+                      </a:r>
+                    </a:p>
+                  </a:txBody>
+                  <a:tcPr marL="68580" marR="68580" marT="0" marB="0"/>
+                </a:tc>
+                <a:tc>
+                  <a:txBody>
+                    <a:bodyPr/>
+                    <a:lstStyle/>
+                    <a:p>
+                      <a:pPr algn="ctr">
+                        <a:lnSpc>
+                          <a:spcPct val="115000"/>
+                        </a:lnSpc>
+                        <a:spcAft>
+                          <a:spcPts val="0"/>
+                        </a:spcAft>
+                      </a:pPr>
+                      <a:r>
+                        <a:rPr lang="pt-PT" sz="1600">
+                          <a:effectLst/>
+                          <a:latin typeface="+mj-lt"/>
+                          <a:ea typeface="Calibri"/>
+                          <a:cs typeface="Times New Roman"/>
+                        </a:rPr>
+                        <a:t> </a:t>
+                      </a:r>
+                    </a:p>
+                  </a:txBody>
+                  <a:tcPr marL="68580" marR="68580" marT="0" marB="0"/>
+                </a:tc>
+                <a:tc>
+                  <a:txBody>
+                    <a:bodyPr/>
+                    <a:lstStyle/>
+                    <a:p>
+                      <a:pPr algn="ctr">
+                        <a:lnSpc>
+                          <a:spcPct val="115000"/>
+                        </a:lnSpc>
+                        <a:spcAft>
+                          <a:spcPts val="0"/>
+                        </a:spcAft>
+                      </a:pPr>
+                      <a:r>
+                        <a:rPr lang="pt-PT" sz="1600" dirty="0">
+                          <a:effectLst/>
+                          <a:latin typeface="+mj-lt"/>
+                          <a:ea typeface="Calibri"/>
+                          <a:cs typeface="Times New Roman"/>
+                        </a:rPr>
+                        <a:t>X</a:t>
+                      </a:r>
+                    </a:p>
+                  </a:txBody>
+                  <a:tcPr marL="68580" marR="68580" marT="0" marB="0"/>
+                </a:tc>
+              </a:tr>
+              <a:tr h="436588">
+                <a:tc>
+                  <a:txBody>
+                    <a:bodyPr/>
+                    <a:lstStyle/>
+                    <a:p>
+                      <a:pPr algn="l">
+                        <a:lnSpc>
+                          <a:spcPct val="115000"/>
+                        </a:lnSpc>
+                        <a:spcAft>
+                          <a:spcPts val="0"/>
+                        </a:spcAft>
+                      </a:pPr>
+                      <a:r>
+                        <a:rPr lang="pt-PT" sz="1200">
+                          <a:effectLst/>
+                          <a:latin typeface="+mj-lt"/>
+                          <a:ea typeface="Calibri"/>
+                          <a:cs typeface="Times New Roman"/>
+                        </a:rPr>
+                        <a:t>Permite a criação de grupos de utilizadores?</a:t>
+                      </a:r>
+                    </a:p>
+                  </a:txBody>
+                  <a:tcPr marL="68580" marR="68580" marT="0" marB="0"/>
+                </a:tc>
+                <a:tc>
+                  <a:txBody>
+                    <a:bodyPr/>
+                    <a:lstStyle/>
+                    <a:p>
+                      <a:pPr algn="ctr">
+                        <a:lnSpc>
+                          <a:spcPct val="115000"/>
+                        </a:lnSpc>
+                        <a:spcAft>
+                          <a:spcPts val="0"/>
+                        </a:spcAft>
+                      </a:pPr>
+                      <a:r>
+                        <a:rPr lang="pt-PT" sz="1600" dirty="0">
+                          <a:effectLst/>
+                          <a:latin typeface="+mj-lt"/>
+                          <a:ea typeface="Calibri"/>
+                          <a:cs typeface="Times New Roman"/>
+                        </a:rPr>
+                        <a:t> </a:t>
+                      </a:r>
+                    </a:p>
+                  </a:txBody>
+                  <a:tcPr marL="68580" marR="68580" marT="0" marB="0"/>
+                </a:tc>
+                <a:tc>
+                  <a:txBody>
+                    <a:bodyPr/>
+                    <a:lstStyle/>
+                    <a:p>
+                      <a:pPr algn="ctr">
+                        <a:lnSpc>
+                          <a:spcPct val="115000"/>
+                        </a:lnSpc>
+                        <a:spcAft>
+                          <a:spcPts val="0"/>
+                        </a:spcAft>
+                      </a:pPr>
+                      <a:r>
+                        <a:rPr lang="pt-PT" sz="1600" dirty="0">
+                          <a:effectLst/>
+                          <a:latin typeface="+mj-lt"/>
+                          <a:ea typeface="Calibri"/>
+                          <a:cs typeface="Times New Roman"/>
+                        </a:rPr>
+                        <a:t>X</a:t>
+                      </a:r>
+                    </a:p>
+                  </a:txBody>
+                  <a:tcPr marL="68580" marR="68580" marT="0" marB="0"/>
+                </a:tc>
+              </a:tr>
+              <a:tr h="436588">
+                <a:tc>
+                  <a:txBody>
+                    <a:bodyPr/>
+                    <a:lstStyle/>
+                    <a:p>
+                      <a:pPr algn="l">
+                        <a:lnSpc>
+                          <a:spcPct val="115000"/>
+                        </a:lnSpc>
+                        <a:spcAft>
+                          <a:spcPts val="0"/>
+                        </a:spcAft>
+                      </a:pPr>
+                      <a:r>
+                        <a:rPr lang="pt-PT" sz="1200">
+                          <a:effectLst/>
+                          <a:latin typeface="+mj-lt"/>
+                          <a:ea typeface="Calibri"/>
+                          <a:cs typeface="Times New Roman"/>
+                        </a:rPr>
+                        <a:t>Permite a criação de mapas de boleias?</a:t>
+                      </a:r>
+                    </a:p>
+                  </a:txBody>
+                  <a:tcPr marL="68580" marR="68580" marT="0" marB="0"/>
+                </a:tc>
+                <a:tc>
+                  <a:txBody>
+                    <a:bodyPr/>
+                    <a:lstStyle/>
+                    <a:p>
+                      <a:pPr algn="ctr">
+                        <a:lnSpc>
+                          <a:spcPct val="115000"/>
+                        </a:lnSpc>
+                        <a:spcAft>
+                          <a:spcPts val="0"/>
+                        </a:spcAft>
+                      </a:pPr>
+                      <a:r>
+                        <a:rPr lang="pt-PT" sz="1600">
+                          <a:effectLst/>
+                          <a:latin typeface="+mj-lt"/>
+                          <a:ea typeface="Calibri"/>
+                          <a:cs typeface="Times New Roman"/>
+                        </a:rPr>
+                        <a:t> </a:t>
+                      </a:r>
+                    </a:p>
+                  </a:txBody>
+                  <a:tcPr marL="68580" marR="68580" marT="0" marB="0"/>
+                </a:tc>
+                <a:tc>
+                  <a:txBody>
+                    <a:bodyPr/>
+                    <a:lstStyle/>
+                    <a:p>
+                      <a:pPr algn="ctr">
+                        <a:lnSpc>
+                          <a:spcPct val="115000"/>
+                        </a:lnSpc>
+                        <a:spcAft>
+                          <a:spcPts val="0"/>
+                        </a:spcAft>
+                      </a:pPr>
+                      <a:r>
+                        <a:rPr lang="pt-PT" sz="1600" dirty="0">
+                          <a:effectLst/>
+                          <a:latin typeface="+mj-lt"/>
+                          <a:ea typeface="Calibri"/>
+                          <a:cs typeface="Times New Roman"/>
+                        </a:rPr>
+                        <a:t>X</a:t>
+                      </a:r>
+                    </a:p>
+                  </a:txBody>
+                  <a:tcPr marL="68580" marR="68580" marT="0" marB="0"/>
+                </a:tc>
+              </a:tr>
+              <a:tr h="436588">
+                <a:tc>
+                  <a:txBody>
+                    <a:bodyPr/>
+                    <a:lstStyle/>
+                    <a:p>
+                      <a:pPr algn="l">
+                        <a:lnSpc>
+                          <a:spcPct val="115000"/>
+                        </a:lnSpc>
+                        <a:spcAft>
+                          <a:spcPts val="0"/>
+                        </a:spcAft>
+                      </a:pPr>
+                      <a:r>
+                        <a:rPr lang="pt-PT" sz="1200">
+                          <a:effectLst/>
+                          <a:latin typeface="+mj-lt"/>
+                          <a:ea typeface="Calibri"/>
+                          <a:cs typeface="Times New Roman"/>
+                        </a:rPr>
+                        <a:t>Consigo duplicar ofertas a longo prazo?</a:t>
+                      </a:r>
+                    </a:p>
+                  </a:txBody>
+                  <a:tcPr marL="68580" marR="68580" marT="0" marB="0"/>
+                </a:tc>
+                <a:tc>
+                  <a:txBody>
+                    <a:bodyPr/>
+                    <a:lstStyle/>
+                    <a:p>
+                      <a:pPr algn="ctr">
+                        <a:lnSpc>
+                          <a:spcPct val="115000"/>
+                        </a:lnSpc>
+                        <a:spcAft>
+                          <a:spcPts val="0"/>
+                        </a:spcAft>
+                      </a:pPr>
+                      <a:r>
+                        <a:rPr lang="pt-PT" sz="1600" dirty="0">
+                          <a:effectLst/>
+                          <a:latin typeface="+mj-lt"/>
+                          <a:ea typeface="Calibri"/>
+                          <a:cs typeface="Times New Roman"/>
+                        </a:rPr>
+                        <a:t> </a:t>
+                      </a:r>
+                    </a:p>
+                  </a:txBody>
+                  <a:tcPr marL="68580" marR="68580" marT="0" marB="0"/>
+                </a:tc>
+                <a:tc>
+                  <a:txBody>
+                    <a:bodyPr/>
+                    <a:lstStyle/>
+                    <a:p>
+                      <a:pPr algn="ctr">
+                        <a:lnSpc>
+                          <a:spcPct val="115000"/>
+                        </a:lnSpc>
+                        <a:spcAft>
+                          <a:spcPts val="0"/>
+                        </a:spcAft>
+                      </a:pPr>
+                      <a:r>
+                        <a:rPr lang="pt-PT" sz="1600" dirty="0">
+                          <a:effectLst/>
+                          <a:latin typeface="+mj-lt"/>
+                          <a:ea typeface="Calibri"/>
+                          <a:cs typeface="Times New Roman"/>
+                        </a:rPr>
+                        <a:t>X</a:t>
+                      </a:r>
+                    </a:p>
+                  </a:txBody>
+                  <a:tcPr marL="68580" marR="68580" marT="0" marB="0"/>
+                </a:tc>
+              </a:tr>
+              <a:tr h="485208">
+                <a:tc>
+                  <a:txBody>
+                    <a:bodyPr/>
+                    <a:lstStyle/>
+                    <a:p>
+                      <a:pPr algn="l">
+                        <a:lnSpc>
+                          <a:spcPct val="115000"/>
+                        </a:lnSpc>
+                        <a:spcAft>
+                          <a:spcPts val="0"/>
+                        </a:spcAft>
+                      </a:pPr>
+                      <a:r>
+                        <a:rPr lang="pt-PT" sz="1200">
+                          <a:effectLst/>
+                          <a:latin typeface="+mj-lt"/>
+                          <a:ea typeface="Calibri"/>
+                          <a:cs typeface="Times New Roman"/>
+                        </a:rPr>
+                        <a:t>Consigo reservar várias viagens a longo prazo?</a:t>
+                      </a:r>
+                    </a:p>
+                  </a:txBody>
+                  <a:tcPr marL="68580" marR="68580" marT="0" marB="0"/>
+                </a:tc>
+                <a:tc>
+                  <a:txBody>
+                    <a:bodyPr/>
+                    <a:lstStyle/>
+                    <a:p>
+                      <a:pPr algn="ctr">
+                        <a:lnSpc>
+                          <a:spcPct val="115000"/>
+                        </a:lnSpc>
+                        <a:spcAft>
+                          <a:spcPts val="0"/>
+                        </a:spcAft>
+                      </a:pPr>
+                      <a:r>
+                        <a:rPr lang="pt-PT" sz="1600">
+                          <a:effectLst/>
+                          <a:latin typeface="+mj-lt"/>
+                          <a:ea typeface="Calibri"/>
+                          <a:cs typeface="Times New Roman"/>
+                        </a:rPr>
+                        <a:t> </a:t>
+                      </a:r>
+                    </a:p>
+                  </a:txBody>
+                  <a:tcPr marL="68580" marR="68580" marT="0" marB="0"/>
+                </a:tc>
+                <a:tc>
+                  <a:txBody>
+                    <a:bodyPr/>
+                    <a:lstStyle/>
+                    <a:p>
+                      <a:pPr algn="ctr">
+                        <a:lnSpc>
+                          <a:spcPct val="115000"/>
+                        </a:lnSpc>
+                        <a:spcAft>
+                          <a:spcPts val="0"/>
+                        </a:spcAft>
+                      </a:pPr>
+                      <a:r>
+                        <a:rPr lang="pt-PT" sz="1600" dirty="0">
+                          <a:effectLst/>
+                          <a:latin typeface="+mj-lt"/>
+                          <a:ea typeface="Calibri"/>
+                          <a:cs typeface="Times New Roman"/>
+                        </a:rPr>
+                        <a:t>X</a:t>
+                      </a:r>
+                    </a:p>
+                  </a:txBody>
+                  <a:tcPr marL="68580" marR="68580" marT="0" marB="0"/>
+                </a:tc>
+              </a:tr>
+              <a:tr h="272161">
+                <a:tc>
+                  <a:txBody>
+                    <a:bodyPr/>
+                    <a:lstStyle/>
+                    <a:p>
+                      <a:pPr algn="l">
+                        <a:lnSpc>
+                          <a:spcPct val="115000"/>
+                        </a:lnSpc>
+                        <a:spcAft>
+                          <a:spcPts val="0"/>
                         </a:spcAft>
                       </a:pPr>
                       <a:r>
@@ -6317,8 +7131,25 @@
                           <a:ea typeface="Calibri"/>
                           <a:cs typeface="Times New Roman"/>
                         </a:rPr>
-                        <a:t>Não</a:t>
-                      </a:r>
+                        <a:t>Tem aplicação móvel?</a:t>
+                      </a:r>
+                    </a:p>
+                  </a:txBody>
+                  <a:tcPr marL="68580" marR="68580" marT="0" marB="0"/>
+                </a:tc>
+                <a:tc>
+                  <a:txBody>
+                    <a:bodyPr/>
+                    <a:lstStyle/>
+                    <a:p>
+                      <a:pPr algn="ctr">
+                        <a:lnSpc>
+                          <a:spcPct val="115000"/>
+                        </a:lnSpc>
+                        <a:spcAft>
+                          <a:spcPts val="0"/>
+                        </a:spcAft>
+                      </a:pPr>
                       <a:endParaRPr lang="pt-PT" sz="1600" dirty="0">
                         <a:effectLst/>
                         <a:latin typeface="+mj-lt"/>
@@ -6329,40 +7160,6 @@
                   </a:txBody>
                   <a:tcPr marL="68580" marR="68580" marT="0" marB="0"/>
                 </a:tc>
-              </a:tr>
-              <a:tr h="370840">
-                <a:tc>
-                  <a:txBody>
-                    <a:bodyPr/>
-                    <a:lstStyle/>
-                    <a:p>
-                      <a:pPr algn="just">
-                        <a:lnSpc>
-                          <a:spcPct val="106000"/>
-                        </a:lnSpc>
-                        <a:spcAft>
-                          <a:spcPts val="800"/>
-                        </a:spcAft>
-                      </a:pPr>
-                      <a:r>
-                        <a:rPr lang="pt-PT" sz="1200">
-                          <a:effectLst/>
-                          <a:latin typeface="+mj-lt"/>
-                          <a:ea typeface="Calibri"/>
-                          <a:cs typeface="Times New Roman"/>
-                        </a:rPr>
-                        <a:t>É responsivo?</a:t>
-                      </a:r>
-                      <a:endParaRPr lang="pt-PT" sz="1600">
-                        <a:effectLst/>
-                        <a:latin typeface="+mj-lt"/>
-                        <a:ea typeface="Calibri"/>
-                        <a:cs typeface="Times New Roman"/>
-                      </a:endParaRPr>
-                    </a:p>
-                  </a:txBody>
-                  <a:tcPr marL="68580" marR="68580" marT="0" marB="0"/>
-                </a:tc>
                 <a:tc>
                   <a:txBody>
                     <a:bodyPr/>
@@ -6370,46 +7167,14 @@
                     <a:p>
                       <a:pPr algn="ctr">
                         <a:lnSpc>
-                          <a:spcPct val="106000"/>
-                        </a:lnSpc>
-                        <a:spcAft>
-                          <a:spcPts val="800"/>
-                        </a:spcAft>
-                      </a:pPr>
-                      <a:r>
-                        <a:rPr lang="pt-PT" sz="1200" dirty="0">
-                          <a:effectLst/>
-                          <a:latin typeface="+mj-lt"/>
-                          <a:ea typeface="Calibri"/>
-                          <a:cs typeface="Times New Roman"/>
-                        </a:rPr>
-                        <a:t>X</a:t>
-                      </a:r>
-                      <a:endParaRPr lang="pt-PT" sz="1600" dirty="0">
-                        <a:effectLst/>
-                        <a:latin typeface="+mj-lt"/>
-                        <a:ea typeface="Calibri"/>
-                        <a:cs typeface="Times New Roman"/>
-                      </a:endParaRPr>
-                    </a:p>
-                  </a:txBody>
-                  <a:tcPr marL="68580" marR="68580" marT="0" marB="0"/>
-                </a:tc>
-                <a:tc>
-                  <a:txBody>
-                    <a:bodyPr/>
-                    <a:lstStyle/>
-                    <a:p>
-                      <a:pPr algn="ctr">
-                        <a:lnSpc>
-                          <a:spcPct val="106000"/>
-                        </a:lnSpc>
-                        <a:spcAft>
-                          <a:spcPts val="800"/>
-                        </a:spcAft>
-                      </a:pPr>
-                      <a:r>
-                        <a:rPr lang="pt-PT" sz="1200" dirty="0">
+                          <a:spcPct val="115000"/>
+                        </a:lnSpc>
+                        <a:spcAft>
+                          <a:spcPts val="0"/>
+                        </a:spcAft>
+                      </a:pPr>
+                      <a:r>
+                        <a:rPr lang="pt-PT" sz="1600" dirty="0">
                           <a:effectLst/>
                           <a:latin typeface="+mj-lt"/>
                           <a:ea typeface="Calibri"/>
@@ -6417,997 +7182,8 @@
                         </a:rPr>
                         <a:t> </a:t>
                       </a:r>
-                      <a:endParaRPr lang="pt-PT" sz="1600" dirty="0">
-                        <a:effectLst/>
-                        <a:latin typeface="+mj-lt"/>
-                        <a:ea typeface="Calibri"/>
-                        <a:cs typeface="Times New Roman"/>
-                      </a:endParaRPr>
-                    </a:p>
-                  </a:txBody>
-                  <a:tcPr marL="68580" marR="68580" marT="0" marB="0"/>
-                </a:tc>
-              </a:tr>
-              <a:tr h="370840">
-                <a:tc>
-                  <a:txBody>
-                    <a:bodyPr/>
-                    <a:lstStyle/>
-                    <a:p>
-                      <a:pPr algn="just">
-                        <a:lnSpc>
-                          <a:spcPct val="106000"/>
-                        </a:lnSpc>
-                        <a:spcAft>
-                          <a:spcPts val="800"/>
-                        </a:spcAft>
-                      </a:pPr>
-                      <a:r>
-                        <a:rPr lang="pt-PT" sz="1200">
-                          <a:effectLst/>
-                          <a:latin typeface="+mj-lt"/>
-                          <a:ea typeface="Calibri"/>
-                          <a:cs typeface="Times New Roman"/>
-                        </a:rPr>
-                        <a:t>É paga?</a:t>
-                      </a:r>
-                      <a:endParaRPr lang="pt-PT" sz="1600">
-                        <a:effectLst/>
-                        <a:latin typeface="+mj-lt"/>
-                        <a:ea typeface="Calibri"/>
-                        <a:cs typeface="Times New Roman"/>
-                      </a:endParaRPr>
-                    </a:p>
-                  </a:txBody>
-                  <a:tcPr marL="68580" marR="68580" marT="0" marB="0"/>
-                </a:tc>
-                <a:tc>
-                  <a:txBody>
-                    <a:bodyPr/>
-                    <a:lstStyle/>
-                    <a:p>
-                      <a:pPr algn="ctr">
-                        <a:lnSpc>
-                          <a:spcPct val="106000"/>
-                        </a:lnSpc>
-                        <a:spcAft>
-                          <a:spcPts val="800"/>
-                        </a:spcAft>
-                      </a:pPr>
-                      <a:r>
-                        <a:rPr lang="pt-PT" sz="1200">
-                          <a:effectLst/>
-                          <a:latin typeface="+mj-lt"/>
-                          <a:ea typeface="Calibri"/>
-                          <a:cs typeface="Times New Roman"/>
-                        </a:rPr>
-                        <a:t> </a:t>
-                      </a:r>
-                      <a:endParaRPr lang="pt-PT" sz="1600">
-                        <a:effectLst/>
-                        <a:latin typeface="+mj-lt"/>
-                        <a:ea typeface="Calibri"/>
-                        <a:cs typeface="Times New Roman"/>
-                      </a:endParaRPr>
-                    </a:p>
-                  </a:txBody>
-                  <a:tcPr marL="68580" marR="68580" marT="0" marB="0"/>
-                </a:tc>
-                <a:tc>
-                  <a:txBody>
-                    <a:bodyPr/>
-                    <a:lstStyle/>
-                    <a:p>
-                      <a:pPr algn="ctr">
-                        <a:lnSpc>
-                          <a:spcPct val="106000"/>
-                        </a:lnSpc>
-                        <a:spcAft>
-                          <a:spcPts val="800"/>
-                        </a:spcAft>
-                      </a:pPr>
-                      <a:r>
-                        <a:rPr lang="pt-PT" sz="1200">
-                          <a:effectLst/>
-                          <a:latin typeface="+mj-lt"/>
-                          <a:ea typeface="Calibri"/>
-                          <a:cs typeface="Times New Roman"/>
-                        </a:rPr>
-                        <a:t>X</a:t>
-                      </a:r>
-                      <a:endParaRPr lang="pt-PT" sz="1600">
-                        <a:effectLst/>
-                        <a:latin typeface="+mj-lt"/>
-                        <a:ea typeface="Calibri"/>
-                        <a:cs typeface="Times New Roman"/>
-                      </a:endParaRPr>
-                    </a:p>
-                  </a:txBody>
-                  <a:tcPr marL="68580" marR="68580" marT="0" marB="0"/>
-                </a:tc>
-              </a:tr>
-              <a:tr h="370840">
-                <a:tc>
-                  <a:txBody>
-                    <a:bodyPr/>
-                    <a:lstStyle/>
-                    <a:p>
-                      <a:pPr algn="just">
-                        <a:lnSpc>
-                          <a:spcPct val="106000"/>
-                        </a:lnSpc>
-                        <a:spcAft>
-                          <a:spcPts val="800"/>
-                        </a:spcAft>
-                      </a:pPr>
-                      <a:r>
-                        <a:rPr lang="pt-PT" sz="1200">
-                          <a:effectLst/>
-                          <a:latin typeface="+mj-lt"/>
-                          <a:ea typeface="Calibri"/>
-                          <a:cs typeface="Times New Roman"/>
-                        </a:rPr>
-                        <a:t>Tem registo gratuito?</a:t>
-                      </a:r>
-                      <a:endParaRPr lang="pt-PT" sz="1600">
-                        <a:effectLst/>
-                        <a:latin typeface="+mj-lt"/>
-                        <a:ea typeface="Calibri"/>
-                        <a:cs typeface="Times New Roman"/>
-                      </a:endParaRPr>
-                    </a:p>
-                  </a:txBody>
-                  <a:tcPr marL="68580" marR="68580" marT="0" marB="0"/>
-                </a:tc>
-                <a:tc>
-                  <a:txBody>
-                    <a:bodyPr/>
-                    <a:lstStyle/>
-                    <a:p>
-                      <a:pPr algn="ctr">
-                        <a:lnSpc>
-                          <a:spcPct val="106000"/>
-                        </a:lnSpc>
-                        <a:spcAft>
-                          <a:spcPts val="800"/>
-                        </a:spcAft>
-                      </a:pPr>
-                      <a:r>
-                        <a:rPr lang="pt-PT" sz="1200">
-                          <a:effectLst/>
-                          <a:latin typeface="+mj-lt"/>
-                          <a:ea typeface="Calibri"/>
-                          <a:cs typeface="Times New Roman"/>
-                        </a:rPr>
-                        <a:t>X</a:t>
-                      </a:r>
-                      <a:endParaRPr lang="pt-PT" sz="1600">
-                        <a:effectLst/>
-                        <a:latin typeface="+mj-lt"/>
-                        <a:ea typeface="Calibri"/>
-                        <a:cs typeface="Times New Roman"/>
-                      </a:endParaRPr>
-                    </a:p>
-                  </a:txBody>
-                  <a:tcPr marL="68580" marR="68580" marT="0" marB="0"/>
-                </a:tc>
-                <a:tc>
-                  <a:txBody>
-                    <a:bodyPr/>
-                    <a:lstStyle/>
-                    <a:p>
-                      <a:pPr algn="ctr">
-                        <a:lnSpc>
-                          <a:spcPct val="106000"/>
-                        </a:lnSpc>
-                        <a:spcAft>
-                          <a:spcPts val="800"/>
-                        </a:spcAft>
-                      </a:pPr>
-                      <a:r>
-                        <a:rPr lang="pt-PT" sz="1200">
-                          <a:effectLst/>
-                          <a:latin typeface="+mj-lt"/>
-                          <a:ea typeface="Calibri"/>
-                          <a:cs typeface="Times New Roman"/>
-                        </a:rPr>
-                        <a:t> </a:t>
-                      </a:r>
-                      <a:endParaRPr lang="pt-PT" sz="1600">
-                        <a:effectLst/>
-                        <a:latin typeface="+mj-lt"/>
-                        <a:ea typeface="Calibri"/>
-                        <a:cs typeface="Times New Roman"/>
-                      </a:endParaRPr>
-                    </a:p>
-                  </a:txBody>
-                  <a:tcPr marL="68580" marR="68580" marT="0" marB="0"/>
-                </a:tc>
-              </a:tr>
-              <a:tr h="370840">
-                <a:tc>
-                  <a:txBody>
-                    <a:bodyPr/>
-                    <a:lstStyle/>
-                    <a:p>
-                      <a:pPr algn="just">
-                        <a:lnSpc>
-                          <a:spcPct val="106000"/>
-                        </a:lnSpc>
-                        <a:spcAft>
-                          <a:spcPts val="800"/>
-                        </a:spcAft>
-                      </a:pPr>
-                      <a:r>
-                        <a:rPr lang="pt-PT" sz="1200">
-                          <a:effectLst/>
-                          <a:latin typeface="+mj-lt"/>
-                          <a:ea typeface="Calibri"/>
-                          <a:cs typeface="Times New Roman"/>
-                        </a:rPr>
-                        <a:t>É </a:t>
-                      </a:r>
-                      <a:r>
-                        <a:rPr lang="pt-PT" sz="1200" i="1">
-                          <a:effectLst/>
-                          <a:latin typeface="+mj-lt"/>
-                          <a:ea typeface="Calibri"/>
-                          <a:cs typeface="Times New Roman"/>
-                        </a:rPr>
-                        <a:t>open-source</a:t>
-                      </a:r>
-                      <a:r>
-                        <a:rPr lang="pt-PT" sz="1200">
-                          <a:effectLst/>
-                          <a:latin typeface="+mj-lt"/>
-                          <a:ea typeface="Calibri"/>
-                          <a:cs typeface="Times New Roman"/>
-                        </a:rPr>
-                        <a:t>?</a:t>
-                      </a:r>
-                      <a:endParaRPr lang="pt-PT" sz="1600">
-                        <a:effectLst/>
-                        <a:latin typeface="+mj-lt"/>
-                        <a:ea typeface="Calibri"/>
-                        <a:cs typeface="Times New Roman"/>
-                      </a:endParaRPr>
-                    </a:p>
-                  </a:txBody>
-                  <a:tcPr marL="68580" marR="68580" marT="0" marB="0"/>
-                </a:tc>
-                <a:tc>
-                  <a:txBody>
-                    <a:bodyPr/>
-                    <a:lstStyle/>
-                    <a:p>
-                      <a:pPr algn="ctr">
-                        <a:lnSpc>
-                          <a:spcPct val="106000"/>
-                        </a:lnSpc>
-                        <a:spcAft>
-                          <a:spcPts val="800"/>
-                        </a:spcAft>
-                      </a:pPr>
-                      <a:r>
-                        <a:rPr lang="pt-PT" sz="1200">
-                          <a:effectLst/>
-                          <a:latin typeface="+mj-lt"/>
-                          <a:ea typeface="Calibri"/>
-                          <a:cs typeface="Times New Roman"/>
-                        </a:rPr>
-                        <a:t> </a:t>
-                      </a:r>
-                      <a:endParaRPr lang="pt-PT" sz="1600">
-                        <a:effectLst/>
-                        <a:latin typeface="+mj-lt"/>
-                        <a:ea typeface="Calibri"/>
-                        <a:cs typeface="Times New Roman"/>
-                      </a:endParaRPr>
-                    </a:p>
-                  </a:txBody>
-                  <a:tcPr marL="68580" marR="68580" marT="0" marB="0"/>
-                </a:tc>
-                <a:tc>
-                  <a:txBody>
-                    <a:bodyPr/>
-                    <a:lstStyle/>
-                    <a:p>
-                      <a:pPr algn="ctr">
-                        <a:lnSpc>
-                          <a:spcPct val="106000"/>
-                        </a:lnSpc>
-                        <a:spcAft>
-                          <a:spcPts val="800"/>
-                        </a:spcAft>
-                      </a:pPr>
-                      <a:r>
-                        <a:rPr lang="pt-PT" sz="1200">
-                          <a:effectLst/>
-                          <a:latin typeface="+mj-lt"/>
-                          <a:ea typeface="Calibri"/>
-                          <a:cs typeface="Times New Roman"/>
-                        </a:rPr>
-                        <a:t>X</a:t>
-                      </a:r>
-                      <a:endParaRPr lang="pt-PT" sz="1600">
-                        <a:effectLst/>
-                        <a:latin typeface="+mj-lt"/>
-                        <a:ea typeface="Calibri"/>
-                        <a:cs typeface="Times New Roman"/>
-                      </a:endParaRPr>
-                    </a:p>
-                  </a:txBody>
-                  <a:tcPr marL="68580" marR="68580" marT="0" marB="0"/>
-                </a:tc>
-              </a:tr>
-              <a:tr h="370840">
-                <a:tc>
-                  <a:txBody>
-                    <a:bodyPr/>
-                    <a:lstStyle/>
-                    <a:p>
-                      <a:pPr algn="just">
-                        <a:lnSpc>
-                          <a:spcPct val="106000"/>
-                        </a:lnSpc>
-                        <a:spcAft>
-                          <a:spcPts val="800"/>
-                        </a:spcAft>
-                      </a:pPr>
-                      <a:r>
-                        <a:rPr lang="pt-PT" sz="1200">
-                          <a:effectLst/>
-                          <a:latin typeface="+mj-lt"/>
-                          <a:ea typeface="Calibri"/>
-                          <a:cs typeface="Times New Roman"/>
-                        </a:rPr>
-                        <a:t>Permite pesquisar por pedidos?</a:t>
-                      </a:r>
-                      <a:endParaRPr lang="pt-PT" sz="1600">
-                        <a:effectLst/>
-                        <a:latin typeface="+mj-lt"/>
-                        <a:ea typeface="Calibri"/>
-                        <a:cs typeface="Times New Roman"/>
-                      </a:endParaRPr>
-                    </a:p>
-                  </a:txBody>
-                  <a:tcPr marL="68580" marR="68580" marT="0" marB="0"/>
-                </a:tc>
-                <a:tc>
-                  <a:txBody>
-                    <a:bodyPr/>
-                    <a:lstStyle/>
-                    <a:p>
-                      <a:pPr algn="ctr">
-                        <a:lnSpc>
-                          <a:spcPct val="106000"/>
-                        </a:lnSpc>
-                        <a:spcAft>
-                          <a:spcPts val="800"/>
-                        </a:spcAft>
-                      </a:pPr>
-                      <a:r>
-                        <a:rPr lang="pt-PT" sz="1200">
-                          <a:effectLst/>
-                          <a:latin typeface="+mj-lt"/>
-                          <a:ea typeface="Calibri"/>
-                          <a:cs typeface="Times New Roman"/>
-                        </a:rPr>
-                        <a:t>X</a:t>
-                      </a:r>
-                      <a:endParaRPr lang="pt-PT" sz="1600">
-                        <a:effectLst/>
-                        <a:latin typeface="+mj-lt"/>
-                        <a:ea typeface="Calibri"/>
-                        <a:cs typeface="Times New Roman"/>
-                      </a:endParaRPr>
-                    </a:p>
-                  </a:txBody>
-                  <a:tcPr marL="68580" marR="68580" marT="0" marB="0"/>
-                </a:tc>
-                <a:tc>
-                  <a:txBody>
-                    <a:bodyPr/>
-                    <a:lstStyle/>
-                    <a:p>
-                      <a:pPr algn="ctr">
-                        <a:lnSpc>
-                          <a:spcPct val="106000"/>
-                        </a:lnSpc>
-                        <a:spcAft>
-                          <a:spcPts val="800"/>
-                        </a:spcAft>
-                      </a:pPr>
-                      <a:r>
-                        <a:rPr lang="pt-PT" sz="1200">
-                          <a:effectLst/>
-                          <a:latin typeface="+mj-lt"/>
-                          <a:ea typeface="Calibri"/>
-                          <a:cs typeface="Times New Roman"/>
-                        </a:rPr>
-                        <a:t> </a:t>
-                      </a:r>
-                      <a:endParaRPr lang="pt-PT" sz="1600">
-                        <a:effectLst/>
-                        <a:latin typeface="+mj-lt"/>
-                        <a:ea typeface="Calibri"/>
-                        <a:cs typeface="Times New Roman"/>
-                      </a:endParaRPr>
-                    </a:p>
-                  </a:txBody>
-                  <a:tcPr marL="68580" marR="68580" marT="0" marB="0"/>
-                </a:tc>
-              </a:tr>
-              <a:tr h="370840">
-                <a:tc>
-                  <a:txBody>
-                    <a:bodyPr/>
-                    <a:lstStyle/>
-                    <a:p>
-                      <a:pPr algn="just">
-                        <a:lnSpc>
-                          <a:spcPct val="106000"/>
-                        </a:lnSpc>
-                        <a:spcAft>
-                          <a:spcPts val="800"/>
-                        </a:spcAft>
-                      </a:pPr>
-                      <a:r>
-                        <a:rPr lang="pt-PT" sz="1200">
-                          <a:effectLst/>
-                          <a:latin typeface="+mj-lt"/>
-                          <a:ea typeface="Calibri"/>
-                          <a:cs typeface="Times New Roman"/>
-                        </a:rPr>
-                        <a:t>Permite a duplicação de pedidos?</a:t>
-                      </a:r>
-                      <a:endParaRPr lang="pt-PT" sz="1600">
-                        <a:effectLst/>
-                        <a:latin typeface="+mj-lt"/>
-                        <a:ea typeface="Calibri"/>
-                        <a:cs typeface="Times New Roman"/>
-                      </a:endParaRPr>
-                    </a:p>
-                  </a:txBody>
-                  <a:tcPr marL="68580" marR="68580" marT="0" marB="0"/>
-                </a:tc>
-                <a:tc>
-                  <a:txBody>
-                    <a:bodyPr/>
-                    <a:lstStyle/>
-                    <a:p>
-                      <a:pPr algn="ctr">
-                        <a:lnSpc>
-                          <a:spcPct val="106000"/>
-                        </a:lnSpc>
-                        <a:spcAft>
-                          <a:spcPts val="800"/>
-                        </a:spcAft>
-                      </a:pPr>
-                      <a:r>
-                        <a:rPr lang="pt-PT" sz="1200">
-                          <a:effectLst/>
-                          <a:latin typeface="+mj-lt"/>
-                          <a:ea typeface="Calibri"/>
-                          <a:cs typeface="Times New Roman"/>
-                        </a:rPr>
-                        <a:t> </a:t>
-                      </a:r>
-                      <a:endParaRPr lang="pt-PT" sz="1600">
-                        <a:effectLst/>
-                        <a:latin typeface="+mj-lt"/>
-                        <a:ea typeface="Calibri"/>
-                        <a:cs typeface="Times New Roman"/>
-                      </a:endParaRPr>
-                    </a:p>
-                  </a:txBody>
-                  <a:tcPr marL="68580" marR="68580" marT="0" marB="0"/>
-                </a:tc>
-                <a:tc>
-                  <a:txBody>
-                    <a:bodyPr/>
-                    <a:lstStyle/>
-                    <a:p>
-                      <a:pPr algn="ctr">
-                        <a:lnSpc>
-                          <a:spcPct val="106000"/>
-                        </a:lnSpc>
-                        <a:spcAft>
-                          <a:spcPts val="800"/>
-                        </a:spcAft>
-                      </a:pPr>
-                      <a:r>
-                        <a:rPr lang="pt-PT" sz="1200">
-                          <a:effectLst/>
-                          <a:latin typeface="+mj-lt"/>
-                          <a:ea typeface="Calibri"/>
-                          <a:cs typeface="Times New Roman"/>
-                        </a:rPr>
-                        <a:t>X</a:t>
-                      </a:r>
-                      <a:endParaRPr lang="pt-PT" sz="1600">
-                        <a:effectLst/>
-                        <a:latin typeface="+mj-lt"/>
-                        <a:ea typeface="Calibri"/>
-                        <a:cs typeface="Times New Roman"/>
-                      </a:endParaRPr>
-                    </a:p>
-                  </a:txBody>
-                  <a:tcPr marL="68580" marR="68580" marT="0" marB="0"/>
-                </a:tc>
-              </a:tr>
-              <a:tr h="370840">
-                <a:tc>
-                  <a:txBody>
-                    <a:bodyPr/>
-                    <a:lstStyle/>
-                    <a:p>
-                      <a:pPr algn="just">
-                        <a:lnSpc>
-                          <a:spcPct val="106000"/>
-                        </a:lnSpc>
-                        <a:spcAft>
-                          <a:spcPts val="800"/>
-                        </a:spcAft>
-                      </a:pPr>
-                      <a:r>
-                        <a:rPr lang="pt-PT" sz="1200">
-                          <a:effectLst/>
-                          <a:latin typeface="+mj-lt"/>
-                          <a:ea typeface="Calibri"/>
-                          <a:cs typeface="Times New Roman"/>
-                        </a:rPr>
-                        <a:t>Permite editar ofertas depois de anunciadas?</a:t>
-                      </a:r>
-                      <a:endParaRPr lang="pt-PT" sz="1600">
-                        <a:effectLst/>
-                        <a:latin typeface="+mj-lt"/>
-                        <a:ea typeface="Calibri"/>
-                        <a:cs typeface="Times New Roman"/>
-                      </a:endParaRPr>
-                    </a:p>
-                  </a:txBody>
-                  <a:tcPr marL="68580" marR="68580" marT="0" marB="0"/>
-                </a:tc>
-                <a:tc>
-                  <a:txBody>
-                    <a:bodyPr/>
-                    <a:lstStyle/>
-                    <a:p>
-                      <a:pPr algn="ctr">
-                        <a:lnSpc>
-                          <a:spcPct val="106000"/>
-                        </a:lnSpc>
-                        <a:spcAft>
-                          <a:spcPts val="800"/>
-                        </a:spcAft>
-                      </a:pPr>
-                      <a:r>
-                        <a:rPr lang="pt-PT" sz="1200">
-                          <a:effectLst/>
-                          <a:latin typeface="+mj-lt"/>
-                          <a:ea typeface="Calibri"/>
-                          <a:cs typeface="Times New Roman"/>
-                        </a:rPr>
-                        <a:t> </a:t>
-                      </a:r>
-                      <a:endParaRPr lang="pt-PT" sz="1600">
-                        <a:effectLst/>
-                        <a:latin typeface="+mj-lt"/>
-                        <a:ea typeface="Calibri"/>
-                        <a:cs typeface="Times New Roman"/>
-                      </a:endParaRPr>
-                    </a:p>
-                  </a:txBody>
-                  <a:tcPr marL="68580" marR="68580" marT="0" marB="0"/>
-                </a:tc>
-                <a:tc>
-                  <a:txBody>
-                    <a:bodyPr/>
-                    <a:lstStyle/>
-                    <a:p>
-                      <a:pPr algn="ctr">
-                        <a:lnSpc>
-                          <a:spcPct val="106000"/>
-                        </a:lnSpc>
-                        <a:spcAft>
-                          <a:spcPts val="800"/>
-                        </a:spcAft>
-                      </a:pPr>
-                      <a:r>
-                        <a:rPr lang="pt-PT" sz="1200">
-                          <a:effectLst/>
-                          <a:latin typeface="+mj-lt"/>
-                          <a:ea typeface="Calibri"/>
-                          <a:cs typeface="Times New Roman"/>
-                        </a:rPr>
-                        <a:t>X</a:t>
-                      </a:r>
-                      <a:endParaRPr lang="pt-PT" sz="1600">
-                        <a:effectLst/>
-                        <a:latin typeface="+mj-lt"/>
-                        <a:ea typeface="Calibri"/>
-                        <a:cs typeface="Times New Roman"/>
-                      </a:endParaRPr>
-                    </a:p>
-                  </a:txBody>
-                  <a:tcPr marL="68580" marR="68580" marT="0" marB="0"/>
-                </a:tc>
-              </a:tr>
-              <a:tr h="370840">
-                <a:tc>
-                  <a:txBody>
-                    <a:bodyPr/>
-                    <a:lstStyle/>
-                    <a:p>
-                      <a:pPr algn="just">
-                        <a:lnSpc>
-                          <a:spcPct val="106000"/>
-                        </a:lnSpc>
-                        <a:spcAft>
-                          <a:spcPts val="800"/>
-                        </a:spcAft>
-                      </a:pPr>
-                      <a:r>
-                        <a:rPr lang="pt-PT" sz="1200">
-                          <a:effectLst/>
-                          <a:latin typeface="+mj-lt"/>
-                          <a:ea typeface="Calibri"/>
-                          <a:cs typeface="Times New Roman"/>
-                        </a:rPr>
-                        <a:t>Permite a criação de grupos de utilizadores?</a:t>
-                      </a:r>
-                      <a:endParaRPr lang="pt-PT" sz="1600">
-                        <a:effectLst/>
-                        <a:latin typeface="+mj-lt"/>
-                        <a:ea typeface="Calibri"/>
-                        <a:cs typeface="Times New Roman"/>
-                      </a:endParaRPr>
-                    </a:p>
-                  </a:txBody>
-                  <a:tcPr marL="68580" marR="68580" marT="0" marB="0"/>
-                </a:tc>
-                <a:tc>
-                  <a:txBody>
-                    <a:bodyPr/>
-                    <a:lstStyle/>
-                    <a:p>
-                      <a:pPr algn="ctr">
-                        <a:lnSpc>
-                          <a:spcPct val="106000"/>
-                        </a:lnSpc>
-                        <a:spcAft>
-                          <a:spcPts val="800"/>
-                        </a:spcAft>
-                      </a:pPr>
-                      <a:r>
-                        <a:rPr lang="pt-PT" sz="1200">
-                          <a:effectLst/>
-                          <a:latin typeface="+mj-lt"/>
-                          <a:ea typeface="Calibri"/>
-                          <a:cs typeface="Times New Roman"/>
-                        </a:rPr>
-                        <a:t> </a:t>
-                      </a:r>
-                      <a:endParaRPr lang="pt-PT" sz="1600">
-                        <a:effectLst/>
-                        <a:latin typeface="+mj-lt"/>
-                        <a:ea typeface="Calibri"/>
-                        <a:cs typeface="Times New Roman"/>
-                      </a:endParaRPr>
-                    </a:p>
-                  </a:txBody>
-                  <a:tcPr marL="68580" marR="68580" marT="0" marB="0"/>
-                </a:tc>
-                <a:tc>
-                  <a:txBody>
-                    <a:bodyPr/>
-                    <a:lstStyle/>
-                    <a:p>
-                      <a:pPr algn="ctr">
-                        <a:lnSpc>
-                          <a:spcPct val="106000"/>
-                        </a:lnSpc>
-                        <a:spcAft>
-                          <a:spcPts val="800"/>
-                        </a:spcAft>
-                      </a:pPr>
-                      <a:r>
-                        <a:rPr lang="pt-PT" sz="1200">
-                          <a:effectLst/>
-                          <a:latin typeface="+mj-lt"/>
-                          <a:ea typeface="Calibri"/>
-                          <a:cs typeface="Times New Roman"/>
-                        </a:rPr>
-                        <a:t>X</a:t>
-                      </a:r>
-                      <a:endParaRPr lang="pt-PT" sz="1600">
-                        <a:effectLst/>
-                        <a:latin typeface="+mj-lt"/>
-                        <a:ea typeface="Calibri"/>
-                        <a:cs typeface="Times New Roman"/>
-                      </a:endParaRPr>
-                    </a:p>
-                  </a:txBody>
-                  <a:tcPr marL="68580" marR="68580" marT="0" marB="0"/>
-                </a:tc>
-              </a:tr>
-              <a:tr h="370840">
-                <a:tc>
-                  <a:txBody>
-                    <a:bodyPr/>
-                    <a:lstStyle/>
-                    <a:p>
-                      <a:pPr algn="just">
-                        <a:lnSpc>
-                          <a:spcPct val="106000"/>
-                        </a:lnSpc>
-                        <a:spcAft>
-                          <a:spcPts val="800"/>
-                        </a:spcAft>
-                      </a:pPr>
-                      <a:r>
-                        <a:rPr lang="pt-PT" sz="1200">
-                          <a:effectLst/>
-                          <a:latin typeface="+mj-lt"/>
-                          <a:ea typeface="Calibri"/>
-                          <a:cs typeface="Times New Roman"/>
-                        </a:rPr>
-                        <a:t>Consigo enviar ofertas diretamente aos meus amigos?</a:t>
-                      </a:r>
-                      <a:endParaRPr lang="pt-PT" sz="1600">
-                        <a:effectLst/>
-                        <a:latin typeface="+mj-lt"/>
-                        <a:ea typeface="Calibri"/>
-                        <a:cs typeface="Times New Roman"/>
-                      </a:endParaRPr>
-                    </a:p>
-                  </a:txBody>
-                  <a:tcPr marL="68580" marR="68580" marT="0" marB="0"/>
-                </a:tc>
-                <a:tc>
-                  <a:txBody>
-                    <a:bodyPr/>
-                    <a:lstStyle/>
-                    <a:p>
-                      <a:pPr algn="ctr">
-                        <a:lnSpc>
-                          <a:spcPct val="106000"/>
-                        </a:lnSpc>
-                        <a:spcAft>
-                          <a:spcPts val="800"/>
-                        </a:spcAft>
-                      </a:pPr>
-                      <a:r>
-                        <a:rPr lang="pt-PT" sz="1200">
-                          <a:effectLst/>
-                          <a:latin typeface="+mj-lt"/>
-                          <a:ea typeface="Calibri"/>
-                          <a:cs typeface="Times New Roman"/>
-                        </a:rPr>
-                        <a:t> </a:t>
-                      </a:r>
-                      <a:endParaRPr lang="pt-PT" sz="1600">
-                        <a:effectLst/>
-                        <a:latin typeface="+mj-lt"/>
-                        <a:ea typeface="Calibri"/>
-                        <a:cs typeface="Times New Roman"/>
-                      </a:endParaRPr>
-                    </a:p>
-                  </a:txBody>
-                  <a:tcPr marL="68580" marR="68580" marT="0" marB="0"/>
-                </a:tc>
-                <a:tc>
-                  <a:txBody>
-                    <a:bodyPr/>
-                    <a:lstStyle/>
-                    <a:p>
-                      <a:pPr algn="ctr">
-                        <a:lnSpc>
-                          <a:spcPct val="106000"/>
-                        </a:lnSpc>
-                        <a:spcAft>
-                          <a:spcPts val="800"/>
-                        </a:spcAft>
-                      </a:pPr>
-                      <a:r>
-                        <a:rPr lang="pt-PT" sz="1200">
-                          <a:effectLst/>
-                          <a:latin typeface="+mj-lt"/>
-                          <a:ea typeface="Calibri"/>
-                          <a:cs typeface="Times New Roman"/>
-                        </a:rPr>
-                        <a:t>X</a:t>
-                      </a:r>
-                      <a:endParaRPr lang="pt-PT" sz="1600">
-                        <a:effectLst/>
-                        <a:latin typeface="+mj-lt"/>
-                        <a:ea typeface="Calibri"/>
-                        <a:cs typeface="Times New Roman"/>
-                      </a:endParaRPr>
-                    </a:p>
-                  </a:txBody>
-                  <a:tcPr marL="68580" marR="68580" marT="0" marB="0"/>
-                </a:tc>
-              </a:tr>
-              <a:tr h="370840">
-                <a:tc>
-                  <a:txBody>
-                    <a:bodyPr/>
-                    <a:lstStyle/>
-                    <a:p>
-                      <a:pPr algn="just">
-                        <a:lnSpc>
-                          <a:spcPct val="106000"/>
-                        </a:lnSpc>
-                        <a:spcAft>
-                          <a:spcPts val="800"/>
-                        </a:spcAft>
-                      </a:pPr>
-                      <a:r>
-                        <a:rPr lang="pt-PT" sz="1200">
-                          <a:effectLst/>
-                          <a:latin typeface="+mj-lt"/>
-                          <a:ea typeface="Calibri"/>
-                          <a:cs typeface="Times New Roman"/>
-                        </a:rPr>
-                        <a:t>Consigo reservar várias viagens a longo prazo?</a:t>
-                      </a:r>
-                      <a:endParaRPr lang="pt-PT" sz="1600">
-                        <a:effectLst/>
-                        <a:latin typeface="+mj-lt"/>
-                        <a:ea typeface="Calibri"/>
-                        <a:cs typeface="Times New Roman"/>
-                      </a:endParaRPr>
-                    </a:p>
-                  </a:txBody>
-                  <a:tcPr marL="68580" marR="68580" marT="0" marB="0"/>
-                </a:tc>
-                <a:tc>
-                  <a:txBody>
-                    <a:bodyPr/>
-                    <a:lstStyle/>
-                    <a:p>
-                      <a:pPr algn="ctr">
-                        <a:lnSpc>
-                          <a:spcPct val="106000"/>
-                        </a:lnSpc>
-                        <a:spcAft>
-                          <a:spcPts val="800"/>
-                        </a:spcAft>
-                      </a:pPr>
-                      <a:r>
-                        <a:rPr lang="pt-PT" sz="1200" dirty="0">
-                          <a:effectLst/>
-                          <a:latin typeface="+mj-lt"/>
-                          <a:ea typeface="Calibri"/>
-                          <a:cs typeface="Times New Roman"/>
-                        </a:rPr>
-                        <a:t> </a:t>
-                      </a:r>
-                      <a:endParaRPr lang="pt-PT" sz="1600" dirty="0">
-                        <a:effectLst/>
-                        <a:latin typeface="+mj-lt"/>
-                        <a:ea typeface="Calibri"/>
-                        <a:cs typeface="Times New Roman"/>
-                      </a:endParaRPr>
-                    </a:p>
-                  </a:txBody>
-                  <a:tcPr marL="68580" marR="68580" marT="0" marB="0"/>
-                </a:tc>
-                <a:tc>
-                  <a:txBody>
-                    <a:bodyPr/>
-                    <a:lstStyle/>
-                    <a:p>
-                      <a:pPr algn="ctr">
-                        <a:lnSpc>
-                          <a:spcPct val="106000"/>
-                        </a:lnSpc>
-                        <a:spcAft>
-                          <a:spcPts val="800"/>
-                        </a:spcAft>
-                      </a:pPr>
-                      <a:r>
-                        <a:rPr lang="pt-PT" sz="1200" dirty="0">
-                          <a:effectLst/>
-                          <a:latin typeface="+mj-lt"/>
-                          <a:ea typeface="Calibri"/>
-                          <a:cs typeface="Times New Roman"/>
-                        </a:rPr>
-                        <a:t>X</a:t>
-                      </a:r>
-                      <a:endParaRPr lang="pt-PT" sz="1600" dirty="0">
-                        <a:effectLst/>
-                        <a:latin typeface="+mj-lt"/>
-                        <a:ea typeface="Calibri"/>
-                        <a:cs typeface="Times New Roman"/>
-                      </a:endParaRPr>
-                    </a:p>
-                  </a:txBody>
-                  <a:tcPr marL="68580" marR="68580" marT="0" marB="0"/>
-                </a:tc>
-              </a:tr>
-              <a:tr h="370840">
-                <a:tc>
-                  <a:txBody>
-                    <a:bodyPr/>
-                    <a:lstStyle/>
-                    <a:p>
-                      <a:pPr algn="just">
-                        <a:lnSpc>
-                          <a:spcPct val="106000"/>
-                        </a:lnSpc>
-                        <a:spcAft>
-                          <a:spcPts val="800"/>
-                        </a:spcAft>
-                      </a:pPr>
-                      <a:r>
-                        <a:rPr lang="pt-PT" sz="1200" dirty="0">
-                          <a:effectLst/>
-                          <a:latin typeface="+mj-lt"/>
-                          <a:ea typeface="Calibri"/>
-                          <a:cs typeface="Times New Roman"/>
-                        </a:rPr>
-                        <a:t>Tem aplicação móvel?</a:t>
-                      </a:r>
-                      <a:endParaRPr lang="pt-PT" sz="1600" dirty="0">
-                        <a:effectLst/>
-                        <a:latin typeface="+mj-lt"/>
-                        <a:ea typeface="Calibri"/>
-                        <a:cs typeface="Times New Roman"/>
-                      </a:endParaRPr>
-                    </a:p>
-                  </a:txBody>
-                  <a:tcPr marL="68580" marR="68580" marT="0" marB="0"/>
-                </a:tc>
-                <a:tc>
-                  <a:txBody>
-                    <a:bodyPr/>
-                    <a:lstStyle/>
-                    <a:p>
-                      <a:pPr algn="ctr">
-                        <a:lnSpc>
-                          <a:spcPct val="106000"/>
-                        </a:lnSpc>
-                        <a:spcAft>
-                          <a:spcPts val="800"/>
-                        </a:spcAft>
-                      </a:pPr>
-                      <a:r>
-                        <a:rPr lang="pt-PT" sz="1200" dirty="0">
-                          <a:effectLst/>
-                          <a:latin typeface="+mj-lt"/>
-                          <a:ea typeface="Calibri"/>
-                          <a:cs typeface="Times New Roman"/>
-                        </a:rPr>
-                        <a:t> </a:t>
-                      </a:r>
-                      <a:endParaRPr lang="pt-PT" sz="1600" dirty="0">
-                        <a:effectLst/>
-                        <a:latin typeface="+mj-lt"/>
-                        <a:ea typeface="Calibri"/>
-                        <a:cs typeface="Times New Roman"/>
-                      </a:endParaRPr>
-                    </a:p>
-                  </a:txBody>
-                  <a:tcPr marL="68580" marR="68580" marT="0" marB="0"/>
-                </a:tc>
-                <a:tc>
-                  <a:txBody>
-                    <a:bodyPr/>
-                    <a:lstStyle/>
-                    <a:p>
-                      <a:pPr algn="ctr">
-                        <a:lnSpc>
-                          <a:spcPct val="106000"/>
-                        </a:lnSpc>
-                        <a:spcAft>
-                          <a:spcPts val="800"/>
-                        </a:spcAft>
-                      </a:pPr>
-                      <a:r>
-                        <a:rPr lang="pt-PT" sz="1200" dirty="0">
+                      <a:r>
+                        <a:rPr lang="pt-PT" sz="1600" dirty="0" smtClean="0">
                           <a:effectLst/>
                           <a:latin typeface="+mj-lt"/>
                           <a:ea typeface="Calibri"/>
@@ -7499,7 +7275,7 @@
       </p:sp>
       <p:pic>
         <p:nvPicPr>
-          <p:cNvPr id="4" name="Content Placeholder 3"/>
+          <p:cNvPr id="5" name="Content Placeholder 4"/>
           <p:cNvPicPr>
             <a:picLocks noGrp="1" noChangeAspect="1"/>
           </p:cNvPicPr>
@@ -7521,8 +7297,8 @@
         </p:blipFill>
         <p:spPr>
           <a:xfrm>
-            <a:off x="1403648" y="476672"/>
-            <a:ext cx="6469205" cy="4968552"/>
+            <a:off x="1043608" y="476672"/>
+            <a:ext cx="7240307" cy="4492162"/>
           </a:xfrm>
         </p:spPr>
       </p:pic>
@@ -7602,7 +7378,7 @@
         </p:nvGraphicFramePr>
         <p:xfrm>
           <a:off x="503238" y="530225"/>
-          <a:ext cx="8183562" cy="4450336"/>
+          <a:ext cx="8183562" cy="4594225"/>
         </p:xfrm>
         <a:graphic>
           <a:graphicData uri="http://schemas.openxmlformats.org/drawingml/2006/table">
@@ -7623,14 +7399,14 @@
                     <a:p>
                       <a:pPr algn="ctr">
                         <a:lnSpc>
-                          <a:spcPct val="106000"/>
-                        </a:lnSpc>
-                        <a:spcAft>
-                          <a:spcPts val="800"/>
-                        </a:spcAft>
-                      </a:pPr>
-                      <a:r>
-                        <a:rPr lang="pt-PT" sz="1200">
+                          <a:spcPct val="115000"/>
+                        </a:lnSpc>
+                        <a:spcAft>
+                          <a:spcPts val="0"/>
+                        </a:spcAft>
+                      </a:pPr>
+                      <a:r>
+                        <a:rPr lang="pt-PT" sz="1200" dirty="0">
                           <a:effectLst/>
                           <a:latin typeface="+mj-lt"/>
                           <a:ea typeface="Calibri"/>
@@ -7638,12 +7414,6 @@
                         </a:rPr>
                         <a:t>Funcionalidade</a:t>
                       </a:r>
-                      <a:endParaRPr lang="pt-PT" sz="1600">
-                        <a:effectLst/>
-                        <a:latin typeface="+mj-lt"/>
-                        <a:ea typeface="Calibri"/>
-                        <a:cs typeface="Times New Roman"/>
-                      </a:endParaRPr>
                     </a:p>
                   </a:txBody>
                   <a:tcPr marL="68580" marR="68580" marT="0" marB="0"/>
@@ -7655,14 +7425,14 @@
                     <a:p>
                       <a:pPr algn="ctr">
                         <a:lnSpc>
-                          <a:spcPct val="106000"/>
-                        </a:lnSpc>
-                        <a:spcAft>
-                          <a:spcPts val="800"/>
-                        </a:spcAft>
-                      </a:pPr>
-                      <a:r>
-                        <a:rPr lang="pt-PT" sz="1200">
+                          <a:spcPct val="115000"/>
+                        </a:lnSpc>
+                        <a:spcAft>
+                          <a:spcPts val="0"/>
+                        </a:spcAft>
+                      </a:pPr>
+                      <a:r>
+                        <a:rPr lang="pt-PT" sz="1200" dirty="0">
                           <a:effectLst/>
                           <a:latin typeface="+mj-lt"/>
                           <a:ea typeface="Calibri"/>
@@ -7670,12 +7440,6 @@
                         </a:rPr>
                         <a:t>Sim</a:t>
                       </a:r>
-                      <a:endParaRPr lang="pt-PT" sz="1600">
-                        <a:effectLst/>
-                        <a:latin typeface="+mj-lt"/>
-                        <a:ea typeface="Calibri"/>
-                        <a:cs typeface="Times New Roman"/>
-                      </a:endParaRPr>
                     </a:p>
                   </a:txBody>
                   <a:tcPr marL="68580" marR="68580" marT="0" marB="0"/>
@@ -7687,14 +7451,14 @@
                     <a:p>
                       <a:pPr algn="ctr">
                         <a:lnSpc>
-                          <a:spcPct val="106000"/>
-                        </a:lnSpc>
-                        <a:spcAft>
-                          <a:spcPts val="800"/>
-                        </a:spcAft>
-                      </a:pPr>
-                      <a:r>
-                        <a:rPr lang="pt-PT" sz="1200">
+                          <a:spcPct val="115000"/>
+                        </a:lnSpc>
+                        <a:spcAft>
+                          <a:spcPts val="0"/>
+                        </a:spcAft>
+                      </a:pPr>
+                      <a:r>
+                        <a:rPr lang="pt-PT" sz="1200" dirty="0">
                           <a:effectLst/>
                           <a:latin typeface="+mj-lt"/>
                           <a:ea typeface="Calibri"/>
@@ -7702,12 +7466,6 @@
                         </a:rPr>
                         <a:t>Não</a:t>
                       </a:r>
-                      <a:endParaRPr lang="pt-PT" sz="1600">
-                        <a:effectLst/>
-                        <a:latin typeface="+mj-lt"/>
-                        <a:ea typeface="Calibri"/>
-                        <a:cs typeface="Times New Roman"/>
-                      </a:endParaRPr>
                     </a:p>
                   </a:txBody>
                   <a:tcPr marL="68580" marR="68580" marT="0" marB="0"/>
@@ -7721,10 +7479,10 @@
                     <a:p>
                       <a:pPr algn="l">
                         <a:lnSpc>
-                          <a:spcPct val="106000"/>
-                        </a:lnSpc>
-                        <a:spcAft>
-                          <a:spcPts val="800"/>
+                          <a:spcPct val="115000"/>
+                        </a:lnSpc>
+                        <a:spcAft>
+                          <a:spcPts val="0"/>
                         </a:spcAft>
                       </a:pPr>
                       <a:r>
@@ -7736,12 +7494,6 @@
                         </a:rPr>
                         <a:t>É responsivo?</a:t>
                       </a:r>
-                      <a:endParaRPr lang="pt-PT" sz="1600">
-                        <a:effectLst/>
-                        <a:latin typeface="+mj-lt"/>
-                        <a:ea typeface="Calibri"/>
-                        <a:cs typeface="Times New Roman"/>
-                      </a:endParaRPr>
                     </a:p>
                   </a:txBody>
                   <a:tcPr marL="68580" marR="68580" marT="0" marB="0"/>
@@ -7753,14 +7505,14 @@
                     <a:p>
                       <a:pPr algn="ctr">
                         <a:lnSpc>
-                          <a:spcPct val="106000"/>
-                        </a:lnSpc>
-                        <a:spcAft>
-                          <a:spcPts val="800"/>
-                        </a:spcAft>
-                      </a:pPr>
-                      <a:r>
-                        <a:rPr lang="pt-PT" sz="1200">
+                          <a:spcPct val="115000"/>
+                        </a:lnSpc>
+                        <a:spcAft>
+                          <a:spcPts val="0"/>
+                        </a:spcAft>
+                      </a:pPr>
+                      <a:r>
+                        <a:rPr lang="pt-PT" sz="1600" dirty="0">
                           <a:effectLst/>
                           <a:latin typeface="+mj-lt"/>
                           <a:ea typeface="Calibri"/>
@@ -7768,513 +7520,14 @@
                         </a:rPr>
                         <a:t> </a:t>
                       </a:r>
-                      <a:endParaRPr lang="pt-PT" sz="1600">
-                        <a:effectLst/>
-                        <a:latin typeface="+mj-lt"/>
-                        <a:ea typeface="Calibri"/>
-                        <a:cs typeface="Times New Roman"/>
-                      </a:endParaRPr>
-                    </a:p>
-                  </a:txBody>
-                  <a:tcPr marL="68580" marR="68580" marT="0" marB="0"/>
-                </a:tc>
-                <a:tc>
-                  <a:txBody>
-                    <a:bodyPr/>
-                    <a:lstStyle/>
-                    <a:p>
-                      <a:pPr algn="ctr">
-                        <a:lnSpc>
-                          <a:spcPct val="106000"/>
-                        </a:lnSpc>
-                        <a:spcAft>
-                          <a:spcPts val="800"/>
-                        </a:spcAft>
-                      </a:pPr>
-                      <a:r>
-                        <a:rPr lang="pt-PT" sz="1200">
+                      <a:r>
+                        <a:rPr lang="pt-PT" sz="1600" dirty="0" smtClean="0">
                           <a:effectLst/>
                           <a:latin typeface="+mj-lt"/>
                           <a:ea typeface="Calibri"/>
                           <a:cs typeface="Times New Roman"/>
                         </a:rPr>
                         <a:t>X</a:t>
-                      </a:r>
-                      <a:endParaRPr lang="pt-PT" sz="1600">
-                        <a:effectLst/>
-                        <a:latin typeface="+mj-lt"/>
-                        <a:ea typeface="Calibri"/>
-                        <a:cs typeface="Times New Roman"/>
-                      </a:endParaRPr>
-                    </a:p>
-                  </a:txBody>
-                  <a:tcPr marL="68580" marR="68580" marT="0" marB="0"/>
-                </a:tc>
-              </a:tr>
-              <a:tr h="370840">
-                <a:tc>
-                  <a:txBody>
-                    <a:bodyPr/>
-                    <a:lstStyle/>
-                    <a:p>
-                      <a:pPr algn="l">
-                        <a:lnSpc>
-                          <a:spcPct val="106000"/>
-                        </a:lnSpc>
-                        <a:spcAft>
-                          <a:spcPts val="800"/>
-                        </a:spcAft>
-                      </a:pPr>
-                      <a:r>
-                        <a:rPr lang="pt-PT" sz="1200">
-                          <a:effectLst/>
-                          <a:latin typeface="+mj-lt"/>
-                          <a:ea typeface="Calibri"/>
-                          <a:cs typeface="Times New Roman"/>
-                        </a:rPr>
-                        <a:t>É paga?</a:t>
-                      </a:r>
-                      <a:endParaRPr lang="pt-PT" sz="1600">
-                        <a:effectLst/>
-                        <a:latin typeface="+mj-lt"/>
-                        <a:ea typeface="Calibri"/>
-                        <a:cs typeface="Times New Roman"/>
-                      </a:endParaRPr>
-                    </a:p>
-                  </a:txBody>
-                  <a:tcPr marL="68580" marR="68580" marT="0" marB="0"/>
-                </a:tc>
-                <a:tc>
-                  <a:txBody>
-                    <a:bodyPr/>
-                    <a:lstStyle/>
-                    <a:p>
-                      <a:pPr algn="ctr">
-                        <a:lnSpc>
-                          <a:spcPct val="106000"/>
-                        </a:lnSpc>
-                        <a:spcAft>
-                          <a:spcPts val="800"/>
-                        </a:spcAft>
-                      </a:pPr>
-                      <a:r>
-                        <a:rPr lang="pt-PT" sz="1200">
-                          <a:effectLst/>
-                          <a:latin typeface="+mj-lt"/>
-                          <a:ea typeface="Calibri"/>
-                          <a:cs typeface="Times New Roman"/>
-                        </a:rPr>
-                        <a:t> </a:t>
-                      </a:r>
-                      <a:endParaRPr lang="pt-PT" sz="1600">
-                        <a:effectLst/>
-                        <a:latin typeface="+mj-lt"/>
-                        <a:ea typeface="Calibri"/>
-                        <a:cs typeface="Times New Roman"/>
-                      </a:endParaRPr>
-                    </a:p>
-                  </a:txBody>
-                  <a:tcPr marL="68580" marR="68580" marT="0" marB="0"/>
-                </a:tc>
-                <a:tc>
-                  <a:txBody>
-                    <a:bodyPr/>
-                    <a:lstStyle/>
-                    <a:p>
-                      <a:pPr algn="ctr">
-                        <a:lnSpc>
-                          <a:spcPct val="106000"/>
-                        </a:lnSpc>
-                        <a:spcAft>
-                          <a:spcPts val="800"/>
-                        </a:spcAft>
-                      </a:pPr>
-                      <a:r>
-                        <a:rPr lang="pt-PT" sz="1200">
-                          <a:effectLst/>
-                          <a:latin typeface="+mj-lt"/>
-                          <a:ea typeface="Calibri"/>
-                          <a:cs typeface="Times New Roman"/>
-                        </a:rPr>
-                        <a:t>X</a:t>
-                      </a:r>
-                      <a:endParaRPr lang="pt-PT" sz="1600">
-                        <a:effectLst/>
-                        <a:latin typeface="+mj-lt"/>
-                        <a:ea typeface="Calibri"/>
-                        <a:cs typeface="Times New Roman"/>
-                      </a:endParaRPr>
-                    </a:p>
-                  </a:txBody>
-                  <a:tcPr marL="68580" marR="68580" marT="0" marB="0"/>
-                </a:tc>
-              </a:tr>
-              <a:tr h="370840">
-                <a:tc>
-                  <a:txBody>
-                    <a:bodyPr/>
-                    <a:lstStyle/>
-                    <a:p>
-                      <a:pPr algn="l">
-                        <a:lnSpc>
-                          <a:spcPct val="106000"/>
-                        </a:lnSpc>
-                        <a:spcAft>
-                          <a:spcPts val="800"/>
-                        </a:spcAft>
-                      </a:pPr>
-                      <a:r>
-                        <a:rPr lang="pt-PT" sz="1200">
-                          <a:effectLst/>
-                          <a:latin typeface="+mj-lt"/>
-                          <a:ea typeface="Calibri"/>
-                          <a:cs typeface="Times New Roman"/>
-                        </a:rPr>
-                        <a:t>Tem registo gratuito?</a:t>
-                      </a:r>
-                      <a:endParaRPr lang="pt-PT" sz="1600">
-                        <a:effectLst/>
-                        <a:latin typeface="+mj-lt"/>
-                        <a:ea typeface="Calibri"/>
-                        <a:cs typeface="Times New Roman"/>
-                      </a:endParaRPr>
-                    </a:p>
-                  </a:txBody>
-                  <a:tcPr marL="68580" marR="68580" marT="0" marB="0"/>
-                </a:tc>
-                <a:tc>
-                  <a:txBody>
-                    <a:bodyPr/>
-                    <a:lstStyle/>
-                    <a:p>
-                      <a:pPr algn="ctr">
-                        <a:lnSpc>
-                          <a:spcPct val="106000"/>
-                        </a:lnSpc>
-                        <a:spcAft>
-                          <a:spcPts val="800"/>
-                        </a:spcAft>
-                      </a:pPr>
-                      <a:r>
-                        <a:rPr lang="pt-PT" sz="1200">
-                          <a:effectLst/>
-                          <a:latin typeface="+mj-lt"/>
-                          <a:ea typeface="Calibri"/>
-                          <a:cs typeface="Times New Roman"/>
-                        </a:rPr>
-                        <a:t>X</a:t>
-                      </a:r>
-                      <a:endParaRPr lang="pt-PT" sz="1600">
-                        <a:effectLst/>
-                        <a:latin typeface="+mj-lt"/>
-                        <a:ea typeface="Calibri"/>
-                        <a:cs typeface="Times New Roman"/>
-                      </a:endParaRPr>
-                    </a:p>
-                  </a:txBody>
-                  <a:tcPr marL="68580" marR="68580" marT="0" marB="0"/>
-                </a:tc>
-                <a:tc>
-                  <a:txBody>
-                    <a:bodyPr/>
-                    <a:lstStyle/>
-                    <a:p>
-                      <a:pPr algn="ctr">
-                        <a:lnSpc>
-                          <a:spcPct val="106000"/>
-                        </a:lnSpc>
-                        <a:spcAft>
-                          <a:spcPts val="800"/>
-                        </a:spcAft>
-                      </a:pPr>
-                      <a:r>
-                        <a:rPr lang="pt-PT" sz="1200">
-                          <a:effectLst/>
-                          <a:latin typeface="+mj-lt"/>
-                          <a:ea typeface="Calibri"/>
-                          <a:cs typeface="Times New Roman"/>
-                        </a:rPr>
-                        <a:t> </a:t>
-                      </a:r>
-                      <a:endParaRPr lang="pt-PT" sz="1600">
-                        <a:effectLst/>
-                        <a:latin typeface="+mj-lt"/>
-                        <a:ea typeface="Calibri"/>
-                        <a:cs typeface="Times New Roman"/>
-                      </a:endParaRPr>
-                    </a:p>
-                  </a:txBody>
-                  <a:tcPr marL="68580" marR="68580" marT="0" marB="0"/>
-                </a:tc>
-              </a:tr>
-              <a:tr h="370840">
-                <a:tc>
-                  <a:txBody>
-                    <a:bodyPr/>
-                    <a:lstStyle/>
-                    <a:p>
-                      <a:pPr algn="l">
-                        <a:lnSpc>
-                          <a:spcPct val="106000"/>
-                        </a:lnSpc>
-                        <a:spcAft>
-                          <a:spcPts val="800"/>
-                        </a:spcAft>
-                      </a:pPr>
-                      <a:r>
-                        <a:rPr lang="pt-PT" sz="1200">
-                          <a:effectLst/>
-                          <a:latin typeface="+mj-lt"/>
-                          <a:ea typeface="Calibri"/>
-                          <a:cs typeface="Times New Roman"/>
-                        </a:rPr>
-                        <a:t>É </a:t>
-                      </a:r>
-                      <a:r>
-                        <a:rPr lang="pt-PT" sz="1200" i="1">
-                          <a:effectLst/>
-                          <a:latin typeface="+mj-lt"/>
-                          <a:ea typeface="Calibri"/>
-                          <a:cs typeface="Times New Roman"/>
-                        </a:rPr>
-                        <a:t>open-source</a:t>
-                      </a:r>
-                      <a:r>
-                        <a:rPr lang="pt-PT" sz="1200">
-                          <a:effectLst/>
-                          <a:latin typeface="+mj-lt"/>
-                          <a:ea typeface="Calibri"/>
-                          <a:cs typeface="Times New Roman"/>
-                        </a:rPr>
-                        <a:t>?</a:t>
-                      </a:r>
-                      <a:endParaRPr lang="pt-PT" sz="1600">
-                        <a:effectLst/>
-                        <a:latin typeface="+mj-lt"/>
-                        <a:ea typeface="Calibri"/>
-                        <a:cs typeface="Times New Roman"/>
-                      </a:endParaRPr>
-                    </a:p>
-                  </a:txBody>
-                  <a:tcPr marL="68580" marR="68580" marT="0" marB="0"/>
-                </a:tc>
-                <a:tc>
-                  <a:txBody>
-                    <a:bodyPr/>
-                    <a:lstStyle/>
-                    <a:p>
-                      <a:pPr algn="ctr">
-                        <a:lnSpc>
-                          <a:spcPct val="106000"/>
-                        </a:lnSpc>
-                        <a:spcAft>
-                          <a:spcPts val="800"/>
-                        </a:spcAft>
-                      </a:pPr>
-                      <a:r>
-                        <a:rPr lang="pt-PT" sz="1200">
-                          <a:effectLst/>
-                          <a:latin typeface="+mj-lt"/>
-                          <a:ea typeface="Calibri"/>
-                          <a:cs typeface="Times New Roman"/>
-                        </a:rPr>
-                        <a:t> </a:t>
-                      </a:r>
-                      <a:endParaRPr lang="pt-PT" sz="1600">
-                        <a:effectLst/>
-                        <a:latin typeface="+mj-lt"/>
-                        <a:ea typeface="Calibri"/>
-                        <a:cs typeface="Times New Roman"/>
-                      </a:endParaRPr>
-                    </a:p>
-                  </a:txBody>
-                  <a:tcPr marL="68580" marR="68580" marT="0" marB="0"/>
-                </a:tc>
-                <a:tc>
-                  <a:txBody>
-                    <a:bodyPr/>
-                    <a:lstStyle/>
-                    <a:p>
-                      <a:pPr algn="ctr">
-                        <a:lnSpc>
-                          <a:spcPct val="106000"/>
-                        </a:lnSpc>
-                        <a:spcAft>
-                          <a:spcPts val="800"/>
-                        </a:spcAft>
-                      </a:pPr>
-                      <a:r>
-                        <a:rPr lang="pt-PT" sz="1200">
-                          <a:effectLst/>
-                          <a:latin typeface="+mj-lt"/>
-                          <a:ea typeface="Calibri"/>
-                          <a:cs typeface="Times New Roman"/>
-                        </a:rPr>
-                        <a:t>X</a:t>
-                      </a:r>
-                      <a:endParaRPr lang="pt-PT" sz="1600">
-                        <a:effectLst/>
-                        <a:latin typeface="+mj-lt"/>
-                        <a:ea typeface="Calibri"/>
-                        <a:cs typeface="Times New Roman"/>
-                      </a:endParaRPr>
-                    </a:p>
-                  </a:txBody>
-                  <a:tcPr marL="68580" marR="68580" marT="0" marB="0"/>
-                </a:tc>
-              </a:tr>
-              <a:tr h="370840">
-                <a:tc>
-                  <a:txBody>
-                    <a:bodyPr/>
-                    <a:lstStyle/>
-                    <a:p>
-                      <a:pPr algn="l">
-                        <a:lnSpc>
-                          <a:spcPct val="106000"/>
-                        </a:lnSpc>
-                        <a:spcAft>
-                          <a:spcPts val="800"/>
-                        </a:spcAft>
-                      </a:pPr>
-                      <a:r>
-                        <a:rPr lang="pt-PT" sz="1200">
-                          <a:effectLst/>
-                          <a:latin typeface="+mj-lt"/>
-                          <a:ea typeface="Calibri"/>
-                          <a:cs typeface="Times New Roman"/>
-                        </a:rPr>
-                        <a:t>Permite pesquisar por pedidos?</a:t>
-                      </a:r>
-                      <a:endParaRPr lang="pt-PT" sz="1600">
-                        <a:effectLst/>
-                        <a:latin typeface="+mj-lt"/>
-                        <a:ea typeface="Calibri"/>
-                        <a:cs typeface="Times New Roman"/>
-                      </a:endParaRPr>
-                    </a:p>
-                  </a:txBody>
-                  <a:tcPr marL="68580" marR="68580" marT="0" marB="0"/>
-                </a:tc>
-                <a:tc>
-                  <a:txBody>
-                    <a:bodyPr/>
-                    <a:lstStyle/>
-                    <a:p>
-                      <a:pPr algn="ctr">
-                        <a:lnSpc>
-                          <a:spcPct val="106000"/>
-                        </a:lnSpc>
-                        <a:spcAft>
-                          <a:spcPts val="800"/>
-                        </a:spcAft>
-                      </a:pPr>
-                      <a:r>
-                        <a:rPr lang="pt-PT" sz="1200">
-                          <a:effectLst/>
-                          <a:latin typeface="+mj-lt"/>
-                          <a:ea typeface="Calibri"/>
-                          <a:cs typeface="Times New Roman"/>
-                        </a:rPr>
-                        <a:t>X</a:t>
-                      </a:r>
-                      <a:endParaRPr lang="pt-PT" sz="1600">
-                        <a:effectLst/>
-                        <a:latin typeface="+mj-lt"/>
-                        <a:ea typeface="Calibri"/>
-                        <a:cs typeface="Times New Roman"/>
-                      </a:endParaRPr>
-                    </a:p>
-                  </a:txBody>
-                  <a:tcPr marL="68580" marR="68580" marT="0" marB="0"/>
-                </a:tc>
-                <a:tc>
-                  <a:txBody>
-                    <a:bodyPr/>
-                    <a:lstStyle/>
-                    <a:p>
-                      <a:pPr algn="ctr">
-                        <a:lnSpc>
-                          <a:spcPct val="106000"/>
-                        </a:lnSpc>
-                        <a:spcAft>
-                          <a:spcPts val="800"/>
-                        </a:spcAft>
-                      </a:pPr>
-                      <a:r>
-                        <a:rPr lang="pt-PT" sz="1200">
-                          <a:effectLst/>
-                          <a:latin typeface="+mj-lt"/>
-                          <a:ea typeface="Calibri"/>
-                          <a:cs typeface="Times New Roman"/>
-                        </a:rPr>
-                        <a:t> </a:t>
-                      </a:r>
-                      <a:endParaRPr lang="pt-PT" sz="1600">
-                        <a:effectLst/>
-                        <a:latin typeface="+mj-lt"/>
-                        <a:ea typeface="Calibri"/>
-                        <a:cs typeface="Times New Roman"/>
-                      </a:endParaRPr>
-                    </a:p>
-                  </a:txBody>
-                  <a:tcPr marL="68580" marR="68580" marT="0" marB="0"/>
-                </a:tc>
-              </a:tr>
-              <a:tr h="370840">
-                <a:tc>
-                  <a:txBody>
-                    <a:bodyPr/>
-                    <a:lstStyle/>
-                    <a:p>
-                      <a:pPr algn="l">
-                        <a:lnSpc>
-                          <a:spcPct val="106000"/>
-                        </a:lnSpc>
-                        <a:spcAft>
-                          <a:spcPts val="800"/>
-                        </a:spcAft>
-                      </a:pPr>
-                      <a:r>
-                        <a:rPr lang="pt-PT" sz="1200">
-                          <a:effectLst/>
-                          <a:latin typeface="+mj-lt"/>
-                          <a:ea typeface="Calibri"/>
-                          <a:cs typeface="Times New Roman"/>
-                        </a:rPr>
-                        <a:t>Permite a duplicação de pedidos?</a:t>
-                      </a:r>
-                      <a:endParaRPr lang="pt-PT" sz="1600">
-                        <a:effectLst/>
-                        <a:latin typeface="+mj-lt"/>
-                        <a:ea typeface="Calibri"/>
-                        <a:cs typeface="Times New Roman"/>
-                      </a:endParaRPr>
-                    </a:p>
-                  </a:txBody>
-                  <a:tcPr marL="68580" marR="68580" marT="0" marB="0"/>
-                </a:tc>
-                <a:tc>
-                  <a:txBody>
-                    <a:bodyPr/>
-                    <a:lstStyle/>
-                    <a:p>
-                      <a:pPr algn="ctr">
-                        <a:lnSpc>
-                          <a:spcPct val="106000"/>
-                        </a:lnSpc>
-                        <a:spcAft>
-                          <a:spcPts val="800"/>
-                        </a:spcAft>
-                      </a:pPr>
-                      <a:r>
-                        <a:rPr lang="pt-PT" sz="1200" dirty="0">
-                          <a:effectLst/>
-                          <a:latin typeface="+mj-lt"/>
-                          <a:ea typeface="Calibri"/>
-                          <a:cs typeface="Times New Roman"/>
-                        </a:rPr>
-                        <a:t> </a:t>
                       </a:r>
                       <a:endParaRPr lang="pt-PT" sz="1600" dirty="0">
                         <a:effectLst/>
@@ -8293,447 +7546,12 @@
                     <a:p>
                       <a:pPr algn="ctr">
                         <a:lnSpc>
-                          <a:spcPct val="106000"/>
-                        </a:lnSpc>
-                        <a:spcAft>
-                          <a:spcPts val="800"/>
-                        </a:spcAft>
-                      </a:pPr>
-                      <a:r>
-                        <a:rPr lang="pt-PT" sz="1200">
-                          <a:effectLst/>
-                          <a:latin typeface="+mj-lt"/>
-                          <a:ea typeface="Calibri"/>
-                          <a:cs typeface="Times New Roman"/>
-                        </a:rPr>
-                        <a:t>X</a:t>
-                      </a:r>
-                      <a:endParaRPr lang="pt-PT" sz="1600">
-                        <a:effectLst/>
-                        <a:latin typeface="+mj-lt"/>
-                        <a:ea typeface="Calibri"/>
-                        <a:cs typeface="Times New Roman"/>
-                      </a:endParaRPr>
-                    </a:p>
-                  </a:txBody>
-                  <a:tcPr marL="68580" marR="68580" marT="0" marB="0"/>
-                </a:tc>
-              </a:tr>
-              <a:tr h="370840">
-                <a:tc>
-                  <a:txBody>
-                    <a:bodyPr/>
-                    <a:lstStyle/>
-                    <a:p>
-                      <a:pPr algn="l">
-                        <a:lnSpc>
-                          <a:spcPct val="106000"/>
-                        </a:lnSpc>
-                        <a:spcAft>
-                          <a:spcPts val="800"/>
-                        </a:spcAft>
-                      </a:pPr>
-                      <a:r>
-                        <a:rPr lang="pt-PT" sz="1200">
-                          <a:effectLst/>
-                          <a:latin typeface="+mj-lt"/>
-                          <a:ea typeface="Calibri"/>
-                          <a:cs typeface="Times New Roman"/>
-                        </a:rPr>
-                        <a:t>Permite editar ofertas depois de anunciadas?</a:t>
-                      </a:r>
-                      <a:endParaRPr lang="pt-PT" sz="1600">
-                        <a:effectLst/>
-                        <a:latin typeface="+mj-lt"/>
-                        <a:ea typeface="Calibri"/>
-                        <a:cs typeface="Times New Roman"/>
-                      </a:endParaRPr>
-                    </a:p>
-                  </a:txBody>
-                  <a:tcPr marL="68580" marR="68580" marT="0" marB="0"/>
-                </a:tc>
-                <a:tc>
-                  <a:txBody>
-                    <a:bodyPr/>
-                    <a:lstStyle/>
-                    <a:p>
-                      <a:pPr algn="ctr">
-                        <a:lnSpc>
-                          <a:spcPct val="106000"/>
-                        </a:lnSpc>
-                        <a:spcAft>
-                          <a:spcPts val="800"/>
-                        </a:spcAft>
-                      </a:pPr>
-                      <a:r>
-                        <a:rPr lang="pt-PT" sz="1200">
-                          <a:effectLst/>
-                          <a:latin typeface="+mj-lt"/>
-                          <a:ea typeface="Calibri"/>
-                          <a:cs typeface="Times New Roman"/>
-                        </a:rPr>
-                        <a:t> </a:t>
-                      </a:r>
-                      <a:endParaRPr lang="pt-PT" sz="1600">
-                        <a:effectLst/>
-                        <a:latin typeface="+mj-lt"/>
-                        <a:ea typeface="Calibri"/>
-                        <a:cs typeface="Times New Roman"/>
-                      </a:endParaRPr>
-                    </a:p>
-                  </a:txBody>
-                  <a:tcPr marL="68580" marR="68580" marT="0" marB="0"/>
-                </a:tc>
-                <a:tc>
-                  <a:txBody>
-                    <a:bodyPr/>
-                    <a:lstStyle/>
-                    <a:p>
-                      <a:pPr algn="ctr">
-                        <a:lnSpc>
-                          <a:spcPct val="106000"/>
-                        </a:lnSpc>
-                        <a:spcAft>
-                          <a:spcPts val="800"/>
-                        </a:spcAft>
-                      </a:pPr>
-                      <a:r>
-                        <a:rPr lang="pt-PT" sz="1200">
-                          <a:effectLst/>
-                          <a:latin typeface="+mj-lt"/>
-                          <a:ea typeface="Calibri"/>
-                          <a:cs typeface="Times New Roman"/>
-                        </a:rPr>
-                        <a:t>X</a:t>
-                      </a:r>
-                      <a:endParaRPr lang="pt-PT" sz="1600">
-                        <a:effectLst/>
-                        <a:latin typeface="+mj-lt"/>
-                        <a:ea typeface="Calibri"/>
-                        <a:cs typeface="Times New Roman"/>
-                      </a:endParaRPr>
-                    </a:p>
-                  </a:txBody>
-                  <a:tcPr marL="68580" marR="68580" marT="0" marB="0"/>
-                </a:tc>
-              </a:tr>
-              <a:tr h="370840">
-                <a:tc>
-                  <a:txBody>
-                    <a:bodyPr/>
-                    <a:lstStyle/>
-                    <a:p>
-                      <a:pPr algn="l">
-                        <a:lnSpc>
-                          <a:spcPct val="106000"/>
-                        </a:lnSpc>
-                        <a:spcAft>
-                          <a:spcPts val="800"/>
-                        </a:spcAft>
-                      </a:pPr>
-                      <a:r>
-                        <a:rPr lang="pt-PT" sz="1200">
-                          <a:effectLst/>
-                          <a:latin typeface="+mj-lt"/>
-                          <a:ea typeface="Calibri"/>
-                          <a:cs typeface="Times New Roman"/>
-                        </a:rPr>
-                        <a:t>Permite a criação de grupos de utilizadores?</a:t>
-                      </a:r>
-                      <a:endParaRPr lang="pt-PT" sz="1600">
-                        <a:effectLst/>
-                        <a:latin typeface="+mj-lt"/>
-                        <a:ea typeface="Calibri"/>
-                        <a:cs typeface="Times New Roman"/>
-                      </a:endParaRPr>
-                    </a:p>
-                  </a:txBody>
-                  <a:tcPr marL="68580" marR="68580" marT="0" marB="0"/>
-                </a:tc>
-                <a:tc>
-                  <a:txBody>
-                    <a:bodyPr/>
-                    <a:lstStyle/>
-                    <a:p>
-                      <a:pPr algn="ctr">
-                        <a:lnSpc>
-                          <a:spcPct val="106000"/>
-                        </a:lnSpc>
-                        <a:spcAft>
-                          <a:spcPts val="800"/>
-                        </a:spcAft>
-                      </a:pPr>
-                      <a:r>
-                        <a:rPr lang="pt-PT" sz="1200">
-                          <a:effectLst/>
-                          <a:latin typeface="+mj-lt"/>
-                          <a:ea typeface="Calibri"/>
-                          <a:cs typeface="Times New Roman"/>
-                        </a:rPr>
-                        <a:t> </a:t>
-                      </a:r>
-                      <a:endParaRPr lang="pt-PT" sz="1600">
-                        <a:effectLst/>
-                        <a:latin typeface="+mj-lt"/>
-                        <a:ea typeface="Calibri"/>
-                        <a:cs typeface="Times New Roman"/>
-                      </a:endParaRPr>
-                    </a:p>
-                  </a:txBody>
-                  <a:tcPr marL="68580" marR="68580" marT="0" marB="0"/>
-                </a:tc>
-                <a:tc>
-                  <a:txBody>
-                    <a:bodyPr/>
-                    <a:lstStyle/>
-                    <a:p>
-                      <a:pPr algn="ctr">
-                        <a:lnSpc>
-                          <a:spcPct val="106000"/>
-                        </a:lnSpc>
-                        <a:spcAft>
-                          <a:spcPts val="800"/>
-                        </a:spcAft>
-                      </a:pPr>
-                      <a:r>
-                        <a:rPr lang="pt-PT" sz="1200">
-                          <a:effectLst/>
-                          <a:latin typeface="+mj-lt"/>
-                          <a:ea typeface="Calibri"/>
-                          <a:cs typeface="Times New Roman"/>
-                        </a:rPr>
-                        <a:t>X</a:t>
-                      </a:r>
-                      <a:endParaRPr lang="pt-PT" sz="1600">
-                        <a:effectLst/>
-                        <a:latin typeface="+mj-lt"/>
-                        <a:ea typeface="Calibri"/>
-                        <a:cs typeface="Times New Roman"/>
-                      </a:endParaRPr>
-                    </a:p>
-                  </a:txBody>
-                  <a:tcPr marL="68580" marR="68580" marT="0" marB="0"/>
-                </a:tc>
-              </a:tr>
-              <a:tr h="370840">
-                <a:tc>
-                  <a:txBody>
-                    <a:bodyPr/>
-                    <a:lstStyle/>
-                    <a:p>
-                      <a:pPr algn="l">
-                        <a:lnSpc>
-                          <a:spcPct val="106000"/>
-                        </a:lnSpc>
-                        <a:spcAft>
-                          <a:spcPts val="800"/>
-                        </a:spcAft>
-                      </a:pPr>
-                      <a:r>
-                        <a:rPr lang="pt-PT" sz="1200">
-                          <a:effectLst/>
-                          <a:latin typeface="+mj-lt"/>
-                          <a:ea typeface="Calibri"/>
-                          <a:cs typeface="Times New Roman"/>
-                        </a:rPr>
-                        <a:t>Consigo enviar ofertas diretamente aos meus amigos?</a:t>
-                      </a:r>
-                      <a:endParaRPr lang="pt-PT" sz="1600">
-                        <a:effectLst/>
-                        <a:latin typeface="+mj-lt"/>
-                        <a:ea typeface="Calibri"/>
-                        <a:cs typeface="Times New Roman"/>
-                      </a:endParaRPr>
-                    </a:p>
-                  </a:txBody>
-                  <a:tcPr marL="68580" marR="68580" marT="0" marB="0"/>
-                </a:tc>
-                <a:tc>
-                  <a:txBody>
-                    <a:bodyPr/>
-                    <a:lstStyle/>
-                    <a:p>
-                      <a:pPr algn="ctr">
-                        <a:lnSpc>
-                          <a:spcPct val="106000"/>
-                        </a:lnSpc>
-                        <a:spcAft>
-                          <a:spcPts val="800"/>
-                        </a:spcAft>
-                      </a:pPr>
-                      <a:r>
-                        <a:rPr lang="pt-PT" sz="1200">
-                          <a:effectLst/>
-                          <a:latin typeface="+mj-lt"/>
-                          <a:ea typeface="Calibri"/>
-                          <a:cs typeface="Times New Roman"/>
-                        </a:rPr>
-                        <a:t> </a:t>
-                      </a:r>
-                      <a:endParaRPr lang="pt-PT" sz="1600">
-                        <a:effectLst/>
-                        <a:latin typeface="+mj-lt"/>
-                        <a:ea typeface="Calibri"/>
-                        <a:cs typeface="Times New Roman"/>
-                      </a:endParaRPr>
-                    </a:p>
-                  </a:txBody>
-                  <a:tcPr marL="68580" marR="68580" marT="0" marB="0"/>
-                </a:tc>
-                <a:tc>
-                  <a:txBody>
-                    <a:bodyPr/>
-                    <a:lstStyle/>
-                    <a:p>
-                      <a:pPr algn="ctr">
-                        <a:lnSpc>
-                          <a:spcPct val="106000"/>
-                        </a:lnSpc>
-                        <a:spcAft>
-                          <a:spcPts val="800"/>
-                        </a:spcAft>
-                      </a:pPr>
-                      <a:r>
-                        <a:rPr lang="pt-PT" sz="1200">
-                          <a:effectLst/>
-                          <a:latin typeface="+mj-lt"/>
-                          <a:ea typeface="Calibri"/>
-                          <a:cs typeface="Times New Roman"/>
-                        </a:rPr>
-                        <a:t>X</a:t>
-                      </a:r>
-                      <a:endParaRPr lang="pt-PT" sz="1600">
-                        <a:effectLst/>
-                        <a:latin typeface="+mj-lt"/>
-                        <a:ea typeface="Calibri"/>
-                        <a:cs typeface="Times New Roman"/>
-                      </a:endParaRPr>
-                    </a:p>
-                  </a:txBody>
-                  <a:tcPr marL="68580" marR="68580" marT="0" marB="0"/>
-                </a:tc>
-              </a:tr>
-              <a:tr h="370840">
-                <a:tc>
-                  <a:txBody>
-                    <a:bodyPr/>
-                    <a:lstStyle/>
-                    <a:p>
-                      <a:pPr algn="l">
-                        <a:lnSpc>
-                          <a:spcPct val="106000"/>
-                        </a:lnSpc>
-                        <a:spcAft>
-                          <a:spcPts val="800"/>
-                        </a:spcAft>
-                      </a:pPr>
-                      <a:r>
-                        <a:rPr lang="pt-PT" sz="1200">
-                          <a:effectLst/>
-                          <a:latin typeface="+mj-lt"/>
-                          <a:ea typeface="Calibri"/>
-                          <a:cs typeface="Times New Roman"/>
-                        </a:rPr>
-                        <a:t>Consigo reservar várias viagens a longo prazo?</a:t>
-                      </a:r>
-                      <a:endParaRPr lang="pt-PT" sz="1600">
-                        <a:effectLst/>
-                        <a:latin typeface="+mj-lt"/>
-                        <a:ea typeface="Calibri"/>
-                        <a:cs typeface="Times New Roman"/>
-                      </a:endParaRPr>
-                    </a:p>
-                  </a:txBody>
-                  <a:tcPr marL="68580" marR="68580" marT="0" marB="0"/>
-                </a:tc>
-                <a:tc>
-                  <a:txBody>
-                    <a:bodyPr/>
-                    <a:lstStyle/>
-                    <a:p>
-                      <a:pPr algn="ctr">
-                        <a:lnSpc>
-                          <a:spcPct val="106000"/>
-                        </a:lnSpc>
-                        <a:spcAft>
-                          <a:spcPts val="800"/>
-                        </a:spcAft>
-                      </a:pPr>
-                      <a:r>
-                        <a:rPr lang="pt-PT" sz="1200">
-                          <a:effectLst/>
-                          <a:latin typeface="+mj-lt"/>
-                          <a:ea typeface="Calibri"/>
-                          <a:cs typeface="Times New Roman"/>
-                        </a:rPr>
-                        <a:t> </a:t>
-                      </a:r>
-                      <a:endParaRPr lang="pt-PT" sz="1600">
-                        <a:effectLst/>
-                        <a:latin typeface="+mj-lt"/>
-                        <a:ea typeface="Calibri"/>
-                        <a:cs typeface="Times New Roman"/>
-                      </a:endParaRPr>
-                    </a:p>
-                  </a:txBody>
-                  <a:tcPr marL="68580" marR="68580" marT="0" marB="0"/>
-                </a:tc>
-                <a:tc>
-                  <a:txBody>
-                    <a:bodyPr/>
-                    <a:lstStyle/>
-                    <a:p>
-                      <a:pPr algn="ctr">
-                        <a:lnSpc>
-                          <a:spcPct val="106000"/>
-                        </a:lnSpc>
-                        <a:spcAft>
-                          <a:spcPts val="800"/>
-                        </a:spcAft>
-                      </a:pPr>
-                      <a:r>
-                        <a:rPr lang="pt-PT" sz="1200">
-                          <a:effectLst/>
-                          <a:latin typeface="+mj-lt"/>
-                          <a:ea typeface="Calibri"/>
-                          <a:cs typeface="Times New Roman"/>
-                        </a:rPr>
-                        <a:t>X</a:t>
-                      </a:r>
-                      <a:endParaRPr lang="pt-PT" sz="1600">
-                        <a:effectLst/>
-                        <a:latin typeface="+mj-lt"/>
-                        <a:ea typeface="Calibri"/>
-                        <a:cs typeface="Times New Roman"/>
-                      </a:endParaRPr>
-                    </a:p>
-                  </a:txBody>
-                  <a:tcPr marL="68580" marR="68580" marT="0" marB="0"/>
-                </a:tc>
-              </a:tr>
-              <a:tr h="370840">
-                <a:tc>
-                  <a:txBody>
-                    <a:bodyPr/>
-                    <a:lstStyle/>
-                    <a:p>
-                      <a:pPr algn="l">
-                        <a:lnSpc>
-                          <a:spcPct val="106000"/>
-                        </a:lnSpc>
-                        <a:spcAft>
-                          <a:spcPts val="800"/>
-                        </a:spcAft>
-                      </a:pPr>
-                      <a:r>
-                        <a:rPr lang="pt-PT" sz="1200" dirty="0">
-                          <a:effectLst/>
-                          <a:latin typeface="+mj-lt"/>
-                          <a:ea typeface="Calibri"/>
-                          <a:cs typeface="Times New Roman"/>
-                        </a:rPr>
-                        <a:t>Tem aplicação móvel?</a:t>
-                      </a:r>
+                          <a:spcPct val="115000"/>
+                        </a:lnSpc>
+                        <a:spcAft>
+                          <a:spcPts val="0"/>
+                        </a:spcAft>
+                      </a:pPr>
                       <a:endParaRPr lang="pt-PT" sz="1600" dirty="0">
                         <a:effectLst/>
                         <a:latin typeface="+mj-lt"/>
@@ -8744,6 +7562,34 @@
                   </a:txBody>
                   <a:tcPr marL="68580" marR="68580" marT="0" marB="0"/>
                 </a:tc>
+              </a:tr>
+              <a:tr h="370840">
+                <a:tc>
+                  <a:txBody>
+                    <a:bodyPr/>
+                    <a:lstStyle/>
+                    <a:p>
+                      <a:pPr algn="l">
+                        <a:lnSpc>
+                          <a:spcPct val="115000"/>
+                        </a:lnSpc>
+                        <a:spcAft>
+                          <a:spcPts val="0"/>
+                        </a:spcAft>
+                      </a:pPr>
+                      <a:r>
+                        <a:rPr lang="pt-PT" sz="1200">
+                          <a:effectLst/>
+                          <a:latin typeface="+mj-lt"/>
+                          <a:ea typeface="Calibri"/>
+                          <a:cs typeface="Times New Roman"/>
+                        </a:rPr>
+                        <a:t>É paga?</a:t>
+                      </a:r>
+                    </a:p>
+                  </a:txBody>
+                  <a:tcPr marL="68580" marR="68580" marT="0" marB="0"/>
+                </a:tc>
                 <a:tc>
                   <a:txBody>
                     <a:bodyPr/>
@@ -8751,10 +7597,64 @@
                     <a:p>
                       <a:pPr algn="ctr">
                         <a:lnSpc>
-                          <a:spcPct val="106000"/>
-                        </a:lnSpc>
-                        <a:spcAft>
-                          <a:spcPts val="800"/>
+                          <a:spcPct val="115000"/>
+                        </a:lnSpc>
+                        <a:spcAft>
+                          <a:spcPts val="0"/>
+                        </a:spcAft>
+                      </a:pPr>
+                      <a:r>
+                        <a:rPr lang="pt-PT" sz="1600" dirty="0">
+                          <a:effectLst/>
+                          <a:latin typeface="+mj-lt"/>
+                          <a:ea typeface="Calibri"/>
+                          <a:cs typeface="Times New Roman"/>
+                        </a:rPr>
+                        <a:t> </a:t>
+                      </a:r>
+                    </a:p>
+                  </a:txBody>
+                  <a:tcPr marL="68580" marR="68580" marT="0" marB="0"/>
+                </a:tc>
+                <a:tc>
+                  <a:txBody>
+                    <a:bodyPr/>
+                    <a:lstStyle/>
+                    <a:p>
+                      <a:pPr algn="ctr">
+                        <a:lnSpc>
+                          <a:spcPct val="115000"/>
+                        </a:lnSpc>
+                        <a:spcAft>
+                          <a:spcPts val="0"/>
+                        </a:spcAft>
+                      </a:pPr>
+                      <a:r>
+                        <a:rPr lang="pt-PT" sz="1600">
+                          <a:effectLst/>
+                          <a:latin typeface="+mj-lt"/>
+                          <a:ea typeface="Calibri"/>
+                          <a:cs typeface="Times New Roman"/>
+                        </a:rPr>
+                        <a:t>X</a:t>
+                      </a:r>
+                    </a:p>
+                  </a:txBody>
+                  <a:tcPr marL="68580" marR="68580" marT="0" marB="0"/>
+                </a:tc>
+              </a:tr>
+              <a:tr h="370840">
+                <a:tc>
+                  <a:txBody>
+                    <a:bodyPr/>
+                    <a:lstStyle/>
+                    <a:p>
+                      <a:pPr algn="l">
+                        <a:lnSpc>
+                          <a:spcPct val="115000"/>
+                        </a:lnSpc>
+                        <a:spcAft>
+                          <a:spcPts val="0"/>
                         </a:spcAft>
                       </a:pPr>
                       <a:r>
@@ -8764,9 +7664,666 @@
                           <a:ea typeface="Calibri"/>
                           <a:cs typeface="Times New Roman"/>
                         </a:rPr>
+                        <a:t>Tem registo de utilizadores?</a:t>
+                      </a:r>
+                    </a:p>
+                  </a:txBody>
+                  <a:tcPr marL="68580" marR="68580" marT="0" marB="0"/>
+                </a:tc>
+                <a:tc>
+                  <a:txBody>
+                    <a:bodyPr/>
+                    <a:lstStyle/>
+                    <a:p>
+                      <a:pPr algn="ctr">
+                        <a:lnSpc>
+                          <a:spcPct val="115000"/>
+                        </a:lnSpc>
+                        <a:spcAft>
+                          <a:spcPts val="0"/>
+                        </a:spcAft>
+                      </a:pPr>
+                      <a:r>
+                        <a:rPr lang="pt-PT" sz="1600" dirty="0">
+                          <a:effectLst/>
+                          <a:latin typeface="+mj-lt"/>
+                          <a:ea typeface="Calibri"/>
+                          <a:cs typeface="Times New Roman"/>
+                        </a:rPr>
+                        <a:t>X</a:t>
+                      </a:r>
+                    </a:p>
+                  </a:txBody>
+                  <a:tcPr marL="68580" marR="68580" marT="0" marB="0"/>
+                </a:tc>
+                <a:tc>
+                  <a:txBody>
+                    <a:bodyPr/>
+                    <a:lstStyle/>
+                    <a:p>
+                      <a:pPr algn="ctr">
+                        <a:lnSpc>
+                          <a:spcPct val="115000"/>
+                        </a:lnSpc>
+                        <a:spcAft>
+                          <a:spcPts val="0"/>
+                        </a:spcAft>
+                      </a:pPr>
+                      <a:r>
+                        <a:rPr lang="pt-PT" sz="1600" dirty="0">
+                          <a:effectLst/>
+                          <a:latin typeface="+mj-lt"/>
+                          <a:ea typeface="Calibri"/>
+                          <a:cs typeface="Times New Roman"/>
+                        </a:rPr>
                         <a:t> </a:t>
                       </a:r>
-                      <a:endParaRPr lang="pt-PT" sz="1600">
+                    </a:p>
+                  </a:txBody>
+                  <a:tcPr marL="68580" marR="68580" marT="0" marB="0"/>
+                </a:tc>
+              </a:tr>
+              <a:tr h="370840">
+                <a:tc>
+                  <a:txBody>
+                    <a:bodyPr/>
+                    <a:lstStyle/>
+                    <a:p>
+                      <a:pPr algn="l">
+                        <a:lnSpc>
+                          <a:spcPct val="115000"/>
+                        </a:lnSpc>
+                        <a:spcAft>
+                          <a:spcPts val="0"/>
+                        </a:spcAft>
+                      </a:pPr>
+                      <a:r>
+                        <a:rPr lang="pt-PT" sz="1200">
+                          <a:effectLst/>
+                          <a:latin typeface="+mj-lt"/>
+                          <a:ea typeface="Calibri"/>
+                          <a:cs typeface="Times New Roman"/>
+                        </a:rPr>
+                        <a:t>É open-source?</a:t>
+                      </a:r>
+                    </a:p>
+                  </a:txBody>
+                  <a:tcPr marL="68580" marR="68580" marT="0" marB="0"/>
+                </a:tc>
+                <a:tc>
+                  <a:txBody>
+                    <a:bodyPr/>
+                    <a:lstStyle/>
+                    <a:p>
+                      <a:pPr algn="ctr">
+                        <a:lnSpc>
+                          <a:spcPct val="115000"/>
+                        </a:lnSpc>
+                        <a:spcAft>
+                          <a:spcPts val="0"/>
+                        </a:spcAft>
+                      </a:pPr>
+                      <a:r>
+                        <a:rPr lang="pt-PT" sz="1600">
+                          <a:effectLst/>
+                          <a:latin typeface="+mj-lt"/>
+                          <a:ea typeface="Calibri"/>
+                          <a:cs typeface="Times New Roman"/>
+                        </a:rPr>
+                        <a:t> </a:t>
+                      </a:r>
+                    </a:p>
+                  </a:txBody>
+                  <a:tcPr marL="68580" marR="68580" marT="0" marB="0"/>
+                </a:tc>
+                <a:tc>
+                  <a:txBody>
+                    <a:bodyPr/>
+                    <a:lstStyle/>
+                    <a:p>
+                      <a:pPr algn="ctr">
+                        <a:lnSpc>
+                          <a:spcPct val="115000"/>
+                        </a:lnSpc>
+                        <a:spcAft>
+                          <a:spcPts val="0"/>
+                        </a:spcAft>
+                      </a:pPr>
+                      <a:r>
+                        <a:rPr lang="pt-PT" sz="1600" dirty="0">
+                          <a:effectLst/>
+                          <a:latin typeface="+mj-lt"/>
+                          <a:ea typeface="Calibri"/>
+                          <a:cs typeface="Times New Roman"/>
+                        </a:rPr>
+                        <a:t>X</a:t>
+                      </a:r>
+                    </a:p>
+                  </a:txBody>
+                  <a:tcPr marL="68580" marR="68580" marT="0" marB="0"/>
+                </a:tc>
+              </a:tr>
+              <a:tr h="370840">
+                <a:tc>
+                  <a:txBody>
+                    <a:bodyPr/>
+                    <a:lstStyle/>
+                    <a:p>
+                      <a:pPr algn="l">
+                        <a:lnSpc>
+                          <a:spcPct val="115000"/>
+                        </a:lnSpc>
+                        <a:spcAft>
+                          <a:spcPts val="0"/>
+                        </a:spcAft>
+                      </a:pPr>
+                      <a:r>
+                        <a:rPr lang="pt-PT" sz="1200">
+                          <a:effectLst/>
+                          <a:latin typeface="+mj-lt"/>
+                          <a:ea typeface="Calibri"/>
+                          <a:cs typeface="Times New Roman"/>
+                        </a:rPr>
+                        <a:t>Permite a duplicação de pedidos?</a:t>
+                      </a:r>
+                    </a:p>
+                  </a:txBody>
+                  <a:tcPr marL="68580" marR="68580" marT="0" marB="0"/>
+                </a:tc>
+                <a:tc>
+                  <a:txBody>
+                    <a:bodyPr/>
+                    <a:lstStyle/>
+                    <a:p>
+                      <a:pPr algn="ctr">
+                        <a:lnSpc>
+                          <a:spcPct val="115000"/>
+                        </a:lnSpc>
+                        <a:spcAft>
+                          <a:spcPts val="0"/>
+                        </a:spcAft>
+                      </a:pPr>
+                      <a:r>
+                        <a:rPr lang="pt-PT" sz="1600">
+                          <a:effectLst/>
+                          <a:latin typeface="+mj-lt"/>
+                          <a:ea typeface="Calibri"/>
+                          <a:cs typeface="Times New Roman"/>
+                        </a:rPr>
+                        <a:t> </a:t>
+                      </a:r>
+                    </a:p>
+                  </a:txBody>
+                  <a:tcPr marL="68580" marR="68580" marT="0" marB="0"/>
+                </a:tc>
+                <a:tc>
+                  <a:txBody>
+                    <a:bodyPr/>
+                    <a:lstStyle/>
+                    <a:p>
+                      <a:pPr algn="ctr">
+                        <a:lnSpc>
+                          <a:spcPct val="115000"/>
+                        </a:lnSpc>
+                        <a:spcAft>
+                          <a:spcPts val="0"/>
+                        </a:spcAft>
+                      </a:pPr>
+                      <a:r>
+                        <a:rPr lang="pt-PT" sz="1600" dirty="0">
+                          <a:effectLst/>
+                          <a:latin typeface="+mj-lt"/>
+                          <a:ea typeface="Calibri"/>
+                          <a:cs typeface="Times New Roman"/>
+                        </a:rPr>
+                        <a:t>X</a:t>
+                      </a:r>
+                    </a:p>
+                  </a:txBody>
+                  <a:tcPr marL="68580" marR="68580" marT="0" marB="0"/>
+                </a:tc>
+              </a:tr>
+              <a:tr h="370840">
+                <a:tc>
+                  <a:txBody>
+                    <a:bodyPr/>
+                    <a:lstStyle/>
+                    <a:p>
+                      <a:pPr algn="l">
+                        <a:lnSpc>
+                          <a:spcPct val="115000"/>
+                        </a:lnSpc>
+                        <a:spcAft>
+                          <a:spcPts val="0"/>
+                        </a:spcAft>
+                      </a:pPr>
+                      <a:r>
+                        <a:rPr lang="pt-PT" sz="1200">
+                          <a:effectLst/>
+                          <a:latin typeface="+mj-lt"/>
+                          <a:ea typeface="Calibri"/>
+                          <a:cs typeface="Times New Roman"/>
+                        </a:rPr>
+                        <a:t>Permite editar ofertas depois de anunciadas?</a:t>
+                      </a:r>
+                    </a:p>
+                  </a:txBody>
+                  <a:tcPr marL="68580" marR="68580" marT="0" marB="0"/>
+                </a:tc>
+                <a:tc>
+                  <a:txBody>
+                    <a:bodyPr/>
+                    <a:lstStyle/>
+                    <a:p>
+                      <a:pPr algn="ctr">
+                        <a:lnSpc>
+                          <a:spcPct val="115000"/>
+                        </a:lnSpc>
+                        <a:spcAft>
+                          <a:spcPts val="0"/>
+                        </a:spcAft>
+                      </a:pPr>
+                      <a:r>
+                        <a:rPr lang="pt-PT" sz="1600">
+                          <a:effectLst/>
+                          <a:latin typeface="+mj-lt"/>
+                          <a:ea typeface="Calibri"/>
+                          <a:cs typeface="Times New Roman"/>
+                        </a:rPr>
+                        <a:t> </a:t>
+                      </a:r>
+                    </a:p>
+                  </a:txBody>
+                  <a:tcPr marL="68580" marR="68580" marT="0" marB="0"/>
+                </a:tc>
+                <a:tc>
+                  <a:txBody>
+                    <a:bodyPr/>
+                    <a:lstStyle/>
+                    <a:p>
+                      <a:pPr algn="ctr">
+                        <a:lnSpc>
+                          <a:spcPct val="115000"/>
+                        </a:lnSpc>
+                        <a:spcAft>
+                          <a:spcPts val="0"/>
+                        </a:spcAft>
+                      </a:pPr>
+                      <a:r>
+                        <a:rPr lang="pt-PT" sz="1600" dirty="0">
+                          <a:effectLst/>
+                          <a:latin typeface="+mj-lt"/>
+                          <a:ea typeface="Calibri"/>
+                          <a:cs typeface="Times New Roman"/>
+                        </a:rPr>
+                        <a:t>X</a:t>
+                      </a:r>
+                    </a:p>
+                  </a:txBody>
+                  <a:tcPr marL="68580" marR="68580" marT="0" marB="0"/>
+                </a:tc>
+              </a:tr>
+              <a:tr h="370840">
+                <a:tc>
+                  <a:txBody>
+                    <a:bodyPr/>
+                    <a:lstStyle/>
+                    <a:p>
+                      <a:pPr algn="l">
+                        <a:lnSpc>
+                          <a:spcPct val="115000"/>
+                        </a:lnSpc>
+                        <a:spcAft>
+                          <a:spcPts val="0"/>
+                        </a:spcAft>
+                      </a:pPr>
+                      <a:r>
+                        <a:rPr lang="pt-PT" sz="1200">
+                          <a:effectLst/>
+                          <a:latin typeface="+mj-lt"/>
+                          <a:ea typeface="Calibri"/>
+                          <a:cs typeface="Times New Roman"/>
+                        </a:rPr>
+                        <a:t>Permite a criação de grupos de utilizadores?</a:t>
+                      </a:r>
+                    </a:p>
+                  </a:txBody>
+                  <a:tcPr marL="68580" marR="68580" marT="0" marB="0"/>
+                </a:tc>
+                <a:tc>
+                  <a:txBody>
+                    <a:bodyPr/>
+                    <a:lstStyle/>
+                    <a:p>
+                      <a:pPr algn="ctr">
+                        <a:lnSpc>
+                          <a:spcPct val="115000"/>
+                        </a:lnSpc>
+                        <a:spcAft>
+                          <a:spcPts val="0"/>
+                        </a:spcAft>
+                      </a:pPr>
+                      <a:r>
+                        <a:rPr lang="pt-PT" sz="1600" dirty="0">
+                          <a:effectLst/>
+                          <a:latin typeface="+mj-lt"/>
+                          <a:ea typeface="Calibri"/>
+                          <a:cs typeface="Times New Roman"/>
+                        </a:rPr>
+                        <a:t> </a:t>
+                      </a:r>
+                    </a:p>
+                  </a:txBody>
+                  <a:tcPr marL="68580" marR="68580" marT="0" marB="0"/>
+                </a:tc>
+                <a:tc>
+                  <a:txBody>
+                    <a:bodyPr/>
+                    <a:lstStyle/>
+                    <a:p>
+                      <a:pPr algn="ctr">
+                        <a:lnSpc>
+                          <a:spcPct val="115000"/>
+                        </a:lnSpc>
+                        <a:spcAft>
+                          <a:spcPts val="0"/>
+                        </a:spcAft>
+                      </a:pPr>
+                      <a:r>
+                        <a:rPr lang="pt-PT" sz="1600" dirty="0">
+                          <a:effectLst/>
+                          <a:latin typeface="+mj-lt"/>
+                          <a:ea typeface="Calibri"/>
+                          <a:cs typeface="Times New Roman"/>
+                        </a:rPr>
+                        <a:t>X</a:t>
+                      </a:r>
+                    </a:p>
+                  </a:txBody>
+                  <a:tcPr marL="68580" marR="68580" marT="0" marB="0"/>
+                </a:tc>
+              </a:tr>
+              <a:tr h="370840">
+                <a:tc>
+                  <a:txBody>
+                    <a:bodyPr/>
+                    <a:lstStyle/>
+                    <a:p>
+                      <a:pPr algn="l">
+                        <a:lnSpc>
+                          <a:spcPct val="115000"/>
+                        </a:lnSpc>
+                        <a:spcAft>
+                          <a:spcPts val="0"/>
+                        </a:spcAft>
+                      </a:pPr>
+                      <a:r>
+                        <a:rPr lang="pt-PT" sz="1200">
+                          <a:effectLst/>
+                          <a:latin typeface="+mj-lt"/>
+                          <a:ea typeface="Calibri"/>
+                          <a:cs typeface="Times New Roman"/>
+                        </a:rPr>
+                        <a:t>Permite a criação de mapas de boleias?</a:t>
+                      </a:r>
+                    </a:p>
+                  </a:txBody>
+                  <a:tcPr marL="68580" marR="68580" marT="0" marB="0"/>
+                </a:tc>
+                <a:tc>
+                  <a:txBody>
+                    <a:bodyPr/>
+                    <a:lstStyle/>
+                    <a:p>
+                      <a:pPr algn="ctr">
+                        <a:lnSpc>
+                          <a:spcPct val="115000"/>
+                        </a:lnSpc>
+                        <a:spcAft>
+                          <a:spcPts val="0"/>
+                        </a:spcAft>
+                      </a:pPr>
+                      <a:r>
+                        <a:rPr lang="pt-PT" sz="1600">
+                          <a:effectLst/>
+                          <a:latin typeface="+mj-lt"/>
+                          <a:ea typeface="Calibri"/>
+                          <a:cs typeface="Times New Roman"/>
+                        </a:rPr>
+                        <a:t> </a:t>
+                      </a:r>
+                    </a:p>
+                  </a:txBody>
+                  <a:tcPr marL="68580" marR="68580" marT="0" marB="0"/>
+                </a:tc>
+                <a:tc>
+                  <a:txBody>
+                    <a:bodyPr/>
+                    <a:lstStyle/>
+                    <a:p>
+                      <a:pPr algn="ctr">
+                        <a:lnSpc>
+                          <a:spcPct val="115000"/>
+                        </a:lnSpc>
+                        <a:spcAft>
+                          <a:spcPts val="0"/>
+                        </a:spcAft>
+                      </a:pPr>
+                      <a:r>
+                        <a:rPr lang="pt-PT" sz="1600" dirty="0">
+                          <a:effectLst/>
+                          <a:latin typeface="+mj-lt"/>
+                          <a:ea typeface="Calibri"/>
+                          <a:cs typeface="Times New Roman"/>
+                        </a:rPr>
+                        <a:t>X</a:t>
+                      </a:r>
+                    </a:p>
+                  </a:txBody>
+                  <a:tcPr marL="68580" marR="68580" marT="0" marB="0"/>
+                </a:tc>
+              </a:tr>
+              <a:tr h="370840">
+                <a:tc>
+                  <a:txBody>
+                    <a:bodyPr/>
+                    <a:lstStyle/>
+                    <a:p>
+                      <a:pPr algn="l">
+                        <a:lnSpc>
+                          <a:spcPct val="115000"/>
+                        </a:lnSpc>
+                        <a:spcAft>
+                          <a:spcPts val="0"/>
+                        </a:spcAft>
+                      </a:pPr>
+                      <a:r>
+                        <a:rPr lang="pt-PT" sz="1200">
+                          <a:effectLst/>
+                          <a:latin typeface="+mj-lt"/>
+                          <a:ea typeface="Calibri"/>
+                          <a:cs typeface="Times New Roman"/>
+                        </a:rPr>
+                        <a:t>Consigo duplicar ofertas a longo prazo?</a:t>
+                      </a:r>
+                    </a:p>
+                  </a:txBody>
+                  <a:tcPr marL="68580" marR="68580" marT="0" marB="0"/>
+                </a:tc>
+                <a:tc>
+                  <a:txBody>
+                    <a:bodyPr/>
+                    <a:lstStyle/>
+                    <a:p>
+                      <a:pPr algn="ctr">
+                        <a:lnSpc>
+                          <a:spcPct val="115000"/>
+                        </a:lnSpc>
+                        <a:spcAft>
+                          <a:spcPts val="0"/>
+                        </a:spcAft>
+                      </a:pPr>
+                      <a:r>
+                        <a:rPr lang="pt-PT" sz="1600" dirty="0">
+                          <a:effectLst/>
+                          <a:latin typeface="+mj-lt"/>
+                          <a:ea typeface="Calibri"/>
+                          <a:cs typeface="Times New Roman"/>
+                        </a:rPr>
+                        <a:t> </a:t>
+                      </a:r>
+                    </a:p>
+                  </a:txBody>
+                  <a:tcPr marL="68580" marR="68580" marT="0" marB="0"/>
+                </a:tc>
+                <a:tc>
+                  <a:txBody>
+                    <a:bodyPr/>
+                    <a:lstStyle/>
+                    <a:p>
+                      <a:pPr algn="ctr">
+                        <a:lnSpc>
+                          <a:spcPct val="115000"/>
+                        </a:lnSpc>
+                        <a:spcAft>
+                          <a:spcPts val="0"/>
+                        </a:spcAft>
+                      </a:pPr>
+                      <a:r>
+                        <a:rPr lang="pt-PT" sz="1600" dirty="0">
+                          <a:effectLst/>
+                          <a:latin typeface="+mj-lt"/>
+                          <a:ea typeface="Calibri"/>
+                          <a:cs typeface="Times New Roman"/>
+                        </a:rPr>
+                        <a:t>X</a:t>
+                      </a:r>
+                    </a:p>
+                  </a:txBody>
+                  <a:tcPr marL="68580" marR="68580" marT="0" marB="0"/>
+                </a:tc>
+              </a:tr>
+              <a:tr h="370840">
+                <a:tc>
+                  <a:txBody>
+                    <a:bodyPr/>
+                    <a:lstStyle/>
+                    <a:p>
+                      <a:pPr algn="l">
+                        <a:lnSpc>
+                          <a:spcPct val="115000"/>
+                        </a:lnSpc>
+                        <a:spcAft>
+                          <a:spcPts val="0"/>
+                        </a:spcAft>
+                      </a:pPr>
+                      <a:r>
+                        <a:rPr lang="pt-PT" sz="1200">
+                          <a:effectLst/>
+                          <a:latin typeface="+mj-lt"/>
+                          <a:ea typeface="Calibri"/>
+                          <a:cs typeface="Times New Roman"/>
+                        </a:rPr>
+                        <a:t>Consigo reservar várias viagens a longo prazo?</a:t>
+                      </a:r>
+                    </a:p>
+                  </a:txBody>
+                  <a:tcPr marL="68580" marR="68580" marT="0" marB="0"/>
+                </a:tc>
+                <a:tc>
+                  <a:txBody>
+                    <a:bodyPr/>
+                    <a:lstStyle/>
+                    <a:p>
+                      <a:pPr algn="ctr">
+                        <a:lnSpc>
+                          <a:spcPct val="115000"/>
+                        </a:lnSpc>
+                        <a:spcAft>
+                          <a:spcPts val="0"/>
+                        </a:spcAft>
+                      </a:pPr>
+                      <a:r>
+                        <a:rPr lang="pt-PT" sz="1600">
+                          <a:effectLst/>
+                          <a:latin typeface="+mj-lt"/>
+                          <a:ea typeface="Calibri"/>
+                          <a:cs typeface="Times New Roman"/>
+                        </a:rPr>
+                        <a:t> </a:t>
+                      </a:r>
+                    </a:p>
+                  </a:txBody>
+                  <a:tcPr marL="68580" marR="68580" marT="0" marB="0"/>
+                </a:tc>
+                <a:tc>
+                  <a:txBody>
+                    <a:bodyPr/>
+                    <a:lstStyle/>
+                    <a:p>
+                      <a:pPr algn="ctr">
+                        <a:lnSpc>
+                          <a:spcPct val="115000"/>
+                        </a:lnSpc>
+                        <a:spcAft>
+                          <a:spcPts val="0"/>
+                        </a:spcAft>
+                      </a:pPr>
+                      <a:r>
+                        <a:rPr lang="pt-PT" sz="1600" dirty="0">
+                          <a:effectLst/>
+                          <a:latin typeface="+mj-lt"/>
+                          <a:ea typeface="Calibri"/>
+                          <a:cs typeface="Times New Roman"/>
+                        </a:rPr>
+                        <a:t>X</a:t>
+                      </a:r>
+                    </a:p>
+                  </a:txBody>
+                  <a:tcPr marL="68580" marR="68580" marT="0" marB="0"/>
+                </a:tc>
+              </a:tr>
+              <a:tr h="370840">
+                <a:tc>
+                  <a:txBody>
+                    <a:bodyPr/>
+                    <a:lstStyle/>
+                    <a:p>
+                      <a:pPr algn="l">
+                        <a:lnSpc>
+                          <a:spcPct val="115000"/>
+                        </a:lnSpc>
+                        <a:spcAft>
+                          <a:spcPts val="0"/>
+                        </a:spcAft>
+                      </a:pPr>
+                      <a:r>
+                        <a:rPr lang="pt-PT" sz="1200" dirty="0">
+                          <a:effectLst/>
+                          <a:latin typeface="+mj-lt"/>
+                          <a:ea typeface="Calibri"/>
+                          <a:cs typeface="Times New Roman"/>
+                        </a:rPr>
+                        <a:t>Tem aplicação móvel?</a:t>
+                      </a:r>
+                    </a:p>
+                  </a:txBody>
+                  <a:tcPr marL="68580" marR="68580" marT="0" marB="0"/>
+                </a:tc>
+                <a:tc>
+                  <a:txBody>
+                    <a:bodyPr/>
+                    <a:lstStyle/>
+                    <a:p>
+                      <a:pPr algn="ctr">
+                        <a:lnSpc>
+                          <a:spcPct val="115000"/>
+                        </a:lnSpc>
+                        <a:spcAft>
+                          <a:spcPts val="0"/>
+                        </a:spcAft>
+                      </a:pPr>
+                      <a:endParaRPr lang="pt-PT" sz="1600" dirty="0">
                         <a:effectLst/>
                         <a:latin typeface="+mj-lt"/>
                         <a:ea typeface="Calibri"/>
@@ -8783,14 +8340,23 @@
                     <a:p>
                       <a:pPr algn="ctr">
                         <a:lnSpc>
-                          <a:spcPct val="106000"/>
-                        </a:lnSpc>
-                        <a:spcAft>
-                          <a:spcPts val="800"/>
-                        </a:spcAft>
-                      </a:pPr>
-                      <a:r>
-                        <a:rPr lang="pt-PT" sz="1200" dirty="0">
+                          <a:spcPct val="115000"/>
+                        </a:lnSpc>
+                        <a:spcAft>
+                          <a:spcPts val="0"/>
+                        </a:spcAft>
+                      </a:pPr>
+                      <a:r>
+                        <a:rPr lang="pt-PT" sz="1600" dirty="0">
+                          <a:effectLst/>
+                          <a:latin typeface="+mj-lt"/>
+                          <a:ea typeface="Calibri"/>
+                          <a:cs typeface="Times New Roman"/>
+                        </a:rPr>
+                        <a:t> </a:t>
+                      </a:r>
+                      <a:r>
+                        <a:rPr lang="pt-PT" sz="1600" dirty="0" smtClean="0">
                           <a:effectLst/>
                           <a:latin typeface="+mj-lt"/>
                           <a:ea typeface="Calibri"/>

--- a/actividades/Apresentação.pptx
+++ b/actividades/Apresentação.pptx
@@ -21,6 +21,7 @@
     <p:sldId id="269" r:id="rId15"/>
     <p:sldId id="270" r:id="rId16"/>
     <p:sldId id="271" r:id="rId17"/>
+    <p:sldId id="272" r:id="rId18"/>
   </p:sldIdLst>
   <p:sldSz cx="9144000" cy="6858000" type="screen4x3"/>
   <p:notesSz cx="6858000" cy="9144000"/>
@@ -428,7 +429,7 @@
           <a:p>
             <a:fld id="{C6A25ADF-9D96-43A4-9C2F-88BA43455C97}" type="datetimeFigureOut">
               <a:rPr lang="pt-PT" smtClean="0"/>
-              <a:t>10-07-2015</a:t>
+              <a:t>14-12-2015</a:t>
             </a:fld>
             <a:endParaRPr lang="pt-PT"/>
           </a:p>
@@ -613,7 +614,7 @@
           <a:p>
             <a:fld id="{C6A25ADF-9D96-43A4-9C2F-88BA43455C97}" type="datetimeFigureOut">
               <a:rPr lang="pt-PT" smtClean="0"/>
-              <a:t>10-07-2015</a:t>
+              <a:t>14-12-2015</a:t>
             </a:fld>
             <a:endParaRPr lang="pt-PT"/>
           </a:p>
@@ -798,7 +799,7 @@
           <a:p>
             <a:fld id="{C6A25ADF-9D96-43A4-9C2F-88BA43455C97}" type="datetimeFigureOut">
               <a:rPr lang="pt-PT" smtClean="0"/>
-              <a:t>10-07-2015</a:t>
+              <a:t>14-12-2015</a:t>
             </a:fld>
             <a:endParaRPr lang="pt-PT"/>
           </a:p>
@@ -983,7 +984,7 @@
           <a:p>
             <a:fld id="{C6A25ADF-9D96-43A4-9C2F-88BA43455C97}" type="datetimeFigureOut">
               <a:rPr lang="pt-PT" smtClean="0"/>
-              <a:t>10-07-2015</a:t>
+              <a:t>14-12-2015</a:t>
             </a:fld>
             <a:endParaRPr lang="pt-PT"/>
           </a:p>
@@ -1364,7 +1365,7 @@
           <a:p>
             <a:fld id="{C6A25ADF-9D96-43A4-9C2F-88BA43455C97}" type="datetimeFigureOut">
               <a:rPr lang="pt-PT" smtClean="0"/>
-              <a:t>10-07-2015</a:t>
+              <a:t>14-12-2015</a:t>
             </a:fld>
             <a:endParaRPr lang="pt-PT"/>
           </a:p>
@@ -1633,7 +1634,7 @@
           <a:p>
             <a:fld id="{C6A25ADF-9D96-43A4-9C2F-88BA43455C97}" type="datetimeFigureOut">
               <a:rPr lang="pt-PT" smtClean="0"/>
-              <a:t>10-07-2015</a:t>
+              <a:t>14-12-2015</a:t>
             </a:fld>
             <a:endParaRPr lang="pt-PT"/>
           </a:p>
@@ -2018,7 +2019,7 @@
           <a:p>
             <a:fld id="{C6A25ADF-9D96-43A4-9C2F-88BA43455C97}" type="datetimeFigureOut">
               <a:rPr lang="pt-PT" smtClean="0"/>
-              <a:t>10-07-2015</a:t>
+              <a:t>14-12-2015</a:t>
             </a:fld>
             <a:endParaRPr lang="pt-PT"/>
           </a:p>
@@ -2139,7 +2140,7 @@
           <a:p>
             <a:fld id="{C6A25ADF-9D96-43A4-9C2F-88BA43455C97}" type="datetimeFigureOut">
               <a:rPr lang="pt-PT" smtClean="0"/>
-              <a:t>10-07-2015</a:t>
+              <a:t>14-12-2015</a:t>
             </a:fld>
             <a:endParaRPr lang="pt-PT"/>
           </a:p>
@@ -2319,7 +2320,7 @@
           <a:p>
             <a:fld id="{C6A25ADF-9D96-43A4-9C2F-88BA43455C97}" type="datetimeFigureOut">
               <a:rPr lang="pt-PT" smtClean="0"/>
-              <a:t>10-07-2015</a:t>
+              <a:t>14-12-2015</a:t>
             </a:fld>
             <a:endParaRPr lang="pt-PT"/>
           </a:p>
@@ -2653,7 +2654,7 @@
           <a:p>
             <a:fld id="{C6A25ADF-9D96-43A4-9C2F-88BA43455C97}" type="datetimeFigureOut">
               <a:rPr lang="pt-PT" smtClean="0"/>
-              <a:t>10-07-2015</a:t>
+              <a:t>14-12-2015</a:t>
             </a:fld>
             <a:endParaRPr lang="pt-PT"/>
           </a:p>
@@ -3022,7 +3023,7 @@
           <a:p>
             <a:fld id="{C6A25ADF-9D96-43A4-9C2F-88BA43455C97}" type="datetimeFigureOut">
               <a:rPr lang="pt-PT" smtClean="0"/>
-              <a:t>10-07-2015</a:t>
+              <a:t>14-12-2015</a:t>
             </a:fld>
             <a:endParaRPr lang="pt-PT"/>
           </a:p>
@@ -3440,7 +3441,7 @@
           <a:p>
             <a:fld id="{C6A25ADF-9D96-43A4-9C2F-88BA43455C97}" type="datetimeFigureOut">
               <a:rPr lang="pt-PT" smtClean="0"/>
-              <a:t>10-07-2015</a:t>
+              <a:t>14-12-2015</a:t>
             </a:fld>
             <a:endParaRPr lang="pt-PT"/>
           </a:p>
@@ -4433,7 +4434,7 @@
       </p:sp>
       <p:pic>
         <p:nvPicPr>
-          <p:cNvPr id="4" name="Content Placeholder 3"/>
+          <p:cNvPr id="6" name="Content Placeholder 5"/>
           <p:cNvPicPr>
             <a:picLocks noGrp="1" noChangeAspect="1"/>
           </p:cNvPicPr>
@@ -4455,8 +4456,8 @@
         </p:blipFill>
         <p:spPr>
           <a:xfrm>
-            <a:off x="899592" y="548680"/>
-            <a:ext cx="7272808" cy="4473154"/>
+            <a:off x="1115616" y="476672"/>
+            <a:ext cx="6552728" cy="4976319"/>
           </a:xfrm>
         </p:spPr>
       </p:pic>
@@ -4522,7 +4523,7 @@
       </p:sp>
       <p:pic>
         <p:nvPicPr>
-          <p:cNvPr id="4" name="Content Placeholder 3"/>
+          <p:cNvPr id="5" name="Content Placeholder 4"/>
           <p:cNvPicPr>
             <a:picLocks noGrp="1" noChangeAspect="1"/>
           </p:cNvPicPr>
@@ -4544,8 +4545,8 @@
         </p:blipFill>
         <p:spPr>
           <a:xfrm>
-            <a:off x="503238" y="592392"/>
-            <a:ext cx="8183562" cy="4063491"/>
+            <a:off x="1043608" y="476672"/>
+            <a:ext cx="7128792" cy="4816087"/>
           </a:xfrm>
         </p:spPr>
       </p:pic>
@@ -4611,7 +4612,7 @@
       </p:sp>
       <p:pic>
         <p:nvPicPr>
-          <p:cNvPr id="4" name="Content Placeholder 3"/>
+          <p:cNvPr id="9" name="Content Placeholder 8"/>
           <p:cNvPicPr>
             <a:picLocks noGrp="1" noChangeAspect="1"/>
           </p:cNvPicPr>
@@ -4633,8 +4634,8 @@
         </p:blipFill>
         <p:spPr>
           <a:xfrm>
-            <a:off x="467544" y="1196752"/>
-            <a:ext cx="8183562" cy="3461637"/>
+            <a:off x="503238" y="580843"/>
+            <a:ext cx="8183562" cy="4086588"/>
           </a:xfrm>
         </p:spPr>
       </p:pic>
@@ -4655,6 +4656,78 @@
       </p:par>
     </p:tnLst>
   </p:timing>
+</p:sld>
+</file>
+
+<file path=ppt/slides/slide17.xml><?xml version="1.0" encoding="utf-8"?>
+<p:sld xmlns:a="http://schemas.openxmlformats.org/drawingml/2006/main" xmlns:r="http://schemas.openxmlformats.org/officeDocument/2006/relationships" xmlns:p="http://schemas.openxmlformats.org/presentationml/2006/main">
+  <p:cSld>
+    <p:spTree>
+      <p:nvGrpSpPr>
+        <p:cNvPr id="1" name=""/>
+        <p:cNvGrpSpPr/>
+        <p:nvPr/>
+      </p:nvGrpSpPr>
+      <p:grpSpPr>
+        <a:xfrm>
+          <a:off x="0" y="0"/>
+          <a:ext cx="0" cy="0"/>
+          <a:chOff x="0" y="0"/>
+          <a:chExt cx="0" cy="0"/>
+        </a:xfrm>
+      </p:grpSpPr>
+      <p:sp>
+        <p:nvSpPr>
+          <p:cNvPr id="2" name="Title 1"/>
+          <p:cNvSpPr>
+            <a:spLocks noGrp="1"/>
+          </p:cNvSpPr>
+          <p:nvPr>
+            <p:ph type="title"/>
+          </p:nvPr>
+        </p:nvSpPr>
+        <p:spPr/>
+        <p:txBody>
+          <a:bodyPr/>
+          <a:lstStyle/>
+          <a:p>
+            <a:r>
+              <a:rPr lang="pt-PT" dirty="0" smtClean="0"/>
+              <a:t>Conclusão</a:t>
+            </a:r>
+            <a:endParaRPr lang="pt-PT" dirty="0"/>
+          </a:p>
+        </p:txBody>
+      </p:sp>
+      <p:sp>
+        <p:nvSpPr>
+          <p:cNvPr id="3" name="Content Placeholder 2"/>
+          <p:cNvSpPr>
+            <a:spLocks noGrp="1"/>
+          </p:cNvSpPr>
+          <p:nvPr>
+            <p:ph idx="1"/>
+          </p:nvPr>
+        </p:nvSpPr>
+        <p:spPr/>
+        <p:txBody>
+          <a:bodyPr/>
+          <a:lstStyle/>
+          <a:p>
+            <a:endParaRPr lang="pt-PT" dirty="0"/>
+          </a:p>
+        </p:txBody>
+      </p:sp>
+    </p:spTree>
+    <p:extLst>
+      <p:ext uri="{BB962C8B-B14F-4D97-AF65-F5344CB8AC3E}">
+        <p14:creationId xmlns:p14="http://schemas.microsoft.com/office/powerpoint/2010/main" val="18222599"/>
+      </p:ext>
+    </p:extLst>
+  </p:cSld>
+  <p:clrMapOvr>
+    <a:masterClrMapping/>
+  </p:clrMapOvr>
 </p:sld>
 </file>
 
@@ -5059,7 +5132,7 @@
         </p:nvGraphicFramePr>
         <p:xfrm>
           <a:off x="503238" y="469300"/>
-          <a:ext cx="8183562" cy="4657133"/>
+          <a:ext cx="8183562" cy="4665388"/>
         </p:xfrm>
         <a:graphic>
           <a:graphicData uri="http://schemas.openxmlformats.org/drawingml/2006/table">
@@ -7378,7 +7451,7 @@
         </p:nvGraphicFramePr>
         <p:xfrm>
           <a:off x="503238" y="530225"/>
-          <a:ext cx="8183562" cy="4594225"/>
+          <a:ext cx="8183562" cy="4699000"/>
         </p:xfrm>
         <a:graphic>
           <a:graphicData uri="http://schemas.openxmlformats.org/drawingml/2006/table">
